--- a/Presentation.pptx
+++ b/Presentation.pptx
@@ -2,25 +2,24 @@
 <file path=ppt/presentation.xml><?xml version="1.0" encoding="utf-8"?>
 <p:presentation xmlns:a="http://schemas.openxmlformats.org/drawingml/2006/main" xmlns:r="http://schemas.openxmlformats.org/officeDocument/2006/relationships" xmlns:p="http://schemas.openxmlformats.org/presentationml/2006/main" saveSubsetFonts="1">
   <p:sldMasterIdLst>
-    <p:sldMasterId id="2147483648" r:id="rId4"/>
+    <p:sldMasterId id="2147483731" r:id="rId4"/>
   </p:sldMasterIdLst>
   <p:notesMasterIdLst>
-    <p:notesMasterId r:id="rId15"/>
+    <p:notesMasterId r:id="rId14"/>
   </p:notesMasterIdLst>
   <p:handoutMasterIdLst>
-    <p:handoutMasterId r:id="rId16"/>
+    <p:handoutMasterId r:id="rId15"/>
   </p:handoutMasterIdLst>
   <p:sldIdLst>
     <p:sldId id="257" r:id="rId5"/>
-    <p:sldId id="272" r:id="rId6"/>
-    <p:sldId id="266" r:id="rId7"/>
-    <p:sldId id="268" r:id="rId8"/>
-    <p:sldId id="267" r:id="rId9"/>
-    <p:sldId id="269" r:id="rId10"/>
-    <p:sldId id="270" r:id="rId11"/>
-    <p:sldId id="274" r:id="rId12"/>
-    <p:sldId id="273" r:id="rId13"/>
-    <p:sldId id="275" r:id="rId14"/>
+    <p:sldId id="266" r:id="rId6"/>
+    <p:sldId id="276" r:id="rId7"/>
+    <p:sldId id="267" r:id="rId8"/>
+    <p:sldId id="277" r:id="rId9"/>
+    <p:sldId id="270" r:id="rId10"/>
+    <p:sldId id="274" r:id="rId11"/>
+    <p:sldId id="273" r:id="rId12"/>
+    <p:sldId id="275" r:id="rId13"/>
   </p:sldIdLst>
   <p:sldSz cx="12192000" cy="6858000"/>
   <p:notesSz cx="6858000" cy="9144000"/>
@@ -28,7 +27,7 @@
     <a:defPPr>
       <a:defRPr lang="en-US"/>
     </a:defPPr>
-    <a:lvl1pPr marL="0" algn="l" defTabSz="914400" rtl="0" eaLnBrk="1" latinLnBrk="0" hangingPunct="1">
+    <a:lvl1pPr marL="0" algn="l" defTabSz="457200" rtl="0" eaLnBrk="1" latinLnBrk="0" hangingPunct="1">
       <a:defRPr sz="1800" kern="1200">
         <a:solidFill>
           <a:schemeClr val="tx1"/>
@@ -38,7 +37,7 @@
         <a:cs typeface="+mn-cs"/>
       </a:defRPr>
     </a:lvl1pPr>
-    <a:lvl2pPr marL="457200" algn="l" defTabSz="914400" rtl="0" eaLnBrk="1" latinLnBrk="0" hangingPunct="1">
+    <a:lvl2pPr marL="457200" algn="l" defTabSz="457200" rtl="0" eaLnBrk="1" latinLnBrk="0" hangingPunct="1">
       <a:defRPr sz="1800" kern="1200">
         <a:solidFill>
           <a:schemeClr val="tx1"/>
@@ -48,7 +47,7 @@
         <a:cs typeface="+mn-cs"/>
       </a:defRPr>
     </a:lvl2pPr>
-    <a:lvl3pPr marL="914400" algn="l" defTabSz="914400" rtl="0" eaLnBrk="1" latinLnBrk="0" hangingPunct="1">
+    <a:lvl3pPr marL="914400" algn="l" defTabSz="457200" rtl="0" eaLnBrk="1" latinLnBrk="0" hangingPunct="1">
       <a:defRPr sz="1800" kern="1200">
         <a:solidFill>
           <a:schemeClr val="tx1"/>
@@ -58,7 +57,7 @@
         <a:cs typeface="+mn-cs"/>
       </a:defRPr>
     </a:lvl3pPr>
-    <a:lvl4pPr marL="1371600" algn="l" defTabSz="914400" rtl="0" eaLnBrk="1" latinLnBrk="0" hangingPunct="1">
+    <a:lvl4pPr marL="1371600" algn="l" defTabSz="457200" rtl="0" eaLnBrk="1" latinLnBrk="0" hangingPunct="1">
       <a:defRPr sz="1800" kern="1200">
         <a:solidFill>
           <a:schemeClr val="tx1"/>
@@ -68,7 +67,7 @@
         <a:cs typeface="+mn-cs"/>
       </a:defRPr>
     </a:lvl4pPr>
-    <a:lvl5pPr marL="1828800" algn="l" defTabSz="914400" rtl="0" eaLnBrk="1" latinLnBrk="0" hangingPunct="1">
+    <a:lvl5pPr marL="1828800" algn="l" defTabSz="457200" rtl="0" eaLnBrk="1" latinLnBrk="0" hangingPunct="1">
       <a:defRPr sz="1800" kern="1200">
         <a:solidFill>
           <a:schemeClr val="tx1"/>
@@ -78,7 +77,7 @@
         <a:cs typeface="+mn-cs"/>
       </a:defRPr>
     </a:lvl5pPr>
-    <a:lvl6pPr marL="2286000" algn="l" defTabSz="914400" rtl="0" eaLnBrk="1" latinLnBrk="0" hangingPunct="1">
+    <a:lvl6pPr marL="2286000" algn="l" defTabSz="457200" rtl="0" eaLnBrk="1" latinLnBrk="0" hangingPunct="1">
       <a:defRPr sz="1800" kern="1200">
         <a:solidFill>
           <a:schemeClr val="tx1"/>
@@ -88,7 +87,7 @@
         <a:cs typeface="+mn-cs"/>
       </a:defRPr>
     </a:lvl6pPr>
-    <a:lvl7pPr marL="2743200" algn="l" defTabSz="914400" rtl="0" eaLnBrk="1" latinLnBrk="0" hangingPunct="1">
+    <a:lvl7pPr marL="2743200" algn="l" defTabSz="457200" rtl="0" eaLnBrk="1" latinLnBrk="0" hangingPunct="1">
       <a:defRPr sz="1800" kern="1200">
         <a:solidFill>
           <a:schemeClr val="tx1"/>
@@ -98,7 +97,7 @@
         <a:cs typeface="+mn-cs"/>
       </a:defRPr>
     </a:lvl7pPr>
-    <a:lvl8pPr marL="3200400" algn="l" defTabSz="914400" rtl="0" eaLnBrk="1" latinLnBrk="0" hangingPunct="1">
+    <a:lvl8pPr marL="3200400" algn="l" defTabSz="457200" rtl="0" eaLnBrk="1" latinLnBrk="0" hangingPunct="1">
       <a:defRPr sz="1800" kern="1200">
         <a:solidFill>
           <a:schemeClr val="tx1"/>
@@ -108,7 +107,7 @@
         <a:cs typeface="+mn-cs"/>
       </a:defRPr>
     </a:lvl8pPr>
-    <a:lvl9pPr marL="3657600" algn="l" defTabSz="914400" rtl="0" eaLnBrk="1" latinLnBrk="0" hangingPunct="1">
+    <a:lvl9pPr marL="3657600" algn="l" defTabSz="457200" rtl="0" eaLnBrk="1" latinLnBrk="0" hangingPunct="1">
       <a:defRPr sz="1800" kern="1200">
         <a:solidFill>
           <a:schemeClr val="tx1"/>
@@ -128,6 +127,32 @@
     </p:ext>
   </p:extLst>
 </p:presentation>
+</file>
+
+<file path=ppt/commentAuthors.xml><?xml version="1.0" encoding="utf-8"?>
+<p:cmAuthorLst xmlns:a="http://schemas.openxmlformats.org/drawingml/2006/main" xmlns:r="http://schemas.openxmlformats.org/officeDocument/2006/relationships" xmlns:p="http://schemas.openxmlformats.org/presentationml/2006/main">
+  <p:cmAuthor id="1" name="fmiraftab" initials="f" lastIdx="1" clrIdx="0">
+    <p:extLst>
+      <p:ext uri="{19B8F6BF-5375-455C-9EA6-DF929625EA0E}">
+        <p15:presenceInfo xmlns:p15="http://schemas.microsoft.com/office/powerpoint/2012/main" userId="fmiraftab" providerId="None"/>
+      </p:ext>
+    </p:extLst>
+  </p:cmAuthor>
+</p:cmAuthorLst>
+</file>
+
+<file path=ppt/comments/comment1.xml><?xml version="1.0" encoding="utf-8"?>
+<p:cmLst xmlns:a="http://schemas.openxmlformats.org/drawingml/2006/main" xmlns:r="http://schemas.openxmlformats.org/officeDocument/2006/relationships" xmlns:p="http://schemas.openxmlformats.org/presentationml/2006/main">
+  <p:cm authorId="1" dt="2017-04-25T22:44:51.797" idx="1">
+    <p:pos x="10" y="10"/>
+    <p:text/>
+    <p:extLst>
+      <p:ext uri="{C676402C-5697-4E1C-873F-D02D1690AC5C}">
+        <p15:threadingInfo xmlns:p15="http://schemas.microsoft.com/office/powerpoint/2012/main" timeZoneBias="420"/>
+      </p:ext>
+    </p:extLst>
+  </p:cm>
+</p:cmLst>
 </file>
 
 <file path=ppt/handoutMasters/handoutMaster1.xml><?xml version="1.0" encoding="utf-8"?>
@@ -212,7 +237,7 @@
           <a:p>
             <a:fld id="{D8DE8356-FFDA-4E74-B804-79023C7DD259}" type="datetimeFigureOut">
               <a:rPr lang="en-US" smtClean="0"/>
-              <a:t>4/23/17</a:t>
+              <a:t>4/25/2017</a:t>
             </a:fld>
             <a:endParaRPr lang="en-US"/>
           </a:p>
@@ -377,7 +402,7 @@
           <a:p>
             <a:fld id="{B43DDCE7-616C-4285-A468-7301F171BC93}" type="datetimeFigureOut">
               <a:rPr lang="en-US" smtClean="0"/>
-              <a:t>4/23/17</a:t>
+              <a:t>4/25/2017</a:t>
             </a:fld>
             <a:endParaRPr lang="en-US"/>
           </a:p>
@@ -645,22 +670,8 @@
 </file>
 
 <file path=ppt/slideLayouts/slideLayout1.xml><?xml version="1.0" encoding="utf-8"?>
-<p:sldLayout xmlns:a="http://schemas.openxmlformats.org/drawingml/2006/main" xmlns:r="http://schemas.openxmlformats.org/officeDocument/2006/relationships" xmlns:p="http://schemas.openxmlformats.org/presentationml/2006/main" type="title" preserve="1">
+<p:sldLayout xmlns:a="http://schemas.openxmlformats.org/drawingml/2006/main" xmlns:r="http://schemas.openxmlformats.org/officeDocument/2006/relationships" xmlns:p="http://schemas.openxmlformats.org/presentationml/2006/main" showMasterSp="0" type="title" preserve="1">
   <p:cSld name="Title Slide">
-    <p:bg>
-      <p:bgPr>
-        <a:blipFill dpi="0" rotWithShape="1">
-          <a:blip r:embed="rId2">
-            <a:lum/>
-          </a:blip>
-          <a:srcRect/>
-          <a:stretch>
-            <a:fillRect/>
-          </a:stretch>
-        </a:blipFill>
-        <a:effectLst/>
-      </p:bgPr>
-    </p:bg>
     <p:spTree>
       <p:nvGrpSpPr>
         <p:cNvPr id="1" name=""/>
@@ -677,18 +688,94 @@
       </p:grpSpPr>
       <p:sp>
         <p:nvSpPr>
-          <p:cNvPr id="2" name="Title 1"/>
-          <p:cNvSpPr>
-            <a:spLocks noGrp="1"/>
-          </p:cNvSpPr>
-          <p:nvPr>
-            <p:ph type="ctrTitle"/>
-          </p:nvPr>
+          <p:cNvPr id="7" name="Rectangle 6"/>
+          <p:cNvSpPr/>
+          <p:nvPr/>
         </p:nvSpPr>
         <p:spPr>
           <a:xfrm>
-            <a:off x="5638800" y="304801"/>
-            <a:ext cx="5486400" cy="2514599"/>
+            <a:off x="3175" y="6400800"/>
+            <a:ext cx="12188825" cy="457200"/>
+          </a:xfrm>
+          <a:prstGeom prst="rect">
+            <a:avLst/>
+          </a:prstGeom>
+          <a:solidFill>
+            <a:schemeClr val="accent2"/>
+          </a:solidFill>
+          <a:ln>
+            <a:noFill/>
+          </a:ln>
+        </p:spPr>
+        <p:style>
+          <a:lnRef idx="2">
+            <a:schemeClr val="accent1">
+              <a:shade val="50000"/>
+            </a:schemeClr>
+          </a:lnRef>
+          <a:fillRef idx="1">
+            <a:schemeClr val="accent1"/>
+          </a:fillRef>
+          <a:effectRef idx="0">
+            <a:schemeClr val="accent1"/>
+          </a:effectRef>
+          <a:fontRef idx="minor">
+            <a:schemeClr val="lt1"/>
+          </a:fontRef>
+        </p:style>
+      </p:sp>
+      <p:sp>
+        <p:nvSpPr>
+          <p:cNvPr id="8" name="Rectangle 7"/>
+          <p:cNvSpPr/>
+          <p:nvPr/>
+        </p:nvSpPr>
+        <p:spPr>
+          <a:xfrm>
+            <a:off x="15" y="6334316"/>
+            <a:ext cx="12188825" cy="64008"/>
+          </a:xfrm>
+          <a:prstGeom prst="rect">
+            <a:avLst/>
+          </a:prstGeom>
+          <a:solidFill>
+            <a:schemeClr val="accent1"/>
+          </a:solidFill>
+          <a:ln>
+            <a:noFill/>
+          </a:ln>
+        </p:spPr>
+        <p:style>
+          <a:lnRef idx="2">
+            <a:schemeClr val="accent1">
+              <a:shade val="50000"/>
+            </a:schemeClr>
+          </a:lnRef>
+          <a:fillRef idx="1">
+            <a:schemeClr val="accent1"/>
+          </a:fillRef>
+          <a:effectRef idx="0">
+            <a:schemeClr val="accent1"/>
+          </a:effectRef>
+          <a:fontRef idx="minor">
+            <a:schemeClr val="lt1"/>
+          </a:fontRef>
+        </p:style>
+      </p:sp>
+      <p:sp>
+        <p:nvSpPr>
+          <p:cNvPr id="2" name="Title 1"/>
+          <p:cNvSpPr>
+            <a:spLocks noGrp="1"/>
+          </p:cNvSpPr>
+          <p:nvPr>
+            <p:ph type="ctrTitle"/>
+          </p:nvPr>
+        </p:nvSpPr>
+        <p:spPr>
+          <a:xfrm>
+            <a:off x="1097280" y="758952"/>
+            <a:ext cx="10058400" cy="3566160"/>
           </a:xfrm>
         </p:spPr>
         <p:txBody>
@@ -697,97 +784,207 @@
           </a:bodyPr>
           <a:lstStyle>
             <a:lvl1pPr algn="l">
-              <a:defRPr sz="5400"/>
-            </a:lvl1pPr>
-          </a:lstStyle>
-          <a:p>
-            <a:r>
-              <a:rPr lang="en-US" smtClean="0"/>
-              <a:t>Click to edit Master title style</a:t>
-            </a:r>
-            <a:endParaRPr lang="en-US" dirty="0"/>
-          </a:p>
-        </p:txBody>
-      </p:sp>
-      <p:sp>
-        <p:nvSpPr>
-          <p:cNvPr id="3" name="Subtitle 2"/>
-          <p:cNvSpPr>
-            <a:spLocks noGrp="1"/>
-          </p:cNvSpPr>
-          <p:nvPr>
-            <p:ph type="subTitle" idx="1"/>
-          </p:nvPr>
-        </p:nvSpPr>
-        <p:spPr>
-          <a:xfrm>
-            <a:off x="5638800" y="2895600"/>
-            <a:ext cx="5486400" cy="914400"/>
-          </a:xfrm>
-        </p:spPr>
-        <p:txBody>
-          <a:bodyPr/>
-          <a:lstStyle>
-            <a:lvl1pPr marL="0" indent="0" algn="l">
-              <a:spcBef>
-                <a:spcPts val="1200"/>
-              </a:spcBef>
-              <a:buNone/>
-              <a:defRPr sz="2400">
+              <a:lnSpc>
+                <a:spcPct val="85000"/>
+              </a:lnSpc>
+              <a:defRPr sz="8000" spc="-50" baseline="0">
                 <a:solidFill>
-                  <a:schemeClr val="bg2">
-                    <a:lumMod val="25000"/>
-                    <a:lumOff val="75000"/>
+                  <a:schemeClr val="tx1">
+                    <a:lumMod val="85000"/>
+                    <a:lumOff val="15000"/>
                   </a:schemeClr>
                 </a:solidFill>
               </a:defRPr>
             </a:lvl1pPr>
+          </a:lstStyle>
+          <a:p>
+            <a:r>
+              <a:rPr lang="en-US"/>
+              <a:t>Click to edit Master title style</a:t>
+            </a:r>
+            <a:endParaRPr lang="en-US" dirty="0"/>
+          </a:p>
+        </p:txBody>
+      </p:sp>
+      <p:sp>
+        <p:nvSpPr>
+          <p:cNvPr id="3" name="Subtitle 2"/>
+          <p:cNvSpPr>
+            <a:spLocks noGrp="1"/>
+          </p:cNvSpPr>
+          <p:nvPr>
+            <p:ph type="subTitle" idx="1"/>
+          </p:nvPr>
+        </p:nvSpPr>
+        <p:spPr>
+          <a:xfrm>
+            <a:off x="1100051" y="4455620"/>
+            <a:ext cx="10058400" cy="1143000"/>
+          </a:xfrm>
+        </p:spPr>
+        <p:txBody>
+          <a:bodyPr lIns="91440" rIns="91440">
+            <a:normAutofit/>
+          </a:bodyPr>
+          <a:lstStyle>
+            <a:lvl1pPr marL="0" indent="0" algn="l">
+              <a:buNone/>
+              <a:defRPr sz="2400" cap="all" spc="200" baseline="0">
+                <a:solidFill>
+                  <a:schemeClr val="tx2"/>
+                </a:solidFill>
+                <a:latin typeface="+mj-lt"/>
+              </a:defRPr>
+            </a:lvl1pPr>
             <a:lvl2pPr marL="457200" indent="0" algn="ctr">
               <a:buNone/>
-              <a:defRPr sz="2000"/>
+              <a:defRPr sz="2400"/>
             </a:lvl2pPr>
             <a:lvl3pPr marL="914400" indent="0" algn="ctr">
               <a:buNone/>
-              <a:defRPr sz="1800"/>
+              <a:defRPr sz="2400"/>
             </a:lvl3pPr>
             <a:lvl4pPr marL="1371600" indent="0" algn="ctr">
               <a:buNone/>
-              <a:defRPr sz="1600"/>
+              <a:defRPr sz="2000"/>
             </a:lvl4pPr>
             <a:lvl5pPr marL="1828800" indent="0" algn="ctr">
               <a:buNone/>
-              <a:defRPr sz="1600"/>
+              <a:defRPr sz="2000"/>
             </a:lvl5pPr>
             <a:lvl6pPr marL="2286000" indent="0" algn="ctr">
               <a:buNone/>
-              <a:defRPr sz="1600"/>
+              <a:defRPr sz="2000"/>
             </a:lvl6pPr>
             <a:lvl7pPr marL="2743200" indent="0" algn="ctr">
               <a:buNone/>
-              <a:defRPr sz="1600"/>
+              <a:defRPr sz="2000"/>
             </a:lvl7pPr>
             <a:lvl8pPr marL="3200400" indent="0" algn="ctr">
               <a:buNone/>
-              <a:defRPr sz="1600"/>
+              <a:defRPr sz="2000"/>
             </a:lvl8pPr>
             <a:lvl9pPr marL="3657600" indent="0" algn="ctr">
               <a:buNone/>
-              <a:defRPr sz="1600"/>
+              <a:defRPr sz="2000"/>
             </a:lvl9pPr>
           </a:lstStyle>
           <a:p>
             <a:r>
+              <a:rPr lang="en-US"/>
+              <a:t>Click to edit Master subtitle style</a:t>
+            </a:r>
+            <a:endParaRPr lang="en-US" dirty="0"/>
+          </a:p>
+        </p:txBody>
+      </p:sp>
+      <p:sp>
+        <p:nvSpPr>
+          <p:cNvPr id="4" name="Date Placeholder 3"/>
+          <p:cNvSpPr>
+            <a:spLocks noGrp="1"/>
+          </p:cNvSpPr>
+          <p:nvPr>
+            <p:ph type="dt" sz="half" idx="10"/>
+          </p:nvPr>
+        </p:nvSpPr>
+        <p:spPr/>
+        <p:txBody>
+          <a:bodyPr/>
+          <a:lstStyle/>
+          <a:p>
+            <a:fld id="{48A87A34-81AB-432B-8DAE-1953F412C126}" type="datetimeFigureOut">
               <a:rPr lang="en-US" smtClean="0"/>
-              <a:t>Click to edit Master subtitle style</a:t>
-            </a:r>
+              <a:t>4/25/2017</a:t>
+            </a:fld>
             <a:endParaRPr lang="en-US" dirty="0"/>
           </a:p>
         </p:txBody>
       </p:sp>
+      <p:sp>
+        <p:nvSpPr>
+          <p:cNvPr id="5" name="Footer Placeholder 4"/>
+          <p:cNvSpPr>
+            <a:spLocks noGrp="1"/>
+          </p:cNvSpPr>
+          <p:nvPr>
+            <p:ph type="ftr" sz="quarter" idx="11"/>
+          </p:nvPr>
+        </p:nvSpPr>
+        <p:spPr/>
+        <p:txBody>
+          <a:bodyPr/>
+          <a:lstStyle/>
+          <a:p>
+            <a:endParaRPr lang="en-US" dirty="0"/>
+          </a:p>
+        </p:txBody>
+      </p:sp>
+      <p:sp>
+        <p:nvSpPr>
+          <p:cNvPr id="6" name="Slide Number Placeholder 5"/>
+          <p:cNvSpPr>
+            <a:spLocks noGrp="1"/>
+          </p:cNvSpPr>
+          <p:nvPr>
+            <p:ph type="sldNum" sz="quarter" idx="12"/>
+          </p:nvPr>
+        </p:nvSpPr>
+        <p:spPr/>
+        <p:txBody>
+          <a:bodyPr/>
+          <a:lstStyle/>
+          <a:p>
+            <a:fld id="{6D22F896-40B5-4ADD-8801-0D06FADFA095}" type="slidenum">
+              <a:rPr lang="en-US" smtClean="0"/>
+              <a:t>‹#›</a:t>
+            </a:fld>
+            <a:endParaRPr lang="en-US" dirty="0"/>
+          </a:p>
+        </p:txBody>
+      </p:sp>
+      <p:cxnSp>
+        <p:nvCxnSpPr>
+          <p:cNvPr id="9" name="Straight Connector 8"/>
+          <p:cNvCxnSpPr/>
+          <p:nvPr/>
+        </p:nvCxnSpPr>
+        <p:spPr>
+          <a:xfrm>
+            <a:off x="1207658" y="4343400"/>
+            <a:ext cx="9875520" cy="0"/>
+          </a:xfrm>
+          <a:prstGeom prst="line">
+            <a:avLst/>
+          </a:prstGeom>
+          <a:ln w="6350">
+            <a:solidFill>
+              <a:schemeClr val="tx1">
+                <a:lumMod val="50000"/>
+                <a:lumOff val="50000"/>
+              </a:schemeClr>
+            </a:solidFill>
+          </a:ln>
+        </p:spPr>
+        <p:style>
+          <a:lnRef idx="1">
+            <a:schemeClr val="accent1"/>
+          </a:lnRef>
+          <a:fillRef idx="0">
+            <a:schemeClr val="accent1"/>
+          </a:fillRef>
+          <a:effectRef idx="0">
+            <a:schemeClr val="accent1"/>
+          </a:effectRef>
+          <a:fontRef idx="minor">
+            <a:schemeClr val="tx1"/>
+          </a:fontRef>
+        </p:style>
+      </p:cxnSp>
     </p:spTree>
     <p:extLst>
       <p:ext uri="{BB962C8B-B14F-4D97-AF65-F5344CB8AC3E}">
-        <p14:creationId xmlns:p14="http://schemas.microsoft.com/office/powerpoint/2010/main" val="820533759"/>
+        <p14:creationId xmlns:p14="http://schemas.microsoft.com/office/powerpoint/2010/main" val="299018363"/>
       </p:ext>
     </p:extLst>
   </p:cSld>
@@ -842,10 +1039,10 @@
           <a:lstStyle/>
           <a:p>
             <a:r>
-              <a:rPr lang="en-US" smtClean="0"/>
+              <a:rPr lang="en-US"/>
               <a:t>Click to edit Master title style</a:t>
             </a:r>
-            <a:endParaRPr lang="en-US"/>
+            <a:endParaRPr lang="en-US" dirty="0"/>
           </a:p>
         </p:txBody>
       </p:sp>
@@ -861,54 +1058,54 @@
         </p:nvSpPr>
         <p:spPr/>
         <p:txBody>
-          <a:bodyPr vert="eaVert"/>
+          <a:bodyPr vert="eaVert" lIns="45720" tIns="0" rIns="45720" bIns="0"/>
           <a:lstStyle/>
           <a:p>
             <a:pPr lvl="0"/>
             <a:r>
-              <a:rPr lang="en-US" smtClean="0"/>
-              <a:t>Click to edit Master text styles</a:t>
+              <a:rPr lang="en-US"/>
+              <a:t>Edit Master text styles</a:t>
             </a:r>
           </a:p>
           <a:p>
             <a:pPr lvl="1"/>
             <a:r>
-              <a:rPr lang="en-US" smtClean="0"/>
+              <a:rPr lang="en-US"/>
               <a:t>Second level</a:t>
             </a:r>
           </a:p>
           <a:p>
             <a:pPr lvl="2"/>
             <a:r>
-              <a:rPr lang="en-US" smtClean="0"/>
+              <a:rPr lang="en-US"/>
               <a:t>Third level</a:t>
             </a:r>
           </a:p>
           <a:p>
             <a:pPr lvl="3"/>
             <a:r>
-              <a:rPr lang="en-US" smtClean="0"/>
+              <a:rPr lang="en-US"/>
               <a:t>Fourth level</a:t>
             </a:r>
           </a:p>
           <a:p>
             <a:pPr lvl="4"/>
             <a:r>
-              <a:rPr lang="en-US" smtClean="0"/>
+              <a:rPr lang="en-US"/>
               <a:t>Fifth level</a:t>
             </a:r>
-            <a:endParaRPr lang="en-US"/>
-          </a:p>
-        </p:txBody>
-      </p:sp>
-      <p:sp>
-        <p:nvSpPr>
-          <p:cNvPr id="5" name="Footer Placeholder 4"/>
-          <p:cNvSpPr>
-            <a:spLocks noGrp="1"/>
-          </p:cNvSpPr>
-          <p:nvPr>
-            <p:ph type="ftr" sz="quarter" idx="11"/>
+            <a:endParaRPr lang="en-US" dirty="0"/>
+          </a:p>
+        </p:txBody>
+      </p:sp>
+      <p:sp>
+        <p:nvSpPr>
+          <p:cNvPr id="4" name="Date Placeholder 3"/>
+          <p:cNvSpPr>
+            <a:spLocks noGrp="1"/>
+          </p:cNvSpPr>
+          <p:nvPr>
+            <p:ph type="dt" sz="half" idx="10"/>
           </p:nvPr>
         </p:nvSpPr>
         <p:spPr/>
@@ -916,21 +1113,22 @@
           <a:bodyPr/>
           <a:lstStyle/>
           <a:p>
-            <a:r>
-              <a:rPr lang="en-US" dirty="0"/>
-              <a:t>Add a footer</a:t>
-            </a:r>
-          </a:p>
-        </p:txBody>
-      </p:sp>
-      <p:sp>
-        <p:nvSpPr>
-          <p:cNvPr id="4" name="Date Placeholder 3"/>
-          <p:cNvSpPr>
-            <a:spLocks noGrp="1"/>
-          </p:cNvSpPr>
-          <p:nvPr>
-            <p:ph type="dt" sz="half" idx="10"/>
+            <a:fld id="{3762EC29-B8C5-4C7A-B6DA-418494D5CB21}" type="datetimeFigureOut">
+              <a:rPr lang="en-US" smtClean="0"/>
+              <a:t>4/25/2017</a:t>
+            </a:fld>
+            <a:endParaRPr lang="en-US"/>
+          </a:p>
+        </p:txBody>
+      </p:sp>
+      <p:sp>
+        <p:nvSpPr>
+          <p:cNvPr id="5" name="Footer Placeholder 4"/>
+          <p:cNvSpPr>
+            <a:spLocks noGrp="1"/>
+          </p:cNvSpPr>
+          <p:nvPr>
+            <p:ph type="ftr" sz="quarter" idx="11"/>
           </p:nvPr>
         </p:nvSpPr>
         <p:spPr/>
@@ -938,11 +1136,11 @@
           <a:bodyPr/>
           <a:lstStyle/>
           <a:p>
-            <a:fld id="{3762EC29-B8C5-4C7A-B6DA-418494D5CB21}" type="datetimeFigureOut">
-              <a:rPr lang="en-US" smtClean="0"/>
-              <a:t>4/23/17</a:t>
-            </a:fld>
-            <a:endParaRPr lang="en-US"/>
+            <a:r>
+              <a:rPr lang="en-US"/>
+              <a:t>Add a footer</a:t>
+            </a:r>
+            <a:endParaRPr lang="en-US" dirty="0"/>
           </a:p>
         </p:txBody>
       </p:sp>
@@ -972,7 +1170,7 @@
     </p:spTree>
     <p:extLst>
       <p:ext uri="{BB962C8B-B14F-4D97-AF65-F5344CB8AC3E}">
-        <p14:creationId xmlns:p14="http://schemas.microsoft.com/office/powerpoint/2010/main" val="3174512682"/>
+        <p14:creationId xmlns:p14="http://schemas.microsoft.com/office/powerpoint/2010/main" val="3690798336"/>
       </p:ext>
     </p:extLst>
   </p:cSld>
@@ -995,7 +1193,7 @@
 </file>
 
 <file path=ppt/slideLayouts/slideLayout11.xml><?xml version="1.0" encoding="utf-8"?>
-<p:sldLayout xmlns:a="http://schemas.openxmlformats.org/drawingml/2006/main" xmlns:r="http://schemas.openxmlformats.org/officeDocument/2006/relationships" xmlns:p="http://schemas.openxmlformats.org/presentationml/2006/main" type="vertTitleAndTx" preserve="1">
+<p:sldLayout xmlns:a="http://schemas.openxmlformats.org/drawingml/2006/main" xmlns:r="http://schemas.openxmlformats.org/officeDocument/2006/relationships" xmlns:p="http://schemas.openxmlformats.org/presentationml/2006/main" showMasterSp="0" type="vertTitleAndTx" preserve="1">
   <p:cSld name="Vertical Title and Text">
     <p:spTree>
       <p:nvGrpSpPr>
@@ -1013,18 +1211,94 @@
       </p:grpSpPr>
       <p:sp>
         <p:nvSpPr>
-          <p:cNvPr id="2" name="Vertical Title 1"/>
-          <p:cNvSpPr>
-            <a:spLocks noGrp="1"/>
-          </p:cNvSpPr>
-          <p:nvPr>
-            <p:ph type="title" orient="vert"/>
-          </p:nvPr>
+          <p:cNvPr id="7" name="Rectangle 6"/>
+          <p:cNvSpPr/>
+          <p:nvPr/>
         </p:nvSpPr>
         <p:spPr>
           <a:xfrm>
-            <a:off x="9296400" y="365125"/>
-            <a:ext cx="1828800" cy="5654675"/>
+            <a:off x="3175" y="6400800"/>
+            <a:ext cx="12188825" cy="457200"/>
+          </a:xfrm>
+          <a:prstGeom prst="rect">
+            <a:avLst/>
+          </a:prstGeom>
+          <a:solidFill>
+            <a:schemeClr val="accent2"/>
+          </a:solidFill>
+          <a:ln>
+            <a:noFill/>
+          </a:ln>
+        </p:spPr>
+        <p:style>
+          <a:lnRef idx="2">
+            <a:schemeClr val="accent1">
+              <a:shade val="50000"/>
+            </a:schemeClr>
+          </a:lnRef>
+          <a:fillRef idx="1">
+            <a:schemeClr val="accent1"/>
+          </a:fillRef>
+          <a:effectRef idx="0">
+            <a:schemeClr val="accent1"/>
+          </a:effectRef>
+          <a:fontRef idx="minor">
+            <a:schemeClr val="lt1"/>
+          </a:fontRef>
+        </p:style>
+      </p:sp>
+      <p:sp>
+        <p:nvSpPr>
+          <p:cNvPr id="8" name="Rectangle 7"/>
+          <p:cNvSpPr/>
+          <p:nvPr/>
+        </p:nvSpPr>
+        <p:spPr>
+          <a:xfrm>
+            <a:off x="15" y="6334316"/>
+            <a:ext cx="12188825" cy="64008"/>
+          </a:xfrm>
+          <a:prstGeom prst="rect">
+            <a:avLst/>
+          </a:prstGeom>
+          <a:solidFill>
+            <a:schemeClr val="accent1"/>
+          </a:solidFill>
+          <a:ln>
+            <a:noFill/>
+          </a:ln>
+        </p:spPr>
+        <p:style>
+          <a:lnRef idx="2">
+            <a:schemeClr val="accent1">
+              <a:shade val="50000"/>
+            </a:schemeClr>
+          </a:lnRef>
+          <a:fillRef idx="1">
+            <a:schemeClr val="accent1"/>
+          </a:fillRef>
+          <a:effectRef idx="0">
+            <a:schemeClr val="accent1"/>
+          </a:effectRef>
+          <a:fontRef idx="minor">
+            <a:schemeClr val="lt1"/>
+          </a:fontRef>
+        </p:style>
+      </p:sp>
+      <p:sp>
+        <p:nvSpPr>
+          <p:cNvPr id="2" name="Vertical Title 1"/>
+          <p:cNvSpPr>
+            <a:spLocks noGrp="1"/>
+          </p:cNvSpPr>
+          <p:nvPr>
+            <p:ph type="title" orient="vert"/>
+          </p:nvPr>
+        </p:nvSpPr>
+        <p:spPr>
+          <a:xfrm>
+            <a:off x="8724900" y="414778"/>
+            <a:ext cx="2628900" cy="5757421"/>
           </a:xfrm>
         </p:spPr>
         <p:txBody>
@@ -1032,10 +1306,10 @@
           <a:lstStyle/>
           <a:p>
             <a:r>
-              <a:rPr lang="en-US" smtClean="0"/>
+              <a:rPr lang="en-US"/>
               <a:t>Click to edit Master title style</a:t>
             </a:r>
-            <a:endParaRPr lang="en-US"/>
+            <a:endParaRPr lang="en-US" dirty="0"/>
           </a:p>
         </p:txBody>
       </p:sp>
@@ -1051,59 +1325,59 @@
         </p:nvSpPr>
         <p:spPr>
           <a:xfrm>
-            <a:off x="1066800" y="365125"/>
-            <a:ext cx="8001000" cy="5654675"/>
+            <a:off x="838200" y="414778"/>
+            <a:ext cx="7734300" cy="5757422"/>
           </a:xfrm>
         </p:spPr>
         <p:txBody>
-          <a:bodyPr vert="eaVert"/>
+          <a:bodyPr vert="eaVert" lIns="45720" tIns="0" rIns="45720" bIns="0"/>
           <a:lstStyle/>
           <a:p>
             <a:pPr lvl="0"/>
             <a:r>
-              <a:rPr lang="en-US" smtClean="0"/>
-              <a:t>Click to edit Master text styles</a:t>
+              <a:rPr lang="en-US"/>
+              <a:t>Edit Master text styles</a:t>
             </a:r>
           </a:p>
           <a:p>
             <a:pPr lvl="1"/>
             <a:r>
-              <a:rPr lang="en-US" smtClean="0"/>
+              <a:rPr lang="en-US"/>
               <a:t>Second level</a:t>
             </a:r>
           </a:p>
           <a:p>
             <a:pPr lvl="2"/>
             <a:r>
-              <a:rPr lang="en-US" smtClean="0"/>
+              <a:rPr lang="en-US"/>
               <a:t>Third level</a:t>
             </a:r>
           </a:p>
           <a:p>
             <a:pPr lvl="3"/>
             <a:r>
-              <a:rPr lang="en-US" smtClean="0"/>
+              <a:rPr lang="en-US"/>
               <a:t>Fourth level</a:t>
             </a:r>
           </a:p>
           <a:p>
             <a:pPr lvl="4"/>
             <a:r>
-              <a:rPr lang="en-US" smtClean="0"/>
+              <a:rPr lang="en-US"/>
               <a:t>Fifth level</a:t>
             </a:r>
-            <a:endParaRPr lang="en-US"/>
-          </a:p>
-        </p:txBody>
-      </p:sp>
-      <p:sp>
-        <p:nvSpPr>
-          <p:cNvPr id="5" name="Footer Placeholder 4"/>
-          <p:cNvSpPr>
-            <a:spLocks noGrp="1"/>
-          </p:cNvSpPr>
-          <p:nvPr>
-            <p:ph type="ftr" sz="quarter" idx="11"/>
+            <a:endParaRPr lang="en-US" dirty="0"/>
+          </a:p>
+        </p:txBody>
+      </p:sp>
+      <p:sp>
+        <p:nvSpPr>
+          <p:cNvPr id="4" name="Date Placeholder 3"/>
+          <p:cNvSpPr>
+            <a:spLocks noGrp="1"/>
+          </p:cNvSpPr>
+          <p:nvPr>
+            <p:ph type="dt" sz="half" idx="10"/>
           </p:nvPr>
         </p:nvSpPr>
         <p:spPr/>
@@ -1111,21 +1385,22 @@
           <a:bodyPr/>
           <a:lstStyle/>
           <a:p>
-            <a:r>
-              <a:rPr lang="en-US" dirty="0"/>
-              <a:t>Add a footer</a:t>
-            </a:r>
-          </a:p>
-        </p:txBody>
-      </p:sp>
-      <p:sp>
-        <p:nvSpPr>
-          <p:cNvPr id="4" name="Date Placeholder 3"/>
-          <p:cNvSpPr>
-            <a:spLocks noGrp="1"/>
-          </p:cNvSpPr>
-          <p:nvPr>
-            <p:ph type="dt" sz="half" idx="10"/>
+            <a:fld id="{3762EC29-B8C5-4C7A-B6DA-418494D5CB21}" type="datetimeFigureOut">
+              <a:rPr lang="en-US" smtClean="0"/>
+              <a:t>4/25/2017</a:t>
+            </a:fld>
+            <a:endParaRPr lang="en-US"/>
+          </a:p>
+        </p:txBody>
+      </p:sp>
+      <p:sp>
+        <p:nvSpPr>
+          <p:cNvPr id="5" name="Footer Placeholder 4"/>
+          <p:cNvSpPr>
+            <a:spLocks noGrp="1"/>
+          </p:cNvSpPr>
+          <p:nvPr>
+            <p:ph type="ftr" sz="quarter" idx="11"/>
           </p:nvPr>
         </p:nvSpPr>
         <p:spPr/>
@@ -1133,11 +1408,11 @@
           <a:bodyPr/>
           <a:lstStyle/>
           <a:p>
-            <a:fld id="{3762EC29-B8C5-4C7A-B6DA-418494D5CB21}" type="datetimeFigureOut">
-              <a:rPr lang="en-US" smtClean="0"/>
-              <a:t>4/23/17</a:t>
-            </a:fld>
-            <a:endParaRPr lang="en-US"/>
+            <a:r>
+              <a:rPr lang="en-US"/>
+              <a:t>Add a footer</a:t>
+            </a:r>
+            <a:endParaRPr lang="en-US" dirty="0"/>
           </a:p>
         </p:txBody>
       </p:sp>
@@ -1167,7 +1442,7 @@
     </p:spTree>
     <p:extLst>
       <p:ext uri="{BB962C8B-B14F-4D97-AF65-F5344CB8AC3E}">
-        <p14:creationId xmlns:p14="http://schemas.microsoft.com/office/powerpoint/2010/main" val="447379043"/>
+        <p14:creationId xmlns:p14="http://schemas.microsoft.com/office/powerpoint/2010/main" val="2373617553"/>
       </p:ext>
     </p:extLst>
   </p:cSld>
@@ -1219,13 +1494,17 @@
         <p:spPr/>
         <p:txBody>
           <a:bodyPr/>
-          <a:lstStyle/>
-          <a:p>
-            <a:r>
-              <a:rPr lang="en-US" smtClean="0"/>
+          <a:lstStyle>
+            <a:lvl1pPr marL="0">
+              <a:defRPr/>
+            </a:lvl1pPr>
+          </a:lstStyle>
+          <a:p>
+            <a:r>
+              <a:rPr lang="en-US"/>
               <a:t>Click to edit Master title style</a:t>
             </a:r>
-            <a:endParaRPr lang="en-US"/>
+            <a:endParaRPr lang="en-US" dirty="0"/>
           </a:p>
         </p:txBody>
       </p:sp>
@@ -1246,49 +1525,49 @@
           <a:p>
             <a:pPr lvl="0"/>
             <a:r>
-              <a:rPr lang="en-US" smtClean="0"/>
-              <a:t>Click to edit Master text styles</a:t>
+              <a:rPr lang="en-US"/>
+              <a:t>Edit Master text styles</a:t>
             </a:r>
           </a:p>
           <a:p>
             <a:pPr lvl="1"/>
             <a:r>
-              <a:rPr lang="en-US" smtClean="0"/>
+              <a:rPr lang="en-US"/>
               <a:t>Second level</a:t>
             </a:r>
           </a:p>
           <a:p>
             <a:pPr lvl="2"/>
             <a:r>
-              <a:rPr lang="en-US" smtClean="0"/>
+              <a:rPr lang="en-US"/>
               <a:t>Third level</a:t>
             </a:r>
           </a:p>
           <a:p>
             <a:pPr lvl="3"/>
             <a:r>
-              <a:rPr lang="en-US" smtClean="0"/>
+              <a:rPr lang="en-US"/>
               <a:t>Fourth level</a:t>
             </a:r>
           </a:p>
           <a:p>
             <a:pPr lvl="4"/>
             <a:r>
-              <a:rPr lang="en-US" smtClean="0"/>
+              <a:rPr lang="en-US"/>
               <a:t>Fifth level</a:t>
             </a:r>
-            <a:endParaRPr lang="en-US"/>
-          </a:p>
-        </p:txBody>
-      </p:sp>
-      <p:sp>
-        <p:nvSpPr>
-          <p:cNvPr id="5" name="Footer Placeholder 4"/>
-          <p:cNvSpPr>
-            <a:spLocks noGrp="1"/>
-          </p:cNvSpPr>
-          <p:nvPr>
-            <p:ph type="ftr" sz="quarter" idx="11"/>
+            <a:endParaRPr lang="en-US" dirty="0"/>
+          </a:p>
+        </p:txBody>
+      </p:sp>
+      <p:sp>
+        <p:nvSpPr>
+          <p:cNvPr id="4" name="Date Placeholder 3"/>
+          <p:cNvSpPr>
+            <a:spLocks noGrp="1"/>
+          </p:cNvSpPr>
+          <p:nvPr>
+            <p:ph type="dt" sz="half" idx="10"/>
           </p:nvPr>
         </p:nvSpPr>
         <p:spPr/>
@@ -1296,21 +1575,22 @@
           <a:bodyPr/>
           <a:lstStyle/>
           <a:p>
-            <a:r>
-              <a:rPr lang="en-US" dirty="0"/>
-              <a:t>Add a footer</a:t>
-            </a:r>
-          </a:p>
-        </p:txBody>
-      </p:sp>
-      <p:sp>
-        <p:nvSpPr>
-          <p:cNvPr id="4" name="Date Placeholder 3"/>
-          <p:cNvSpPr>
-            <a:spLocks noGrp="1"/>
-          </p:cNvSpPr>
-          <p:nvPr>
-            <p:ph type="dt" sz="half" idx="10"/>
+            <a:fld id="{3762EC29-B8C5-4C7A-B6DA-418494D5CB21}" type="datetimeFigureOut">
+              <a:rPr lang="en-US" smtClean="0"/>
+              <a:t>4/25/2017</a:t>
+            </a:fld>
+            <a:endParaRPr lang="en-US"/>
+          </a:p>
+        </p:txBody>
+      </p:sp>
+      <p:sp>
+        <p:nvSpPr>
+          <p:cNvPr id="5" name="Footer Placeholder 4"/>
+          <p:cNvSpPr>
+            <a:spLocks noGrp="1"/>
+          </p:cNvSpPr>
+          <p:nvPr>
+            <p:ph type="ftr" sz="quarter" idx="11"/>
           </p:nvPr>
         </p:nvSpPr>
         <p:spPr/>
@@ -1318,11 +1598,11 @@
           <a:bodyPr/>
           <a:lstStyle/>
           <a:p>
-            <a:fld id="{3762EC29-B8C5-4C7A-B6DA-418494D5CB21}" type="datetimeFigureOut">
-              <a:rPr lang="en-US" smtClean="0"/>
-              <a:t>4/23/17</a:t>
-            </a:fld>
-            <a:endParaRPr lang="en-US"/>
+            <a:r>
+              <a:rPr lang="en-US"/>
+              <a:t>Add a footer</a:t>
+            </a:r>
+            <a:endParaRPr lang="en-US" dirty="0"/>
           </a:p>
         </p:txBody>
       </p:sp>
@@ -1352,7 +1632,7 @@
     </p:spTree>
     <p:extLst>
       <p:ext uri="{BB962C8B-B14F-4D97-AF65-F5344CB8AC3E}">
-        <p14:creationId xmlns:p14="http://schemas.microsoft.com/office/powerpoint/2010/main" val="3273009754"/>
+        <p14:creationId xmlns:p14="http://schemas.microsoft.com/office/powerpoint/2010/main" val="2526678248"/>
       </p:ext>
     </p:extLst>
   </p:cSld>
@@ -1375,8 +1655,16 @@
 </file>
 
 <file path=ppt/slideLayouts/slideLayout3.xml><?xml version="1.0" encoding="utf-8"?>
-<p:sldLayout xmlns:a="http://schemas.openxmlformats.org/drawingml/2006/main" xmlns:r="http://schemas.openxmlformats.org/officeDocument/2006/relationships" xmlns:p="http://schemas.openxmlformats.org/presentationml/2006/main" type="secHead" preserve="1">
+<p:sldLayout xmlns:a="http://schemas.openxmlformats.org/drawingml/2006/main" xmlns:r="http://schemas.openxmlformats.org/officeDocument/2006/relationships" xmlns:p="http://schemas.openxmlformats.org/presentationml/2006/main" showMasterSp="0" type="secHead" preserve="1">
   <p:cSld name="Section Header">
+    <p:bg>
+      <p:bgPr>
+        <a:solidFill>
+          <a:schemeClr val="bg1"/>
+        </a:solidFill>
+        <a:effectLst/>
+      </p:bgPr>
+    </p:bg>
     <p:spTree>
       <p:nvGrpSpPr>
         <p:cNvPr id="1" name=""/>
@@ -1393,73 +1681,157 @@
       </p:grpSpPr>
       <p:sp>
         <p:nvSpPr>
-          <p:cNvPr id="2" name="Title 1"/>
-          <p:cNvSpPr>
-            <a:spLocks noGrp="1"/>
-          </p:cNvSpPr>
-          <p:nvPr>
-            <p:ph type="title"/>
-          </p:nvPr>
+          <p:cNvPr id="7" name="Rectangle 6"/>
+          <p:cNvSpPr/>
+          <p:nvPr/>
         </p:nvSpPr>
         <p:spPr>
           <a:xfrm>
-            <a:off x="1060450" y="1676401"/>
-            <a:ext cx="10058400" cy="1752600"/>
+            <a:off x="3175" y="6400800"/>
+            <a:ext cx="12188825" cy="457200"/>
+          </a:xfrm>
+          <a:prstGeom prst="rect">
+            <a:avLst/>
+          </a:prstGeom>
+          <a:solidFill>
+            <a:schemeClr val="accent2"/>
+          </a:solidFill>
+          <a:ln>
+            <a:noFill/>
+          </a:ln>
+        </p:spPr>
+        <p:style>
+          <a:lnRef idx="2">
+            <a:schemeClr val="accent1">
+              <a:shade val="50000"/>
+            </a:schemeClr>
+          </a:lnRef>
+          <a:fillRef idx="1">
+            <a:schemeClr val="accent1"/>
+          </a:fillRef>
+          <a:effectRef idx="0">
+            <a:schemeClr val="accent1"/>
+          </a:effectRef>
+          <a:fontRef idx="minor">
+            <a:schemeClr val="lt1"/>
+          </a:fontRef>
+        </p:style>
+      </p:sp>
+      <p:sp>
+        <p:nvSpPr>
+          <p:cNvPr id="8" name="Rectangle 7"/>
+          <p:cNvSpPr/>
+          <p:nvPr/>
+        </p:nvSpPr>
+        <p:spPr>
+          <a:xfrm>
+            <a:off x="15" y="6334316"/>
+            <a:ext cx="12188825" cy="64008"/>
+          </a:xfrm>
+          <a:prstGeom prst="rect">
+            <a:avLst/>
+          </a:prstGeom>
+          <a:solidFill>
+            <a:schemeClr val="accent1"/>
+          </a:solidFill>
+          <a:ln>
+            <a:noFill/>
+          </a:ln>
+        </p:spPr>
+        <p:style>
+          <a:lnRef idx="2">
+            <a:schemeClr val="accent1">
+              <a:shade val="50000"/>
+            </a:schemeClr>
+          </a:lnRef>
+          <a:fillRef idx="1">
+            <a:schemeClr val="accent1"/>
+          </a:fillRef>
+          <a:effectRef idx="0">
+            <a:schemeClr val="accent1"/>
+          </a:effectRef>
+          <a:fontRef idx="minor">
+            <a:schemeClr val="lt1"/>
+          </a:fontRef>
+        </p:style>
+      </p:sp>
+      <p:sp>
+        <p:nvSpPr>
+          <p:cNvPr id="2" name="Title 1"/>
+          <p:cNvSpPr>
+            <a:spLocks noGrp="1"/>
+          </p:cNvSpPr>
+          <p:nvPr>
+            <p:ph type="title"/>
+          </p:nvPr>
+        </p:nvSpPr>
+        <p:spPr>
+          <a:xfrm>
+            <a:off x="1097280" y="758952"/>
+            <a:ext cx="10058400" cy="3566160"/>
           </a:xfrm>
         </p:spPr>
         <p:txBody>
-          <a:bodyPr anchor="b">
+          <a:bodyPr anchor="b" anchorCtr="0">
             <a:normAutofit/>
           </a:bodyPr>
           <a:lstStyle>
             <a:lvl1pPr>
-              <a:defRPr sz="4800"/>
-            </a:lvl1pPr>
-          </a:lstStyle>
-          <a:p>
-            <a:r>
-              <a:rPr lang="en-US" smtClean="0"/>
-              <a:t>Click to edit Master title style</a:t>
-            </a:r>
-            <a:endParaRPr lang="en-US"/>
-          </a:p>
-        </p:txBody>
-      </p:sp>
-      <p:sp>
-        <p:nvSpPr>
-          <p:cNvPr id="3" name="Text Placeholder 2"/>
-          <p:cNvSpPr>
-            <a:spLocks noGrp="1"/>
-          </p:cNvSpPr>
-          <p:nvPr>
-            <p:ph type="body" idx="1"/>
-          </p:nvPr>
-        </p:nvSpPr>
-        <p:spPr>
-          <a:xfrm>
-            <a:off x="1060450" y="3581400"/>
-            <a:ext cx="10058400" cy="1143000"/>
-          </a:xfrm>
-        </p:spPr>
-        <p:txBody>
-          <a:bodyPr/>
-          <a:lstStyle>
-            <a:lvl1pPr marL="0" indent="0">
-              <a:spcBef>
-                <a:spcPts val="1200"/>
-              </a:spcBef>
-              <a:buNone/>
-              <a:defRPr sz="2400">
+              <a:lnSpc>
+                <a:spcPct val="85000"/>
+              </a:lnSpc>
+              <a:defRPr sz="8000" b="0">
                 <a:solidFill>
                   <a:schemeClr val="tx1">
-                    <a:tint val="75000"/>
+                    <a:lumMod val="85000"/>
+                    <a:lumOff val="15000"/>
                   </a:schemeClr>
                 </a:solidFill>
               </a:defRPr>
             </a:lvl1pPr>
+          </a:lstStyle>
+          <a:p>
+            <a:r>
+              <a:rPr lang="en-US"/>
+              <a:t>Click to edit Master title style</a:t>
+            </a:r>
+            <a:endParaRPr lang="en-US" dirty="0"/>
+          </a:p>
+        </p:txBody>
+      </p:sp>
+      <p:sp>
+        <p:nvSpPr>
+          <p:cNvPr id="3" name="Text Placeholder 2"/>
+          <p:cNvSpPr>
+            <a:spLocks noGrp="1"/>
+          </p:cNvSpPr>
+          <p:nvPr>
+            <p:ph type="body" idx="1"/>
+          </p:nvPr>
+        </p:nvSpPr>
+        <p:spPr>
+          <a:xfrm>
+            <a:off x="1097280" y="4453128"/>
+            <a:ext cx="10058400" cy="1143000"/>
+          </a:xfrm>
+        </p:spPr>
+        <p:txBody>
+          <a:bodyPr lIns="91440" rIns="91440" anchor="t" anchorCtr="0">
+            <a:normAutofit/>
+          </a:bodyPr>
+          <a:lstStyle>
+            <a:lvl1pPr marL="0" indent="0">
+              <a:buNone/>
+              <a:defRPr sz="2400" cap="all" spc="200" baseline="0">
+                <a:solidFill>
+                  <a:schemeClr val="tx2"/>
+                </a:solidFill>
+                <a:latin typeface="+mj-lt"/>
+              </a:defRPr>
+            </a:lvl1pPr>
             <a:lvl2pPr marL="457200" indent="0">
               <a:buNone/>
-              <a:defRPr sz="2000">
+              <a:defRPr sz="1800">
                 <a:solidFill>
                   <a:schemeClr val="tx1">
                     <a:tint val="75000"/>
@@ -1469,7 +1841,7 @@
             </a:lvl2pPr>
             <a:lvl3pPr marL="914400" indent="0">
               <a:buNone/>
-              <a:defRPr sz="1800">
+              <a:defRPr sz="1600">
                 <a:solidFill>
                   <a:schemeClr val="tx1">
                     <a:tint val="75000"/>
@@ -1479,7 +1851,7 @@
             </a:lvl3pPr>
             <a:lvl4pPr marL="1371600" indent="0">
               <a:buNone/>
-              <a:defRPr sz="1600">
+              <a:defRPr sz="1400">
                 <a:solidFill>
                   <a:schemeClr val="tx1">
                     <a:tint val="75000"/>
@@ -1489,7 +1861,7 @@
             </a:lvl4pPr>
             <a:lvl5pPr marL="1828800" indent="0">
               <a:buNone/>
-              <a:defRPr sz="1600">
+              <a:defRPr sz="1400">
                 <a:solidFill>
                   <a:schemeClr val="tx1">
                     <a:tint val="75000"/>
@@ -1499,7 +1871,7 @@
             </a:lvl5pPr>
             <a:lvl6pPr marL="2286000" indent="0">
               <a:buNone/>
-              <a:defRPr sz="1600">
+              <a:defRPr sz="1400">
                 <a:solidFill>
                   <a:schemeClr val="tx1">
                     <a:tint val="75000"/>
@@ -1509,7 +1881,7 @@
             </a:lvl6pPr>
             <a:lvl7pPr marL="2743200" indent="0">
               <a:buNone/>
-              <a:defRPr sz="1600">
+              <a:defRPr sz="1400">
                 <a:solidFill>
                   <a:schemeClr val="tx1">
                     <a:tint val="75000"/>
@@ -1519,7 +1891,7 @@
             </a:lvl7pPr>
             <a:lvl8pPr marL="3200400" indent="0">
               <a:buNone/>
-              <a:defRPr sz="1600">
+              <a:defRPr sz="1400">
                 <a:solidFill>
                   <a:schemeClr val="tx1">
                     <a:tint val="75000"/>
@@ -1529,7 +1901,7 @@
             </a:lvl8pPr>
             <a:lvl9pPr marL="3657600" indent="0">
               <a:buNone/>
-              <a:defRPr sz="1600">
+              <a:defRPr sz="1400">
                 <a:solidFill>
                   <a:schemeClr val="tx1">
                     <a:tint val="75000"/>
@@ -1541,20 +1913,20 @@
           <a:p>
             <a:pPr lvl="0"/>
             <a:r>
-              <a:rPr lang="en-US" smtClean="0"/>
-              <a:t>Click to edit Master text styles</a:t>
-            </a:r>
-          </a:p>
-        </p:txBody>
-      </p:sp>
-      <p:sp>
-        <p:nvSpPr>
-          <p:cNvPr id="5" name="Footer Placeholder 4"/>
-          <p:cNvSpPr>
-            <a:spLocks noGrp="1"/>
-          </p:cNvSpPr>
-          <p:nvPr>
-            <p:ph type="ftr" sz="quarter" idx="11"/>
+              <a:rPr lang="en-US"/>
+              <a:t>Edit Master text styles</a:t>
+            </a:r>
+          </a:p>
+        </p:txBody>
+      </p:sp>
+      <p:sp>
+        <p:nvSpPr>
+          <p:cNvPr id="4" name="Date Placeholder 3"/>
+          <p:cNvSpPr>
+            <a:spLocks noGrp="1"/>
+          </p:cNvSpPr>
+          <p:nvPr>
+            <p:ph type="dt" sz="half" idx="10"/>
           </p:nvPr>
         </p:nvSpPr>
         <p:spPr/>
@@ -1562,21 +1934,22 @@
           <a:bodyPr/>
           <a:lstStyle/>
           <a:p>
-            <a:r>
-              <a:rPr lang="en-US" dirty="0"/>
-              <a:t>Add a footer</a:t>
-            </a:r>
-          </a:p>
-        </p:txBody>
-      </p:sp>
-      <p:sp>
-        <p:nvSpPr>
-          <p:cNvPr id="4" name="Date Placeholder 3"/>
-          <p:cNvSpPr>
-            <a:spLocks noGrp="1"/>
-          </p:cNvSpPr>
-          <p:nvPr>
-            <p:ph type="dt" sz="half" idx="10"/>
+            <a:fld id="{3762EC29-B8C5-4C7A-B6DA-418494D5CB21}" type="datetimeFigureOut">
+              <a:rPr lang="en-US" smtClean="0"/>
+              <a:t>4/25/2017</a:t>
+            </a:fld>
+            <a:endParaRPr lang="en-US"/>
+          </a:p>
+        </p:txBody>
+      </p:sp>
+      <p:sp>
+        <p:nvSpPr>
+          <p:cNvPr id="5" name="Footer Placeholder 4"/>
+          <p:cNvSpPr>
+            <a:spLocks noGrp="1"/>
+          </p:cNvSpPr>
+          <p:nvPr>
+            <p:ph type="ftr" sz="quarter" idx="11"/>
           </p:nvPr>
         </p:nvSpPr>
         <p:spPr/>
@@ -1584,11 +1957,11 @@
           <a:bodyPr/>
           <a:lstStyle/>
           <a:p>
-            <a:fld id="{3762EC29-B8C5-4C7A-B6DA-418494D5CB21}" type="datetimeFigureOut">
-              <a:rPr lang="en-US" smtClean="0"/>
-              <a:t>4/23/17</a:t>
-            </a:fld>
-            <a:endParaRPr lang="en-US"/>
+            <a:r>
+              <a:rPr lang="en-US"/>
+              <a:t>Add a footer</a:t>
+            </a:r>
+            <a:endParaRPr lang="en-US" dirty="0"/>
           </a:p>
         </p:txBody>
       </p:sp>
@@ -1615,10 +1988,48 @@
           </a:p>
         </p:txBody>
       </p:sp>
+      <p:cxnSp>
+        <p:nvCxnSpPr>
+          <p:cNvPr id="9" name="Straight Connector 8"/>
+          <p:cNvCxnSpPr/>
+          <p:nvPr/>
+        </p:nvCxnSpPr>
+        <p:spPr>
+          <a:xfrm>
+            <a:off x="1207658" y="4343400"/>
+            <a:ext cx="9875520" cy="0"/>
+          </a:xfrm>
+          <a:prstGeom prst="line">
+            <a:avLst/>
+          </a:prstGeom>
+          <a:ln w="6350">
+            <a:solidFill>
+              <a:schemeClr val="tx1">
+                <a:lumMod val="50000"/>
+                <a:lumOff val="50000"/>
+              </a:schemeClr>
+            </a:solidFill>
+          </a:ln>
+        </p:spPr>
+        <p:style>
+          <a:lnRef idx="1">
+            <a:schemeClr val="accent1"/>
+          </a:lnRef>
+          <a:fillRef idx="0">
+            <a:schemeClr val="accent1"/>
+          </a:fillRef>
+          <a:effectRef idx="0">
+            <a:schemeClr val="accent1"/>
+          </a:effectRef>
+          <a:fontRef idx="minor">
+            <a:schemeClr val="tx1"/>
+          </a:fontRef>
+        </p:style>
+      </p:cxnSp>
     </p:spTree>
     <p:extLst>
       <p:ext uri="{BB962C8B-B14F-4D97-AF65-F5344CB8AC3E}">
-        <p14:creationId xmlns:p14="http://schemas.microsoft.com/office/powerpoint/2010/main" val="415665522"/>
+        <p14:creationId xmlns:p14="http://schemas.microsoft.com/office/powerpoint/2010/main" val="1275638612"/>
       </p:ext>
     </p:extLst>
   </p:cSld>
@@ -1659,7 +2070,7 @@
       </p:grpSpPr>
       <p:sp>
         <p:nvSpPr>
-          <p:cNvPr id="2" name="Title 1"/>
+          <p:cNvPr id="8" name="Title 7"/>
           <p:cNvSpPr>
             <a:spLocks noGrp="1"/>
           </p:cNvSpPr>
@@ -1667,16 +2078,21 @@
             <p:ph type="title"/>
           </p:nvPr>
         </p:nvSpPr>
-        <p:spPr/>
+        <p:spPr>
+          <a:xfrm>
+            <a:off x="1097280" y="286603"/>
+            <a:ext cx="10058400" cy="1450757"/>
+          </a:xfrm>
+        </p:spPr>
         <p:txBody>
           <a:bodyPr/>
           <a:lstStyle/>
           <a:p>
             <a:r>
-              <a:rPr lang="en-US" smtClean="0"/>
+              <a:rPr lang="en-US"/>
               <a:t>Click to edit Master title style</a:t>
             </a:r>
-            <a:endParaRPr lang="en-US"/>
+            <a:endParaRPr lang="en-US" dirty="0"/>
           </a:p>
         </p:txBody>
       </p:sp>
@@ -1692,8 +2108,8 @@
         </p:nvSpPr>
         <p:spPr>
           <a:xfrm>
-            <a:off x="1066800" y="1676401"/>
-            <a:ext cx="4846320" cy="4343400"/>
+            <a:off x="1097279" y="1845734"/>
+            <a:ext cx="4937760" cy="4023360"/>
           </a:xfrm>
         </p:spPr>
         <p:txBody>
@@ -1702,38 +2118,38 @@
           <a:p>
             <a:pPr lvl="0"/>
             <a:r>
-              <a:rPr lang="en-US" smtClean="0"/>
-              <a:t>Click to edit Master text styles</a:t>
+              <a:rPr lang="en-US"/>
+              <a:t>Edit Master text styles</a:t>
             </a:r>
           </a:p>
           <a:p>
             <a:pPr lvl="1"/>
             <a:r>
-              <a:rPr lang="en-US" smtClean="0"/>
+              <a:rPr lang="en-US"/>
               <a:t>Second level</a:t>
             </a:r>
           </a:p>
           <a:p>
             <a:pPr lvl="2"/>
             <a:r>
-              <a:rPr lang="en-US" smtClean="0"/>
+              <a:rPr lang="en-US"/>
               <a:t>Third level</a:t>
             </a:r>
           </a:p>
           <a:p>
             <a:pPr lvl="3"/>
             <a:r>
-              <a:rPr lang="en-US" smtClean="0"/>
+              <a:rPr lang="en-US"/>
               <a:t>Fourth level</a:t>
             </a:r>
           </a:p>
           <a:p>
             <a:pPr lvl="4"/>
             <a:r>
-              <a:rPr lang="en-US" smtClean="0"/>
+              <a:rPr lang="en-US"/>
               <a:t>Fifth level</a:t>
             </a:r>
-            <a:endParaRPr lang="en-US"/>
+            <a:endParaRPr lang="en-US" dirty="0"/>
           </a:p>
         </p:txBody>
       </p:sp>
@@ -1749,8 +2165,8 @@
         </p:nvSpPr>
         <p:spPr>
           <a:xfrm>
-            <a:off x="6278880" y="1676401"/>
-            <a:ext cx="4846320" cy="4343400"/>
+            <a:off x="6217920" y="1845735"/>
+            <a:ext cx="4937760" cy="4023360"/>
           </a:xfrm>
         </p:spPr>
         <p:txBody>
@@ -1759,49 +2175,49 @@
           <a:p>
             <a:pPr lvl="0"/>
             <a:r>
-              <a:rPr lang="en-US" smtClean="0"/>
-              <a:t>Click to edit Master text styles</a:t>
+              <a:rPr lang="en-US"/>
+              <a:t>Edit Master text styles</a:t>
             </a:r>
           </a:p>
           <a:p>
             <a:pPr lvl="1"/>
             <a:r>
-              <a:rPr lang="en-US" smtClean="0"/>
+              <a:rPr lang="en-US"/>
               <a:t>Second level</a:t>
             </a:r>
           </a:p>
           <a:p>
             <a:pPr lvl="2"/>
             <a:r>
-              <a:rPr lang="en-US" smtClean="0"/>
+              <a:rPr lang="en-US"/>
               <a:t>Third level</a:t>
             </a:r>
           </a:p>
           <a:p>
             <a:pPr lvl="3"/>
             <a:r>
-              <a:rPr lang="en-US" smtClean="0"/>
+              <a:rPr lang="en-US"/>
               <a:t>Fourth level</a:t>
             </a:r>
           </a:p>
           <a:p>
             <a:pPr lvl="4"/>
             <a:r>
-              <a:rPr lang="en-US" smtClean="0"/>
+              <a:rPr lang="en-US"/>
               <a:t>Fifth level</a:t>
             </a:r>
-            <a:endParaRPr lang="en-US"/>
-          </a:p>
-        </p:txBody>
-      </p:sp>
-      <p:sp>
-        <p:nvSpPr>
-          <p:cNvPr id="6" name="Footer Placeholder 5"/>
-          <p:cNvSpPr>
-            <a:spLocks noGrp="1"/>
-          </p:cNvSpPr>
-          <p:nvPr>
-            <p:ph type="ftr" sz="quarter" idx="11"/>
+            <a:endParaRPr lang="en-US" dirty="0"/>
+          </a:p>
+        </p:txBody>
+      </p:sp>
+      <p:sp>
+        <p:nvSpPr>
+          <p:cNvPr id="5" name="Date Placeholder 4"/>
+          <p:cNvSpPr>
+            <a:spLocks noGrp="1"/>
+          </p:cNvSpPr>
+          <p:nvPr>
+            <p:ph type="dt" sz="half" idx="10"/>
           </p:nvPr>
         </p:nvSpPr>
         <p:spPr/>
@@ -1809,21 +2225,22 @@
           <a:bodyPr/>
           <a:lstStyle/>
           <a:p>
-            <a:r>
-              <a:rPr lang="en-US" dirty="0"/>
-              <a:t>Add a footer</a:t>
-            </a:r>
-          </a:p>
-        </p:txBody>
-      </p:sp>
-      <p:sp>
-        <p:nvSpPr>
-          <p:cNvPr id="5" name="Date Placeholder 4"/>
-          <p:cNvSpPr>
-            <a:spLocks noGrp="1"/>
-          </p:cNvSpPr>
-          <p:nvPr>
-            <p:ph type="dt" sz="half" idx="10"/>
+            <a:fld id="{3762EC29-B8C5-4C7A-B6DA-418494D5CB21}" type="datetimeFigureOut">
+              <a:rPr lang="en-US" smtClean="0"/>
+              <a:t>4/25/2017</a:t>
+            </a:fld>
+            <a:endParaRPr lang="en-US"/>
+          </a:p>
+        </p:txBody>
+      </p:sp>
+      <p:sp>
+        <p:nvSpPr>
+          <p:cNvPr id="6" name="Footer Placeholder 5"/>
+          <p:cNvSpPr>
+            <a:spLocks noGrp="1"/>
+          </p:cNvSpPr>
+          <p:nvPr>
+            <p:ph type="ftr" sz="quarter" idx="11"/>
           </p:nvPr>
         </p:nvSpPr>
         <p:spPr/>
@@ -1831,11 +2248,11 @@
           <a:bodyPr/>
           <a:lstStyle/>
           <a:p>
-            <a:fld id="{3762EC29-B8C5-4C7A-B6DA-418494D5CB21}" type="datetimeFigureOut">
-              <a:rPr lang="en-US" smtClean="0"/>
-              <a:t>4/23/17</a:t>
-            </a:fld>
-            <a:endParaRPr lang="en-US"/>
+            <a:r>
+              <a:rPr lang="en-US"/>
+              <a:t>Add a footer</a:t>
+            </a:r>
+            <a:endParaRPr lang="en-US" dirty="0"/>
           </a:p>
         </p:txBody>
       </p:sp>
@@ -1865,7 +2282,7 @@
     </p:spTree>
     <p:extLst>
       <p:ext uri="{BB962C8B-B14F-4D97-AF65-F5344CB8AC3E}">
-        <p14:creationId xmlns:p14="http://schemas.microsoft.com/office/powerpoint/2010/main" val="3390256915"/>
+        <p14:creationId xmlns:p14="http://schemas.microsoft.com/office/powerpoint/2010/main" val="211113494"/>
       </p:ext>
     </p:extLst>
   </p:cSld>
@@ -1906,7 +2323,7 @@
       </p:grpSpPr>
       <p:sp>
         <p:nvSpPr>
-          <p:cNvPr id="2" name="Title 1"/>
+          <p:cNvPr id="10" name="Title 9"/>
           <p:cNvSpPr>
             <a:spLocks noGrp="1"/>
           </p:cNvSpPr>
@@ -1914,16 +2331,21 @@
             <p:ph type="title"/>
           </p:nvPr>
         </p:nvSpPr>
-        <p:spPr/>
+        <p:spPr>
+          <a:xfrm>
+            <a:off x="1097280" y="286603"/>
+            <a:ext cx="10058400" cy="1450757"/>
+          </a:xfrm>
+        </p:spPr>
         <p:txBody>
           <a:bodyPr/>
           <a:lstStyle/>
           <a:p>
             <a:r>
-              <a:rPr lang="en-US" smtClean="0"/>
+              <a:rPr lang="en-US"/>
               <a:t>Click to edit Master title style</a:t>
             </a:r>
-            <a:endParaRPr lang="en-US"/>
+            <a:endParaRPr lang="en-US" dirty="0"/>
           </a:p>
         </p:txBody>
       </p:sp>
@@ -1939,21 +2361,20 @@
         </p:nvSpPr>
         <p:spPr>
           <a:xfrm>
-            <a:off x="1066800" y="1681163"/>
-            <a:ext cx="4846320" cy="823912"/>
+            <a:off x="1097280" y="1846052"/>
+            <a:ext cx="4937760" cy="736282"/>
           </a:xfrm>
         </p:spPr>
         <p:txBody>
-          <a:bodyPr anchor="ctr"/>
+          <a:bodyPr lIns="91440" rIns="91440" anchor="ctr">
+            <a:normAutofit/>
+          </a:bodyPr>
           <a:lstStyle>
             <a:lvl1pPr marL="0" indent="0">
               <a:buNone/>
-              <a:defRPr sz="2400" b="0">
+              <a:defRPr sz="2000" b="0" cap="all" baseline="0">
                 <a:solidFill>
-                  <a:schemeClr val="bg2">
-                    <a:lumMod val="50000"/>
-                    <a:lumOff val="50000"/>
-                  </a:schemeClr>
+                  <a:schemeClr val="tx2"/>
                 </a:solidFill>
               </a:defRPr>
             </a:lvl1pPr>
@@ -1993,8 +2414,8 @@
           <a:p>
             <a:pPr lvl="0"/>
             <a:r>
-              <a:rPr lang="en-US" smtClean="0"/>
-              <a:t>Click to edit Master text styles</a:t>
+              <a:rPr lang="en-US"/>
+              <a:t>Edit Master text styles</a:t>
             </a:r>
           </a:p>
         </p:txBody>
@@ -2011,8 +2432,8 @@
         </p:nvSpPr>
         <p:spPr>
           <a:xfrm>
-            <a:off x="1066800" y="2505075"/>
-            <a:ext cx="4846320" cy="3514725"/>
+            <a:off x="1097280" y="2582334"/>
+            <a:ext cx="4937760" cy="3378200"/>
           </a:xfrm>
         </p:spPr>
         <p:txBody>
@@ -2021,38 +2442,38 @@
           <a:p>
             <a:pPr lvl="0"/>
             <a:r>
-              <a:rPr lang="en-US" smtClean="0"/>
-              <a:t>Click to edit Master text styles</a:t>
+              <a:rPr lang="en-US"/>
+              <a:t>Edit Master text styles</a:t>
             </a:r>
           </a:p>
           <a:p>
             <a:pPr lvl="1"/>
             <a:r>
-              <a:rPr lang="en-US" smtClean="0"/>
+              <a:rPr lang="en-US"/>
               <a:t>Second level</a:t>
             </a:r>
           </a:p>
           <a:p>
             <a:pPr lvl="2"/>
             <a:r>
-              <a:rPr lang="en-US" smtClean="0"/>
+              <a:rPr lang="en-US"/>
               <a:t>Third level</a:t>
             </a:r>
           </a:p>
           <a:p>
             <a:pPr lvl="3"/>
             <a:r>
-              <a:rPr lang="en-US" smtClean="0"/>
+              <a:rPr lang="en-US"/>
               <a:t>Fourth level</a:t>
             </a:r>
           </a:p>
           <a:p>
             <a:pPr lvl="4"/>
             <a:r>
-              <a:rPr lang="en-US" smtClean="0"/>
+              <a:rPr lang="en-US"/>
               <a:t>Fifth level</a:t>
             </a:r>
-            <a:endParaRPr lang="en-US"/>
+            <a:endParaRPr lang="en-US" dirty="0"/>
           </a:p>
         </p:txBody>
       </p:sp>
@@ -2068,21 +2489,20 @@
         </p:nvSpPr>
         <p:spPr>
           <a:xfrm>
-            <a:off x="6278880" y="1681163"/>
-            <a:ext cx="4846320" cy="823912"/>
+            <a:off x="6217920" y="1846052"/>
+            <a:ext cx="4937760" cy="736282"/>
           </a:xfrm>
         </p:spPr>
         <p:txBody>
-          <a:bodyPr anchor="ctr"/>
+          <a:bodyPr lIns="91440" rIns="91440" anchor="ctr">
+            <a:normAutofit/>
+          </a:bodyPr>
           <a:lstStyle>
             <a:lvl1pPr marL="0" indent="0">
               <a:buNone/>
-              <a:defRPr sz="2400" b="0">
+              <a:defRPr sz="2000" b="0" cap="all" baseline="0">
                 <a:solidFill>
-                  <a:schemeClr val="bg2">
-                    <a:lumMod val="50000"/>
-                    <a:lumOff val="50000"/>
-                  </a:schemeClr>
+                  <a:schemeClr val="tx2"/>
                 </a:solidFill>
               </a:defRPr>
             </a:lvl1pPr>
@@ -2122,8 +2542,8 @@
           <a:p>
             <a:pPr lvl="0"/>
             <a:r>
-              <a:rPr lang="en-US" smtClean="0"/>
-              <a:t>Click to edit Master text styles</a:t>
+              <a:rPr lang="en-US"/>
+              <a:t>Edit Master text styles</a:t>
             </a:r>
           </a:p>
         </p:txBody>
@@ -2140,8 +2560,8 @@
         </p:nvSpPr>
         <p:spPr>
           <a:xfrm>
-            <a:off x="6278880" y="2505075"/>
-            <a:ext cx="4846320" cy="3514725"/>
+            <a:off x="6217920" y="2582334"/>
+            <a:ext cx="4937760" cy="3378200"/>
           </a:xfrm>
         </p:spPr>
         <p:txBody>
@@ -2150,49 +2570,49 @@
           <a:p>
             <a:pPr lvl="0"/>
             <a:r>
-              <a:rPr lang="en-US" smtClean="0"/>
-              <a:t>Click to edit Master text styles</a:t>
+              <a:rPr lang="en-US"/>
+              <a:t>Edit Master text styles</a:t>
             </a:r>
           </a:p>
           <a:p>
             <a:pPr lvl="1"/>
             <a:r>
-              <a:rPr lang="en-US" smtClean="0"/>
+              <a:rPr lang="en-US"/>
               <a:t>Second level</a:t>
             </a:r>
           </a:p>
           <a:p>
             <a:pPr lvl="2"/>
             <a:r>
-              <a:rPr lang="en-US" smtClean="0"/>
+              <a:rPr lang="en-US"/>
               <a:t>Third level</a:t>
             </a:r>
           </a:p>
           <a:p>
             <a:pPr lvl="3"/>
             <a:r>
-              <a:rPr lang="en-US" smtClean="0"/>
+              <a:rPr lang="en-US"/>
               <a:t>Fourth level</a:t>
             </a:r>
           </a:p>
           <a:p>
             <a:pPr lvl="4"/>
             <a:r>
-              <a:rPr lang="en-US" smtClean="0"/>
+              <a:rPr lang="en-US"/>
               <a:t>Fifth level</a:t>
             </a:r>
-            <a:endParaRPr lang="en-US"/>
-          </a:p>
-        </p:txBody>
-      </p:sp>
-      <p:sp>
-        <p:nvSpPr>
-          <p:cNvPr id="8" name="Footer Placeholder 7"/>
-          <p:cNvSpPr>
-            <a:spLocks noGrp="1"/>
-          </p:cNvSpPr>
-          <p:nvPr>
-            <p:ph type="ftr" sz="quarter" idx="11"/>
+            <a:endParaRPr lang="en-US" dirty="0"/>
+          </a:p>
+        </p:txBody>
+      </p:sp>
+      <p:sp>
+        <p:nvSpPr>
+          <p:cNvPr id="7" name="Date Placeholder 6"/>
+          <p:cNvSpPr>
+            <a:spLocks noGrp="1"/>
+          </p:cNvSpPr>
+          <p:nvPr>
+            <p:ph type="dt" sz="half" idx="10"/>
           </p:nvPr>
         </p:nvSpPr>
         <p:spPr/>
@@ -2200,21 +2620,22 @@
           <a:bodyPr/>
           <a:lstStyle/>
           <a:p>
-            <a:r>
-              <a:rPr lang="en-US" dirty="0"/>
-              <a:t>Add a footer</a:t>
-            </a:r>
-          </a:p>
-        </p:txBody>
-      </p:sp>
-      <p:sp>
-        <p:nvSpPr>
-          <p:cNvPr id="7" name="Date Placeholder 6"/>
-          <p:cNvSpPr>
-            <a:spLocks noGrp="1"/>
-          </p:cNvSpPr>
-          <p:nvPr>
-            <p:ph type="dt" sz="half" idx="10"/>
+            <a:fld id="{3762EC29-B8C5-4C7A-B6DA-418494D5CB21}" type="datetimeFigureOut">
+              <a:rPr lang="en-US" smtClean="0"/>
+              <a:t>4/25/2017</a:t>
+            </a:fld>
+            <a:endParaRPr lang="en-US"/>
+          </a:p>
+        </p:txBody>
+      </p:sp>
+      <p:sp>
+        <p:nvSpPr>
+          <p:cNvPr id="8" name="Footer Placeholder 7"/>
+          <p:cNvSpPr>
+            <a:spLocks noGrp="1"/>
+          </p:cNvSpPr>
+          <p:nvPr>
+            <p:ph type="ftr" sz="quarter" idx="11"/>
           </p:nvPr>
         </p:nvSpPr>
         <p:spPr/>
@@ -2222,11 +2643,11 @@
           <a:bodyPr/>
           <a:lstStyle/>
           <a:p>
-            <a:fld id="{3762EC29-B8C5-4C7A-B6DA-418494D5CB21}" type="datetimeFigureOut">
-              <a:rPr lang="en-US" smtClean="0"/>
-              <a:t>4/23/17</a:t>
-            </a:fld>
-            <a:endParaRPr lang="en-US"/>
+            <a:r>
+              <a:rPr lang="en-US"/>
+              <a:t>Add a footer</a:t>
+            </a:r>
+            <a:endParaRPr lang="en-US" dirty="0"/>
           </a:p>
         </p:txBody>
       </p:sp>
@@ -2256,7 +2677,7 @@
     </p:spTree>
     <p:extLst>
       <p:ext uri="{BB962C8B-B14F-4D97-AF65-F5344CB8AC3E}">
-        <p14:creationId xmlns:p14="http://schemas.microsoft.com/office/powerpoint/2010/main" val="692426237"/>
+        <p14:creationId xmlns:p14="http://schemas.microsoft.com/office/powerpoint/2010/main" val="1475787881"/>
       </p:ext>
     </p:extLst>
   </p:cSld>
@@ -2311,21 +2732,21 @@
           <a:lstStyle/>
           <a:p>
             <a:r>
-              <a:rPr lang="en-US" smtClean="0"/>
+              <a:rPr lang="en-US"/>
               <a:t>Click to edit Master title style</a:t>
             </a:r>
-            <a:endParaRPr lang="en-US"/>
-          </a:p>
-        </p:txBody>
-      </p:sp>
-      <p:sp>
-        <p:nvSpPr>
-          <p:cNvPr id="4" name="Footer Placeholder 3"/>
-          <p:cNvSpPr>
-            <a:spLocks noGrp="1"/>
-          </p:cNvSpPr>
-          <p:nvPr>
-            <p:ph type="ftr" sz="quarter" idx="11"/>
+            <a:endParaRPr lang="en-US" dirty="0"/>
+          </a:p>
+        </p:txBody>
+      </p:sp>
+      <p:sp>
+        <p:nvSpPr>
+          <p:cNvPr id="3" name="Date Placeholder 2"/>
+          <p:cNvSpPr>
+            <a:spLocks noGrp="1"/>
+          </p:cNvSpPr>
+          <p:nvPr>
+            <p:ph type="dt" sz="half" idx="10"/>
           </p:nvPr>
         </p:nvSpPr>
         <p:spPr/>
@@ -2333,21 +2754,22 @@
           <a:bodyPr/>
           <a:lstStyle/>
           <a:p>
-            <a:r>
-              <a:rPr lang="en-US" dirty="0"/>
-              <a:t>Add a footer</a:t>
-            </a:r>
-          </a:p>
-        </p:txBody>
-      </p:sp>
-      <p:sp>
-        <p:nvSpPr>
-          <p:cNvPr id="3" name="Date Placeholder 2"/>
-          <p:cNvSpPr>
-            <a:spLocks noGrp="1"/>
-          </p:cNvSpPr>
-          <p:nvPr>
-            <p:ph type="dt" sz="half" idx="10"/>
+            <a:fld id="{3762EC29-B8C5-4C7A-B6DA-418494D5CB21}" type="datetimeFigureOut">
+              <a:rPr lang="en-US" smtClean="0"/>
+              <a:t>4/25/2017</a:t>
+            </a:fld>
+            <a:endParaRPr lang="en-US"/>
+          </a:p>
+        </p:txBody>
+      </p:sp>
+      <p:sp>
+        <p:nvSpPr>
+          <p:cNvPr id="4" name="Footer Placeholder 3"/>
+          <p:cNvSpPr>
+            <a:spLocks noGrp="1"/>
+          </p:cNvSpPr>
+          <p:nvPr>
+            <p:ph type="ftr" sz="quarter" idx="11"/>
           </p:nvPr>
         </p:nvSpPr>
         <p:spPr/>
@@ -2355,11 +2777,11 @@
           <a:bodyPr/>
           <a:lstStyle/>
           <a:p>
-            <a:fld id="{3762EC29-B8C5-4C7A-B6DA-418494D5CB21}" type="datetimeFigureOut">
-              <a:rPr lang="en-US" smtClean="0"/>
-              <a:t>4/23/17</a:t>
-            </a:fld>
-            <a:endParaRPr lang="en-US"/>
+            <a:r>
+              <a:rPr lang="en-US"/>
+              <a:t>Add a footer</a:t>
+            </a:r>
+            <a:endParaRPr lang="en-US" dirty="0"/>
           </a:p>
         </p:txBody>
       </p:sp>
@@ -2389,7 +2811,7 @@
     </p:spTree>
     <p:extLst>
       <p:ext uri="{BB962C8B-B14F-4D97-AF65-F5344CB8AC3E}">
-        <p14:creationId xmlns:p14="http://schemas.microsoft.com/office/powerpoint/2010/main" val="3810930448"/>
+        <p14:creationId xmlns:p14="http://schemas.microsoft.com/office/powerpoint/2010/main" val="4097198396"/>
       </p:ext>
     </p:extLst>
   </p:cSld>
@@ -2412,7 +2834,7 @@
 </file>
 
 <file path=ppt/slideLayouts/slideLayout7.xml><?xml version="1.0" encoding="utf-8"?>
-<p:sldLayout xmlns:a="http://schemas.openxmlformats.org/drawingml/2006/main" xmlns:r="http://schemas.openxmlformats.org/officeDocument/2006/relationships" xmlns:p="http://schemas.openxmlformats.org/presentationml/2006/main" type="blank" preserve="1">
+<p:sldLayout xmlns:a="http://schemas.openxmlformats.org/drawingml/2006/main" xmlns:r="http://schemas.openxmlformats.org/officeDocument/2006/relationships" xmlns:p="http://schemas.openxmlformats.org/presentationml/2006/main" showMasterSp="0" type="blank" preserve="1">
   <p:cSld name="Blank">
     <p:spTree>
       <p:nvGrpSpPr>
@@ -2430,12 +2852,88 @@
       </p:grpSpPr>
       <p:sp>
         <p:nvSpPr>
-          <p:cNvPr id="3" name="Footer Placeholder 2"/>
-          <p:cNvSpPr>
-            <a:spLocks noGrp="1"/>
-          </p:cNvSpPr>
-          <p:nvPr>
-            <p:ph type="ftr" sz="quarter" idx="11"/>
+          <p:cNvPr id="5" name="Rectangle 4"/>
+          <p:cNvSpPr/>
+          <p:nvPr/>
+        </p:nvSpPr>
+        <p:spPr>
+          <a:xfrm>
+            <a:off x="3175" y="6400800"/>
+            <a:ext cx="12188825" cy="457200"/>
+          </a:xfrm>
+          <a:prstGeom prst="rect">
+            <a:avLst/>
+          </a:prstGeom>
+          <a:solidFill>
+            <a:schemeClr val="accent2"/>
+          </a:solidFill>
+          <a:ln>
+            <a:noFill/>
+          </a:ln>
+        </p:spPr>
+        <p:style>
+          <a:lnRef idx="2">
+            <a:schemeClr val="accent1">
+              <a:shade val="50000"/>
+            </a:schemeClr>
+          </a:lnRef>
+          <a:fillRef idx="1">
+            <a:schemeClr val="accent1"/>
+          </a:fillRef>
+          <a:effectRef idx="0">
+            <a:schemeClr val="accent1"/>
+          </a:effectRef>
+          <a:fontRef idx="minor">
+            <a:schemeClr val="lt1"/>
+          </a:fontRef>
+        </p:style>
+      </p:sp>
+      <p:sp>
+        <p:nvSpPr>
+          <p:cNvPr id="6" name="Rectangle 5"/>
+          <p:cNvSpPr/>
+          <p:nvPr/>
+        </p:nvSpPr>
+        <p:spPr>
+          <a:xfrm>
+            <a:off x="15" y="6334316"/>
+            <a:ext cx="12188825" cy="64008"/>
+          </a:xfrm>
+          <a:prstGeom prst="rect">
+            <a:avLst/>
+          </a:prstGeom>
+          <a:solidFill>
+            <a:schemeClr val="accent1"/>
+          </a:solidFill>
+          <a:ln>
+            <a:noFill/>
+          </a:ln>
+        </p:spPr>
+        <p:style>
+          <a:lnRef idx="2">
+            <a:schemeClr val="accent1">
+              <a:shade val="50000"/>
+            </a:schemeClr>
+          </a:lnRef>
+          <a:fillRef idx="1">
+            <a:schemeClr val="accent1"/>
+          </a:fillRef>
+          <a:effectRef idx="0">
+            <a:schemeClr val="accent1"/>
+          </a:effectRef>
+          <a:fontRef idx="minor">
+            <a:schemeClr val="lt1"/>
+          </a:fontRef>
+        </p:style>
+      </p:sp>
+      <p:sp>
+        <p:nvSpPr>
+          <p:cNvPr id="7" name="Date Placeholder 6"/>
+          <p:cNvSpPr>
+            <a:spLocks noGrp="1"/>
+          </p:cNvSpPr>
+          <p:nvPr>
+            <p:ph type="dt" sz="half" idx="10"/>
           </p:nvPr>
         </p:nvSpPr>
         <p:spPr/>
@@ -2443,31 +2941,9 @@
           <a:bodyPr/>
           <a:lstStyle/>
           <a:p>
-            <a:r>
-              <a:rPr lang="en-US" dirty="0"/>
-              <a:t>Add a footer</a:t>
-            </a:r>
-          </a:p>
-        </p:txBody>
-      </p:sp>
-      <p:sp>
-        <p:nvSpPr>
-          <p:cNvPr id="2" name="Date Placeholder 1"/>
-          <p:cNvSpPr>
-            <a:spLocks noGrp="1"/>
-          </p:cNvSpPr>
-          <p:nvPr>
-            <p:ph type="dt" sz="half" idx="10"/>
-          </p:nvPr>
-        </p:nvSpPr>
-        <p:spPr/>
-        <p:txBody>
-          <a:bodyPr/>
-          <a:lstStyle/>
-          <a:p>
             <a:fld id="{3762EC29-B8C5-4C7A-B6DA-418494D5CB21}" type="datetimeFigureOut">
               <a:rPr lang="en-US" smtClean="0"/>
-              <a:t>4/23/17</a:t>
+              <a:t>4/25/2017</a:t>
             </a:fld>
             <a:endParaRPr lang="en-US"/>
           </a:p>
@@ -2475,7 +2951,38 @@
       </p:sp>
       <p:sp>
         <p:nvSpPr>
-          <p:cNvPr id="4" name="Slide Number Placeholder 3"/>
+          <p:cNvPr id="8" name="Footer Placeholder 7"/>
+          <p:cNvSpPr>
+            <a:spLocks noGrp="1"/>
+          </p:cNvSpPr>
+          <p:nvPr>
+            <p:ph type="ftr" sz="quarter" idx="11"/>
+          </p:nvPr>
+        </p:nvSpPr>
+        <p:spPr/>
+        <p:txBody>
+          <a:bodyPr/>
+          <a:lstStyle>
+            <a:lvl1pPr>
+              <a:defRPr>
+                <a:solidFill>
+                  <a:srgbClr val="FFFFFF"/>
+                </a:solidFill>
+              </a:defRPr>
+            </a:lvl1pPr>
+          </a:lstStyle>
+          <a:p>
+            <a:r>
+              <a:rPr lang="en-US"/>
+              <a:t>Add a footer</a:t>
+            </a:r>
+            <a:endParaRPr lang="en-US" dirty="0"/>
+          </a:p>
+        </p:txBody>
+      </p:sp>
+      <p:sp>
+        <p:nvSpPr>
+          <p:cNvPr id="9" name="Slide Number Placeholder 8"/>
           <p:cNvSpPr>
             <a:spLocks noGrp="1"/>
           </p:cNvSpPr>
@@ -2499,7 +3006,7 @@
     </p:spTree>
     <p:extLst>
       <p:ext uri="{BB962C8B-B14F-4D97-AF65-F5344CB8AC3E}">
-        <p14:creationId xmlns:p14="http://schemas.microsoft.com/office/powerpoint/2010/main" val="2351200098"/>
+        <p14:creationId xmlns:p14="http://schemas.microsoft.com/office/powerpoint/2010/main" val="461091043"/>
       </p:ext>
     </p:extLst>
   </p:cSld>
@@ -2522,7 +3029,7 @@
 </file>
 
 <file path=ppt/slideLayouts/slideLayout8.xml><?xml version="1.0" encoding="utf-8"?>
-<p:sldLayout xmlns:a="http://schemas.openxmlformats.org/drawingml/2006/main" xmlns:r="http://schemas.openxmlformats.org/officeDocument/2006/relationships" xmlns:p="http://schemas.openxmlformats.org/presentationml/2006/main" type="objTx" preserve="1">
+<p:sldLayout xmlns:a="http://schemas.openxmlformats.org/drawingml/2006/main" xmlns:r="http://schemas.openxmlformats.org/officeDocument/2006/relationships" xmlns:p="http://schemas.openxmlformats.org/presentationml/2006/main" showMasterSp="0" type="objTx" preserve="1">
   <p:cSld name="Content with Caption">
     <p:spTree>
       <p:nvGrpSpPr>
@@ -2546,16 +3053,14 @@
         </p:nvSpPr>
         <p:spPr>
           <a:xfrm>
-            <a:off x="0" y="0"/>
-            <a:ext cx="7467600" cy="6858000"/>
+            <a:off x="16" y="0"/>
+            <a:ext cx="4050791" cy="6858000"/>
           </a:xfrm>
           <a:prstGeom prst="rect">
             <a:avLst/>
           </a:prstGeom>
           <a:solidFill>
-            <a:schemeClr val="bg1">
-              <a:alpha val="60000"/>
-            </a:schemeClr>
+            <a:schemeClr val="accent2"/>
           </a:solidFill>
           <a:ln>
             <a:noFill/>
@@ -2577,29 +3082,59 @@
             <a:schemeClr val="lt1"/>
           </a:fontRef>
         </p:style>
-        <p:txBody>
-          <a:bodyPr rtlCol="0" anchor="ctr"/>
-          <a:lstStyle/>
-          <a:p>
-            <a:pPr algn="ctr"/>
-            <a:endParaRPr lang="en-US"/>
-          </a:p>
-        </p:txBody>
-      </p:sp>
-      <p:sp>
-        <p:nvSpPr>
-          <p:cNvPr id="2" name="Title 1"/>
-          <p:cNvSpPr>
-            <a:spLocks noGrp="1"/>
-          </p:cNvSpPr>
-          <p:nvPr>
-            <p:ph type="title"/>
-          </p:nvPr>
+      </p:sp>
+      <p:sp>
+        <p:nvSpPr>
+          <p:cNvPr id="9" name="Rectangle 8"/>
+          <p:cNvSpPr/>
+          <p:nvPr/>
         </p:nvSpPr>
         <p:spPr>
           <a:xfrm>
-            <a:off x="7924800" y="838200"/>
-            <a:ext cx="3657600" cy="2133600"/>
+            <a:off x="4040071" y="0"/>
+            <a:ext cx="64008" cy="6858000"/>
+          </a:xfrm>
+          <a:prstGeom prst="rect">
+            <a:avLst/>
+          </a:prstGeom>
+          <a:solidFill>
+            <a:schemeClr val="accent1"/>
+          </a:solidFill>
+          <a:ln>
+            <a:noFill/>
+          </a:ln>
+        </p:spPr>
+        <p:style>
+          <a:lnRef idx="2">
+            <a:schemeClr val="accent1">
+              <a:shade val="50000"/>
+            </a:schemeClr>
+          </a:lnRef>
+          <a:fillRef idx="1">
+            <a:schemeClr val="accent1"/>
+          </a:fillRef>
+          <a:effectRef idx="0">
+            <a:schemeClr val="accent1"/>
+          </a:effectRef>
+          <a:fontRef idx="minor">
+            <a:schemeClr val="lt1"/>
+          </a:fontRef>
+        </p:style>
+      </p:sp>
+      <p:sp>
+        <p:nvSpPr>
+          <p:cNvPr id="2" name="Title 1"/>
+          <p:cNvSpPr>
+            <a:spLocks noGrp="1"/>
+          </p:cNvSpPr>
+          <p:nvPr>
+            <p:ph type="title"/>
+          </p:nvPr>
+        </p:nvSpPr>
+        <p:spPr>
+          <a:xfrm>
+            <a:off x="457200" y="594359"/>
+            <a:ext cx="3200400" cy="2286000"/>
           </a:xfrm>
         </p:spPr>
         <p:txBody>
@@ -2608,15 +3143,19 @@
           </a:bodyPr>
           <a:lstStyle>
             <a:lvl1pPr>
-              <a:defRPr sz="3600"/>
+              <a:defRPr sz="3600" b="0">
+                <a:solidFill>
+                  <a:srgbClr val="FFFFFF"/>
+                </a:solidFill>
+              </a:defRPr>
             </a:lvl1pPr>
           </a:lstStyle>
           <a:p>
             <a:r>
-              <a:rPr lang="en-US" smtClean="0"/>
+              <a:rPr lang="en-US"/>
               <a:t>Click to edit Master title style</a:t>
             </a:r>
-            <a:endParaRPr lang="en-US"/>
+            <a:endParaRPr lang="en-US" dirty="0"/>
           </a:p>
         </p:txBody>
       </p:sp>
@@ -2632,75 +3171,45 @@
         </p:nvSpPr>
         <p:spPr>
           <a:xfrm>
-            <a:off x="609600" y="838200"/>
-            <a:ext cx="6172200" cy="5181601"/>
+            <a:off x="4800600" y="731520"/>
+            <a:ext cx="6492240" cy="5257800"/>
           </a:xfrm>
         </p:spPr>
         <p:txBody>
-          <a:bodyPr>
-            <a:normAutofit/>
-          </a:bodyPr>
-          <a:lstStyle>
-            <a:lvl1pPr>
-              <a:defRPr sz="2400"/>
-            </a:lvl1pPr>
-            <a:lvl2pPr>
-              <a:defRPr sz="2000"/>
-            </a:lvl2pPr>
-            <a:lvl3pPr>
-              <a:defRPr sz="1800"/>
-            </a:lvl3pPr>
-            <a:lvl4pPr>
-              <a:defRPr sz="1600"/>
-            </a:lvl4pPr>
-            <a:lvl5pPr>
-              <a:defRPr sz="1600"/>
-            </a:lvl5pPr>
-            <a:lvl6pPr>
-              <a:defRPr sz="2000"/>
-            </a:lvl6pPr>
-            <a:lvl7pPr>
-              <a:defRPr sz="2000"/>
-            </a:lvl7pPr>
-            <a:lvl8pPr>
-              <a:defRPr sz="2000"/>
-            </a:lvl8pPr>
-            <a:lvl9pPr>
-              <a:defRPr sz="2000"/>
-            </a:lvl9pPr>
-          </a:lstStyle>
+          <a:bodyPr/>
+          <a:lstStyle/>
           <a:p>
             <a:pPr lvl="0"/>
             <a:r>
-              <a:rPr lang="en-US" smtClean="0"/>
-              <a:t>Click to edit Master text styles</a:t>
+              <a:rPr lang="en-US"/>
+              <a:t>Edit Master text styles</a:t>
             </a:r>
           </a:p>
           <a:p>
             <a:pPr lvl="1"/>
             <a:r>
-              <a:rPr lang="en-US" smtClean="0"/>
+              <a:rPr lang="en-US"/>
               <a:t>Second level</a:t>
             </a:r>
           </a:p>
           <a:p>
             <a:pPr lvl="2"/>
             <a:r>
-              <a:rPr lang="en-US" smtClean="0"/>
+              <a:rPr lang="en-US"/>
               <a:t>Third level</a:t>
             </a:r>
           </a:p>
           <a:p>
             <a:pPr lvl="3"/>
             <a:r>
-              <a:rPr lang="en-US" smtClean="0"/>
+              <a:rPr lang="en-US"/>
               <a:t>Fourth level</a:t>
             </a:r>
           </a:p>
           <a:p>
             <a:pPr lvl="4"/>
             <a:r>
-              <a:rPr lang="en-US" smtClean="0"/>
+              <a:rPr lang="en-US"/>
               <a:t>Fifth level</a:t>
             </a:r>
             <a:endParaRPr lang="en-US" dirty="0"/>
@@ -2719,68 +3228,164 @@
         </p:nvSpPr>
         <p:spPr>
           <a:xfrm>
-            <a:off x="7924802" y="3124200"/>
-            <a:ext cx="3657600" cy="2895600"/>
+            <a:off x="457200" y="2926080"/>
+            <a:ext cx="3200400" cy="3379124"/>
           </a:xfrm>
         </p:spPr>
         <p:txBody>
-          <a:bodyPr>
+          <a:bodyPr lIns="91440" rIns="91440">
             <a:normAutofit/>
           </a:bodyPr>
           <a:lstStyle>
             <a:lvl1pPr marL="0" indent="0">
-              <a:spcBef>
-                <a:spcPts val="1200"/>
-              </a:spcBef>
               <a:buNone/>
-              <a:defRPr sz="2400"/>
+              <a:defRPr sz="1500">
+                <a:solidFill>
+                  <a:srgbClr val="FFFFFF"/>
+                </a:solidFill>
+              </a:defRPr>
             </a:lvl1pPr>
             <a:lvl2pPr marL="457200" indent="0">
               <a:buNone/>
-              <a:defRPr sz="1400"/>
+              <a:defRPr sz="1200"/>
             </a:lvl2pPr>
             <a:lvl3pPr marL="914400" indent="0">
               <a:buNone/>
-              <a:defRPr sz="1200"/>
+              <a:defRPr sz="1000"/>
             </a:lvl3pPr>
             <a:lvl4pPr marL="1371600" indent="0">
               <a:buNone/>
-              <a:defRPr sz="1000"/>
+              <a:defRPr sz="900"/>
             </a:lvl4pPr>
             <a:lvl5pPr marL="1828800" indent="0">
               <a:buNone/>
-              <a:defRPr sz="1000"/>
+              <a:defRPr sz="900"/>
             </a:lvl5pPr>
             <a:lvl6pPr marL="2286000" indent="0">
               <a:buNone/>
-              <a:defRPr sz="1000"/>
+              <a:defRPr sz="900"/>
             </a:lvl6pPr>
             <a:lvl7pPr marL="2743200" indent="0">
               <a:buNone/>
-              <a:defRPr sz="1000"/>
+              <a:defRPr sz="900"/>
             </a:lvl7pPr>
             <a:lvl8pPr marL="3200400" indent="0">
               <a:buNone/>
-              <a:defRPr sz="1000"/>
+              <a:defRPr sz="900"/>
             </a:lvl8pPr>
             <a:lvl9pPr marL="3657600" indent="0">
               <a:buNone/>
-              <a:defRPr sz="1000"/>
+              <a:defRPr sz="900"/>
             </a:lvl9pPr>
           </a:lstStyle>
           <a:p>
             <a:pPr lvl="0"/>
             <a:r>
+              <a:rPr lang="en-US"/>
+              <a:t>Edit Master text styles</a:t>
+            </a:r>
+          </a:p>
+        </p:txBody>
+      </p:sp>
+      <p:sp>
+        <p:nvSpPr>
+          <p:cNvPr id="5" name="Date Placeholder 4"/>
+          <p:cNvSpPr>
+            <a:spLocks noGrp="1"/>
+          </p:cNvSpPr>
+          <p:nvPr>
+            <p:ph type="dt" sz="half" idx="10"/>
+          </p:nvPr>
+        </p:nvSpPr>
+        <p:spPr>
+          <a:xfrm>
+            <a:off x="465512" y="6459785"/>
+            <a:ext cx="2618510" cy="365125"/>
+          </a:xfrm>
+        </p:spPr>
+        <p:txBody>
+          <a:bodyPr/>
+          <a:lstStyle>
+            <a:lvl1pPr algn="l">
+              <a:defRPr/>
+            </a:lvl1pPr>
+          </a:lstStyle>
+          <a:p>
+            <a:fld id="{48A87A34-81AB-432B-8DAE-1953F412C126}" type="datetimeFigureOut">
               <a:rPr lang="en-US" smtClean="0"/>
-              <a:t>Click to edit Master text styles</a:t>
-            </a:r>
+              <a:t>4/25/2017</a:t>
+            </a:fld>
+            <a:endParaRPr lang="en-US" dirty="0"/>
+          </a:p>
+        </p:txBody>
+      </p:sp>
+      <p:sp>
+        <p:nvSpPr>
+          <p:cNvPr id="6" name="Footer Placeholder 5"/>
+          <p:cNvSpPr>
+            <a:spLocks noGrp="1"/>
+          </p:cNvSpPr>
+          <p:nvPr>
+            <p:ph type="ftr" sz="quarter" idx="11"/>
+          </p:nvPr>
+        </p:nvSpPr>
+        <p:spPr>
+          <a:xfrm>
+            <a:off x="4800600" y="6459785"/>
+            <a:ext cx="4648200" cy="365125"/>
+          </a:xfrm>
+        </p:spPr>
+        <p:txBody>
+          <a:bodyPr/>
+          <a:lstStyle>
+            <a:lvl1pPr algn="l">
+              <a:defRPr>
+                <a:solidFill>
+                  <a:schemeClr val="tx2"/>
+                </a:solidFill>
+              </a:defRPr>
+            </a:lvl1pPr>
+          </a:lstStyle>
+          <a:p>
+            <a:endParaRPr lang="en-US" dirty="0"/>
+          </a:p>
+        </p:txBody>
+      </p:sp>
+      <p:sp>
+        <p:nvSpPr>
+          <p:cNvPr id="7" name="Slide Number Placeholder 6"/>
+          <p:cNvSpPr>
+            <a:spLocks noGrp="1"/>
+          </p:cNvSpPr>
+          <p:nvPr>
+            <p:ph type="sldNum" sz="quarter" idx="12"/>
+          </p:nvPr>
+        </p:nvSpPr>
+        <p:spPr/>
+        <p:txBody>
+          <a:bodyPr/>
+          <a:lstStyle>
+            <a:lvl1pPr>
+              <a:defRPr>
+                <a:solidFill>
+                  <a:schemeClr val="tx2"/>
+                </a:solidFill>
+              </a:defRPr>
+            </a:lvl1pPr>
+          </a:lstStyle>
+          <a:p>
+            <a:fld id="{6D22F896-40B5-4ADD-8801-0D06FADFA095}" type="slidenum">
+              <a:rPr lang="en-US" smtClean="0"/>
+              <a:t>‹#›</a:t>
+            </a:fld>
+            <a:endParaRPr lang="en-US" dirty="0"/>
           </a:p>
         </p:txBody>
       </p:sp>
     </p:spTree>
     <p:extLst>
       <p:ext uri="{BB962C8B-B14F-4D97-AF65-F5344CB8AC3E}">
-        <p14:creationId xmlns:p14="http://schemas.microsoft.com/office/powerpoint/2010/main" val="3979593354"/>
+        <p14:creationId xmlns:p14="http://schemas.microsoft.com/office/powerpoint/2010/main" val="1335406497"/>
       </p:ext>
     </p:extLst>
   </p:cSld>
@@ -2803,7 +3408,7 @@
 </file>
 
 <file path=ppt/slideLayouts/slideLayout9.xml><?xml version="1.0" encoding="utf-8"?>
-<p:sldLayout xmlns:a="http://schemas.openxmlformats.org/drawingml/2006/main" xmlns:r="http://schemas.openxmlformats.org/officeDocument/2006/relationships" xmlns:p="http://schemas.openxmlformats.org/presentationml/2006/main" type="picTx" preserve="1">
+<p:sldLayout xmlns:a="http://schemas.openxmlformats.org/drawingml/2006/main" xmlns:r="http://schemas.openxmlformats.org/officeDocument/2006/relationships" xmlns:p="http://schemas.openxmlformats.org/presentationml/2006/main" showMasterSp="0" type="picTx" preserve="1">
   <p:cSld name="Picture with Caption">
     <p:spTree>
       <p:nvGrpSpPr>
@@ -2821,43 +3426,123 @@
       </p:grpSpPr>
       <p:sp>
         <p:nvSpPr>
-          <p:cNvPr id="2" name="Title 1"/>
-          <p:cNvSpPr>
-            <a:spLocks noGrp="1"/>
-          </p:cNvSpPr>
-          <p:nvPr>
-            <p:ph type="title"/>
-          </p:nvPr>
+          <p:cNvPr id="8" name="Rectangle 7"/>
+          <p:cNvSpPr/>
+          <p:nvPr/>
         </p:nvSpPr>
         <p:spPr>
           <a:xfrm>
-            <a:off x="7924800" y="838200"/>
-            <a:ext cx="3657600" cy="2133600"/>
+            <a:off x="0" y="4953000"/>
+            <a:ext cx="12188825" cy="1905000"/>
+          </a:xfrm>
+          <a:prstGeom prst="rect">
+            <a:avLst/>
+          </a:prstGeom>
+          <a:solidFill>
+            <a:schemeClr val="accent2"/>
+          </a:solidFill>
+          <a:ln>
+            <a:noFill/>
+          </a:ln>
+        </p:spPr>
+        <p:style>
+          <a:lnRef idx="2">
+            <a:schemeClr val="accent1">
+              <a:shade val="50000"/>
+            </a:schemeClr>
+          </a:lnRef>
+          <a:fillRef idx="1">
+            <a:schemeClr val="accent1"/>
+          </a:fillRef>
+          <a:effectRef idx="0">
+            <a:schemeClr val="accent1"/>
+          </a:effectRef>
+          <a:fontRef idx="minor">
+            <a:schemeClr val="lt1"/>
+          </a:fontRef>
+        </p:style>
+      </p:sp>
+      <p:sp>
+        <p:nvSpPr>
+          <p:cNvPr id="9" name="Rectangle 8"/>
+          <p:cNvSpPr/>
+          <p:nvPr/>
+        </p:nvSpPr>
+        <p:spPr>
+          <a:xfrm>
+            <a:off x="15" y="4915076"/>
+            <a:ext cx="12188825" cy="64008"/>
+          </a:xfrm>
+          <a:prstGeom prst="rect">
+            <a:avLst/>
+          </a:prstGeom>
+          <a:solidFill>
+            <a:schemeClr val="accent1"/>
+          </a:solidFill>
+          <a:ln>
+            <a:noFill/>
+          </a:ln>
+        </p:spPr>
+        <p:style>
+          <a:lnRef idx="2">
+            <a:schemeClr val="accent1">
+              <a:shade val="50000"/>
+            </a:schemeClr>
+          </a:lnRef>
+          <a:fillRef idx="1">
+            <a:schemeClr val="accent1"/>
+          </a:fillRef>
+          <a:effectRef idx="0">
+            <a:schemeClr val="accent1"/>
+          </a:effectRef>
+          <a:fontRef idx="minor">
+            <a:schemeClr val="lt1"/>
+          </a:fontRef>
+        </p:style>
+      </p:sp>
+      <p:sp>
+        <p:nvSpPr>
+          <p:cNvPr id="2" name="Title 1"/>
+          <p:cNvSpPr>
+            <a:spLocks noGrp="1"/>
+          </p:cNvSpPr>
+          <p:nvPr>
+            <p:ph type="title"/>
+          </p:nvPr>
+        </p:nvSpPr>
+        <p:spPr>
+          <a:xfrm>
+            <a:off x="1097280" y="5074920"/>
+            <a:ext cx="10113264" cy="822960"/>
           </a:xfrm>
         </p:spPr>
         <p:txBody>
-          <a:bodyPr anchor="b">
-            <a:normAutofit/>
+          <a:bodyPr lIns="91440" tIns="0" rIns="91440" bIns="0" anchor="b">
+            <a:noAutofit/>
           </a:bodyPr>
           <a:lstStyle>
             <a:lvl1pPr>
-              <a:defRPr sz="3600"/>
+              <a:defRPr sz="3600" b="0">
+                <a:solidFill>
+                  <a:srgbClr val="FFFFFF"/>
+                </a:solidFill>
+              </a:defRPr>
             </a:lvl1pPr>
           </a:lstStyle>
           <a:p>
             <a:r>
-              <a:rPr lang="en-US" smtClean="0"/>
+              <a:rPr lang="en-US"/>
               <a:t>Click to edit Master title style</a:t>
             </a:r>
-            <a:endParaRPr lang="en-US"/>
-          </a:p>
-        </p:txBody>
-      </p:sp>
-      <p:sp>
-        <p:nvSpPr>
-          <p:cNvPr id="3" name="Picture Placeholder 2" descr="An empty placeholder to add an image. Click on the placeholder and select the image that you wish to add"/>
-          <p:cNvSpPr>
-            <a:spLocks noGrp="1"/>
+            <a:endParaRPr lang="en-US" dirty="0"/>
+          </a:p>
+        </p:txBody>
+      </p:sp>
+      <p:sp>
+        <p:nvSpPr>
+          <p:cNvPr id="3" name="Picture Placeholder 2"/>
+          <p:cNvSpPr>
+            <a:spLocks noGrp="1" noChangeAspect="1"/>
           </p:cNvSpPr>
           <p:nvPr>
             <p:ph type="pic" idx="1"/>
@@ -2865,21 +3550,26 @@
         </p:nvSpPr>
         <p:spPr>
           <a:xfrm>
-            <a:off x="0" y="0"/>
-            <a:ext cx="7239000" cy="6858000"/>
+            <a:off x="15" y="0"/>
+            <a:ext cx="12191985" cy="4915076"/>
           </a:xfrm>
-          <a:solidFill>
-            <a:schemeClr val="bg1"/>
-          </a:solidFill>
+          <a:blipFill>
+            <a:blip r:embed="rId2"/>
+            <a:stretch>
+              <a:fillRect/>
+            </a:stretch>
+          </a:blipFill>
         </p:spPr>
         <p:txBody>
-          <a:bodyPr tIns="365760">
-            <a:normAutofit/>
-          </a:bodyPr>
+          <a:bodyPr lIns="457200" tIns="457200" anchor="t"/>
           <a:lstStyle>
-            <a:lvl1pPr marL="0" indent="0" algn="ctr">
+            <a:lvl1pPr marL="0" indent="0">
               <a:buNone/>
-              <a:defRPr sz="2400"/>
+              <a:defRPr sz="3200">
+                <a:solidFill>
+                  <a:schemeClr val="bg1"/>
+                </a:solidFill>
+              </a:defRPr>
             </a:lvl1pPr>
             <a:lvl2pPr marL="457200" indent="0">
               <a:buNone/>
@@ -2916,10 +3606,10 @@
           </a:lstStyle>
           <a:p>
             <a:r>
-              <a:rPr lang="en-US" smtClean="0"/>
-              <a:t>Drag picture to placeholder or click icon to add</a:t>
-            </a:r>
-            <a:endParaRPr lang="en-US"/>
+              <a:rPr lang="en-US"/>
+              <a:t>Click icon to add picture</a:t>
+            </a:r>
+            <a:endParaRPr lang="en-US" dirty="0"/>
           </a:p>
         </p:txBody>
       </p:sp>
@@ -2935,116 +3625,141 @@
         </p:nvSpPr>
         <p:spPr>
           <a:xfrm>
-            <a:off x="7924801" y="3124200"/>
-            <a:ext cx="3657600" cy="2895600"/>
+            <a:off x="1097280" y="5907023"/>
+            <a:ext cx="10113264" cy="594360"/>
           </a:xfrm>
         </p:spPr>
         <p:txBody>
-          <a:bodyPr>
+          <a:bodyPr lIns="91440" tIns="0" rIns="91440" bIns="0">
             <a:normAutofit/>
           </a:bodyPr>
           <a:lstStyle>
             <a:lvl1pPr marL="0" indent="0">
               <a:spcBef>
-                <a:spcPts val="1200"/>
+                <a:spcPts val="0"/>
               </a:spcBef>
+              <a:spcAft>
+                <a:spcPts val="600"/>
+              </a:spcAft>
               <a:buNone/>
-              <a:defRPr sz="2400"/>
+              <a:defRPr sz="1500">
+                <a:solidFill>
+                  <a:srgbClr val="FFFFFF"/>
+                </a:solidFill>
+              </a:defRPr>
             </a:lvl1pPr>
             <a:lvl2pPr marL="457200" indent="0">
               <a:buNone/>
-              <a:defRPr sz="1400"/>
+              <a:defRPr sz="1200"/>
             </a:lvl2pPr>
             <a:lvl3pPr marL="914400" indent="0">
               <a:buNone/>
-              <a:defRPr sz="1200"/>
+              <a:defRPr sz="1000"/>
             </a:lvl3pPr>
             <a:lvl4pPr marL="1371600" indent="0">
               <a:buNone/>
-              <a:defRPr sz="1000"/>
+              <a:defRPr sz="900"/>
             </a:lvl4pPr>
             <a:lvl5pPr marL="1828800" indent="0">
               <a:buNone/>
-              <a:defRPr sz="1000"/>
+              <a:defRPr sz="900"/>
             </a:lvl5pPr>
             <a:lvl6pPr marL="2286000" indent="0">
               <a:buNone/>
-              <a:defRPr sz="1000"/>
+              <a:defRPr sz="900"/>
             </a:lvl6pPr>
             <a:lvl7pPr marL="2743200" indent="0">
               <a:buNone/>
-              <a:defRPr sz="1000"/>
+              <a:defRPr sz="900"/>
             </a:lvl7pPr>
             <a:lvl8pPr marL="3200400" indent="0">
               <a:buNone/>
-              <a:defRPr sz="1000"/>
+              <a:defRPr sz="900"/>
             </a:lvl8pPr>
             <a:lvl9pPr marL="3657600" indent="0">
               <a:buNone/>
-              <a:defRPr sz="1000"/>
+              <a:defRPr sz="900"/>
             </a:lvl9pPr>
           </a:lstStyle>
           <a:p>
             <a:pPr lvl="0"/>
             <a:r>
+              <a:rPr lang="en-US"/>
+              <a:t>Edit Master text styles</a:t>
+            </a:r>
+          </a:p>
+        </p:txBody>
+      </p:sp>
+      <p:sp>
+        <p:nvSpPr>
+          <p:cNvPr id="5" name="Date Placeholder 4"/>
+          <p:cNvSpPr>
+            <a:spLocks noGrp="1"/>
+          </p:cNvSpPr>
+          <p:nvPr>
+            <p:ph type="dt" sz="half" idx="10"/>
+          </p:nvPr>
+        </p:nvSpPr>
+        <p:spPr/>
+        <p:txBody>
+          <a:bodyPr/>
+          <a:lstStyle/>
+          <a:p>
+            <a:fld id="{48A87A34-81AB-432B-8DAE-1953F412C126}" type="datetimeFigureOut">
               <a:rPr lang="en-US" smtClean="0"/>
-              <a:t>Click to edit Master text styles</a:t>
-            </a:r>
-          </a:p>
-        </p:txBody>
-      </p:sp>
-      <p:sp>
-        <p:nvSpPr>
-          <p:cNvPr id="8" name="Rectangle 7"/>
-          <p:cNvSpPr/>
-          <p:nvPr/>
-        </p:nvSpPr>
-        <p:spPr>
-          <a:xfrm>
-            <a:off x="7239000" y="0"/>
-            <a:ext cx="228600" cy="6858000"/>
-          </a:xfrm>
-          <a:prstGeom prst="rect">
-            <a:avLst/>
-          </a:prstGeom>
-          <a:solidFill>
-            <a:schemeClr val="bg1">
-              <a:alpha val="60000"/>
-            </a:schemeClr>
-          </a:solidFill>
-          <a:ln>
-            <a:noFill/>
-          </a:ln>
-        </p:spPr>
-        <p:style>
-          <a:lnRef idx="2">
-            <a:schemeClr val="accent1">
-              <a:shade val="50000"/>
-            </a:schemeClr>
-          </a:lnRef>
-          <a:fillRef idx="1">
-            <a:schemeClr val="accent1"/>
-          </a:fillRef>
-          <a:effectRef idx="0">
-            <a:schemeClr val="accent1"/>
-          </a:effectRef>
-          <a:fontRef idx="minor">
-            <a:schemeClr val="lt1"/>
-          </a:fontRef>
-        </p:style>
-        <p:txBody>
-          <a:bodyPr rtlCol="0" anchor="ctr"/>
+              <a:pPr/>
+              <a:t>4/25/2017</a:t>
+            </a:fld>
+            <a:endParaRPr lang="en-US" dirty="0"/>
+          </a:p>
+        </p:txBody>
+      </p:sp>
+      <p:sp>
+        <p:nvSpPr>
+          <p:cNvPr id="6" name="Footer Placeholder 5"/>
+          <p:cNvSpPr>
+            <a:spLocks noGrp="1"/>
+          </p:cNvSpPr>
+          <p:nvPr>
+            <p:ph type="ftr" sz="quarter" idx="11"/>
+          </p:nvPr>
+        </p:nvSpPr>
+        <p:spPr/>
+        <p:txBody>
+          <a:bodyPr/>
           <a:lstStyle/>
           <a:p>
-            <a:pPr algn="ctr"/>
-            <a:endParaRPr lang="en-US"/>
+            <a:endParaRPr lang="en-US" dirty="0"/>
+          </a:p>
+        </p:txBody>
+      </p:sp>
+      <p:sp>
+        <p:nvSpPr>
+          <p:cNvPr id="7" name="Slide Number Placeholder 6"/>
+          <p:cNvSpPr>
+            <a:spLocks noGrp="1"/>
+          </p:cNvSpPr>
+          <p:nvPr>
+            <p:ph type="sldNum" sz="quarter" idx="12"/>
+          </p:nvPr>
+        </p:nvSpPr>
+        <p:spPr/>
+        <p:txBody>
+          <a:bodyPr/>
+          <a:lstStyle/>
+          <a:p>
+            <a:fld id="{6D22F896-40B5-4ADD-8801-0D06FADFA095}" type="slidenum">
+              <a:rPr lang="en-US" smtClean="0"/>
+              <a:t>‹#›</a:t>
+            </a:fld>
+            <a:endParaRPr lang="en-US" dirty="0"/>
           </a:p>
         </p:txBody>
       </p:sp>
     </p:spTree>
     <p:extLst>
       <p:ext uri="{BB962C8B-B14F-4D97-AF65-F5344CB8AC3E}">
-        <p14:creationId xmlns:p14="http://schemas.microsoft.com/office/powerpoint/2010/main" val="1944115868"/>
+        <p14:creationId xmlns:p14="http://schemas.microsoft.com/office/powerpoint/2010/main" val="2846573713"/>
       </p:ext>
     </p:extLst>
   </p:cSld>
@@ -3070,18 +3785,9 @@
 <p:sldMaster xmlns:a="http://schemas.openxmlformats.org/drawingml/2006/main" xmlns:r="http://schemas.openxmlformats.org/officeDocument/2006/relationships" xmlns:p="http://schemas.openxmlformats.org/presentationml/2006/main">
   <p:cSld>
     <p:bg>
-      <p:bgPr>
-        <a:blipFill dpi="0" rotWithShape="1">
-          <a:blip r:embed="rId13">
-            <a:lum/>
-          </a:blip>
-          <a:srcRect/>
-          <a:stretch>
-            <a:fillRect/>
-          </a:stretch>
-        </a:blipFill>
-        <a:effectLst/>
-      </p:bgPr>
+      <p:bgRef idx="1001">
+        <a:schemeClr val="bg1"/>
+      </p:bgRef>
     </p:bg>
     <p:spTree>
       <p:nvGrpSpPr>
@@ -3099,18 +3805,94 @@
       </p:grpSpPr>
       <p:sp>
         <p:nvSpPr>
-          <p:cNvPr id="2" name="Title Placeholder 1"/>
-          <p:cNvSpPr>
-            <a:spLocks noGrp="1"/>
-          </p:cNvSpPr>
-          <p:nvPr>
-            <p:ph type="title"/>
-          </p:nvPr>
+          <p:cNvPr id="7" name="Rectangle 6"/>
+          <p:cNvSpPr/>
+          <p:nvPr/>
         </p:nvSpPr>
         <p:spPr>
           <a:xfrm>
-            <a:off x="1066800" y="304800"/>
-            <a:ext cx="10058400" cy="1143000"/>
+            <a:off x="1" y="6400800"/>
+            <a:ext cx="12192000" cy="457200"/>
+          </a:xfrm>
+          <a:prstGeom prst="rect">
+            <a:avLst/>
+          </a:prstGeom>
+          <a:solidFill>
+            <a:schemeClr val="accent2"/>
+          </a:solidFill>
+          <a:ln>
+            <a:noFill/>
+          </a:ln>
+        </p:spPr>
+        <p:style>
+          <a:lnRef idx="2">
+            <a:schemeClr val="accent1">
+              <a:shade val="50000"/>
+            </a:schemeClr>
+          </a:lnRef>
+          <a:fillRef idx="1">
+            <a:schemeClr val="accent1"/>
+          </a:fillRef>
+          <a:effectRef idx="0">
+            <a:schemeClr val="accent1"/>
+          </a:effectRef>
+          <a:fontRef idx="minor">
+            <a:schemeClr val="lt1"/>
+          </a:fontRef>
+        </p:style>
+      </p:sp>
+      <p:sp>
+        <p:nvSpPr>
+          <p:cNvPr id="9" name="Rectangle 8"/>
+          <p:cNvSpPr/>
+          <p:nvPr/>
+        </p:nvSpPr>
+        <p:spPr>
+          <a:xfrm>
+            <a:off x="0" y="6334316"/>
+            <a:ext cx="12192001" cy="65998"/>
+          </a:xfrm>
+          <a:prstGeom prst="rect">
+            <a:avLst/>
+          </a:prstGeom>
+          <a:solidFill>
+            <a:schemeClr val="accent1"/>
+          </a:solidFill>
+          <a:ln>
+            <a:noFill/>
+          </a:ln>
+        </p:spPr>
+        <p:style>
+          <a:lnRef idx="2">
+            <a:schemeClr val="accent1">
+              <a:shade val="50000"/>
+            </a:schemeClr>
+          </a:lnRef>
+          <a:fillRef idx="1">
+            <a:schemeClr val="accent1"/>
+          </a:fillRef>
+          <a:effectRef idx="0">
+            <a:schemeClr val="accent1"/>
+          </a:effectRef>
+          <a:fontRef idx="minor">
+            <a:schemeClr val="lt1"/>
+          </a:fontRef>
+        </p:style>
+      </p:sp>
+      <p:sp>
+        <p:nvSpPr>
+          <p:cNvPr id="2" name="Title Placeholder 1"/>
+          <p:cNvSpPr>
+            <a:spLocks noGrp="1"/>
+          </p:cNvSpPr>
+          <p:nvPr>
+            <p:ph type="title"/>
+          </p:nvPr>
+        </p:nvSpPr>
+        <p:spPr>
+          <a:xfrm>
+            <a:off x="1097280" y="286603"/>
+            <a:ext cx="10058400" cy="1450757"/>
           </a:xfrm>
           <a:prstGeom prst="rect">
             <a:avLst/>
@@ -3123,10 +3905,10 @@
           <a:lstStyle/>
           <a:p>
             <a:r>
-              <a:rPr lang="en-US" smtClean="0"/>
+              <a:rPr lang="en-US"/>
               <a:t>Click to edit Master title style</a:t>
             </a:r>
-            <a:endParaRPr lang="en-US"/>
+            <a:endParaRPr lang="en-US" dirty="0"/>
           </a:p>
         </p:txBody>
       </p:sp>
@@ -3142,50 +3924,50 @@
         </p:nvSpPr>
         <p:spPr>
           <a:xfrm>
-            <a:off x="1066800" y="1676400"/>
-            <a:ext cx="10058400" cy="4343400"/>
+            <a:off x="1097280" y="1845734"/>
+            <a:ext cx="10058400" cy="4023360"/>
           </a:xfrm>
           <a:prstGeom prst="rect">
             <a:avLst/>
           </a:prstGeom>
         </p:spPr>
         <p:txBody>
-          <a:bodyPr vert="horz" lIns="91440" tIns="45720" rIns="91440" bIns="45720" rtlCol="0">
+          <a:bodyPr vert="horz" lIns="0" tIns="45720" rIns="0" bIns="45720" rtlCol="0">
             <a:normAutofit/>
           </a:bodyPr>
           <a:lstStyle/>
           <a:p>
             <a:pPr lvl="0"/>
             <a:r>
-              <a:rPr lang="en-US" smtClean="0"/>
-              <a:t>Click to edit Master text styles</a:t>
+              <a:rPr lang="en-US"/>
+              <a:t>Edit Master text styles</a:t>
             </a:r>
           </a:p>
           <a:p>
             <a:pPr lvl="1"/>
             <a:r>
-              <a:rPr lang="en-US" smtClean="0"/>
+              <a:rPr lang="en-US"/>
               <a:t>Second level</a:t>
             </a:r>
           </a:p>
           <a:p>
             <a:pPr lvl="2"/>
             <a:r>
-              <a:rPr lang="en-US" smtClean="0"/>
+              <a:rPr lang="en-US"/>
               <a:t>Third level</a:t>
             </a:r>
           </a:p>
           <a:p>
             <a:pPr lvl="3"/>
             <a:r>
-              <a:rPr lang="en-US" smtClean="0"/>
+              <a:rPr lang="en-US"/>
               <a:t>Fourth level</a:t>
             </a:r>
           </a:p>
           <a:p>
             <a:pPr lvl="4"/>
             <a:r>
-              <a:rPr lang="en-US" smtClean="0"/>
+              <a:rPr lang="en-US"/>
               <a:t>Fifth level</a:t>
             </a:r>
             <a:endParaRPr lang="en-US" dirty="0"/>
@@ -3194,18 +3976,18 @@
       </p:sp>
       <p:sp>
         <p:nvSpPr>
-          <p:cNvPr id="5" name="Footer Placeholder 4"/>
-          <p:cNvSpPr>
-            <a:spLocks noGrp="1"/>
-          </p:cNvSpPr>
-          <p:nvPr>
-            <p:ph type="ftr" sz="quarter" idx="3"/>
+          <p:cNvPr id="4" name="Date Placeholder 3"/>
+          <p:cNvSpPr>
+            <a:spLocks noGrp="1"/>
+          </p:cNvSpPr>
+          <p:nvPr>
+            <p:ph type="dt" sz="half" idx="2"/>
           </p:nvPr>
         </p:nvSpPr>
         <p:spPr>
           <a:xfrm>
-            <a:off x="1070918" y="6392562"/>
-            <a:ext cx="7082481" cy="180976"/>
+            <a:off x="1097280" y="6459785"/>
+            <a:ext cx="2472271" cy="365125"/>
           </a:xfrm>
           <a:prstGeom prst="rect">
             <a:avLst/>
@@ -3215,37 +3997,37 @@
           <a:bodyPr vert="horz" lIns="91440" tIns="45720" rIns="91440" bIns="45720" rtlCol="0" anchor="ctr"/>
           <a:lstStyle>
             <a:lvl1pPr algn="l">
-              <a:defRPr sz="1100">
+              <a:defRPr sz="900">
                 <a:solidFill>
-                  <a:schemeClr val="tx1">
-                    <a:tint val="75000"/>
-                  </a:schemeClr>
+                  <a:srgbClr val="FFFFFF"/>
                 </a:solidFill>
               </a:defRPr>
             </a:lvl1pPr>
           </a:lstStyle>
           <a:p>
-            <a:r>
-              <a:rPr lang="en-US" dirty="0"/>
-              <a:t>Add a footer</a:t>
-            </a:r>
-          </a:p>
-        </p:txBody>
-      </p:sp>
-      <p:sp>
-        <p:nvSpPr>
-          <p:cNvPr id="4" name="Date Placeholder 3"/>
-          <p:cNvSpPr>
-            <a:spLocks noGrp="1"/>
-          </p:cNvSpPr>
-          <p:nvPr>
-            <p:ph type="dt" sz="half" idx="2"/>
+            <a:fld id="{3762EC29-B8C5-4C7A-B6DA-418494D5CB21}" type="datetimeFigureOut">
+              <a:rPr lang="en-US" smtClean="0"/>
+              <a:pPr/>
+              <a:t>4/25/2017</a:t>
+            </a:fld>
+            <a:endParaRPr lang="en-US"/>
+          </a:p>
+        </p:txBody>
+      </p:sp>
+      <p:sp>
+        <p:nvSpPr>
+          <p:cNvPr id="5" name="Footer Placeholder 4"/>
+          <p:cNvSpPr>
+            <a:spLocks noGrp="1"/>
+          </p:cNvSpPr>
+          <p:nvPr>
+            <p:ph type="ftr" sz="quarter" idx="3"/>
           </p:nvPr>
         </p:nvSpPr>
         <p:spPr>
           <a:xfrm>
-            <a:off x="8534400" y="6392562"/>
-            <a:ext cx="1295400" cy="180976"/>
+            <a:off x="3686185" y="6459785"/>
+            <a:ext cx="4822804" cy="365125"/>
           </a:xfrm>
           <a:prstGeom prst="rect">
             <a:avLst/>
@@ -3254,23 +4036,20 @@
         <p:txBody>
           <a:bodyPr vert="horz" lIns="91440" tIns="45720" rIns="91440" bIns="45720" rtlCol="0" anchor="ctr"/>
           <a:lstStyle>
-            <a:lvl1pPr algn="r">
-              <a:defRPr sz="1100">
+            <a:lvl1pPr algn="ctr">
+              <a:defRPr sz="900" cap="all" baseline="0">
                 <a:solidFill>
-                  <a:schemeClr val="tx1">
-                    <a:tint val="75000"/>
-                  </a:schemeClr>
+                  <a:srgbClr val="FFFFFF"/>
                 </a:solidFill>
               </a:defRPr>
             </a:lvl1pPr>
           </a:lstStyle>
           <a:p>
-            <a:fld id="{3762EC29-B8C5-4C7A-B6DA-418494D5CB21}" type="datetimeFigureOut">
-              <a:rPr lang="en-US" smtClean="0"/>
-              <a:pPr/>
-              <a:t>4/23/17</a:t>
-            </a:fld>
-            <a:endParaRPr lang="en-US"/>
+            <a:r>
+              <a:rPr lang="en-US"/>
+              <a:t>Add a footer</a:t>
+            </a:r>
+            <a:endParaRPr lang="en-US" dirty="0"/>
           </a:p>
         </p:txBody>
       </p:sp>
@@ -3286,8 +4065,8 @@
         </p:nvSpPr>
         <p:spPr>
           <a:xfrm>
-            <a:off x="10058400" y="6392562"/>
-            <a:ext cx="1066800" cy="180976"/>
+            <a:off x="9900458" y="6459785"/>
+            <a:ext cx="1312025" cy="365125"/>
           </a:xfrm>
           <a:prstGeom prst="rect">
             <a:avLst/>
@@ -3297,11 +4076,9 @@
           <a:bodyPr vert="horz" lIns="91440" tIns="45720" rIns="91440" bIns="45720" rtlCol="0" anchor="ctr"/>
           <a:lstStyle>
             <a:lvl1pPr algn="r">
-              <a:defRPr sz="1100">
+              <a:defRPr sz="1050">
                 <a:solidFill>
-                  <a:schemeClr val="tx1">
-                    <a:tint val="75000"/>
-                  </a:schemeClr>
+                  <a:srgbClr val="FFFFFF"/>
                 </a:solidFill>
               </a:defRPr>
             </a:lvl1pPr>
@@ -3316,26 +4093,64 @@
           </a:p>
         </p:txBody>
       </p:sp>
+      <p:cxnSp>
+        <p:nvCxnSpPr>
+          <p:cNvPr id="10" name="Straight Connector 9"/>
+          <p:cNvCxnSpPr/>
+          <p:nvPr/>
+        </p:nvCxnSpPr>
+        <p:spPr>
+          <a:xfrm>
+            <a:off x="1193532" y="1737845"/>
+            <a:ext cx="9966960" cy="0"/>
+          </a:xfrm>
+          <a:prstGeom prst="line">
+            <a:avLst/>
+          </a:prstGeom>
+          <a:ln w="6350">
+            <a:solidFill>
+              <a:schemeClr val="tx1">
+                <a:lumMod val="50000"/>
+                <a:lumOff val="50000"/>
+              </a:schemeClr>
+            </a:solidFill>
+          </a:ln>
+        </p:spPr>
+        <p:style>
+          <a:lnRef idx="1">
+            <a:schemeClr val="accent1"/>
+          </a:lnRef>
+          <a:fillRef idx="0">
+            <a:schemeClr val="accent1"/>
+          </a:fillRef>
+          <a:effectRef idx="0">
+            <a:schemeClr val="accent1"/>
+          </a:effectRef>
+          <a:fontRef idx="minor">
+            <a:schemeClr val="tx1"/>
+          </a:fontRef>
+        </p:style>
+      </p:cxnSp>
     </p:spTree>
     <p:extLst>
       <p:ext uri="{BB962C8B-B14F-4D97-AF65-F5344CB8AC3E}">
-        <p14:creationId xmlns:p14="http://schemas.microsoft.com/office/powerpoint/2010/main" val="2569209519"/>
+        <p14:creationId xmlns:p14="http://schemas.microsoft.com/office/powerpoint/2010/main" val="2810745890"/>
       </p:ext>
     </p:extLst>
   </p:cSld>
-  <p:clrMap bg1="dk1" tx1="lt1" bg2="dk2" tx2="lt2" accent1="accent1" accent2="accent2" accent3="accent3" accent4="accent4" accent5="accent5" accent6="accent6" hlink="hlink" folHlink="folHlink"/>
+  <p:clrMap bg1="lt1" tx1="dk1" bg2="lt2" tx2="dk2" accent1="accent1" accent2="accent2" accent3="accent3" accent4="accent4" accent5="accent5" accent6="accent6" hlink="hlink" folHlink="folHlink"/>
   <p:sldLayoutIdLst>
-    <p:sldLayoutId id="2147483649" r:id="rId1"/>
-    <p:sldLayoutId id="2147483650" r:id="rId2"/>
-    <p:sldLayoutId id="2147483651" r:id="rId3"/>
-    <p:sldLayoutId id="2147483652" r:id="rId4"/>
-    <p:sldLayoutId id="2147483653" r:id="rId5"/>
-    <p:sldLayoutId id="2147483654" r:id="rId6"/>
-    <p:sldLayoutId id="2147483655" r:id="rId7"/>
-    <p:sldLayoutId id="2147483656" r:id="rId8"/>
-    <p:sldLayoutId id="2147483657" r:id="rId9"/>
-    <p:sldLayoutId id="2147483658" r:id="rId10"/>
-    <p:sldLayoutId id="2147483659" r:id="rId11"/>
+    <p:sldLayoutId id="2147483732" r:id="rId1"/>
+    <p:sldLayoutId id="2147483733" r:id="rId2"/>
+    <p:sldLayoutId id="2147483734" r:id="rId3"/>
+    <p:sldLayoutId id="2147483735" r:id="rId4"/>
+    <p:sldLayoutId id="2147483736" r:id="rId5"/>
+    <p:sldLayoutId id="2147483737" r:id="rId6"/>
+    <p:sldLayoutId id="2147483738" r:id="rId7"/>
+    <p:sldLayoutId id="2147483739" r:id="rId8"/>
+    <p:sldLayoutId id="2147483740" r:id="rId9"/>
+    <p:sldLayoutId id="2147483741" r:id="rId10"/>
+    <p:sldLayoutId id="2147483742" r:id="rId11"/>
   </p:sldLayoutIdLst>
   <mc:AlternateContent xmlns:mc="http://schemas.openxmlformats.org/markup-compatibility/2006" xmlns:p14="http://schemas.microsoft.com/office/powerpoint/2010/main">
     <mc:Choice Requires="p14">
@@ -3353,15 +4168,18 @@
     <p:titleStyle>
       <a:lvl1pPr algn="l" defTabSz="914400" rtl="0" eaLnBrk="1" latinLnBrk="0" hangingPunct="1">
         <a:lnSpc>
-          <a:spcPct val="90000"/>
+          <a:spcPct val="85000"/>
         </a:lnSpc>
         <a:spcBef>
           <a:spcPct val="0"/>
         </a:spcBef>
         <a:buNone/>
-        <a:defRPr sz="3600" kern="1200">
+        <a:defRPr sz="4800" kern="1200" spc="-50" baseline="0">
           <a:solidFill>
-            <a:schemeClr val="tx1"/>
+            <a:schemeClr val="tx1">
+              <a:lumMod val="75000"/>
+              <a:lumOff val="25000"/>
+            </a:schemeClr>
           </a:solidFill>
           <a:latin typeface="+mj-lt"/>
           <a:ea typeface="+mj-ea"/>
@@ -3370,162 +4188,244 @@
       </a:lvl1pPr>
     </p:titleStyle>
     <p:bodyStyle>
-      <a:lvl1pPr marL="228600" indent="-228600" algn="l" defTabSz="914400" rtl="0" eaLnBrk="1" latinLnBrk="0" hangingPunct="1">
+      <a:lvl1pPr marL="91440" indent="-91440" algn="l" defTabSz="914400" rtl="0" eaLnBrk="1" latinLnBrk="0" hangingPunct="1">
         <a:lnSpc>
           <a:spcPct val="90000"/>
         </a:lnSpc>
         <a:spcBef>
-          <a:spcPts val="1800"/>
+          <a:spcPts val="1200"/>
         </a:spcBef>
-        <a:buFont typeface="Arial" panose="020B0604020202020204" pitchFamily="34" charset="0"/>
-        <a:buChar char="•"/>
-        <a:defRPr sz="2400" kern="1200">
+        <a:spcAft>
+          <a:spcPts val="200"/>
+        </a:spcAft>
+        <a:buClr>
+          <a:schemeClr val="accent1"/>
+        </a:buClr>
+        <a:buSzPct val="100000"/>
+        <a:buFont typeface="Calibri" panose="020F0502020204030204" pitchFamily="34" charset="0"/>
+        <a:buChar char=" "/>
+        <a:defRPr sz="2000" kern="1200">
           <a:solidFill>
-            <a:schemeClr val="tx1"/>
+            <a:schemeClr val="tx1">
+              <a:lumMod val="75000"/>
+              <a:lumOff val="25000"/>
+            </a:schemeClr>
           </a:solidFill>
           <a:latin typeface="+mn-lt"/>
           <a:ea typeface="+mn-ea"/>
           <a:cs typeface="+mn-cs"/>
         </a:defRPr>
       </a:lvl1pPr>
-      <a:lvl2pPr marL="502920" indent="-228600" algn="l" defTabSz="914400" rtl="0" eaLnBrk="1" latinLnBrk="0" hangingPunct="1">
+      <a:lvl2pPr marL="384048" indent="-182880" algn="l" defTabSz="914400" rtl="0" eaLnBrk="1" latinLnBrk="0" hangingPunct="1">
         <a:lnSpc>
           <a:spcPct val="90000"/>
         </a:lnSpc>
         <a:spcBef>
-          <a:spcPts val="1200"/>
+          <a:spcPts val="200"/>
         </a:spcBef>
-        <a:buFont typeface="Arial" panose="020B0604020202020204" pitchFamily="34" charset="0"/>
-        <a:buChar char="•"/>
-        <a:defRPr sz="2000" kern="1200">
+        <a:spcAft>
+          <a:spcPts val="400"/>
+        </a:spcAft>
+        <a:buClr>
+          <a:schemeClr val="accent1"/>
+        </a:buClr>
+        <a:buFont typeface="Calibri" pitchFamily="34" charset="0"/>
+        <a:buChar char="◦"/>
+        <a:defRPr sz="1800" kern="1200">
           <a:solidFill>
-            <a:schemeClr val="tx1"/>
+            <a:schemeClr val="tx1">
+              <a:lumMod val="75000"/>
+              <a:lumOff val="25000"/>
+            </a:schemeClr>
           </a:solidFill>
           <a:latin typeface="+mn-lt"/>
           <a:ea typeface="+mn-ea"/>
           <a:cs typeface="+mn-cs"/>
         </a:defRPr>
       </a:lvl2pPr>
-      <a:lvl3pPr marL="777240" indent="-228600" algn="l" defTabSz="914400" rtl="0" eaLnBrk="1" latinLnBrk="0" hangingPunct="1">
+      <a:lvl3pPr marL="566928" indent="-182880" algn="l" defTabSz="914400" rtl="0" eaLnBrk="1" latinLnBrk="0" hangingPunct="1">
         <a:lnSpc>
           <a:spcPct val="90000"/>
         </a:lnSpc>
         <a:spcBef>
-          <a:spcPts val="600"/>
+          <a:spcPts val="200"/>
         </a:spcBef>
-        <a:buFont typeface="Arial" panose="020B0604020202020204" pitchFamily="34" charset="0"/>
-        <a:buChar char="•"/>
-        <a:defRPr sz="1800" kern="1200">
+        <a:spcAft>
+          <a:spcPts val="400"/>
+        </a:spcAft>
+        <a:buClr>
+          <a:schemeClr val="accent1"/>
+        </a:buClr>
+        <a:buFont typeface="Calibri" pitchFamily="34" charset="0"/>
+        <a:buChar char="◦"/>
+        <a:defRPr sz="1400" kern="1200">
           <a:solidFill>
-            <a:schemeClr val="tx1"/>
+            <a:schemeClr val="tx1">
+              <a:lumMod val="75000"/>
+              <a:lumOff val="25000"/>
+            </a:schemeClr>
           </a:solidFill>
           <a:latin typeface="+mn-lt"/>
           <a:ea typeface="+mn-ea"/>
           <a:cs typeface="+mn-cs"/>
         </a:defRPr>
       </a:lvl3pPr>
-      <a:lvl4pPr marL="1051560" indent="-228600" algn="l" defTabSz="914400" rtl="0" eaLnBrk="1" latinLnBrk="0" hangingPunct="1">
+      <a:lvl4pPr marL="749808" indent="-182880" algn="l" defTabSz="914400" rtl="0" eaLnBrk="1" latinLnBrk="0" hangingPunct="1">
         <a:lnSpc>
           <a:spcPct val="90000"/>
         </a:lnSpc>
         <a:spcBef>
-          <a:spcPts val="600"/>
+          <a:spcPts val="200"/>
         </a:spcBef>
-        <a:buFont typeface="Arial" panose="020B0604020202020204" pitchFamily="34" charset="0"/>
-        <a:buChar char="•"/>
-        <a:defRPr sz="1600" kern="1200">
+        <a:spcAft>
+          <a:spcPts val="400"/>
+        </a:spcAft>
+        <a:buClr>
+          <a:schemeClr val="accent1"/>
+        </a:buClr>
+        <a:buFont typeface="Calibri" pitchFamily="34" charset="0"/>
+        <a:buChar char="◦"/>
+        <a:defRPr sz="1400" kern="1200">
           <a:solidFill>
-            <a:schemeClr val="tx1"/>
+            <a:schemeClr val="tx1">
+              <a:lumMod val="75000"/>
+              <a:lumOff val="25000"/>
+            </a:schemeClr>
           </a:solidFill>
           <a:latin typeface="+mn-lt"/>
           <a:ea typeface="+mn-ea"/>
           <a:cs typeface="+mn-cs"/>
         </a:defRPr>
       </a:lvl4pPr>
-      <a:lvl5pPr marL="1325880" indent="-228600" algn="l" defTabSz="914400" rtl="0" eaLnBrk="1" latinLnBrk="0" hangingPunct="1">
+      <a:lvl5pPr marL="932688" indent="-182880" algn="l" defTabSz="914400" rtl="0" eaLnBrk="1" latinLnBrk="0" hangingPunct="1">
         <a:lnSpc>
           <a:spcPct val="90000"/>
         </a:lnSpc>
         <a:spcBef>
-          <a:spcPts val="600"/>
+          <a:spcPts val="200"/>
         </a:spcBef>
-        <a:buFont typeface="Arial" panose="020B0604020202020204" pitchFamily="34" charset="0"/>
-        <a:buChar char="•"/>
-        <a:defRPr sz="1600" kern="1200">
+        <a:spcAft>
+          <a:spcPts val="400"/>
+        </a:spcAft>
+        <a:buClr>
+          <a:schemeClr val="accent1"/>
+        </a:buClr>
+        <a:buFont typeface="Calibri" pitchFamily="34" charset="0"/>
+        <a:buChar char="◦"/>
+        <a:defRPr sz="1400" kern="1200">
           <a:solidFill>
-            <a:schemeClr val="tx1"/>
+            <a:schemeClr val="tx1">
+              <a:lumMod val="75000"/>
+              <a:lumOff val="25000"/>
+            </a:schemeClr>
           </a:solidFill>
           <a:latin typeface="+mn-lt"/>
           <a:ea typeface="+mn-ea"/>
           <a:cs typeface="+mn-cs"/>
         </a:defRPr>
       </a:lvl5pPr>
-      <a:lvl6pPr marL="1600200" indent="-228600" algn="l" defTabSz="914400" rtl="0" eaLnBrk="1" latinLnBrk="0" hangingPunct="1">
+      <a:lvl6pPr marL="1100000" indent="-228600" algn="l" defTabSz="914400" rtl="0" eaLnBrk="1" latinLnBrk="0" hangingPunct="1">
         <a:lnSpc>
           <a:spcPct val="90000"/>
         </a:lnSpc>
         <a:spcBef>
-          <a:spcPts val="600"/>
+          <a:spcPts val="200"/>
         </a:spcBef>
-        <a:buFont typeface="Arial" panose="020B0604020202020204" pitchFamily="34" charset="0"/>
-        <a:buChar char="•"/>
-        <a:defRPr sz="1600" kern="1200">
+        <a:spcAft>
+          <a:spcPts val="400"/>
+        </a:spcAft>
+        <a:buClr>
+          <a:schemeClr val="accent1"/>
+        </a:buClr>
+        <a:buFont typeface="Calibri" pitchFamily="34" charset="0"/>
+        <a:buChar char="◦"/>
+        <a:defRPr sz="1400" kern="1200">
           <a:solidFill>
-            <a:schemeClr val="tx1"/>
+            <a:schemeClr val="tx1">
+              <a:lumMod val="75000"/>
+              <a:lumOff val="25000"/>
+            </a:schemeClr>
           </a:solidFill>
           <a:latin typeface="+mn-lt"/>
           <a:ea typeface="+mn-ea"/>
           <a:cs typeface="+mn-cs"/>
         </a:defRPr>
       </a:lvl6pPr>
-      <a:lvl7pPr marL="1874520" indent="-228600" algn="l" defTabSz="914400" rtl="0" eaLnBrk="1" latinLnBrk="0" hangingPunct="1">
+      <a:lvl7pPr marL="1300000" indent="-228600" algn="l" defTabSz="914400" rtl="0" eaLnBrk="1" latinLnBrk="0" hangingPunct="1">
         <a:lnSpc>
           <a:spcPct val="90000"/>
         </a:lnSpc>
         <a:spcBef>
-          <a:spcPts val="600"/>
+          <a:spcPts val="200"/>
         </a:spcBef>
-        <a:buFont typeface="Arial" panose="020B0604020202020204" pitchFamily="34" charset="0"/>
-        <a:buChar char="•"/>
-        <a:defRPr sz="1600" kern="1200">
+        <a:spcAft>
+          <a:spcPts val="400"/>
+        </a:spcAft>
+        <a:buClr>
+          <a:schemeClr val="accent1"/>
+        </a:buClr>
+        <a:buFont typeface="Calibri" pitchFamily="34" charset="0"/>
+        <a:buChar char="◦"/>
+        <a:defRPr sz="1400" kern="1200">
           <a:solidFill>
-            <a:schemeClr val="tx1"/>
+            <a:schemeClr val="tx1">
+              <a:lumMod val="75000"/>
+              <a:lumOff val="25000"/>
+            </a:schemeClr>
           </a:solidFill>
           <a:latin typeface="+mn-lt"/>
           <a:ea typeface="+mn-ea"/>
           <a:cs typeface="+mn-cs"/>
         </a:defRPr>
       </a:lvl7pPr>
-      <a:lvl8pPr marL="2148840" indent="-228600" algn="l" defTabSz="914400" rtl="0" eaLnBrk="1" latinLnBrk="0" hangingPunct="1">
+      <a:lvl8pPr marL="1500000" indent="-228600" algn="l" defTabSz="914400" rtl="0" eaLnBrk="1" latinLnBrk="0" hangingPunct="1">
         <a:lnSpc>
           <a:spcPct val="90000"/>
         </a:lnSpc>
         <a:spcBef>
-          <a:spcPts val="600"/>
+          <a:spcPts val="200"/>
         </a:spcBef>
-        <a:buFont typeface="Arial" panose="020B0604020202020204" pitchFamily="34" charset="0"/>
-        <a:buChar char="•"/>
-        <a:defRPr sz="1600" kern="1200">
+        <a:spcAft>
+          <a:spcPts val="400"/>
+        </a:spcAft>
+        <a:buClr>
+          <a:schemeClr val="accent1"/>
+        </a:buClr>
+        <a:buFont typeface="Calibri" pitchFamily="34" charset="0"/>
+        <a:buChar char="◦"/>
+        <a:defRPr sz="1400" kern="1200">
           <a:solidFill>
-            <a:schemeClr val="tx1"/>
+            <a:schemeClr val="tx1">
+              <a:lumMod val="75000"/>
+              <a:lumOff val="25000"/>
+            </a:schemeClr>
           </a:solidFill>
           <a:latin typeface="+mn-lt"/>
           <a:ea typeface="+mn-ea"/>
           <a:cs typeface="+mn-cs"/>
         </a:defRPr>
       </a:lvl8pPr>
-      <a:lvl9pPr marL="2423160" indent="-228600" algn="l" defTabSz="914400" rtl="0" eaLnBrk="1" latinLnBrk="0" hangingPunct="1">
+      <a:lvl9pPr marL="1700000" indent="-228600" algn="l" defTabSz="914400" rtl="0" eaLnBrk="1" latinLnBrk="0" hangingPunct="1">
         <a:lnSpc>
           <a:spcPct val="90000"/>
         </a:lnSpc>
         <a:spcBef>
-          <a:spcPts val="600"/>
+          <a:spcPts val="200"/>
         </a:spcBef>
-        <a:buFont typeface="Arial" panose="020B0604020202020204" pitchFamily="34" charset="0"/>
-        <a:buChar char="•"/>
-        <a:defRPr sz="1600" kern="1200">
+        <a:spcAft>
+          <a:spcPts val="400"/>
+        </a:spcAft>
+        <a:buClr>
+          <a:schemeClr val="accent1"/>
+        </a:buClr>
+        <a:buFont typeface="Calibri" pitchFamily="34" charset="0"/>
+        <a:buChar char="◦"/>
+        <a:defRPr sz="1400" kern="1200">
           <a:solidFill>
-            <a:schemeClr val="tx1"/>
+            <a:schemeClr val="tx1">
+              <a:lumMod val="75000"/>
+              <a:lumOff val="25000"/>
+            </a:schemeClr>
           </a:solidFill>
           <a:latin typeface="+mn-lt"/>
           <a:ea typeface="+mn-ea"/>
@@ -3629,7 +4529,7 @@
       </a:lvl9pPr>
     </p:otherStyle>
   </p:txStyles>
-  <p:extLst mod="1">
+  <p:extLst>
     <p:ext uri="{27BBF7A9-308A-43DC-89C8-2F10F3537804}">
       <p15:sldGuideLst xmlns:p15="http://schemas.microsoft.com/office/powerpoint/2012/main">
         <p15:guide id="1" pos="3840" userDrawn="1">
@@ -3678,22 +4578,21 @@
         <p:spPr/>
         <p:txBody>
           <a:bodyPr>
-            <a:normAutofit fontScale="90000"/>
+            <a:normAutofit/>
           </a:bodyPr>
           <a:lstStyle/>
           <a:p>
             <a:r>
-              <a:rPr lang="en-US" dirty="0" smtClean="0"/>
+              <a:rPr lang="en-US" dirty="0"/>
               <a:t>NCAA March Madness Bracket</a:t>
             </a:r>
             <a:br>
-              <a:rPr lang="en-US" dirty="0" smtClean="0"/>
+              <a:rPr lang="en-US" dirty="0"/>
             </a:br>
             <a:r>
-              <a:rPr lang="en-US" dirty="0" smtClean="0"/>
+              <a:rPr lang="en-US" dirty="0"/>
               <a:t>Predictive Analytics</a:t>
             </a:r>
-            <a:endParaRPr lang="en-US" dirty="0"/>
           </a:p>
         </p:txBody>
       </p:sp>
@@ -3713,10 +4612,9 @@
           <a:lstStyle/>
           <a:p>
             <a:r>
-              <a:rPr lang="en-US" dirty="0" smtClean="0"/>
+              <a:rPr lang="en-US" dirty="0"/>
               <a:t>Farshad Miraftab, Matthew Rosendin, Nabeel Saleem</a:t>
             </a:r>
-            <a:endParaRPr lang="en-US" dirty="0"/>
           </a:p>
         </p:txBody>
       </p:sp>
@@ -3724,79 +4622,6 @@
     <p:extLst>
       <p:ext uri="{BB962C8B-B14F-4D97-AF65-F5344CB8AC3E}">
         <p14:creationId xmlns:p14="http://schemas.microsoft.com/office/powerpoint/2010/main" val="576090978"/>
-      </p:ext>
-    </p:extLst>
-  </p:cSld>
-  <p:clrMapOvr>
-    <a:masterClrMapping/>
-  </p:clrMapOvr>
-  <mc:AlternateContent xmlns:mc="http://schemas.openxmlformats.org/markup-compatibility/2006" xmlns:p14="http://schemas.microsoft.com/office/powerpoint/2010/main">
-    <mc:Choice Requires="p14">
-      <p:transition spd="med" p14:dur="700">
-        <p:fade/>
-      </p:transition>
-    </mc:Choice>
-    <mc:Fallback xmlns="">
-      <p:transition spd="med">
-        <p:fade/>
-      </p:transition>
-    </mc:Fallback>
-  </mc:AlternateContent>
-</p:sld>
-</file>
-
-<file path=ppt/slides/slide10.xml><?xml version="1.0" encoding="utf-8"?>
-<p:sld xmlns:a="http://schemas.openxmlformats.org/drawingml/2006/main" xmlns:r="http://schemas.openxmlformats.org/officeDocument/2006/relationships" xmlns:p="http://schemas.openxmlformats.org/presentationml/2006/main">
-  <p:cSld>
-    <p:spTree>
-      <p:nvGrpSpPr>
-        <p:cNvPr id="1" name=""/>
-        <p:cNvGrpSpPr/>
-        <p:nvPr/>
-      </p:nvGrpSpPr>
-      <p:grpSpPr>
-        <a:xfrm>
-          <a:off x="0" y="0"/>
-          <a:ext cx="0" cy="0"/>
-          <a:chOff x="0" y="0"/>
-          <a:chExt cx="0" cy="0"/>
-        </a:xfrm>
-      </p:grpSpPr>
-      <p:sp>
-        <p:nvSpPr>
-          <p:cNvPr id="2" name="Title 1"/>
-          <p:cNvSpPr>
-            <a:spLocks noGrp="1"/>
-          </p:cNvSpPr>
-          <p:nvPr>
-            <p:ph type="title"/>
-          </p:nvPr>
-        </p:nvSpPr>
-        <p:spPr/>
-        <p:txBody>
-          <a:bodyPr/>
-          <a:lstStyle/>
-          <a:p>
-            <a:r>
-              <a:rPr lang="en-US" dirty="0" smtClean="0"/>
-              <a:t>Results </a:t>
-            </a:r>
-            <a:r>
-              <a:rPr lang="mr-IN" dirty="0" smtClean="0"/>
-              <a:t>–</a:t>
-            </a:r>
-            <a:r>
-              <a:rPr lang="en-US" dirty="0" smtClean="0"/>
-              <a:t> Simulation</a:t>
-            </a:r>
-            <a:endParaRPr lang="en-US" dirty="0"/>
-          </a:p>
-        </p:txBody>
-      </p:sp>
-    </p:spTree>
-    <p:extLst>
-      <p:ext uri="{BB962C8B-B14F-4D97-AF65-F5344CB8AC3E}">
-        <p14:creationId xmlns:p14="http://schemas.microsoft.com/office/powerpoint/2010/main" val="1805777577"/>
       </p:ext>
     </p:extLst>
   </p:cSld>
@@ -3851,10 +4676,9 @@
           <a:lstStyle/>
           <a:p>
             <a:r>
-              <a:rPr lang="en-US" dirty="0" smtClean="0"/>
-              <a:t>Goal</a:t>
-            </a:r>
-            <a:endParaRPr lang="en-US" dirty="0"/>
+              <a:rPr lang="en-US" dirty="0"/>
+              <a:t>Agenda</a:t>
+            </a:r>
           </a:p>
         </p:txBody>
       </p:sp>
@@ -3876,13 +4700,86 @@
         </p:spPr>
         <p:txBody>
           <a:bodyPr>
-            <a:normAutofit/>
+            <a:normAutofit fontScale="92500" lnSpcReduction="10000"/>
           </a:bodyPr>
           <a:lstStyle/>
           <a:p>
-            <a:r>
-              <a:rPr lang="en-US" dirty="0" smtClean="0"/>
-              <a:t>Correctly predict the true NCAA tournament bracket for 2017 (and future years)</a:t>
+            <a:endParaRPr lang="en-US" dirty="0"/>
+          </a:p>
+          <a:p>
+            <a:pPr algn="ctr"/>
+            <a:r>
+              <a:rPr lang="en-US" b="1" dirty="0"/>
+              <a:t>GOAL: Correctly predict the true NCAA tournament bracket for 2017 (and future years)</a:t>
+            </a:r>
+          </a:p>
+          <a:p>
+            <a:r>
+              <a:rPr lang="en-US" dirty="0"/>
+              <a:t>Tournament Overview</a:t>
+            </a:r>
+          </a:p>
+          <a:p>
+            <a:r>
+              <a:rPr lang="en-US" dirty="0"/>
+              <a:t>Descriptive Analytics</a:t>
+            </a:r>
+          </a:p>
+          <a:p>
+            <a:r>
+              <a:rPr lang="en-US" dirty="0"/>
+              <a:t>Dataset</a:t>
+            </a:r>
+          </a:p>
+          <a:p>
+            <a:pPr lvl="1"/>
+            <a:r>
+              <a:rPr lang="en-US" dirty="0"/>
+              <a:t>Data Cleanup</a:t>
+            </a:r>
+          </a:p>
+          <a:p>
+            <a:pPr lvl="1"/>
+            <a:r>
+              <a:rPr lang="en-US" dirty="0"/>
+              <a:t>Feature Description and </a:t>
+            </a:r>
+            <a:r>
+              <a:rPr lang="en-US" dirty="0" err="1"/>
+              <a:t>Slection</a:t>
+            </a:r>
+            <a:endParaRPr lang="en-US" dirty="0"/>
+          </a:p>
+          <a:p>
+            <a:r>
+              <a:rPr lang="en-US" dirty="0"/>
+              <a:t>Method Overview</a:t>
+            </a:r>
+          </a:p>
+          <a:p>
+            <a:pPr lvl="1"/>
+            <a:r>
+              <a:rPr lang="en-US" dirty="0"/>
+              <a:t>Classification Algorithms</a:t>
+            </a:r>
+          </a:p>
+          <a:p>
+            <a:pPr lvl="1"/>
+            <a:r>
+              <a:rPr lang="en-US" dirty="0"/>
+              <a:t>Simulation</a:t>
+            </a:r>
+          </a:p>
+          <a:p>
+            <a:r>
+              <a:rPr lang="en-US" dirty="0"/>
+              <a:t>Classification Algorithm Results</a:t>
+            </a:r>
+          </a:p>
+          <a:p>
+            <a:r>
+              <a:rPr lang="en-US" dirty="0"/>
+              <a:t>Simulation Results</a:t>
             </a:r>
           </a:p>
         </p:txBody>
@@ -3890,7 +4787,7 @@
     </p:spTree>
     <p:extLst>
       <p:ext uri="{BB962C8B-B14F-4D97-AF65-F5344CB8AC3E}">
-        <p14:creationId xmlns:p14="http://schemas.microsoft.com/office/powerpoint/2010/main" val="258171886"/>
+        <p14:creationId xmlns:p14="http://schemas.microsoft.com/office/powerpoint/2010/main" val="2905083717"/>
       </p:ext>
     </p:extLst>
   </p:cSld>
@@ -3945,10 +4842,9 @@
           <a:lstStyle/>
           <a:p>
             <a:r>
-              <a:rPr lang="en-US" dirty="0" smtClean="0"/>
-              <a:t>Agenda</a:t>
-            </a:r>
-            <a:endParaRPr lang="en-US" dirty="0"/>
+              <a:rPr lang="en-US" dirty="0"/>
+              <a:t>Tournament Overview</a:t>
+            </a:r>
           </a:p>
         </p:txBody>
       </p:sp>
@@ -3970,61 +4866,129 @@
         </p:spPr>
         <p:txBody>
           <a:bodyPr>
-            <a:normAutofit fontScale="92500" lnSpcReduction="10000"/>
+            <a:normAutofit/>
           </a:bodyPr>
           <a:lstStyle/>
           <a:p>
-            <a:endParaRPr lang="en-US" dirty="0" smtClean="0"/>
-          </a:p>
-          <a:p>
-            <a:r>
-              <a:rPr lang="en-US" dirty="0" smtClean="0"/>
-              <a:t>Tournament Overview</a:t>
-            </a:r>
-          </a:p>
-          <a:p>
-            <a:r>
-              <a:rPr lang="en-US" dirty="0" smtClean="0"/>
-              <a:t>Descriptive Analytics</a:t>
-            </a:r>
-          </a:p>
-          <a:p>
-            <a:r>
-              <a:rPr lang="en-US" dirty="0" smtClean="0"/>
-              <a:t>Dataset</a:t>
-            </a:r>
-          </a:p>
-          <a:p>
-            <a:r>
-              <a:rPr lang="en-US" dirty="0" smtClean="0"/>
-              <a:t>Method Overview</a:t>
-            </a:r>
-          </a:p>
-          <a:p>
-            <a:pPr lvl="1"/>
-            <a:r>
-              <a:rPr lang="en-US" dirty="0" smtClean="0"/>
-              <a:t>Classification Algorithms</a:t>
-            </a:r>
-          </a:p>
-          <a:p>
-            <a:pPr lvl="1"/>
-            <a:r>
-              <a:rPr lang="en-US" dirty="0" smtClean="0"/>
-              <a:t>Simulation</a:t>
-            </a:r>
             <a:endParaRPr lang="en-US" dirty="0"/>
           </a:p>
           <a:p>
-            <a:r>
-              <a:rPr lang="en-US" dirty="0" smtClean="0"/>
-              <a:t>Classification Algorithm Results</a:t>
-            </a:r>
-          </a:p>
-          <a:p>
-            <a:r>
-              <a:rPr lang="en-US" dirty="0" smtClean="0"/>
-              <a:t>Simulation Results</a:t>
+            <a:pPr marL="342900" indent="-342900">
+              <a:buFontTx/>
+              <a:buChar char="-"/>
+            </a:pPr>
+            <a:r>
+              <a:rPr lang="en-US" dirty="0"/>
+              <a:t>Annual college basketball tournament</a:t>
+            </a:r>
+          </a:p>
+          <a:p>
+            <a:pPr marL="342900" indent="-342900">
+              <a:buFontTx/>
+              <a:buChar char="-"/>
+            </a:pPr>
+            <a:r>
+              <a:rPr lang="en-US" dirty="0"/>
+              <a:t>The ‘top’ 64 teams are admitted to the tournament</a:t>
+            </a:r>
+          </a:p>
+          <a:p>
+            <a:pPr marL="342900" indent="-342900">
+              <a:buFontTx/>
+              <a:buChar char="-"/>
+            </a:pPr>
+            <a:r>
+              <a:rPr lang="en-US" dirty="0"/>
+              <a:t>Single game elimination (a total of 63 matches are played concluding the champions)</a:t>
+            </a:r>
+          </a:p>
+          <a:p>
+            <a:pPr marL="800100" lvl="1" indent="-342900">
+              <a:buFontTx/>
+              <a:buChar char="-"/>
+            </a:pPr>
+            <a:r>
+              <a:rPr lang="en-US" dirty="0"/>
+              <a:t>32 + 16 + 8 + 4 + 2 + Final = 6</a:t>
+            </a:r>
+          </a:p>
+          <a:p>
+            <a:pPr marL="342900" indent="-342900">
+              <a:buFontTx/>
+              <a:buChar char="-"/>
+            </a:pPr>
+            <a:r>
+              <a:rPr lang="en-US" dirty="0"/>
+              <a:t>There are 2</a:t>
+            </a:r>
+            <a:r>
+              <a:rPr lang="en-US" baseline="30000" dirty="0"/>
+              <a:t>63</a:t>
+            </a:r>
+            <a:r>
+              <a:rPr lang="en-US" dirty="0"/>
+              <a:t> ways of selecting a bracket (~9.2 quintillion ways – impossible!)</a:t>
+            </a:r>
+          </a:p>
+        </p:txBody>
+      </p:sp>
+      <p:sp>
+        <p:nvSpPr>
+          <p:cNvPr id="4" name="Speech Bubble: Rectangle 3"/>
+          <p:cNvSpPr/>
+          <p:nvPr/>
+        </p:nvSpPr>
+        <p:spPr>
+          <a:xfrm>
+            <a:off x="7924800" y="455542"/>
+            <a:ext cx="3657600" cy="873594"/>
+          </a:xfrm>
+          <a:prstGeom prst="wedgeRectCallout">
+            <a:avLst>
+              <a:gd name="adj1" fmla="val -77748"/>
+              <a:gd name="adj2" fmla="val 37260"/>
+            </a:avLst>
+          </a:prstGeom>
+          <a:solidFill>
+            <a:srgbClr val="FFC000"/>
+          </a:solidFill>
+        </p:spPr>
+        <p:style>
+          <a:lnRef idx="2">
+            <a:schemeClr val="accent1">
+              <a:shade val="50000"/>
+            </a:schemeClr>
+          </a:lnRef>
+          <a:fillRef idx="1">
+            <a:schemeClr val="accent1"/>
+          </a:fillRef>
+          <a:effectRef idx="0">
+            <a:schemeClr val="accent1"/>
+          </a:effectRef>
+          <a:fontRef idx="minor">
+            <a:schemeClr val="lt1"/>
+          </a:fontRef>
+        </p:style>
+        <p:txBody>
+          <a:bodyPr rtlCol="0" anchor="ctr"/>
+          <a:lstStyle/>
+          <a:p>
+            <a:pPr algn="ctr"/>
+            <a:r>
+              <a:rPr lang="en-US" sz="3600" dirty="0" err="1">
+                <a:solidFill>
+                  <a:sysClr val="windowText" lastClr="000000"/>
+                </a:solidFill>
+              </a:rPr>
+              <a:t>Nabeel</a:t>
+            </a:r>
+            <a:r>
+              <a:rPr lang="en-US" sz="3600" dirty="0">
+                <a:solidFill>
+                  <a:sysClr val="windowText" lastClr="000000"/>
+                </a:solidFill>
+              </a:rPr>
+              <a:t> to review</a:t>
             </a:r>
           </a:p>
         </p:txBody>
@@ -4032,7 +4996,7 @@
     </p:spTree>
     <p:extLst>
       <p:ext uri="{BB962C8B-B14F-4D97-AF65-F5344CB8AC3E}">
-        <p14:creationId xmlns:p14="http://schemas.microsoft.com/office/powerpoint/2010/main" val="2905083717"/>
+        <p14:creationId xmlns:p14="http://schemas.microsoft.com/office/powerpoint/2010/main" val="1613865036"/>
       </p:ext>
     </p:extLst>
   </p:cSld>
@@ -4081,70 +5045,113 @@
             <p:ph type="title"/>
           </p:nvPr>
         </p:nvSpPr>
+        <p:spPr/>
+        <p:txBody>
+          <a:bodyPr/>
+          <a:lstStyle/>
+          <a:p>
+            <a:r>
+              <a:rPr lang="en-US" dirty="0"/>
+              <a:t>Descriptive Analytics</a:t>
+            </a:r>
+          </a:p>
+        </p:txBody>
+      </p:sp>
+      <p:sp>
+        <p:nvSpPr>
+          <p:cNvPr id="3" name="Content Placeholder 2"/>
+          <p:cNvSpPr>
+            <a:spLocks noGrp="1"/>
+          </p:cNvSpPr>
+          <p:nvPr>
+            <p:ph sz="half" idx="1"/>
+          </p:nvPr>
+        </p:nvSpPr>
+        <p:spPr/>
+        <p:txBody>
+          <a:bodyPr/>
+          <a:lstStyle/>
+          <a:p>
+            <a:endParaRPr lang="en-US" dirty="0"/>
+          </a:p>
+        </p:txBody>
+      </p:sp>
+      <p:sp>
+        <p:nvSpPr>
+          <p:cNvPr id="4" name="Content Placeholder 3"/>
+          <p:cNvSpPr>
+            <a:spLocks noGrp="1"/>
+          </p:cNvSpPr>
+          <p:nvPr>
+            <p:ph sz="half" idx="2"/>
+          </p:nvPr>
+        </p:nvSpPr>
+        <p:spPr/>
+        <p:txBody>
+          <a:bodyPr/>
+          <a:lstStyle/>
+          <a:p>
+            <a:endParaRPr lang="en-US" dirty="0"/>
+          </a:p>
+        </p:txBody>
+      </p:sp>
+      <p:sp>
+        <p:nvSpPr>
+          <p:cNvPr id="5" name="Speech Bubble: Rectangle 4"/>
+          <p:cNvSpPr/>
+          <p:nvPr/>
+        </p:nvSpPr>
         <p:spPr>
           <a:xfrm>
-            <a:off x="1060450" y="0"/>
-            <a:ext cx="10058400" cy="1752600"/>
+            <a:off x="7239000" y="262335"/>
+            <a:ext cx="3657600" cy="873594"/>
           </a:xfrm>
+          <a:prstGeom prst="wedgeRectCallout">
+            <a:avLst>
+              <a:gd name="adj1" fmla="val -77748"/>
+              <a:gd name="adj2" fmla="val 37260"/>
+            </a:avLst>
+          </a:prstGeom>
+          <a:solidFill>
+            <a:srgbClr val="FFC000"/>
+          </a:solidFill>
         </p:spPr>
-        <p:txBody>
-          <a:bodyPr/>
+        <p:style>
+          <a:lnRef idx="2">
+            <a:schemeClr val="accent1">
+              <a:shade val="50000"/>
+            </a:schemeClr>
+          </a:lnRef>
+          <a:fillRef idx="1">
+            <a:schemeClr val="accent1"/>
+          </a:fillRef>
+          <a:effectRef idx="0">
+            <a:schemeClr val="accent1"/>
+          </a:effectRef>
+          <a:fontRef idx="minor">
+            <a:schemeClr val="lt1"/>
+          </a:fontRef>
+        </p:style>
+        <p:txBody>
+          <a:bodyPr rtlCol="0" anchor="ctr"/>
           <a:lstStyle/>
           <a:p>
-            <a:r>
-              <a:rPr lang="en-US" dirty="0" smtClean="0"/>
-              <a:t>Tournament Overview</a:t>
-            </a:r>
-            <a:endParaRPr lang="en-US" dirty="0"/>
-          </a:p>
-        </p:txBody>
-      </p:sp>
-      <p:sp>
-        <p:nvSpPr>
-          <p:cNvPr id="3" name="Text Placeholder 2"/>
-          <p:cNvSpPr>
-            <a:spLocks noGrp="1"/>
-          </p:cNvSpPr>
-          <p:nvPr>
-            <p:ph type="body" idx="1"/>
-          </p:nvPr>
-        </p:nvSpPr>
-        <p:spPr>
-          <a:xfrm>
-            <a:off x="1060450" y="1981200"/>
-            <a:ext cx="10058400" cy="2743200"/>
-          </a:xfrm>
-        </p:spPr>
-        <p:txBody>
-          <a:bodyPr/>
-          <a:lstStyle/>
-          <a:p>
-            <a:pPr marL="342900" indent="-342900">
-              <a:buFontTx/>
-              <a:buChar char="-"/>
-            </a:pPr>
-            <a:r>
-              <a:rPr lang="en-US" dirty="0" smtClean="0"/>
-              <a:t>64 team playoff at regular season end</a:t>
-            </a:r>
-          </a:p>
-          <a:p>
-            <a:pPr marL="342900" indent="-342900">
-              <a:buFontTx/>
-              <a:buChar char="-"/>
-            </a:pPr>
-            <a:r>
-              <a:rPr lang="en-US" dirty="0" smtClean="0"/>
-              <a:t>Single game elimination</a:t>
-            </a:r>
-            <a:endParaRPr lang="en-US" dirty="0"/>
+            <a:pPr algn="ctr"/>
+            <a:r>
+              <a:rPr lang="en-US" sz="3600" dirty="0">
+                <a:solidFill>
+                  <a:sysClr val="windowText" lastClr="000000"/>
+                </a:solidFill>
+              </a:rPr>
+              <a:t>Matt to provide</a:t>
+            </a:r>
           </a:p>
         </p:txBody>
       </p:sp>
     </p:spTree>
     <p:extLst>
       <p:ext uri="{BB962C8B-B14F-4D97-AF65-F5344CB8AC3E}">
-        <p14:creationId xmlns:p14="http://schemas.microsoft.com/office/powerpoint/2010/main" val="2993111047"/>
+        <p14:creationId xmlns:p14="http://schemas.microsoft.com/office/powerpoint/2010/main" val="2598391320"/>
       </p:ext>
     </p:extLst>
   </p:cSld>
@@ -4199,55 +5206,212 @@
           <a:lstStyle/>
           <a:p>
             <a:r>
-              <a:rPr lang="en-US" dirty="0" smtClean="0"/>
-              <a:t>Descriptive Analytics</a:t>
-            </a:r>
+              <a:rPr lang="en-US" dirty="0"/>
+              <a:t>Data Sets</a:t>
+            </a:r>
+          </a:p>
+        </p:txBody>
+      </p:sp>
+      <p:sp>
+        <p:nvSpPr>
+          <p:cNvPr id="3" name="Content Placeholder 2"/>
+          <p:cNvSpPr>
+            <a:spLocks noGrp="1"/>
+          </p:cNvSpPr>
+          <p:nvPr>
+            <p:ph idx="1"/>
+          </p:nvPr>
+        </p:nvSpPr>
+        <p:spPr>
+          <a:xfrm>
+            <a:off x="1066800" y="1905000"/>
+            <a:ext cx="10058400" cy="3886200"/>
+          </a:xfrm>
+        </p:spPr>
+        <p:txBody>
+          <a:bodyPr>
+            <a:normAutofit fontScale="70000" lnSpcReduction="20000"/>
+          </a:bodyPr>
+          <a:lstStyle/>
+          <a:p>
+            <a:pPr marL="0" indent="0">
+              <a:buNone/>
+            </a:pPr>
+            <a:r>
+              <a:rPr lang="en-US" b="1" dirty="0"/>
+              <a:t>Table 1 – Teams.csv (365x2)</a:t>
+            </a:r>
+          </a:p>
+          <a:p>
+            <a:r>
+              <a:rPr lang="en-US" dirty="0"/>
+              <a:t>A list of all NCAA teams</a:t>
+            </a:r>
+          </a:p>
+          <a:p>
+            <a:pPr marL="0" indent="0">
+              <a:buNone/>
+            </a:pPr>
+            <a:r>
+              <a:rPr lang="en-US" b="1" dirty="0"/>
+              <a:t>Table 2 – RegularSeasonDetailedResults.csv (76,000x34)</a:t>
+            </a:r>
+          </a:p>
+          <a:p>
+            <a:r>
+              <a:rPr lang="en-US" dirty="0"/>
+              <a:t>Historical </a:t>
+            </a:r>
+            <a:r>
+              <a:rPr lang="en-US" b="1" i="1" u="sng" dirty="0"/>
+              <a:t>season</a:t>
+            </a:r>
+            <a:r>
+              <a:rPr lang="en-US" dirty="0"/>
+              <a:t> matches dating back to 2003</a:t>
+            </a:r>
+          </a:p>
+          <a:p>
+            <a:r>
+              <a:rPr lang="en-US" dirty="0"/>
+              <a:t>Winning and Losing team stats (points, assists, blocks, fouls etc.)</a:t>
+            </a:r>
+          </a:p>
+          <a:p>
+            <a:r>
+              <a:rPr lang="en-US" dirty="0"/>
+              <a:t>Data manipulation required to iterate through each team to aggregate season stats by team by season</a:t>
+            </a:r>
+          </a:p>
+          <a:p>
+            <a:pPr marL="0" indent="0">
+              <a:buNone/>
+            </a:pPr>
+            <a:r>
+              <a:rPr lang="en-US" b="1" dirty="0"/>
+              <a:t>Table 3 – School Ratings </a:t>
+            </a:r>
+            <a:r>
+              <a:rPr lang="en-US" b="1" dirty="0">
+                <a:hlinkClick r:id="rId2"/>
+              </a:rPr>
+              <a:t>l</a:t>
+            </a:r>
+            <a:r>
+              <a:rPr lang="en-US" b="1" dirty="0">
+                <a:hlinkClick r:id="rId2"/>
+              </a:rPr>
+              <a:t>ink</a:t>
+            </a:r>
+            <a:r>
+              <a:rPr lang="en-US" b="1" dirty="0"/>
+              <a:t> (5307x12)</a:t>
+            </a:r>
+          </a:p>
+          <a:p>
+            <a:r>
+              <a:rPr lang="en-US" dirty="0"/>
+              <a:t>Additional season stats (MOV, SRS, SOS, DSRS, OSRS)</a:t>
+            </a:r>
+          </a:p>
+          <a:p>
+            <a:pPr marL="0" indent="0">
+              <a:buNone/>
+            </a:pPr>
+            <a:r>
+              <a:rPr lang="en-US" b="1" dirty="0"/>
+              <a:t>Table 4 – TourneyCompactResults.csv (2114x8)</a:t>
+            </a:r>
+          </a:p>
+          <a:p>
+            <a:r>
+              <a:rPr lang="en-US" dirty="0"/>
+              <a:t>All tournament matches along with outcome since 1985</a:t>
+            </a:r>
+          </a:p>
+          <a:p>
+            <a:pPr marL="0" indent="0">
+              <a:buNone/>
+            </a:pPr>
+            <a:r>
+              <a:rPr lang="en-US" b="1" dirty="0"/>
+              <a:t>Table 5 – TourneySeeds.csv (2151x3)</a:t>
+            </a:r>
+          </a:p>
+          <a:p>
+            <a:r>
+              <a:rPr lang="en-US" dirty="0"/>
+              <a:t>The seeds of teams that were admitted to tournament forever season</a:t>
+            </a:r>
+          </a:p>
+          <a:p>
             <a:endParaRPr lang="en-US" dirty="0"/>
           </a:p>
-        </p:txBody>
-      </p:sp>
-      <p:sp>
-        <p:nvSpPr>
-          <p:cNvPr id="3" name="Content Placeholder 2"/>
-          <p:cNvSpPr>
-            <a:spLocks noGrp="1"/>
-          </p:cNvSpPr>
-          <p:nvPr>
-            <p:ph sz="half" idx="1"/>
-          </p:nvPr>
-        </p:nvSpPr>
-        <p:spPr/>
-        <p:txBody>
-          <a:bodyPr/>
+          <a:p>
+            <a:endParaRPr lang="en-US" dirty="0"/>
+          </a:p>
+          <a:p>
+            <a:endParaRPr lang="en-US" dirty="0"/>
+          </a:p>
+        </p:txBody>
+      </p:sp>
+      <p:sp>
+        <p:nvSpPr>
+          <p:cNvPr id="4" name="Speech Bubble: Rectangle 3"/>
+          <p:cNvSpPr/>
+          <p:nvPr/>
+        </p:nvSpPr>
+        <p:spPr>
+          <a:xfrm>
+            <a:off x="7924800" y="455542"/>
+            <a:ext cx="3657600" cy="873594"/>
+          </a:xfrm>
+          <a:prstGeom prst="wedgeRectCallout">
+            <a:avLst>
+              <a:gd name="adj1" fmla="val -77748"/>
+              <a:gd name="adj2" fmla="val 37260"/>
+            </a:avLst>
+          </a:prstGeom>
+          <a:solidFill>
+            <a:srgbClr val="FFC000"/>
+          </a:solidFill>
+        </p:spPr>
+        <p:style>
+          <a:lnRef idx="2">
+            <a:schemeClr val="accent1">
+              <a:shade val="50000"/>
+            </a:schemeClr>
+          </a:lnRef>
+          <a:fillRef idx="1">
+            <a:schemeClr val="accent1"/>
+          </a:fillRef>
+          <a:effectRef idx="0">
+            <a:schemeClr val="accent1"/>
+          </a:effectRef>
+          <a:fontRef idx="minor">
+            <a:schemeClr val="lt1"/>
+          </a:fontRef>
+        </p:style>
+        <p:txBody>
+          <a:bodyPr rtlCol="0" anchor="ctr"/>
           <a:lstStyle/>
           <a:p>
-            <a:endParaRPr lang="en-US" dirty="0"/>
-          </a:p>
-        </p:txBody>
-      </p:sp>
-      <p:sp>
-        <p:nvSpPr>
-          <p:cNvPr id="4" name="Content Placeholder 3"/>
-          <p:cNvSpPr>
-            <a:spLocks noGrp="1"/>
-          </p:cNvSpPr>
-          <p:nvPr>
-            <p:ph sz="half" idx="2"/>
-          </p:nvPr>
-        </p:nvSpPr>
-        <p:spPr/>
-        <p:txBody>
-          <a:bodyPr/>
-          <a:lstStyle/>
-          <a:p>
-            <a:endParaRPr lang="en-US"/>
+            <a:pPr algn="ctr"/>
+            <a:r>
+              <a:rPr lang="en-US" sz="3600" dirty="0">
+                <a:solidFill>
+                  <a:sysClr val="windowText" lastClr="000000"/>
+                </a:solidFill>
+              </a:rPr>
+              <a:t>Team to add</a:t>
+            </a:r>
           </a:p>
         </p:txBody>
       </p:sp>
     </p:spTree>
     <p:extLst>
       <p:ext uri="{BB962C8B-B14F-4D97-AF65-F5344CB8AC3E}">
-        <p14:creationId xmlns:p14="http://schemas.microsoft.com/office/powerpoint/2010/main" val="2598391320"/>
+        <p14:creationId xmlns:p14="http://schemas.microsoft.com/office/powerpoint/2010/main" val="1848910967"/>
       </p:ext>
     </p:extLst>
   </p:cSld>
@@ -4302,93 +5466,178 @@
           <a:lstStyle/>
           <a:p>
             <a:r>
-              <a:rPr lang="en-US" dirty="0" smtClean="0"/>
-              <a:t>Dataset</a:t>
-            </a:r>
+              <a:rPr lang="en-US" dirty="0"/>
+              <a:t>Method Overview </a:t>
+            </a:r>
+            <a:r>
+              <a:rPr lang="mr-IN" dirty="0"/>
+              <a:t>–</a:t>
+            </a:r>
+            <a:r>
+              <a:rPr lang="en-US" dirty="0"/>
+              <a:t> Classification Algorithms</a:t>
+            </a:r>
+          </a:p>
+        </p:txBody>
+      </p:sp>
+      <p:sp>
+        <p:nvSpPr>
+          <p:cNvPr id="3" name="Speech Bubble: Rectangle 2"/>
+          <p:cNvSpPr/>
+          <p:nvPr/>
+        </p:nvSpPr>
+        <p:spPr>
+          <a:xfrm>
+            <a:off x="8077200" y="899434"/>
+            <a:ext cx="3657600" cy="873594"/>
+          </a:xfrm>
+          <a:prstGeom prst="wedgeRectCallout">
+            <a:avLst>
+              <a:gd name="adj1" fmla="val -77748"/>
+              <a:gd name="adj2" fmla="val 37260"/>
+            </a:avLst>
+          </a:prstGeom>
+          <a:solidFill>
+            <a:srgbClr val="FFC000"/>
+          </a:solidFill>
+        </p:spPr>
+        <p:style>
+          <a:lnRef idx="2">
+            <a:schemeClr val="accent1">
+              <a:shade val="50000"/>
+            </a:schemeClr>
+          </a:lnRef>
+          <a:fillRef idx="1">
+            <a:schemeClr val="accent1"/>
+          </a:fillRef>
+          <a:effectRef idx="0">
+            <a:schemeClr val="accent1"/>
+          </a:effectRef>
+          <a:fontRef idx="minor">
+            <a:schemeClr val="lt1"/>
+          </a:fontRef>
+        </p:style>
+        <p:txBody>
+          <a:bodyPr rtlCol="0" anchor="ctr"/>
+          <a:lstStyle/>
+          <a:p>
+            <a:pPr algn="ctr"/>
+            <a:r>
+              <a:rPr lang="en-US" sz="3600" dirty="0">
+                <a:solidFill>
+                  <a:sysClr val="windowText" lastClr="000000"/>
+                </a:solidFill>
+              </a:rPr>
+              <a:t>Farshad to expand on these thoughts</a:t>
+            </a:r>
+          </a:p>
+        </p:txBody>
+      </p:sp>
+      <p:sp>
+        <p:nvSpPr>
+          <p:cNvPr id="4" name="TextBox 3"/>
+          <p:cNvSpPr txBox="1"/>
+          <p:nvPr/>
+        </p:nvSpPr>
+        <p:spPr>
+          <a:xfrm>
+            <a:off x="1219200" y="1773028"/>
+            <a:ext cx="9936480" cy="3416320"/>
+          </a:xfrm>
+          <a:prstGeom prst="rect">
+            <a:avLst/>
+          </a:prstGeom>
+          <a:noFill/>
+        </p:spPr>
+        <p:txBody>
+          <a:bodyPr wrap="square" rtlCol="0">
+            <a:spAutoFit/>
+          </a:bodyPr>
+          <a:lstStyle/>
+          <a:p>
+            <a:r>
+              <a:rPr lang="en-US" dirty="0"/>
+              <a:t>Random Forest</a:t>
+            </a:r>
+          </a:p>
+          <a:p>
+            <a:r>
+              <a:rPr lang="en-US" dirty="0"/>
+              <a:t>Logistic Regression</a:t>
+            </a:r>
+          </a:p>
+          <a:p>
+            <a:r>
+              <a:rPr lang="en-US" dirty="0"/>
+              <a:t>Logistic Regression with Regularization</a:t>
+            </a:r>
+          </a:p>
+          <a:p>
+            <a:r>
+              <a:rPr lang="en-US" dirty="0"/>
+              <a:t>CART</a:t>
+            </a:r>
+          </a:p>
+          <a:p>
+            <a:r>
+              <a:rPr lang="en-US" dirty="0"/>
+              <a:t>Support Vector Machine</a:t>
+            </a:r>
+          </a:p>
+          <a:p>
+            <a:pPr marL="285750" indent="-285750">
+              <a:buFont typeface="Arial" panose="020B0604020202020204" pitchFamily="34" charset="0"/>
+              <a:buChar char="•"/>
+            </a:pPr>
+            <a:r>
+              <a:rPr lang="en-US" dirty="0"/>
+              <a:t>Linear Kernel</a:t>
+            </a:r>
+          </a:p>
+          <a:p>
+            <a:pPr marL="285750" indent="-285750">
+              <a:buFont typeface="Arial" panose="020B0604020202020204" pitchFamily="34" charset="0"/>
+              <a:buChar char="•"/>
+            </a:pPr>
+            <a:r>
+              <a:rPr lang="en-US" dirty="0"/>
+              <a:t>Radial Kernel</a:t>
+            </a:r>
+          </a:p>
+          <a:p>
+            <a:pPr marL="285750" indent="-285750">
+              <a:buFont typeface="Arial" panose="020B0604020202020204" pitchFamily="34" charset="0"/>
+              <a:buChar char="•"/>
+            </a:pPr>
             <a:endParaRPr lang="en-US" dirty="0"/>
           </a:p>
-        </p:txBody>
-      </p:sp>
-      <p:sp>
-        <p:nvSpPr>
-          <p:cNvPr id="3" name="Text Placeholder 2"/>
-          <p:cNvSpPr>
-            <a:spLocks noGrp="1"/>
-          </p:cNvSpPr>
-          <p:nvPr>
-            <p:ph type="body" idx="1"/>
-          </p:nvPr>
-        </p:nvSpPr>
-        <p:spPr/>
-        <p:txBody>
-          <a:bodyPr/>
-          <a:lstStyle/>
-          <a:p>
-            <a:endParaRPr lang="en-US"/>
-          </a:p>
-        </p:txBody>
-      </p:sp>
-      <p:sp>
-        <p:nvSpPr>
-          <p:cNvPr id="4" name="Content Placeholder 3"/>
-          <p:cNvSpPr>
-            <a:spLocks noGrp="1"/>
-          </p:cNvSpPr>
-          <p:nvPr>
-            <p:ph sz="half" idx="2"/>
-          </p:nvPr>
-        </p:nvSpPr>
-        <p:spPr/>
-        <p:txBody>
-          <a:bodyPr/>
-          <a:lstStyle/>
-          <a:p>
-            <a:endParaRPr lang="en-US"/>
-          </a:p>
-        </p:txBody>
-      </p:sp>
-      <p:sp>
-        <p:nvSpPr>
-          <p:cNvPr id="5" name="Text Placeholder 4"/>
-          <p:cNvSpPr>
-            <a:spLocks noGrp="1"/>
-          </p:cNvSpPr>
-          <p:nvPr>
-            <p:ph type="body" sz="quarter" idx="3"/>
-          </p:nvPr>
-        </p:nvSpPr>
-        <p:spPr/>
-        <p:txBody>
-          <a:bodyPr/>
-          <a:lstStyle/>
-          <a:p>
-            <a:endParaRPr lang="en-US"/>
-          </a:p>
-        </p:txBody>
-      </p:sp>
-      <p:sp>
-        <p:nvSpPr>
-          <p:cNvPr id="6" name="Content Placeholder 5"/>
-          <p:cNvSpPr>
-            <a:spLocks noGrp="1"/>
-          </p:cNvSpPr>
-          <p:nvPr>
-            <p:ph sz="quarter" idx="4"/>
-          </p:nvPr>
-        </p:nvSpPr>
-        <p:spPr/>
-        <p:txBody>
-          <a:bodyPr/>
-          <a:lstStyle/>
-          <a:p>
-            <a:endParaRPr lang="en-US"/>
+          <a:p>
+            <a:r>
+              <a:rPr lang="en-US" dirty="0"/>
+              <a:t>Accuracy for each model</a:t>
+            </a:r>
+          </a:p>
+          <a:p>
+            <a:r>
+              <a:rPr lang="en-US" dirty="0"/>
+              <a:t>Cross validation visuals for RF, Logistic regression regularization, CART, and SVM</a:t>
+            </a:r>
+          </a:p>
+          <a:p>
+            <a:r>
+              <a:rPr lang="en-US" dirty="0"/>
+              <a:t>ROC curve for all models except SVM</a:t>
+            </a:r>
+          </a:p>
+          <a:p>
+            <a:endParaRPr lang="en-US" dirty="0"/>
           </a:p>
         </p:txBody>
       </p:sp>
     </p:spTree>
     <p:extLst>
       <p:ext uri="{BB962C8B-B14F-4D97-AF65-F5344CB8AC3E}">
-        <p14:creationId xmlns:p14="http://schemas.microsoft.com/office/powerpoint/2010/main" val="4078798235"/>
+        <p14:creationId xmlns:p14="http://schemas.microsoft.com/office/powerpoint/2010/main" val="1864551520"/>
       </p:ext>
     </p:extLst>
   </p:cSld>
@@ -4443,17 +5692,20 @@
           <a:lstStyle/>
           <a:p>
             <a:r>
-              <a:rPr lang="en-US" dirty="0" smtClean="0"/>
+              <a:rPr lang="en-US" dirty="0"/>
               <a:t>Method Overview </a:t>
             </a:r>
             <a:r>
-              <a:rPr lang="mr-IN" dirty="0" smtClean="0"/>
+              <a:rPr lang="mr-IN" dirty="0"/>
               <a:t>–</a:t>
             </a:r>
             <a:r>
-              <a:rPr lang="en-US" dirty="0" smtClean="0"/>
-              <a:t> Classification Algorithms</a:t>
-            </a:r>
+              <a:rPr lang="en-US" dirty="0"/>
+              <a:t> Simulation</a:t>
+            </a:r>
+            <a:br>
+              <a:rPr lang="en-US" dirty="0"/>
+            </a:br>
             <a:endParaRPr lang="en-US" dirty="0"/>
           </a:p>
         </p:txBody>
@@ -4461,7 +5713,7 @@
     </p:spTree>
     <p:extLst>
       <p:ext uri="{BB962C8B-B14F-4D97-AF65-F5344CB8AC3E}">
-        <p14:creationId xmlns:p14="http://schemas.microsoft.com/office/powerpoint/2010/main" val="1864551520"/>
+        <p14:creationId xmlns:p14="http://schemas.microsoft.com/office/powerpoint/2010/main" val="1614750611"/>
       </p:ext>
     </p:extLst>
   </p:cSld>
@@ -4516,28 +5768,24 @@
           <a:lstStyle/>
           <a:p>
             <a:r>
-              <a:rPr lang="en-US" dirty="0" smtClean="0"/>
-              <a:t>Method Overview </a:t>
-            </a:r>
-            <a:r>
-              <a:rPr lang="mr-IN" dirty="0" smtClean="0"/>
+              <a:rPr lang="en-US" dirty="0"/>
+              <a:t>Results </a:t>
+            </a:r>
+            <a:r>
+              <a:rPr lang="mr-IN" dirty="0"/>
               <a:t>–</a:t>
             </a:r>
             <a:r>
-              <a:rPr lang="en-US" dirty="0" smtClean="0"/>
-              <a:t> Simulation</a:t>
-            </a:r>
-            <a:br>
-              <a:rPr lang="en-US" dirty="0" smtClean="0"/>
-            </a:br>
-            <a:endParaRPr lang="en-US" dirty="0"/>
+              <a:rPr lang="en-US" dirty="0"/>
+              <a:t> Classification Algorithms</a:t>
+            </a:r>
           </a:p>
         </p:txBody>
       </p:sp>
     </p:spTree>
     <p:extLst>
       <p:ext uri="{BB962C8B-B14F-4D97-AF65-F5344CB8AC3E}">
-        <p14:creationId xmlns:p14="http://schemas.microsoft.com/office/powerpoint/2010/main" val="1614750611"/>
+        <p14:creationId xmlns:p14="http://schemas.microsoft.com/office/powerpoint/2010/main" val="28387496"/>
       </p:ext>
     </p:extLst>
   </p:cSld>
@@ -4592,25 +5840,24 @@
           <a:lstStyle/>
           <a:p>
             <a:r>
-              <a:rPr lang="en-US" dirty="0" smtClean="0"/>
+              <a:rPr lang="en-US" dirty="0"/>
               <a:t>Results </a:t>
             </a:r>
             <a:r>
-              <a:rPr lang="mr-IN" dirty="0" smtClean="0"/>
+              <a:rPr lang="mr-IN" dirty="0"/>
               <a:t>–</a:t>
             </a:r>
             <a:r>
-              <a:rPr lang="en-US" dirty="0" smtClean="0"/>
-              <a:t> Classification Algorithms</a:t>
-            </a:r>
-            <a:endParaRPr lang="en-US" dirty="0"/>
+              <a:rPr lang="en-US" dirty="0"/>
+              <a:t> Simulation</a:t>
+            </a:r>
           </a:p>
         </p:txBody>
       </p:sp>
     </p:spTree>
     <p:extLst>
       <p:ext uri="{BB962C8B-B14F-4D97-AF65-F5344CB8AC3E}">
-        <p14:creationId xmlns:p14="http://schemas.microsoft.com/office/powerpoint/2010/main" val="28387496"/>
+        <p14:creationId xmlns:p14="http://schemas.microsoft.com/office/powerpoint/2010/main" val="1805777577"/>
       </p:ext>
     </p:extLst>
   </p:cSld>
@@ -4633,59 +5880,119 @@
 </file>
 
 <file path=ppt/theme/theme1.xml><?xml version="1.0" encoding="utf-8"?>
-<a:theme xmlns:a="http://schemas.openxmlformats.org/drawingml/2006/main" name="Basketball 16x9">
+<a:theme xmlns:a="http://schemas.openxmlformats.org/drawingml/2006/main" name="Retrospect">
   <a:themeElements>
-    <a:clrScheme name="Basketball">
+    <a:clrScheme name="Retrospect">
       <a:dk1>
-        <a:sysClr val="windowText" lastClr="000000"/>
+        <a:srgbClr val="000000"/>
       </a:dk1>
       <a:lt1>
         <a:sysClr val="window" lastClr="FFFFFF"/>
       </a:lt1>
       <a:dk2>
-        <a:srgbClr val="51270B"/>
+        <a:srgbClr val="637052"/>
       </a:dk2>
       <a:lt2>
-        <a:srgbClr val="CAAF92"/>
+        <a:srgbClr val="CCDDEA"/>
       </a:lt2>
       <a:accent1>
-        <a:srgbClr val="8C061E"/>
+        <a:srgbClr val="E48312"/>
       </a:accent1>
       <a:accent2>
-        <a:srgbClr val="CD0205"/>
+        <a:srgbClr val="BD582C"/>
       </a:accent2>
       <a:accent3>
-        <a:srgbClr val="D05002"/>
+        <a:srgbClr val="865640"/>
       </a:accent3>
       <a:accent4>
-        <a:srgbClr val="052A5E"/>
+        <a:srgbClr val="9B8357"/>
       </a:accent4>
       <a:accent5>
-        <a:srgbClr val="1A559C"/>
+        <a:srgbClr val="C2BC80"/>
       </a:accent5>
       <a:accent6>
-        <a:srgbClr val="156645"/>
+        <a:srgbClr val="94A088"/>
       </a:accent6>
       <a:hlink>
-        <a:srgbClr val="D05002"/>
+        <a:srgbClr val="2998E3"/>
       </a:hlink>
       <a:folHlink>
-        <a:srgbClr val="808080"/>
+        <a:srgbClr val="8C8C8C"/>
       </a:folHlink>
     </a:clrScheme>
-    <a:fontScheme name="Impact - Franklin Gothic Medium">
+    <a:fontScheme name="Retrospect">
       <a:majorFont>
-        <a:latin typeface="Impact"/>
+        <a:latin typeface="Calibri Light" panose="020F0302020204030204"/>
         <a:ea typeface=""/>
         <a:cs typeface=""/>
+        <a:font script="Jpan" typeface="ＭＳ Ｐゴシック"/>
+        <a:font script="Hang" typeface="맑은 고딕"/>
+        <a:font script="Hans" typeface="宋体"/>
+        <a:font script="Hant" typeface="新細明體"/>
+        <a:font script="Arab" typeface="Times New Roman"/>
+        <a:font script="Hebr" typeface="Times New Roman"/>
+        <a:font script="Thai" typeface="Angsana New"/>
+        <a:font script="Ethi" typeface="Nyala"/>
+        <a:font script="Beng" typeface="Vrinda"/>
+        <a:font script="Gujr" typeface="Shruti"/>
+        <a:font script="Khmr" typeface="MoolBoran"/>
+        <a:font script="Knda" typeface="Tunga"/>
+        <a:font script="Guru" typeface="Raavi"/>
+        <a:font script="Cans" typeface="Euphemia"/>
+        <a:font script="Cher" typeface="Plantagenet Cherokee"/>
+        <a:font script="Yiii" typeface="Microsoft Yi Baiti"/>
+        <a:font script="Tibt" typeface="Microsoft Himalaya"/>
+        <a:font script="Thaa" typeface="MV Boli"/>
+        <a:font script="Deva" typeface="Mangal"/>
+        <a:font script="Telu" typeface="Gautami"/>
+        <a:font script="Taml" typeface="Latha"/>
+        <a:font script="Syrc" typeface="Estrangelo Edessa"/>
+        <a:font script="Orya" typeface="Kalinga"/>
+        <a:font script="Mlym" typeface="Kartika"/>
+        <a:font script="Laoo" typeface="DokChampa"/>
+        <a:font script="Sinh" typeface="Iskoola Pota"/>
+        <a:font script="Mong" typeface="Mongolian Baiti"/>
+        <a:font script="Viet" typeface="Times New Roman"/>
+        <a:font script="Uigh" typeface="Microsoft Uighur"/>
+        <a:font script="Geor" typeface="Sylfaen"/>
       </a:majorFont>
       <a:minorFont>
-        <a:latin typeface="Franklin Gothic Medium"/>
+        <a:latin typeface="Calibri" panose="020F0502020204030204"/>
         <a:ea typeface=""/>
         <a:cs typeface=""/>
+        <a:font script="Jpan" typeface="ＭＳ Ｐゴシック"/>
+        <a:font script="Hang" typeface="맑은 고딕"/>
+        <a:font script="Hans" typeface="宋体"/>
+        <a:font script="Hant" typeface="新細明體"/>
+        <a:font script="Arab" typeface="Arial"/>
+        <a:font script="Hebr" typeface="Arial"/>
+        <a:font script="Thai" typeface="Cordia New"/>
+        <a:font script="Ethi" typeface="Nyala"/>
+        <a:font script="Beng" typeface="Vrinda"/>
+        <a:font script="Gujr" typeface="Shruti"/>
+        <a:font script="Khmr" typeface="DaunPenh"/>
+        <a:font script="Knda" typeface="Tunga"/>
+        <a:font script="Guru" typeface="Raavi"/>
+        <a:font script="Cans" typeface="Euphemia"/>
+        <a:font script="Cher" typeface="Plantagenet Cherokee"/>
+        <a:font script="Yiii" typeface="Microsoft Yi Baiti"/>
+        <a:font script="Tibt" typeface="Microsoft Himalaya"/>
+        <a:font script="Thaa" typeface="MV Boli"/>
+        <a:font script="Deva" typeface="Mangal"/>
+        <a:font script="Telu" typeface="Gautami"/>
+        <a:font script="Taml" typeface="Latha"/>
+        <a:font script="Syrc" typeface="Estrangelo Edessa"/>
+        <a:font script="Orya" typeface="Kalinga"/>
+        <a:font script="Mlym" typeface="Kartika"/>
+        <a:font script="Laoo" typeface="DokChampa"/>
+        <a:font script="Sinh" typeface="Iskoola Pota"/>
+        <a:font script="Mong" typeface="Mongolian Baiti"/>
+        <a:font script="Viet" typeface="Arial"/>
+        <a:font script="Uigh" typeface="Microsoft Uighur"/>
+        <a:font script="Geor" typeface="Sylfaen"/>
       </a:minorFont>
     </a:fontScheme>
-    <a:fmtScheme name="Office">
+    <a:fmtScheme name="Retrospect">
       <a:fillStyleLst>
         <a:solidFill>
           <a:schemeClr val="phClr"/>
@@ -4694,76 +6001,81 @@
           <a:gsLst>
             <a:gs pos="0">
               <a:schemeClr val="phClr">
-                <a:lumMod val="110000"/>
-                <a:satMod val="105000"/>
-                <a:tint val="67000"/>
+                <a:tint val="65000"/>
+                <a:shade val="92000"/>
+                <a:satMod val="130000"/>
               </a:schemeClr>
             </a:gs>
-            <a:gs pos="50000">
+            <a:gs pos="45000">
               <a:schemeClr val="phClr">
-                <a:lumMod val="105000"/>
-                <a:satMod val="103000"/>
-                <a:tint val="73000"/>
+                <a:tint val="60000"/>
+                <a:shade val="99000"/>
+                <a:satMod val="120000"/>
               </a:schemeClr>
             </a:gs>
             <a:gs pos="100000">
               <a:schemeClr val="phClr">
-                <a:lumMod val="105000"/>
-                <a:satMod val="109000"/>
-                <a:tint val="81000"/>
+                <a:tint val="55000"/>
+                <a:satMod val="140000"/>
               </a:schemeClr>
             </a:gs>
           </a:gsLst>
-          <a:lin ang="5400000" scaled="0"/>
+          <a:path path="circle">
+            <a:fillToRect l="100000" t="100000" r="100000" b="100000"/>
+          </a:path>
         </a:gradFill>
         <a:gradFill rotWithShape="1">
           <a:gsLst>
             <a:gs pos="0">
               <a:schemeClr val="phClr">
-                <a:satMod val="103000"/>
-                <a:lumMod val="102000"/>
-                <a:tint val="94000"/>
+                <a:shade val="85000"/>
+                <a:satMod val="130000"/>
               </a:schemeClr>
             </a:gs>
-            <a:gs pos="50000">
+            <a:gs pos="34000">
               <a:schemeClr val="phClr">
-                <a:satMod val="110000"/>
-                <a:lumMod val="100000"/>
-                <a:shade val="100000"/>
+                <a:shade val="87000"/>
+                <a:satMod val="125000"/>
+              </a:schemeClr>
+            </a:gs>
+            <a:gs pos="70000">
+              <a:schemeClr val="phClr">
+                <a:tint val="100000"/>
+                <a:shade val="90000"/>
+                <a:satMod val="130000"/>
               </a:schemeClr>
             </a:gs>
             <a:gs pos="100000">
               <a:schemeClr val="phClr">
-                <a:lumMod val="99000"/>
-                <a:satMod val="120000"/>
-                <a:shade val="78000"/>
+                <a:tint val="100000"/>
+                <a:shade val="100000"/>
+                <a:satMod val="110000"/>
               </a:schemeClr>
             </a:gs>
           </a:gsLst>
-          <a:lin ang="5400000" scaled="0"/>
+          <a:path path="circle">
+            <a:fillToRect l="100000" t="100000" r="100000" b="100000"/>
+          </a:path>
         </a:gradFill>
       </a:fillStyleLst>
       <a:lnStyleLst>
-        <a:ln w="6350" cap="flat" cmpd="sng" algn="ctr">
-          <a:solidFill>
-            <a:schemeClr val="phClr"/>
-          </a:solidFill>
-          <a:prstDash val="solid"/>
-          <a:miter lim="800000"/>
-        </a:ln>
         <a:ln w="12700" cap="flat" cmpd="sng" algn="ctr">
           <a:solidFill>
             <a:schemeClr val="phClr"/>
           </a:solidFill>
           <a:prstDash val="solid"/>
-          <a:miter lim="800000"/>
         </a:ln>
-        <a:ln w="19050" cap="flat" cmpd="sng" algn="ctr">
+        <a:ln w="15875" cap="flat" cmpd="sng" algn="ctr">
           <a:solidFill>
             <a:schemeClr val="phClr"/>
           </a:solidFill>
           <a:prstDash val="solid"/>
-          <a:miter lim="800000"/>
+        </a:ln>
+        <a:ln w="25400" cap="flat" cmpd="sng" algn="ctr">
+          <a:solidFill>
+            <a:schemeClr val="phClr"/>
+          </a:solidFill>
+          <a:prstDash val="solid"/>
         </a:ln>
       </a:lnStyleLst>
       <a:effectStyleLst>
@@ -4771,16 +6083,33 @@
           <a:effectLst/>
         </a:effectStyle>
         <a:effectStyle>
-          <a:effectLst/>
+          <a:effectLst>
+            <a:outerShdw blurRad="38100" dist="25400" dir="2700000" algn="br" rotWithShape="0">
+              <a:srgbClr val="000000">
+                <a:alpha val="60000"/>
+              </a:srgbClr>
+            </a:outerShdw>
+          </a:effectLst>
         </a:effectStyle>
         <a:effectStyle>
           <a:effectLst>
-            <a:outerShdw blurRad="57150" dist="19050" dir="5400000" algn="ctr" rotWithShape="0">
+            <a:outerShdw blurRad="44450" dist="25400" dir="2700000" algn="br" rotWithShape="0">
               <a:srgbClr val="000000">
-                <a:alpha val="63000"/>
+                <a:alpha val="60000"/>
               </a:srgbClr>
             </a:outerShdw>
           </a:effectLst>
+          <a:scene3d>
+            <a:camera prst="orthographicFront">
+              <a:rot lat="0" lon="0" rev="0"/>
+            </a:camera>
+            <a:lightRig rig="threePt" dir="t">
+              <a:rot lat="0" lon="0" rev="19800000"/>
+            </a:lightRig>
+          </a:scene3d>
+          <a:sp3d prstMaterial="flat">
+            <a:bevelT w="25400" h="31750"/>
+          </a:sp3d>
         </a:effectStyle>
       </a:effectStyleLst>
       <a:bgFillStyleLst>
@@ -4789,36 +6118,36 @@
         </a:solidFill>
         <a:solidFill>
           <a:schemeClr val="phClr">
-            <a:tint val="95000"/>
-            <a:satMod val="170000"/>
+            <a:tint val="90000"/>
+            <a:shade val="97000"/>
+            <a:satMod val="130000"/>
           </a:schemeClr>
         </a:solidFill>
         <a:gradFill rotWithShape="1">
           <a:gsLst>
             <a:gs pos="0">
               <a:schemeClr val="phClr">
-                <a:tint val="93000"/>
-                <a:satMod val="150000"/>
-                <a:shade val="98000"/>
-                <a:lumMod val="102000"/>
+                <a:tint val="96000"/>
+                <a:shade val="99000"/>
+                <a:satMod val="140000"/>
               </a:schemeClr>
             </a:gs>
-            <a:gs pos="50000">
+            <a:gs pos="65000">
               <a:schemeClr val="phClr">
-                <a:tint val="98000"/>
+                <a:tint val="100000"/>
+                <a:shade val="80000"/>
                 <a:satMod val="130000"/>
-                <a:shade val="90000"/>
-                <a:lumMod val="103000"/>
               </a:schemeClr>
             </a:gs>
             <a:gs pos="100000">
               <a:schemeClr val="phClr">
-                <a:shade val="63000"/>
+                <a:tint val="100000"/>
+                <a:shade val="48000"/>
                 <a:satMod val="120000"/>
               </a:schemeClr>
             </a:gs>
           </a:gsLst>
-          <a:lin ang="5400000" scaled="0"/>
+          <a:lin ang="16200000" scaled="0"/>
         </a:gradFill>
       </a:bgFillStyleLst>
     </a:fmtScheme>
@@ -4827,7 +6156,7 @@
   <a:extraClrSchemeLst/>
   <a:extLst>
     <a:ext uri="{05A4C25C-085E-4340-85A3-A5531E510DB2}">
-      <thm15:themeFamily xmlns:thm15="http://schemas.microsoft.com/office/thememl/2012/main" name="Basketball presentation (widescreen).potx" id="{9F4F77B0-14F5-4E29-8ABD-409A5CCAAB31}" vid="{5A933346-38F8-42BD-BB04-877426AB4C76}"/>
+      <thm15:themeFamily xmlns:thm15="http://schemas.microsoft.com/office/thememl/2012/main" name="Retrospect" id="{5F128B03-DCCA-4EEB-AB3B-CF2899314A46}" vid="{3F1AAB62-24C6-49D2-8E01-B56FAC9A3DCD}"/>
     </a:ext>
   </a:extLst>
 </a:theme>
@@ -5236,6 +6565,15 @@
 </file>
 
 <file path=customXml/item1.xml><?xml version="1.0" encoding="utf-8"?>
+<?mso-contentType ?>
+<FormTemplates xmlns="http://schemas.microsoft.com/sharepoint/v3/contenttype/forms">
+  <Display>DocumentLibraryForm</Display>
+  <Edit>DocumentLibraryForm</Edit>
+  <New>DocumentLibraryForm</New>
+</FormTemplates>
+</file>
+
+<file path=customXml/item2.xml><?xml version="1.0" encoding="utf-8"?>
 <p:properties xmlns:p="http://schemas.microsoft.com/office/2006/metadata/properties" xmlns:xsi="http://www.w3.org/2001/XMLSchema-instance" xmlns:pc="http://schemas.microsoft.com/office/infopath/2007/PartnerControls">
   <documentManagement>
     <VSO_x0020_item_x0020_id xmlns="40262f94-9f35-4ac3-9a90-690165a166b7" xsi:nil="true"/>
@@ -5244,15 +6582,6 @@
     <Template_x0020_details xmlns="40262f94-9f35-4ac3-9a90-690165a166b7" xsi:nil="true"/>
   </documentManagement>
 </p:properties>
-</file>
-
-<file path=customXml/item2.xml><?xml version="1.0" encoding="utf-8"?>
-<?mso-contentType ?>
-<FormTemplates xmlns="http://schemas.microsoft.com/sharepoint/v3/contenttype/forms">
-  <Display>DocumentLibraryForm</Display>
-  <Edit>DocumentLibraryForm</Edit>
-  <New>DocumentLibraryForm</New>
-</FormTemplates>
 </file>
 
 <file path=customXml/item3.xml><?xml version="1.0" encoding="utf-8"?>
@@ -5437,6 +6766,14 @@
 </file>
 
 <file path=customXml/itemProps1.xml><?xml version="1.0" encoding="utf-8"?>
+<ds:datastoreItem xmlns:ds="http://schemas.openxmlformats.org/officeDocument/2006/customXml" ds:itemID="{48E42578-9CD4-4AFF-AA5E-F33052F6B6A6}">
+  <ds:schemaRefs>
+    <ds:schemaRef ds:uri="http://schemas.microsoft.com/sharepoint/v3/contenttype/forms"/>
+  </ds:schemaRefs>
+</ds:datastoreItem>
+</file>
+
+<file path=customXml/itemProps2.xml><?xml version="1.0" encoding="utf-8"?>
 <ds:datastoreItem xmlns:ds="http://schemas.openxmlformats.org/officeDocument/2006/customXml" ds:itemID="{91DDEFBA-1D7E-4587-9763-EBF5A6740E9A}">
   <ds:schemaRefs>
     <ds:schemaRef ds:uri="http://schemas.microsoft.com/office/2006/documentManagement/types"/>
@@ -5449,14 +6786,6 @@
     <ds:schemaRef ds:uri="a4f35948-e619-41b3-aa29-22878b09cfd2"/>
     <ds:schemaRef ds:uri="http://www.w3.org/XML/1998/namespace"/>
     <ds:schemaRef ds:uri="http://purl.org/dc/elements/1.1/"/>
-  </ds:schemaRefs>
-</ds:datastoreItem>
-</file>
-
-<file path=customXml/itemProps2.xml><?xml version="1.0" encoding="utf-8"?>
-<ds:datastoreItem xmlns:ds="http://schemas.openxmlformats.org/officeDocument/2006/customXml" ds:itemID="{48E42578-9CD4-4AFF-AA5E-F33052F6B6A6}">
-  <ds:schemaRefs>
-    <ds:schemaRef ds:uri="http://schemas.microsoft.com/sharepoint/v3/contenttype/forms"/>
   </ds:schemaRefs>
 </ds:datastoreItem>
 </file>

--- a/Presentation.pptx
+++ b/Presentation.pptx
@@ -2,25 +2,26 @@
 <file path=ppt/presentation.xml><?xml version="1.0" encoding="utf-8"?>
 <p:presentation xmlns:a="http://schemas.openxmlformats.org/drawingml/2006/main" xmlns:r="http://schemas.openxmlformats.org/officeDocument/2006/relationships" xmlns:p="http://schemas.openxmlformats.org/presentationml/2006/main" saveSubsetFonts="1">
   <p:sldMasterIdLst>
-    <p:sldMasterId id="2147483648" r:id="rId4"/>
+    <p:sldMasterId id="2147483731" r:id="rId4"/>
   </p:sldMasterIdLst>
   <p:notesMasterIdLst>
-    <p:notesMasterId r:id="rId15"/>
+    <p:notesMasterId r:id="rId16"/>
   </p:notesMasterIdLst>
   <p:handoutMasterIdLst>
-    <p:handoutMasterId r:id="rId16"/>
+    <p:handoutMasterId r:id="rId17"/>
   </p:handoutMasterIdLst>
   <p:sldIdLst>
     <p:sldId id="257" r:id="rId5"/>
-    <p:sldId id="272" r:id="rId6"/>
-    <p:sldId id="266" r:id="rId7"/>
-    <p:sldId id="268" r:id="rId8"/>
-    <p:sldId id="267" r:id="rId9"/>
-    <p:sldId id="269" r:id="rId10"/>
-    <p:sldId id="270" r:id="rId11"/>
-    <p:sldId id="274" r:id="rId12"/>
-    <p:sldId id="273" r:id="rId13"/>
-    <p:sldId id="275" r:id="rId14"/>
+    <p:sldId id="266" r:id="rId6"/>
+    <p:sldId id="276" r:id="rId7"/>
+    <p:sldId id="267" r:id="rId8"/>
+    <p:sldId id="278" r:id="rId9"/>
+    <p:sldId id="279" r:id="rId10"/>
+    <p:sldId id="277" r:id="rId11"/>
+    <p:sldId id="270" r:id="rId12"/>
+    <p:sldId id="274" r:id="rId13"/>
+    <p:sldId id="273" r:id="rId14"/>
+    <p:sldId id="275" r:id="rId15"/>
   </p:sldIdLst>
   <p:sldSz cx="12192000" cy="6858000"/>
   <p:notesSz cx="6858000" cy="9144000"/>
@@ -28,7 +29,7 @@
     <a:defPPr>
       <a:defRPr lang="en-US"/>
     </a:defPPr>
-    <a:lvl1pPr marL="0" algn="l" defTabSz="914400" rtl="0" eaLnBrk="1" latinLnBrk="0" hangingPunct="1">
+    <a:lvl1pPr marL="0" algn="l" defTabSz="457200" rtl="0" eaLnBrk="1" latinLnBrk="0" hangingPunct="1">
       <a:defRPr sz="1800" kern="1200">
         <a:solidFill>
           <a:schemeClr val="tx1"/>
@@ -38,7 +39,7 @@
         <a:cs typeface="+mn-cs"/>
       </a:defRPr>
     </a:lvl1pPr>
-    <a:lvl2pPr marL="457200" algn="l" defTabSz="914400" rtl="0" eaLnBrk="1" latinLnBrk="0" hangingPunct="1">
+    <a:lvl2pPr marL="457200" algn="l" defTabSz="457200" rtl="0" eaLnBrk="1" latinLnBrk="0" hangingPunct="1">
       <a:defRPr sz="1800" kern="1200">
         <a:solidFill>
           <a:schemeClr val="tx1"/>
@@ -48,7 +49,7 @@
         <a:cs typeface="+mn-cs"/>
       </a:defRPr>
     </a:lvl2pPr>
-    <a:lvl3pPr marL="914400" algn="l" defTabSz="914400" rtl="0" eaLnBrk="1" latinLnBrk="0" hangingPunct="1">
+    <a:lvl3pPr marL="914400" algn="l" defTabSz="457200" rtl="0" eaLnBrk="1" latinLnBrk="0" hangingPunct="1">
       <a:defRPr sz="1800" kern="1200">
         <a:solidFill>
           <a:schemeClr val="tx1"/>
@@ -58,7 +59,7 @@
         <a:cs typeface="+mn-cs"/>
       </a:defRPr>
     </a:lvl3pPr>
-    <a:lvl4pPr marL="1371600" algn="l" defTabSz="914400" rtl="0" eaLnBrk="1" latinLnBrk="0" hangingPunct="1">
+    <a:lvl4pPr marL="1371600" algn="l" defTabSz="457200" rtl="0" eaLnBrk="1" latinLnBrk="0" hangingPunct="1">
       <a:defRPr sz="1800" kern="1200">
         <a:solidFill>
           <a:schemeClr val="tx1"/>
@@ -68,7 +69,7 @@
         <a:cs typeface="+mn-cs"/>
       </a:defRPr>
     </a:lvl4pPr>
-    <a:lvl5pPr marL="1828800" algn="l" defTabSz="914400" rtl="0" eaLnBrk="1" latinLnBrk="0" hangingPunct="1">
+    <a:lvl5pPr marL="1828800" algn="l" defTabSz="457200" rtl="0" eaLnBrk="1" latinLnBrk="0" hangingPunct="1">
       <a:defRPr sz="1800" kern="1200">
         <a:solidFill>
           <a:schemeClr val="tx1"/>
@@ -78,7 +79,7 @@
         <a:cs typeface="+mn-cs"/>
       </a:defRPr>
     </a:lvl5pPr>
-    <a:lvl6pPr marL="2286000" algn="l" defTabSz="914400" rtl="0" eaLnBrk="1" latinLnBrk="0" hangingPunct="1">
+    <a:lvl6pPr marL="2286000" algn="l" defTabSz="457200" rtl="0" eaLnBrk="1" latinLnBrk="0" hangingPunct="1">
       <a:defRPr sz="1800" kern="1200">
         <a:solidFill>
           <a:schemeClr val="tx1"/>
@@ -88,7 +89,7 @@
         <a:cs typeface="+mn-cs"/>
       </a:defRPr>
     </a:lvl6pPr>
-    <a:lvl7pPr marL="2743200" algn="l" defTabSz="914400" rtl="0" eaLnBrk="1" latinLnBrk="0" hangingPunct="1">
+    <a:lvl7pPr marL="2743200" algn="l" defTabSz="457200" rtl="0" eaLnBrk="1" latinLnBrk="0" hangingPunct="1">
       <a:defRPr sz="1800" kern="1200">
         <a:solidFill>
           <a:schemeClr val="tx1"/>
@@ -98,7 +99,7 @@
         <a:cs typeface="+mn-cs"/>
       </a:defRPr>
     </a:lvl7pPr>
-    <a:lvl8pPr marL="3200400" algn="l" defTabSz="914400" rtl="0" eaLnBrk="1" latinLnBrk="0" hangingPunct="1">
+    <a:lvl8pPr marL="3200400" algn="l" defTabSz="457200" rtl="0" eaLnBrk="1" latinLnBrk="0" hangingPunct="1">
       <a:defRPr sz="1800" kern="1200">
         <a:solidFill>
           <a:schemeClr val="tx1"/>
@@ -108,7 +109,7 @@
         <a:cs typeface="+mn-cs"/>
       </a:defRPr>
     </a:lvl8pPr>
-    <a:lvl9pPr marL="3657600" algn="l" defTabSz="914400" rtl="0" eaLnBrk="1" latinLnBrk="0" hangingPunct="1">
+    <a:lvl9pPr marL="3657600" algn="l" defTabSz="457200" rtl="0" eaLnBrk="1" latinLnBrk="0" hangingPunct="1">
       <a:defRPr sz="1800" kern="1200">
         <a:solidFill>
           <a:schemeClr val="tx1"/>
@@ -128,6 +129,28 @@
     </p:ext>
   </p:extLst>
 </p:presentation>
+</file>
+
+<file path=ppt/commentAuthors.xml><?xml version="1.0" encoding="utf-8"?>
+<p:cmAuthorLst xmlns:a="http://schemas.openxmlformats.org/drawingml/2006/main" xmlns:r="http://schemas.openxmlformats.org/officeDocument/2006/relationships" xmlns:p="http://schemas.openxmlformats.org/presentationml/2006/main">
+  <p:cmAuthor id="1" name="fmiraftab" initials="f" lastIdx="1" clrIdx="0">
+    <p:extLst/>
+  </p:cmAuthor>
+</p:cmAuthorLst>
+</file>
+
+<file path=ppt/comments/comment1.xml><?xml version="1.0" encoding="utf-8"?>
+<p:cmLst xmlns:a="http://schemas.openxmlformats.org/drawingml/2006/main" xmlns:r="http://schemas.openxmlformats.org/officeDocument/2006/relationships" xmlns:p="http://schemas.openxmlformats.org/presentationml/2006/main">
+  <p:cm authorId="1" dt="2017-04-25T22:44:51.797" idx="1">
+    <p:pos x="10" y="10"/>
+    <p:text/>
+    <p:extLst>
+      <p:ext uri="{C676402C-5697-4E1C-873F-D02D1690AC5C}">
+        <p15:threadingInfo xmlns:p15="http://schemas.microsoft.com/office/powerpoint/2012/main" timeZoneBias="420"/>
+      </p:ext>
+    </p:extLst>
+  </p:cm>
+</p:cmLst>
 </file>
 
 <file path=ppt/handoutMasters/handoutMaster1.xml><?xml version="1.0" encoding="utf-8"?>
@@ -212,7 +235,7 @@
           <a:p>
             <a:fld id="{D8DE8356-FFDA-4E74-B804-79023C7DD259}" type="datetimeFigureOut">
               <a:rPr lang="en-US" smtClean="0"/>
-              <a:t>4/23/17</a:t>
+              <a:t>4/26/17</a:t>
             </a:fld>
             <a:endParaRPr lang="en-US"/>
           </a:p>
@@ -377,7 +400,7 @@
           <a:p>
             <a:fld id="{B43DDCE7-616C-4285-A468-7301F171BC93}" type="datetimeFigureOut">
               <a:rPr lang="en-US" smtClean="0"/>
-              <a:t>4/23/17</a:t>
+              <a:t>4/26/17</a:t>
             </a:fld>
             <a:endParaRPr lang="en-US"/>
           </a:p>
@@ -645,22 +668,8 @@
 </file>
 
 <file path=ppt/slideLayouts/slideLayout1.xml><?xml version="1.0" encoding="utf-8"?>
-<p:sldLayout xmlns:a="http://schemas.openxmlformats.org/drawingml/2006/main" xmlns:r="http://schemas.openxmlformats.org/officeDocument/2006/relationships" xmlns:p="http://schemas.openxmlformats.org/presentationml/2006/main" type="title" preserve="1">
+<p:sldLayout xmlns:a="http://schemas.openxmlformats.org/drawingml/2006/main" xmlns:r="http://schemas.openxmlformats.org/officeDocument/2006/relationships" xmlns:p="http://schemas.openxmlformats.org/presentationml/2006/main" showMasterSp="0" type="title" preserve="1">
   <p:cSld name="Title Slide">
-    <p:bg>
-      <p:bgPr>
-        <a:blipFill dpi="0" rotWithShape="1">
-          <a:blip r:embed="rId2">
-            <a:lum/>
-          </a:blip>
-          <a:srcRect/>
-          <a:stretch>
-            <a:fillRect/>
-          </a:stretch>
-        </a:blipFill>
-        <a:effectLst/>
-      </p:bgPr>
-    </p:bg>
     <p:spTree>
       <p:nvGrpSpPr>
         <p:cNvPr id="1" name=""/>
@@ -677,18 +686,94 @@
       </p:grpSpPr>
       <p:sp>
         <p:nvSpPr>
-          <p:cNvPr id="2" name="Title 1"/>
-          <p:cNvSpPr>
-            <a:spLocks noGrp="1"/>
-          </p:cNvSpPr>
-          <p:nvPr>
-            <p:ph type="ctrTitle"/>
-          </p:nvPr>
+          <p:cNvPr id="7" name="Rectangle 6"/>
+          <p:cNvSpPr/>
+          <p:nvPr/>
         </p:nvSpPr>
         <p:spPr>
           <a:xfrm>
-            <a:off x="5638800" y="304801"/>
-            <a:ext cx="5486400" cy="2514599"/>
+            <a:off x="3175" y="6400800"/>
+            <a:ext cx="12188825" cy="457200"/>
+          </a:xfrm>
+          <a:prstGeom prst="rect">
+            <a:avLst/>
+          </a:prstGeom>
+          <a:solidFill>
+            <a:schemeClr val="accent2"/>
+          </a:solidFill>
+          <a:ln>
+            <a:noFill/>
+          </a:ln>
+        </p:spPr>
+        <p:style>
+          <a:lnRef idx="2">
+            <a:schemeClr val="accent1">
+              <a:shade val="50000"/>
+            </a:schemeClr>
+          </a:lnRef>
+          <a:fillRef idx="1">
+            <a:schemeClr val="accent1"/>
+          </a:fillRef>
+          <a:effectRef idx="0">
+            <a:schemeClr val="accent1"/>
+          </a:effectRef>
+          <a:fontRef idx="minor">
+            <a:schemeClr val="lt1"/>
+          </a:fontRef>
+        </p:style>
+      </p:sp>
+      <p:sp>
+        <p:nvSpPr>
+          <p:cNvPr id="8" name="Rectangle 7"/>
+          <p:cNvSpPr/>
+          <p:nvPr/>
+        </p:nvSpPr>
+        <p:spPr>
+          <a:xfrm>
+            <a:off x="15" y="6334316"/>
+            <a:ext cx="12188825" cy="64008"/>
+          </a:xfrm>
+          <a:prstGeom prst="rect">
+            <a:avLst/>
+          </a:prstGeom>
+          <a:solidFill>
+            <a:schemeClr val="accent1"/>
+          </a:solidFill>
+          <a:ln>
+            <a:noFill/>
+          </a:ln>
+        </p:spPr>
+        <p:style>
+          <a:lnRef idx="2">
+            <a:schemeClr val="accent1">
+              <a:shade val="50000"/>
+            </a:schemeClr>
+          </a:lnRef>
+          <a:fillRef idx="1">
+            <a:schemeClr val="accent1"/>
+          </a:fillRef>
+          <a:effectRef idx="0">
+            <a:schemeClr val="accent1"/>
+          </a:effectRef>
+          <a:fontRef idx="minor">
+            <a:schemeClr val="lt1"/>
+          </a:fontRef>
+        </p:style>
+      </p:sp>
+      <p:sp>
+        <p:nvSpPr>
+          <p:cNvPr id="2" name="Title 1"/>
+          <p:cNvSpPr>
+            <a:spLocks noGrp="1"/>
+          </p:cNvSpPr>
+          <p:nvPr>
+            <p:ph type="ctrTitle"/>
+          </p:nvPr>
+        </p:nvSpPr>
+        <p:spPr>
+          <a:xfrm>
+            <a:off x="1097280" y="758952"/>
+            <a:ext cx="10058400" cy="3566160"/>
           </a:xfrm>
         </p:spPr>
         <p:txBody>
@@ -697,97 +782,207 @@
           </a:bodyPr>
           <a:lstStyle>
             <a:lvl1pPr algn="l">
-              <a:defRPr sz="5400"/>
-            </a:lvl1pPr>
-          </a:lstStyle>
-          <a:p>
-            <a:r>
-              <a:rPr lang="en-US" smtClean="0"/>
-              <a:t>Click to edit Master title style</a:t>
-            </a:r>
-            <a:endParaRPr lang="en-US" dirty="0"/>
-          </a:p>
-        </p:txBody>
-      </p:sp>
-      <p:sp>
-        <p:nvSpPr>
-          <p:cNvPr id="3" name="Subtitle 2"/>
-          <p:cNvSpPr>
-            <a:spLocks noGrp="1"/>
-          </p:cNvSpPr>
-          <p:nvPr>
-            <p:ph type="subTitle" idx="1"/>
-          </p:nvPr>
-        </p:nvSpPr>
-        <p:spPr>
-          <a:xfrm>
-            <a:off x="5638800" y="2895600"/>
-            <a:ext cx="5486400" cy="914400"/>
-          </a:xfrm>
-        </p:spPr>
-        <p:txBody>
-          <a:bodyPr/>
-          <a:lstStyle>
-            <a:lvl1pPr marL="0" indent="0" algn="l">
-              <a:spcBef>
-                <a:spcPts val="1200"/>
-              </a:spcBef>
-              <a:buNone/>
-              <a:defRPr sz="2400">
+              <a:lnSpc>
+                <a:spcPct val="85000"/>
+              </a:lnSpc>
+              <a:defRPr sz="8000" spc="-50" baseline="0">
                 <a:solidFill>
-                  <a:schemeClr val="bg2">
-                    <a:lumMod val="25000"/>
-                    <a:lumOff val="75000"/>
+                  <a:schemeClr val="tx1">
+                    <a:lumMod val="85000"/>
+                    <a:lumOff val="15000"/>
                   </a:schemeClr>
                 </a:solidFill>
               </a:defRPr>
             </a:lvl1pPr>
+          </a:lstStyle>
+          <a:p>
+            <a:r>
+              <a:rPr lang="en-US"/>
+              <a:t>Click to edit Master title style</a:t>
+            </a:r>
+            <a:endParaRPr lang="en-US" dirty="0"/>
+          </a:p>
+        </p:txBody>
+      </p:sp>
+      <p:sp>
+        <p:nvSpPr>
+          <p:cNvPr id="3" name="Subtitle 2"/>
+          <p:cNvSpPr>
+            <a:spLocks noGrp="1"/>
+          </p:cNvSpPr>
+          <p:nvPr>
+            <p:ph type="subTitle" idx="1"/>
+          </p:nvPr>
+        </p:nvSpPr>
+        <p:spPr>
+          <a:xfrm>
+            <a:off x="1100051" y="4455620"/>
+            <a:ext cx="10058400" cy="1143000"/>
+          </a:xfrm>
+        </p:spPr>
+        <p:txBody>
+          <a:bodyPr lIns="91440" rIns="91440">
+            <a:normAutofit/>
+          </a:bodyPr>
+          <a:lstStyle>
+            <a:lvl1pPr marL="0" indent="0" algn="l">
+              <a:buNone/>
+              <a:defRPr sz="2400" cap="all" spc="200" baseline="0">
+                <a:solidFill>
+                  <a:schemeClr val="tx2"/>
+                </a:solidFill>
+                <a:latin typeface="+mj-lt"/>
+              </a:defRPr>
+            </a:lvl1pPr>
             <a:lvl2pPr marL="457200" indent="0" algn="ctr">
               <a:buNone/>
-              <a:defRPr sz="2000"/>
+              <a:defRPr sz="2400"/>
             </a:lvl2pPr>
             <a:lvl3pPr marL="914400" indent="0" algn="ctr">
               <a:buNone/>
-              <a:defRPr sz="1800"/>
+              <a:defRPr sz="2400"/>
             </a:lvl3pPr>
             <a:lvl4pPr marL="1371600" indent="0" algn="ctr">
               <a:buNone/>
-              <a:defRPr sz="1600"/>
+              <a:defRPr sz="2000"/>
             </a:lvl4pPr>
             <a:lvl5pPr marL="1828800" indent="0" algn="ctr">
               <a:buNone/>
-              <a:defRPr sz="1600"/>
+              <a:defRPr sz="2000"/>
             </a:lvl5pPr>
             <a:lvl6pPr marL="2286000" indent="0" algn="ctr">
               <a:buNone/>
-              <a:defRPr sz="1600"/>
+              <a:defRPr sz="2000"/>
             </a:lvl6pPr>
             <a:lvl7pPr marL="2743200" indent="0" algn="ctr">
               <a:buNone/>
-              <a:defRPr sz="1600"/>
+              <a:defRPr sz="2000"/>
             </a:lvl7pPr>
             <a:lvl8pPr marL="3200400" indent="0" algn="ctr">
               <a:buNone/>
-              <a:defRPr sz="1600"/>
+              <a:defRPr sz="2000"/>
             </a:lvl8pPr>
             <a:lvl9pPr marL="3657600" indent="0" algn="ctr">
               <a:buNone/>
-              <a:defRPr sz="1600"/>
+              <a:defRPr sz="2000"/>
             </a:lvl9pPr>
           </a:lstStyle>
           <a:p>
             <a:r>
+              <a:rPr lang="en-US"/>
+              <a:t>Click to edit Master subtitle style</a:t>
+            </a:r>
+            <a:endParaRPr lang="en-US" dirty="0"/>
+          </a:p>
+        </p:txBody>
+      </p:sp>
+      <p:sp>
+        <p:nvSpPr>
+          <p:cNvPr id="4" name="Date Placeholder 3"/>
+          <p:cNvSpPr>
+            <a:spLocks noGrp="1"/>
+          </p:cNvSpPr>
+          <p:nvPr>
+            <p:ph type="dt" sz="half" idx="10"/>
+          </p:nvPr>
+        </p:nvSpPr>
+        <p:spPr/>
+        <p:txBody>
+          <a:bodyPr/>
+          <a:lstStyle/>
+          <a:p>
+            <a:fld id="{48A87A34-81AB-432B-8DAE-1953F412C126}" type="datetimeFigureOut">
               <a:rPr lang="en-US" smtClean="0"/>
-              <a:t>Click to edit Master subtitle style</a:t>
-            </a:r>
+              <a:t>4/26/17</a:t>
+            </a:fld>
             <a:endParaRPr lang="en-US" dirty="0"/>
           </a:p>
         </p:txBody>
       </p:sp>
+      <p:sp>
+        <p:nvSpPr>
+          <p:cNvPr id="5" name="Footer Placeholder 4"/>
+          <p:cNvSpPr>
+            <a:spLocks noGrp="1"/>
+          </p:cNvSpPr>
+          <p:nvPr>
+            <p:ph type="ftr" sz="quarter" idx="11"/>
+          </p:nvPr>
+        </p:nvSpPr>
+        <p:spPr/>
+        <p:txBody>
+          <a:bodyPr/>
+          <a:lstStyle/>
+          <a:p>
+            <a:endParaRPr lang="en-US" dirty="0"/>
+          </a:p>
+        </p:txBody>
+      </p:sp>
+      <p:sp>
+        <p:nvSpPr>
+          <p:cNvPr id="6" name="Slide Number Placeholder 5"/>
+          <p:cNvSpPr>
+            <a:spLocks noGrp="1"/>
+          </p:cNvSpPr>
+          <p:nvPr>
+            <p:ph type="sldNum" sz="quarter" idx="12"/>
+          </p:nvPr>
+        </p:nvSpPr>
+        <p:spPr/>
+        <p:txBody>
+          <a:bodyPr/>
+          <a:lstStyle/>
+          <a:p>
+            <a:fld id="{6D22F896-40B5-4ADD-8801-0D06FADFA095}" type="slidenum">
+              <a:rPr lang="en-US" smtClean="0"/>
+              <a:t>‹#›</a:t>
+            </a:fld>
+            <a:endParaRPr lang="en-US" dirty="0"/>
+          </a:p>
+        </p:txBody>
+      </p:sp>
+      <p:cxnSp>
+        <p:nvCxnSpPr>
+          <p:cNvPr id="9" name="Straight Connector 8"/>
+          <p:cNvCxnSpPr/>
+          <p:nvPr/>
+        </p:nvCxnSpPr>
+        <p:spPr>
+          <a:xfrm>
+            <a:off x="1207658" y="4343400"/>
+            <a:ext cx="9875520" cy="0"/>
+          </a:xfrm>
+          <a:prstGeom prst="line">
+            <a:avLst/>
+          </a:prstGeom>
+          <a:ln w="6350">
+            <a:solidFill>
+              <a:schemeClr val="tx1">
+                <a:lumMod val="50000"/>
+                <a:lumOff val="50000"/>
+              </a:schemeClr>
+            </a:solidFill>
+          </a:ln>
+        </p:spPr>
+        <p:style>
+          <a:lnRef idx="1">
+            <a:schemeClr val="accent1"/>
+          </a:lnRef>
+          <a:fillRef idx="0">
+            <a:schemeClr val="accent1"/>
+          </a:fillRef>
+          <a:effectRef idx="0">
+            <a:schemeClr val="accent1"/>
+          </a:effectRef>
+          <a:fontRef idx="minor">
+            <a:schemeClr val="tx1"/>
+          </a:fontRef>
+        </p:style>
+      </p:cxnSp>
     </p:spTree>
     <p:extLst>
       <p:ext uri="{BB962C8B-B14F-4D97-AF65-F5344CB8AC3E}">
-        <p14:creationId xmlns:p14="http://schemas.microsoft.com/office/powerpoint/2010/main" val="820533759"/>
+        <p14:creationId xmlns:p14="http://schemas.microsoft.com/office/powerpoint/2010/main" val="299018363"/>
       </p:ext>
     </p:extLst>
   </p:cSld>
@@ -842,10 +1037,10 @@
           <a:lstStyle/>
           <a:p>
             <a:r>
-              <a:rPr lang="en-US" smtClean="0"/>
+              <a:rPr lang="en-US"/>
               <a:t>Click to edit Master title style</a:t>
             </a:r>
-            <a:endParaRPr lang="en-US"/>
+            <a:endParaRPr lang="en-US" dirty="0"/>
           </a:p>
         </p:txBody>
       </p:sp>
@@ -861,54 +1056,54 @@
         </p:nvSpPr>
         <p:spPr/>
         <p:txBody>
-          <a:bodyPr vert="eaVert"/>
+          <a:bodyPr vert="eaVert" lIns="45720" tIns="0" rIns="45720" bIns="0"/>
           <a:lstStyle/>
           <a:p>
             <a:pPr lvl="0"/>
             <a:r>
-              <a:rPr lang="en-US" smtClean="0"/>
-              <a:t>Click to edit Master text styles</a:t>
+              <a:rPr lang="en-US"/>
+              <a:t>Edit Master text styles</a:t>
             </a:r>
           </a:p>
           <a:p>
             <a:pPr lvl="1"/>
             <a:r>
-              <a:rPr lang="en-US" smtClean="0"/>
+              <a:rPr lang="en-US"/>
               <a:t>Second level</a:t>
             </a:r>
           </a:p>
           <a:p>
             <a:pPr lvl="2"/>
             <a:r>
-              <a:rPr lang="en-US" smtClean="0"/>
+              <a:rPr lang="en-US"/>
               <a:t>Third level</a:t>
             </a:r>
           </a:p>
           <a:p>
             <a:pPr lvl="3"/>
             <a:r>
-              <a:rPr lang="en-US" smtClean="0"/>
+              <a:rPr lang="en-US"/>
               <a:t>Fourth level</a:t>
             </a:r>
           </a:p>
           <a:p>
             <a:pPr lvl="4"/>
             <a:r>
-              <a:rPr lang="en-US" smtClean="0"/>
+              <a:rPr lang="en-US"/>
               <a:t>Fifth level</a:t>
             </a:r>
-            <a:endParaRPr lang="en-US"/>
-          </a:p>
-        </p:txBody>
-      </p:sp>
-      <p:sp>
-        <p:nvSpPr>
-          <p:cNvPr id="5" name="Footer Placeholder 4"/>
-          <p:cNvSpPr>
-            <a:spLocks noGrp="1"/>
-          </p:cNvSpPr>
-          <p:nvPr>
-            <p:ph type="ftr" sz="quarter" idx="11"/>
+            <a:endParaRPr lang="en-US" dirty="0"/>
+          </a:p>
+        </p:txBody>
+      </p:sp>
+      <p:sp>
+        <p:nvSpPr>
+          <p:cNvPr id="4" name="Date Placeholder 3"/>
+          <p:cNvSpPr>
+            <a:spLocks noGrp="1"/>
+          </p:cNvSpPr>
+          <p:nvPr>
+            <p:ph type="dt" sz="half" idx="10"/>
           </p:nvPr>
         </p:nvSpPr>
         <p:spPr/>
@@ -916,21 +1111,22 @@
           <a:bodyPr/>
           <a:lstStyle/>
           <a:p>
-            <a:r>
-              <a:rPr lang="en-US" dirty="0"/>
-              <a:t>Add a footer</a:t>
-            </a:r>
-          </a:p>
-        </p:txBody>
-      </p:sp>
-      <p:sp>
-        <p:nvSpPr>
-          <p:cNvPr id="4" name="Date Placeholder 3"/>
-          <p:cNvSpPr>
-            <a:spLocks noGrp="1"/>
-          </p:cNvSpPr>
-          <p:nvPr>
-            <p:ph type="dt" sz="half" idx="10"/>
+            <a:fld id="{3762EC29-B8C5-4C7A-B6DA-418494D5CB21}" type="datetimeFigureOut">
+              <a:rPr lang="en-US" smtClean="0"/>
+              <a:t>4/26/17</a:t>
+            </a:fld>
+            <a:endParaRPr lang="en-US"/>
+          </a:p>
+        </p:txBody>
+      </p:sp>
+      <p:sp>
+        <p:nvSpPr>
+          <p:cNvPr id="5" name="Footer Placeholder 4"/>
+          <p:cNvSpPr>
+            <a:spLocks noGrp="1"/>
+          </p:cNvSpPr>
+          <p:nvPr>
+            <p:ph type="ftr" sz="quarter" idx="11"/>
           </p:nvPr>
         </p:nvSpPr>
         <p:spPr/>
@@ -938,11 +1134,11 @@
           <a:bodyPr/>
           <a:lstStyle/>
           <a:p>
-            <a:fld id="{3762EC29-B8C5-4C7A-B6DA-418494D5CB21}" type="datetimeFigureOut">
-              <a:rPr lang="en-US" smtClean="0"/>
-              <a:t>4/23/17</a:t>
-            </a:fld>
-            <a:endParaRPr lang="en-US"/>
+            <a:r>
+              <a:rPr lang="en-US"/>
+              <a:t>Add a footer</a:t>
+            </a:r>
+            <a:endParaRPr lang="en-US" dirty="0"/>
           </a:p>
         </p:txBody>
       </p:sp>
@@ -972,7 +1168,7 @@
     </p:spTree>
     <p:extLst>
       <p:ext uri="{BB962C8B-B14F-4D97-AF65-F5344CB8AC3E}">
-        <p14:creationId xmlns:p14="http://schemas.microsoft.com/office/powerpoint/2010/main" val="3174512682"/>
+        <p14:creationId xmlns:p14="http://schemas.microsoft.com/office/powerpoint/2010/main" val="3690798336"/>
       </p:ext>
     </p:extLst>
   </p:cSld>
@@ -995,7 +1191,7 @@
 </file>
 
 <file path=ppt/slideLayouts/slideLayout11.xml><?xml version="1.0" encoding="utf-8"?>
-<p:sldLayout xmlns:a="http://schemas.openxmlformats.org/drawingml/2006/main" xmlns:r="http://schemas.openxmlformats.org/officeDocument/2006/relationships" xmlns:p="http://schemas.openxmlformats.org/presentationml/2006/main" type="vertTitleAndTx" preserve="1">
+<p:sldLayout xmlns:a="http://schemas.openxmlformats.org/drawingml/2006/main" xmlns:r="http://schemas.openxmlformats.org/officeDocument/2006/relationships" xmlns:p="http://schemas.openxmlformats.org/presentationml/2006/main" showMasterSp="0" type="vertTitleAndTx" preserve="1">
   <p:cSld name="Vertical Title and Text">
     <p:spTree>
       <p:nvGrpSpPr>
@@ -1013,18 +1209,94 @@
       </p:grpSpPr>
       <p:sp>
         <p:nvSpPr>
-          <p:cNvPr id="2" name="Vertical Title 1"/>
-          <p:cNvSpPr>
-            <a:spLocks noGrp="1"/>
-          </p:cNvSpPr>
-          <p:nvPr>
-            <p:ph type="title" orient="vert"/>
-          </p:nvPr>
+          <p:cNvPr id="7" name="Rectangle 6"/>
+          <p:cNvSpPr/>
+          <p:nvPr/>
         </p:nvSpPr>
         <p:spPr>
           <a:xfrm>
-            <a:off x="9296400" y="365125"/>
-            <a:ext cx="1828800" cy="5654675"/>
+            <a:off x="3175" y="6400800"/>
+            <a:ext cx="12188825" cy="457200"/>
+          </a:xfrm>
+          <a:prstGeom prst="rect">
+            <a:avLst/>
+          </a:prstGeom>
+          <a:solidFill>
+            <a:schemeClr val="accent2"/>
+          </a:solidFill>
+          <a:ln>
+            <a:noFill/>
+          </a:ln>
+        </p:spPr>
+        <p:style>
+          <a:lnRef idx="2">
+            <a:schemeClr val="accent1">
+              <a:shade val="50000"/>
+            </a:schemeClr>
+          </a:lnRef>
+          <a:fillRef idx="1">
+            <a:schemeClr val="accent1"/>
+          </a:fillRef>
+          <a:effectRef idx="0">
+            <a:schemeClr val="accent1"/>
+          </a:effectRef>
+          <a:fontRef idx="minor">
+            <a:schemeClr val="lt1"/>
+          </a:fontRef>
+        </p:style>
+      </p:sp>
+      <p:sp>
+        <p:nvSpPr>
+          <p:cNvPr id="8" name="Rectangle 7"/>
+          <p:cNvSpPr/>
+          <p:nvPr/>
+        </p:nvSpPr>
+        <p:spPr>
+          <a:xfrm>
+            <a:off x="15" y="6334316"/>
+            <a:ext cx="12188825" cy="64008"/>
+          </a:xfrm>
+          <a:prstGeom prst="rect">
+            <a:avLst/>
+          </a:prstGeom>
+          <a:solidFill>
+            <a:schemeClr val="accent1"/>
+          </a:solidFill>
+          <a:ln>
+            <a:noFill/>
+          </a:ln>
+        </p:spPr>
+        <p:style>
+          <a:lnRef idx="2">
+            <a:schemeClr val="accent1">
+              <a:shade val="50000"/>
+            </a:schemeClr>
+          </a:lnRef>
+          <a:fillRef idx="1">
+            <a:schemeClr val="accent1"/>
+          </a:fillRef>
+          <a:effectRef idx="0">
+            <a:schemeClr val="accent1"/>
+          </a:effectRef>
+          <a:fontRef idx="minor">
+            <a:schemeClr val="lt1"/>
+          </a:fontRef>
+        </p:style>
+      </p:sp>
+      <p:sp>
+        <p:nvSpPr>
+          <p:cNvPr id="2" name="Vertical Title 1"/>
+          <p:cNvSpPr>
+            <a:spLocks noGrp="1"/>
+          </p:cNvSpPr>
+          <p:nvPr>
+            <p:ph type="title" orient="vert"/>
+          </p:nvPr>
+        </p:nvSpPr>
+        <p:spPr>
+          <a:xfrm>
+            <a:off x="8724900" y="414778"/>
+            <a:ext cx="2628900" cy="5757421"/>
           </a:xfrm>
         </p:spPr>
         <p:txBody>
@@ -1032,10 +1304,10 @@
           <a:lstStyle/>
           <a:p>
             <a:r>
-              <a:rPr lang="en-US" smtClean="0"/>
+              <a:rPr lang="en-US"/>
               <a:t>Click to edit Master title style</a:t>
             </a:r>
-            <a:endParaRPr lang="en-US"/>
+            <a:endParaRPr lang="en-US" dirty="0"/>
           </a:p>
         </p:txBody>
       </p:sp>
@@ -1051,59 +1323,59 @@
         </p:nvSpPr>
         <p:spPr>
           <a:xfrm>
-            <a:off x="1066800" y="365125"/>
-            <a:ext cx="8001000" cy="5654675"/>
+            <a:off x="838200" y="414778"/>
+            <a:ext cx="7734300" cy="5757422"/>
           </a:xfrm>
         </p:spPr>
         <p:txBody>
-          <a:bodyPr vert="eaVert"/>
+          <a:bodyPr vert="eaVert" lIns="45720" tIns="0" rIns="45720" bIns="0"/>
           <a:lstStyle/>
           <a:p>
             <a:pPr lvl="0"/>
             <a:r>
-              <a:rPr lang="en-US" smtClean="0"/>
-              <a:t>Click to edit Master text styles</a:t>
+              <a:rPr lang="en-US"/>
+              <a:t>Edit Master text styles</a:t>
             </a:r>
           </a:p>
           <a:p>
             <a:pPr lvl="1"/>
             <a:r>
-              <a:rPr lang="en-US" smtClean="0"/>
+              <a:rPr lang="en-US"/>
               <a:t>Second level</a:t>
             </a:r>
           </a:p>
           <a:p>
             <a:pPr lvl="2"/>
             <a:r>
-              <a:rPr lang="en-US" smtClean="0"/>
+              <a:rPr lang="en-US"/>
               <a:t>Third level</a:t>
             </a:r>
           </a:p>
           <a:p>
             <a:pPr lvl="3"/>
             <a:r>
-              <a:rPr lang="en-US" smtClean="0"/>
+              <a:rPr lang="en-US"/>
               <a:t>Fourth level</a:t>
             </a:r>
           </a:p>
           <a:p>
             <a:pPr lvl="4"/>
             <a:r>
-              <a:rPr lang="en-US" smtClean="0"/>
+              <a:rPr lang="en-US"/>
               <a:t>Fifth level</a:t>
             </a:r>
-            <a:endParaRPr lang="en-US"/>
-          </a:p>
-        </p:txBody>
-      </p:sp>
-      <p:sp>
-        <p:nvSpPr>
-          <p:cNvPr id="5" name="Footer Placeholder 4"/>
-          <p:cNvSpPr>
-            <a:spLocks noGrp="1"/>
-          </p:cNvSpPr>
-          <p:nvPr>
-            <p:ph type="ftr" sz="quarter" idx="11"/>
+            <a:endParaRPr lang="en-US" dirty="0"/>
+          </a:p>
+        </p:txBody>
+      </p:sp>
+      <p:sp>
+        <p:nvSpPr>
+          <p:cNvPr id="4" name="Date Placeholder 3"/>
+          <p:cNvSpPr>
+            <a:spLocks noGrp="1"/>
+          </p:cNvSpPr>
+          <p:nvPr>
+            <p:ph type="dt" sz="half" idx="10"/>
           </p:nvPr>
         </p:nvSpPr>
         <p:spPr/>
@@ -1111,21 +1383,22 @@
           <a:bodyPr/>
           <a:lstStyle/>
           <a:p>
-            <a:r>
-              <a:rPr lang="en-US" dirty="0"/>
-              <a:t>Add a footer</a:t>
-            </a:r>
-          </a:p>
-        </p:txBody>
-      </p:sp>
-      <p:sp>
-        <p:nvSpPr>
-          <p:cNvPr id="4" name="Date Placeholder 3"/>
-          <p:cNvSpPr>
-            <a:spLocks noGrp="1"/>
-          </p:cNvSpPr>
-          <p:nvPr>
-            <p:ph type="dt" sz="half" idx="10"/>
+            <a:fld id="{3762EC29-B8C5-4C7A-B6DA-418494D5CB21}" type="datetimeFigureOut">
+              <a:rPr lang="en-US" smtClean="0"/>
+              <a:t>4/26/17</a:t>
+            </a:fld>
+            <a:endParaRPr lang="en-US"/>
+          </a:p>
+        </p:txBody>
+      </p:sp>
+      <p:sp>
+        <p:nvSpPr>
+          <p:cNvPr id="5" name="Footer Placeholder 4"/>
+          <p:cNvSpPr>
+            <a:spLocks noGrp="1"/>
+          </p:cNvSpPr>
+          <p:nvPr>
+            <p:ph type="ftr" sz="quarter" idx="11"/>
           </p:nvPr>
         </p:nvSpPr>
         <p:spPr/>
@@ -1133,11 +1406,11 @@
           <a:bodyPr/>
           <a:lstStyle/>
           <a:p>
-            <a:fld id="{3762EC29-B8C5-4C7A-B6DA-418494D5CB21}" type="datetimeFigureOut">
-              <a:rPr lang="en-US" smtClean="0"/>
-              <a:t>4/23/17</a:t>
-            </a:fld>
-            <a:endParaRPr lang="en-US"/>
+            <a:r>
+              <a:rPr lang="en-US"/>
+              <a:t>Add a footer</a:t>
+            </a:r>
+            <a:endParaRPr lang="en-US" dirty="0"/>
           </a:p>
         </p:txBody>
       </p:sp>
@@ -1167,7 +1440,7 @@
     </p:spTree>
     <p:extLst>
       <p:ext uri="{BB962C8B-B14F-4D97-AF65-F5344CB8AC3E}">
-        <p14:creationId xmlns:p14="http://schemas.microsoft.com/office/powerpoint/2010/main" val="447379043"/>
+        <p14:creationId xmlns:p14="http://schemas.microsoft.com/office/powerpoint/2010/main" val="2373617553"/>
       </p:ext>
     </p:extLst>
   </p:cSld>
@@ -1219,13 +1492,17 @@
         <p:spPr/>
         <p:txBody>
           <a:bodyPr/>
-          <a:lstStyle/>
-          <a:p>
-            <a:r>
-              <a:rPr lang="en-US" smtClean="0"/>
+          <a:lstStyle>
+            <a:lvl1pPr marL="0">
+              <a:defRPr/>
+            </a:lvl1pPr>
+          </a:lstStyle>
+          <a:p>
+            <a:r>
+              <a:rPr lang="en-US"/>
               <a:t>Click to edit Master title style</a:t>
             </a:r>
-            <a:endParaRPr lang="en-US"/>
+            <a:endParaRPr lang="en-US" dirty="0"/>
           </a:p>
         </p:txBody>
       </p:sp>
@@ -1246,49 +1523,49 @@
           <a:p>
             <a:pPr lvl="0"/>
             <a:r>
-              <a:rPr lang="en-US" smtClean="0"/>
-              <a:t>Click to edit Master text styles</a:t>
+              <a:rPr lang="en-US"/>
+              <a:t>Edit Master text styles</a:t>
             </a:r>
           </a:p>
           <a:p>
             <a:pPr lvl="1"/>
             <a:r>
-              <a:rPr lang="en-US" smtClean="0"/>
+              <a:rPr lang="en-US"/>
               <a:t>Second level</a:t>
             </a:r>
           </a:p>
           <a:p>
             <a:pPr lvl="2"/>
             <a:r>
-              <a:rPr lang="en-US" smtClean="0"/>
+              <a:rPr lang="en-US"/>
               <a:t>Third level</a:t>
             </a:r>
           </a:p>
           <a:p>
             <a:pPr lvl="3"/>
             <a:r>
-              <a:rPr lang="en-US" smtClean="0"/>
+              <a:rPr lang="en-US"/>
               <a:t>Fourth level</a:t>
             </a:r>
           </a:p>
           <a:p>
             <a:pPr lvl="4"/>
             <a:r>
-              <a:rPr lang="en-US" smtClean="0"/>
+              <a:rPr lang="en-US"/>
               <a:t>Fifth level</a:t>
             </a:r>
-            <a:endParaRPr lang="en-US"/>
-          </a:p>
-        </p:txBody>
-      </p:sp>
-      <p:sp>
-        <p:nvSpPr>
-          <p:cNvPr id="5" name="Footer Placeholder 4"/>
-          <p:cNvSpPr>
-            <a:spLocks noGrp="1"/>
-          </p:cNvSpPr>
-          <p:nvPr>
-            <p:ph type="ftr" sz="quarter" idx="11"/>
+            <a:endParaRPr lang="en-US" dirty="0"/>
+          </a:p>
+        </p:txBody>
+      </p:sp>
+      <p:sp>
+        <p:nvSpPr>
+          <p:cNvPr id="4" name="Date Placeholder 3"/>
+          <p:cNvSpPr>
+            <a:spLocks noGrp="1"/>
+          </p:cNvSpPr>
+          <p:nvPr>
+            <p:ph type="dt" sz="half" idx="10"/>
           </p:nvPr>
         </p:nvSpPr>
         <p:spPr/>
@@ -1296,21 +1573,22 @@
           <a:bodyPr/>
           <a:lstStyle/>
           <a:p>
-            <a:r>
-              <a:rPr lang="en-US" dirty="0"/>
-              <a:t>Add a footer</a:t>
-            </a:r>
-          </a:p>
-        </p:txBody>
-      </p:sp>
-      <p:sp>
-        <p:nvSpPr>
-          <p:cNvPr id="4" name="Date Placeholder 3"/>
-          <p:cNvSpPr>
-            <a:spLocks noGrp="1"/>
-          </p:cNvSpPr>
-          <p:nvPr>
-            <p:ph type="dt" sz="half" idx="10"/>
+            <a:fld id="{3762EC29-B8C5-4C7A-B6DA-418494D5CB21}" type="datetimeFigureOut">
+              <a:rPr lang="en-US" smtClean="0"/>
+              <a:t>4/26/17</a:t>
+            </a:fld>
+            <a:endParaRPr lang="en-US"/>
+          </a:p>
+        </p:txBody>
+      </p:sp>
+      <p:sp>
+        <p:nvSpPr>
+          <p:cNvPr id="5" name="Footer Placeholder 4"/>
+          <p:cNvSpPr>
+            <a:spLocks noGrp="1"/>
+          </p:cNvSpPr>
+          <p:nvPr>
+            <p:ph type="ftr" sz="quarter" idx="11"/>
           </p:nvPr>
         </p:nvSpPr>
         <p:spPr/>
@@ -1318,11 +1596,11 @@
           <a:bodyPr/>
           <a:lstStyle/>
           <a:p>
-            <a:fld id="{3762EC29-B8C5-4C7A-B6DA-418494D5CB21}" type="datetimeFigureOut">
-              <a:rPr lang="en-US" smtClean="0"/>
-              <a:t>4/23/17</a:t>
-            </a:fld>
-            <a:endParaRPr lang="en-US"/>
+            <a:r>
+              <a:rPr lang="en-US"/>
+              <a:t>Add a footer</a:t>
+            </a:r>
+            <a:endParaRPr lang="en-US" dirty="0"/>
           </a:p>
         </p:txBody>
       </p:sp>
@@ -1352,7 +1630,7 @@
     </p:spTree>
     <p:extLst>
       <p:ext uri="{BB962C8B-B14F-4D97-AF65-F5344CB8AC3E}">
-        <p14:creationId xmlns:p14="http://schemas.microsoft.com/office/powerpoint/2010/main" val="3273009754"/>
+        <p14:creationId xmlns:p14="http://schemas.microsoft.com/office/powerpoint/2010/main" val="2526678248"/>
       </p:ext>
     </p:extLst>
   </p:cSld>
@@ -1375,8 +1653,16 @@
 </file>
 
 <file path=ppt/slideLayouts/slideLayout3.xml><?xml version="1.0" encoding="utf-8"?>
-<p:sldLayout xmlns:a="http://schemas.openxmlformats.org/drawingml/2006/main" xmlns:r="http://schemas.openxmlformats.org/officeDocument/2006/relationships" xmlns:p="http://schemas.openxmlformats.org/presentationml/2006/main" type="secHead" preserve="1">
+<p:sldLayout xmlns:a="http://schemas.openxmlformats.org/drawingml/2006/main" xmlns:r="http://schemas.openxmlformats.org/officeDocument/2006/relationships" xmlns:p="http://schemas.openxmlformats.org/presentationml/2006/main" showMasterSp="0" type="secHead" preserve="1">
   <p:cSld name="Section Header">
+    <p:bg>
+      <p:bgPr>
+        <a:solidFill>
+          <a:schemeClr val="bg1"/>
+        </a:solidFill>
+        <a:effectLst/>
+      </p:bgPr>
+    </p:bg>
     <p:spTree>
       <p:nvGrpSpPr>
         <p:cNvPr id="1" name=""/>
@@ -1393,73 +1679,157 @@
       </p:grpSpPr>
       <p:sp>
         <p:nvSpPr>
-          <p:cNvPr id="2" name="Title 1"/>
-          <p:cNvSpPr>
-            <a:spLocks noGrp="1"/>
-          </p:cNvSpPr>
-          <p:nvPr>
-            <p:ph type="title"/>
-          </p:nvPr>
+          <p:cNvPr id="7" name="Rectangle 6"/>
+          <p:cNvSpPr/>
+          <p:nvPr/>
         </p:nvSpPr>
         <p:spPr>
           <a:xfrm>
-            <a:off x="1060450" y="1676401"/>
-            <a:ext cx="10058400" cy="1752600"/>
+            <a:off x="3175" y="6400800"/>
+            <a:ext cx="12188825" cy="457200"/>
+          </a:xfrm>
+          <a:prstGeom prst="rect">
+            <a:avLst/>
+          </a:prstGeom>
+          <a:solidFill>
+            <a:schemeClr val="accent2"/>
+          </a:solidFill>
+          <a:ln>
+            <a:noFill/>
+          </a:ln>
+        </p:spPr>
+        <p:style>
+          <a:lnRef idx="2">
+            <a:schemeClr val="accent1">
+              <a:shade val="50000"/>
+            </a:schemeClr>
+          </a:lnRef>
+          <a:fillRef idx="1">
+            <a:schemeClr val="accent1"/>
+          </a:fillRef>
+          <a:effectRef idx="0">
+            <a:schemeClr val="accent1"/>
+          </a:effectRef>
+          <a:fontRef idx="minor">
+            <a:schemeClr val="lt1"/>
+          </a:fontRef>
+        </p:style>
+      </p:sp>
+      <p:sp>
+        <p:nvSpPr>
+          <p:cNvPr id="8" name="Rectangle 7"/>
+          <p:cNvSpPr/>
+          <p:nvPr/>
+        </p:nvSpPr>
+        <p:spPr>
+          <a:xfrm>
+            <a:off x="15" y="6334316"/>
+            <a:ext cx="12188825" cy="64008"/>
+          </a:xfrm>
+          <a:prstGeom prst="rect">
+            <a:avLst/>
+          </a:prstGeom>
+          <a:solidFill>
+            <a:schemeClr val="accent1"/>
+          </a:solidFill>
+          <a:ln>
+            <a:noFill/>
+          </a:ln>
+        </p:spPr>
+        <p:style>
+          <a:lnRef idx="2">
+            <a:schemeClr val="accent1">
+              <a:shade val="50000"/>
+            </a:schemeClr>
+          </a:lnRef>
+          <a:fillRef idx="1">
+            <a:schemeClr val="accent1"/>
+          </a:fillRef>
+          <a:effectRef idx="0">
+            <a:schemeClr val="accent1"/>
+          </a:effectRef>
+          <a:fontRef idx="minor">
+            <a:schemeClr val="lt1"/>
+          </a:fontRef>
+        </p:style>
+      </p:sp>
+      <p:sp>
+        <p:nvSpPr>
+          <p:cNvPr id="2" name="Title 1"/>
+          <p:cNvSpPr>
+            <a:spLocks noGrp="1"/>
+          </p:cNvSpPr>
+          <p:nvPr>
+            <p:ph type="title"/>
+          </p:nvPr>
+        </p:nvSpPr>
+        <p:spPr>
+          <a:xfrm>
+            <a:off x="1097280" y="758952"/>
+            <a:ext cx="10058400" cy="3566160"/>
           </a:xfrm>
         </p:spPr>
         <p:txBody>
-          <a:bodyPr anchor="b">
+          <a:bodyPr anchor="b" anchorCtr="0">
             <a:normAutofit/>
           </a:bodyPr>
           <a:lstStyle>
             <a:lvl1pPr>
-              <a:defRPr sz="4800"/>
-            </a:lvl1pPr>
-          </a:lstStyle>
-          <a:p>
-            <a:r>
-              <a:rPr lang="en-US" smtClean="0"/>
-              <a:t>Click to edit Master title style</a:t>
-            </a:r>
-            <a:endParaRPr lang="en-US"/>
-          </a:p>
-        </p:txBody>
-      </p:sp>
-      <p:sp>
-        <p:nvSpPr>
-          <p:cNvPr id="3" name="Text Placeholder 2"/>
-          <p:cNvSpPr>
-            <a:spLocks noGrp="1"/>
-          </p:cNvSpPr>
-          <p:nvPr>
-            <p:ph type="body" idx="1"/>
-          </p:nvPr>
-        </p:nvSpPr>
-        <p:spPr>
-          <a:xfrm>
-            <a:off x="1060450" y="3581400"/>
-            <a:ext cx="10058400" cy="1143000"/>
-          </a:xfrm>
-        </p:spPr>
-        <p:txBody>
-          <a:bodyPr/>
-          <a:lstStyle>
-            <a:lvl1pPr marL="0" indent="0">
-              <a:spcBef>
-                <a:spcPts val="1200"/>
-              </a:spcBef>
-              <a:buNone/>
-              <a:defRPr sz="2400">
+              <a:lnSpc>
+                <a:spcPct val="85000"/>
+              </a:lnSpc>
+              <a:defRPr sz="8000" b="0">
                 <a:solidFill>
                   <a:schemeClr val="tx1">
-                    <a:tint val="75000"/>
+                    <a:lumMod val="85000"/>
+                    <a:lumOff val="15000"/>
                   </a:schemeClr>
                 </a:solidFill>
               </a:defRPr>
             </a:lvl1pPr>
+          </a:lstStyle>
+          <a:p>
+            <a:r>
+              <a:rPr lang="en-US"/>
+              <a:t>Click to edit Master title style</a:t>
+            </a:r>
+            <a:endParaRPr lang="en-US" dirty="0"/>
+          </a:p>
+        </p:txBody>
+      </p:sp>
+      <p:sp>
+        <p:nvSpPr>
+          <p:cNvPr id="3" name="Text Placeholder 2"/>
+          <p:cNvSpPr>
+            <a:spLocks noGrp="1"/>
+          </p:cNvSpPr>
+          <p:nvPr>
+            <p:ph type="body" idx="1"/>
+          </p:nvPr>
+        </p:nvSpPr>
+        <p:spPr>
+          <a:xfrm>
+            <a:off x="1097280" y="4453128"/>
+            <a:ext cx="10058400" cy="1143000"/>
+          </a:xfrm>
+        </p:spPr>
+        <p:txBody>
+          <a:bodyPr lIns="91440" rIns="91440" anchor="t" anchorCtr="0">
+            <a:normAutofit/>
+          </a:bodyPr>
+          <a:lstStyle>
+            <a:lvl1pPr marL="0" indent="0">
+              <a:buNone/>
+              <a:defRPr sz="2400" cap="all" spc="200" baseline="0">
+                <a:solidFill>
+                  <a:schemeClr val="tx2"/>
+                </a:solidFill>
+                <a:latin typeface="+mj-lt"/>
+              </a:defRPr>
+            </a:lvl1pPr>
             <a:lvl2pPr marL="457200" indent="0">
               <a:buNone/>
-              <a:defRPr sz="2000">
+              <a:defRPr sz="1800">
                 <a:solidFill>
                   <a:schemeClr val="tx1">
                     <a:tint val="75000"/>
@@ -1469,7 +1839,7 @@
             </a:lvl2pPr>
             <a:lvl3pPr marL="914400" indent="0">
               <a:buNone/>
-              <a:defRPr sz="1800">
+              <a:defRPr sz="1600">
                 <a:solidFill>
                   <a:schemeClr val="tx1">
                     <a:tint val="75000"/>
@@ -1479,7 +1849,7 @@
             </a:lvl3pPr>
             <a:lvl4pPr marL="1371600" indent="0">
               <a:buNone/>
-              <a:defRPr sz="1600">
+              <a:defRPr sz="1400">
                 <a:solidFill>
                   <a:schemeClr val="tx1">
                     <a:tint val="75000"/>
@@ -1489,7 +1859,7 @@
             </a:lvl4pPr>
             <a:lvl5pPr marL="1828800" indent="0">
               <a:buNone/>
-              <a:defRPr sz="1600">
+              <a:defRPr sz="1400">
                 <a:solidFill>
                   <a:schemeClr val="tx1">
                     <a:tint val="75000"/>
@@ -1499,7 +1869,7 @@
             </a:lvl5pPr>
             <a:lvl6pPr marL="2286000" indent="0">
               <a:buNone/>
-              <a:defRPr sz="1600">
+              <a:defRPr sz="1400">
                 <a:solidFill>
                   <a:schemeClr val="tx1">
                     <a:tint val="75000"/>
@@ -1509,7 +1879,7 @@
             </a:lvl6pPr>
             <a:lvl7pPr marL="2743200" indent="0">
               <a:buNone/>
-              <a:defRPr sz="1600">
+              <a:defRPr sz="1400">
                 <a:solidFill>
                   <a:schemeClr val="tx1">
                     <a:tint val="75000"/>
@@ -1519,7 +1889,7 @@
             </a:lvl7pPr>
             <a:lvl8pPr marL="3200400" indent="0">
               <a:buNone/>
-              <a:defRPr sz="1600">
+              <a:defRPr sz="1400">
                 <a:solidFill>
                   <a:schemeClr val="tx1">
                     <a:tint val="75000"/>
@@ -1529,7 +1899,7 @@
             </a:lvl8pPr>
             <a:lvl9pPr marL="3657600" indent="0">
               <a:buNone/>
-              <a:defRPr sz="1600">
+              <a:defRPr sz="1400">
                 <a:solidFill>
                   <a:schemeClr val="tx1">
                     <a:tint val="75000"/>
@@ -1541,20 +1911,20 @@
           <a:p>
             <a:pPr lvl="0"/>
             <a:r>
-              <a:rPr lang="en-US" smtClean="0"/>
-              <a:t>Click to edit Master text styles</a:t>
-            </a:r>
-          </a:p>
-        </p:txBody>
-      </p:sp>
-      <p:sp>
-        <p:nvSpPr>
-          <p:cNvPr id="5" name="Footer Placeholder 4"/>
-          <p:cNvSpPr>
-            <a:spLocks noGrp="1"/>
-          </p:cNvSpPr>
-          <p:nvPr>
-            <p:ph type="ftr" sz="quarter" idx="11"/>
+              <a:rPr lang="en-US"/>
+              <a:t>Edit Master text styles</a:t>
+            </a:r>
+          </a:p>
+        </p:txBody>
+      </p:sp>
+      <p:sp>
+        <p:nvSpPr>
+          <p:cNvPr id="4" name="Date Placeholder 3"/>
+          <p:cNvSpPr>
+            <a:spLocks noGrp="1"/>
+          </p:cNvSpPr>
+          <p:nvPr>
+            <p:ph type="dt" sz="half" idx="10"/>
           </p:nvPr>
         </p:nvSpPr>
         <p:spPr/>
@@ -1562,21 +1932,22 @@
           <a:bodyPr/>
           <a:lstStyle/>
           <a:p>
-            <a:r>
-              <a:rPr lang="en-US" dirty="0"/>
-              <a:t>Add a footer</a:t>
-            </a:r>
-          </a:p>
-        </p:txBody>
-      </p:sp>
-      <p:sp>
-        <p:nvSpPr>
-          <p:cNvPr id="4" name="Date Placeholder 3"/>
-          <p:cNvSpPr>
-            <a:spLocks noGrp="1"/>
-          </p:cNvSpPr>
-          <p:nvPr>
-            <p:ph type="dt" sz="half" idx="10"/>
+            <a:fld id="{3762EC29-B8C5-4C7A-B6DA-418494D5CB21}" type="datetimeFigureOut">
+              <a:rPr lang="en-US" smtClean="0"/>
+              <a:t>4/26/17</a:t>
+            </a:fld>
+            <a:endParaRPr lang="en-US"/>
+          </a:p>
+        </p:txBody>
+      </p:sp>
+      <p:sp>
+        <p:nvSpPr>
+          <p:cNvPr id="5" name="Footer Placeholder 4"/>
+          <p:cNvSpPr>
+            <a:spLocks noGrp="1"/>
+          </p:cNvSpPr>
+          <p:nvPr>
+            <p:ph type="ftr" sz="quarter" idx="11"/>
           </p:nvPr>
         </p:nvSpPr>
         <p:spPr/>
@@ -1584,11 +1955,11 @@
           <a:bodyPr/>
           <a:lstStyle/>
           <a:p>
-            <a:fld id="{3762EC29-B8C5-4C7A-B6DA-418494D5CB21}" type="datetimeFigureOut">
-              <a:rPr lang="en-US" smtClean="0"/>
-              <a:t>4/23/17</a:t>
-            </a:fld>
-            <a:endParaRPr lang="en-US"/>
+            <a:r>
+              <a:rPr lang="en-US"/>
+              <a:t>Add a footer</a:t>
+            </a:r>
+            <a:endParaRPr lang="en-US" dirty="0"/>
           </a:p>
         </p:txBody>
       </p:sp>
@@ -1615,10 +1986,48 @@
           </a:p>
         </p:txBody>
       </p:sp>
+      <p:cxnSp>
+        <p:nvCxnSpPr>
+          <p:cNvPr id="9" name="Straight Connector 8"/>
+          <p:cNvCxnSpPr/>
+          <p:nvPr/>
+        </p:nvCxnSpPr>
+        <p:spPr>
+          <a:xfrm>
+            <a:off x="1207658" y="4343400"/>
+            <a:ext cx="9875520" cy="0"/>
+          </a:xfrm>
+          <a:prstGeom prst="line">
+            <a:avLst/>
+          </a:prstGeom>
+          <a:ln w="6350">
+            <a:solidFill>
+              <a:schemeClr val="tx1">
+                <a:lumMod val="50000"/>
+                <a:lumOff val="50000"/>
+              </a:schemeClr>
+            </a:solidFill>
+          </a:ln>
+        </p:spPr>
+        <p:style>
+          <a:lnRef idx="1">
+            <a:schemeClr val="accent1"/>
+          </a:lnRef>
+          <a:fillRef idx="0">
+            <a:schemeClr val="accent1"/>
+          </a:fillRef>
+          <a:effectRef idx="0">
+            <a:schemeClr val="accent1"/>
+          </a:effectRef>
+          <a:fontRef idx="minor">
+            <a:schemeClr val="tx1"/>
+          </a:fontRef>
+        </p:style>
+      </p:cxnSp>
     </p:spTree>
     <p:extLst>
       <p:ext uri="{BB962C8B-B14F-4D97-AF65-F5344CB8AC3E}">
-        <p14:creationId xmlns:p14="http://schemas.microsoft.com/office/powerpoint/2010/main" val="415665522"/>
+        <p14:creationId xmlns:p14="http://schemas.microsoft.com/office/powerpoint/2010/main" val="1275638612"/>
       </p:ext>
     </p:extLst>
   </p:cSld>
@@ -1659,7 +2068,7 @@
       </p:grpSpPr>
       <p:sp>
         <p:nvSpPr>
-          <p:cNvPr id="2" name="Title 1"/>
+          <p:cNvPr id="8" name="Title 7"/>
           <p:cNvSpPr>
             <a:spLocks noGrp="1"/>
           </p:cNvSpPr>
@@ -1667,16 +2076,21 @@
             <p:ph type="title"/>
           </p:nvPr>
         </p:nvSpPr>
-        <p:spPr/>
+        <p:spPr>
+          <a:xfrm>
+            <a:off x="1097280" y="286603"/>
+            <a:ext cx="10058400" cy="1450757"/>
+          </a:xfrm>
+        </p:spPr>
         <p:txBody>
           <a:bodyPr/>
           <a:lstStyle/>
           <a:p>
             <a:r>
-              <a:rPr lang="en-US" smtClean="0"/>
+              <a:rPr lang="en-US"/>
               <a:t>Click to edit Master title style</a:t>
             </a:r>
-            <a:endParaRPr lang="en-US"/>
+            <a:endParaRPr lang="en-US" dirty="0"/>
           </a:p>
         </p:txBody>
       </p:sp>
@@ -1692,8 +2106,8 @@
         </p:nvSpPr>
         <p:spPr>
           <a:xfrm>
-            <a:off x="1066800" y="1676401"/>
-            <a:ext cx="4846320" cy="4343400"/>
+            <a:off x="1097279" y="1845734"/>
+            <a:ext cx="4937760" cy="4023360"/>
           </a:xfrm>
         </p:spPr>
         <p:txBody>
@@ -1702,38 +2116,38 @@
           <a:p>
             <a:pPr lvl="0"/>
             <a:r>
-              <a:rPr lang="en-US" smtClean="0"/>
-              <a:t>Click to edit Master text styles</a:t>
+              <a:rPr lang="en-US"/>
+              <a:t>Edit Master text styles</a:t>
             </a:r>
           </a:p>
           <a:p>
             <a:pPr lvl="1"/>
             <a:r>
-              <a:rPr lang="en-US" smtClean="0"/>
+              <a:rPr lang="en-US"/>
               <a:t>Second level</a:t>
             </a:r>
           </a:p>
           <a:p>
             <a:pPr lvl="2"/>
             <a:r>
-              <a:rPr lang="en-US" smtClean="0"/>
+              <a:rPr lang="en-US"/>
               <a:t>Third level</a:t>
             </a:r>
           </a:p>
           <a:p>
             <a:pPr lvl="3"/>
             <a:r>
-              <a:rPr lang="en-US" smtClean="0"/>
+              <a:rPr lang="en-US"/>
               <a:t>Fourth level</a:t>
             </a:r>
           </a:p>
           <a:p>
             <a:pPr lvl="4"/>
             <a:r>
-              <a:rPr lang="en-US" smtClean="0"/>
+              <a:rPr lang="en-US"/>
               <a:t>Fifth level</a:t>
             </a:r>
-            <a:endParaRPr lang="en-US"/>
+            <a:endParaRPr lang="en-US" dirty="0"/>
           </a:p>
         </p:txBody>
       </p:sp>
@@ -1749,8 +2163,8 @@
         </p:nvSpPr>
         <p:spPr>
           <a:xfrm>
-            <a:off x="6278880" y="1676401"/>
-            <a:ext cx="4846320" cy="4343400"/>
+            <a:off x="6217920" y="1845735"/>
+            <a:ext cx="4937760" cy="4023360"/>
           </a:xfrm>
         </p:spPr>
         <p:txBody>
@@ -1759,49 +2173,49 @@
           <a:p>
             <a:pPr lvl="0"/>
             <a:r>
-              <a:rPr lang="en-US" smtClean="0"/>
-              <a:t>Click to edit Master text styles</a:t>
+              <a:rPr lang="en-US"/>
+              <a:t>Edit Master text styles</a:t>
             </a:r>
           </a:p>
           <a:p>
             <a:pPr lvl="1"/>
             <a:r>
-              <a:rPr lang="en-US" smtClean="0"/>
+              <a:rPr lang="en-US"/>
               <a:t>Second level</a:t>
             </a:r>
           </a:p>
           <a:p>
             <a:pPr lvl="2"/>
             <a:r>
-              <a:rPr lang="en-US" smtClean="0"/>
+              <a:rPr lang="en-US"/>
               <a:t>Third level</a:t>
             </a:r>
           </a:p>
           <a:p>
             <a:pPr lvl="3"/>
             <a:r>
-              <a:rPr lang="en-US" smtClean="0"/>
+              <a:rPr lang="en-US"/>
               <a:t>Fourth level</a:t>
             </a:r>
           </a:p>
           <a:p>
             <a:pPr lvl="4"/>
             <a:r>
-              <a:rPr lang="en-US" smtClean="0"/>
+              <a:rPr lang="en-US"/>
               <a:t>Fifth level</a:t>
             </a:r>
-            <a:endParaRPr lang="en-US"/>
-          </a:p>
-        </p:txBody>
-      </p:sp>
-      <p:sp>
-        <p:nvSpPr>
-          <p:cNvPr id="6" name="Footer Placeholder 5"/>
-          <p:cNvSpPr>
-            <a:spLocks noGrp="1"/>
-          </p:cNvSpPr>
-          <p:nvPr>
-            <p:ph type="ftr" sz="quarter" idx="11"/>
+            <a:endParaRPr lang="en-US" dirty="0"/>
+          </a:p>
+        </p:txBody>
+      </p:sp>
+      <p:sp>
+        <p:nvSpPr>
+          <p:cNvPr id="5" name="Date Placeholder 4"/>
+          <p:cNvSpPr>
+            <a:spLocks noGrp="1"/>
+          </p:cNvSpPr>
+          <p:nvPr>
+            <p:ph type="dt" sz="half" idx="10"/>
           </p:nvPr>
         </p:nvSpPr>
         <p:spPr/>
@@ -1809,21 +2223,22 @@
           <a:bodyPr/>
           <a:lstStyle/>
           <a:p>
-            <a:r>
-              <a:rPr lang="en-US" dirty="0"/>
-              <a:t>Add a footer</a:t>
-            </a:r>
-          </a:p>
-        </p:txBody>
-      </p:sp>
-      <p:sp>
-        <p:nvSpPr>
-          <p:cNvPr id="5" name="Date Placeholder 4"/>
-          <p:cNvSpPr>
-            <a:spLocks noGrp="1"/>
-          </p:cNvSpPr>
-          <p:nvPr>
-            <p:ph type="dt" sz="half" idx="10"/>
+            <a:fld id="{3762EC29-B8C5-4C7A-B6DA-418494D5CB21}" type="datetimeFigureOut">
+              <a:rPr lang="en-US" smtClean="0"/>
+              <a:t>4/26/17</a:t>
+            </a:fld>
+            <a:endParaRPr lang="en-US"/>
+          </a:p>
+        </p:txBody>
+      </p:sp>
+      <p:sp>
+        <p:nvSpPr>
+          <p:cNvPr id="6" name="Footer Placeholder 5"/>
+          <p:cNvSpPr>
+            <a:spLocks noGrp="1"/>
+          </p:cNvSpPr>
+          <p:nvPr>
+            <p:ph type="ftr" sz="quarter" idx="11"/>
           </p:nvPr>
         </p:nvSpPr>
         <p:spPr/>
@@ -1831,11 +2246,11 @@
           <a:bodyPr/>
           <a:lstStyle/>
           <a:p>
-            <a:fld id="{3762EC29-B8C5-4C7A-B6DA-418494D5CB21}" type="datetimeFigureOut">
-              <a:rPr lang="en-US" smtClean="0"/>
-              <a:t>4/23/17</a:t>
-            </a:fld>
-            <a:endParaRPr lang="en-US"/>
+            <a:r>
+              <a:rPr lang="en-US"/>
+              <a:t>Add a footer</a:t>
+            </a:r>
+            <a:endParaRPr lang="en-US" dirty="0"/>
           </a:p>
         </p:txBody>
       </p:sp>
@@ -1865,7 +2280,7 @@
     </p:spTree>
     <p:extLst>
       <p:ext uri="{BB962C8B-B14F-4D97-AF65-F5344CB8AC3E}">
-        <p14:creationId xmlns:p14="http://schemas.microsoft.com/office/powerpoint/2010/main" val="3390256915"/>
+        <p14:creationId xmlns:p14="http://schemas.microsoft.com/office/powerpoint/2010/main" val="211113494"/>
       </p:ext>
     </p:extLst>
   </p:cSld>
@@ -1906,7 +2321,7 @@
       </p:grpSpPr>
       <p:sp>
         <p:nvSpPr>
-          <p:cNvPr id="2" name="Title 1"/>
+          <p:cNvPr id="10" name="Title 9"/>
           <p:cNvSpPr>
             <a:spLocks noGrp="1"/>
           </p:cNvSpPr>
@@ -1914,16 +2329,21 @@
             <p:ph type="title"/>
           </p:nvPr>
         </p:nvSpPr>
-        <p:spPr/>
+        <p:spPr>
+          <a:xfrm>
+            <a:off x="1097280" y="286603"/>
+            <a:ext cx="10058400" cy="1450757"/>
+          </a:xfrm>
+        </p:spPr>
         <p:txBody>
           <a:bodyPr/>
           <a:lstStyle/>
           <a:p>
             <a:r>
-              <a:rPr lang="en-US" smtClean="0"/>
+              <a:rPr lang="en-US"/>
               <a:t>Click to edit Master title style</a:t>
             </a:r>
-            <a:endParaRPr lang="en-US"/>
+            <a:endParaRPr lang="en-US" dirty="0"/>
           </a:p>
         </p:txBody>
       </p:sp>
@@ -1939,21 +2359,20 @@
         </p:nvSpPr>
         <p:spPr>
           <a:xfrm>
-            <a:off x="1066800" y="1681163"/>
-            <a:ext cx="4846320" cy="823912"/>
+            <a:off x="1097280" y="1846052"/>
+            <a:ext cx="4937760" cy="736282"/>
           </a:xfrm>
         </p:spPr>
         <p:txBody>
-          <a:bodyPr anchor="ctr"/>
+          <a:bodyPr lIns="91440" rIns="91440" anchor="ctr">
+            <a:normAutofit/>
+          </a:bodyPr>
           <a:lstStyle>
             <a:lvl1pPr marL="0" indent="0">
               <a:buNone/>
-              <a:defRPr sz="2400" b="0">
+              <a:defRPr sz="2000" b="0" cap="all" baseline="0">
                 <a:solidFill>
-                  <a:schemeClr val="bg2">
-                    <a:lumMod val="50000"/>
-                    <a:lumOff val="50000"/>
-                  </a:schemeClr>
+                  <a:schemeClr val="tx2"/>
                 </a:solidFill>
               </a:defRPr>
             </a:lvl1pPr>
@@ -1993,8 +2412,8 @@
           <a:p>
             <a:pPr lvl="0"/>
             <a:r>
-              <a:rPr lang="en-US" smtClean="0"/>
-              <a:t>Click to edit Master text styles</a:t>
+              <a:rPr lang="en-US"/>
+              <a:t>Edit Master text styles</a:t>
             </a:r>
           </a:p>
         </p:txBody>
@@ -2011,8 +2430,8 @@
         </p:nvSpPr>
         <p:spPr>
           <a:xfrm>
-            <a:off x="1066800" y="2505075"/>
-            <a:ext cx="4846320" cy="3514725"/>
+            <a:off x="1097280" y="2582334"/>
+            <a:ext cx="4937760" cy="3378200"/>
           </a:xfrm>
         </p:spPr>
         <p:txBody>
@@ -2021,38 +2440,38 @@
           <a:p>
             <a:pPr lvl="0"/>
             <a:r>
-              <a:rPr lang="en-US" smtClean="0"/>
-              <a:t>Click to edit Master text styles</a:t>
+              <a:rPr lang="en-US"/>
+              <a:t>Edit Master text styles</a:t>
             </a:r>
           </a:p>
           <a:p>
             <a:pPr lvl="1"/>
             <a:r>
-              <a:rPr lang="en-US" smtClean="0"/>
+              <a:rPr lang="en-US"/>
               <a:t>Second level</a:t>
             </a:r>
           </a:p>
           <a:p>
             <a:pPr lvl="2"/>
             <a:r>
-              <a:rPr lang="en-US" smtClean="0"/>
+              <a:rPr lang="en-US"/>
               <a:t>Third level</a:t>
             </a:r>
           </a:p>
           <a:p>
             <a:pPr lvl="3"/>
             <a:r>
-              <a:rPr lang="en-US" smtClean="0"/>
+              <a:rPr lang="en-US"/>
               <a:t>Fourth level</a:t>
             </a:r>
           </a:p>
           <a:p>
             <a:pPr lvl="4"/>
             <a:r>
-              <a:rPr lang="en-US" smtClean="0"/>
+              <a:rPr lang="en-US"/>
               <a:t>Fifth level</a:t>
             </a:r>
-            <a:endParaRPr lang="en-US"/>
+            <a:endParaRPr lang="en-US" dirty="0"/>
           </a:p>
         </p:txBody>
       </p:sp>
@@ -2068,21 +2487,20 @@
         </p:nvSpPr>
         <p:spPr>
           <a:xfrm>
-            <a:off x="6278880" y="1681163"/>
-            <a:ext cx="4846320" cy="823912"/>
+            <a:off x="6217920" y="1846052"/>
+            <a:ext cx="4937760" cy="736282"/>
           </a:xfrm>
         </p:spPr>
         <p:txBody>
-          <a:bodyPr anchor="ctr"/>
+          <a:bodyPr lIns="91440" rIns="91440" anchor="ctr">
+            <a:normAutofit/>
+          </a:bodyPr>
           <a:lstStyle>
             <a:lvl1pPr marL="0" indent="0">
               <a:buNone/>
-              <a:defRPr sz="2400" b="0">
+              <a:defRPr sz="2000" b="0" cap="all" baseline="0">
                 <a:solidFill>
-                  <a:schemeClr val="bg2">
-                    <a:lumMod val="50000"/>
-                    <a:lumOff val="50000"/>
-                  </a:schemeClr>
+                  <a:schemeClr val="tx2"/>
                 </a:solidFill>
               </a:defRPr>
             </a:lvl1pPr>
@@ -2122,8 +2540,8 @@
           <a:p>
             <a:pPr lvl="0"/>
             <a:r>
-              <a:rPr lang="en-US" smtClean="0"/>
-              <a:t>Click to edit Master text styles</a:t>
+              <a:rPr lang="en-US"/>
+              <a:t>Edit Master text styles</a:t>
             </a:r>
           </a:p>
         </p:txBody>
@@ -2140,8 +2558,8 @@
         </p:nvSpPr>
         <p:spPr>
           <a:xfrm>
-            <a:off x="6278880" y="2505075"/>
-            <a:ext cx="4846320" cy="3514725"/>
+            <a:off x="6217920" y="2582334"/>
+            <a:ext cx="4937760" cy="3378200"/>
           </a:xfrm>
         </p:spPr>
         <p:txBody>
@@ -2150,49 +2568,49 @@
           <a:p>
             <a:pPr lvl="0"/>
             <a:r>
-              <a:rPr lang="en-US" smtClean="0"/>
-              <a:t>Click to edit Master text styles</a:t>
+              <a:rPr lang="en-US"/>
+              <a:t>Edit Master text styles</a:t>
             </a:r>
           </a:p>
           <a:p>
             <a:pPr lvl="1"/>
             <a:r>
-              <a:rPr lang="en-US" smtClean="0"/>
+              <a:rPr lang="en-US"/>
               <a:t>Second level</a:t>
             </a:r>
           </a:p>
           <a:p>
             <a:pPr lvl="2"/>
             <a:r>
-              <a:rPr lang="en-US" smtClean="0"/>
+              <a:rPr lang="en-US"/>
               <a:t>Third level</a:t>
             </a:r>
           </a:p>
           <a:p>
             <a:pPr lvl="3"/>
             <a:r>
-              <a:rPr lang="en-US" smtClean="0"/>
+              <a:rPr lang="en-US"/>
               <a:t>Fourth level</a:t>
             </a:r>
           </a:p>
           <a:p>
             <a:pPr lvl="4"/>
             <a:r>
-              <a:rPr lang="en-US" smtClean="0"/>
+              <a:rPr lang="en-US"/>
               <a:t>Fifth level</a:t>
             </a:r>
-            <a:endParaRPr lang="en-US"/>
-          </a:p>
-        </p:txBody>
-      </p:sp>
-      <p:sp>
-        <p:nvSpPr>
-          <p:cNvPr id="8" name="Footer Placeholder 7"/>
-          <p:cNvSpPr>
-            <a:spLocks noGrp="1"/>
-          </p:cNvSpPr>
-          <p:nvPr>
-            <p:ph type="ftr" sz="quarter" idx="11"/>
+            <a:endParaRPr lang="en-US" dirty="0"/>
+          </a:p>
+        </p:txBody>
+      </p:sp>
+      <p:sp>
+        <p:nvSpPr>
+          <p:cNvPr id="7" name="Date Placeholder 6"/>
+          <p:cNvSpPr>
+            <a:spLocks noGrp="1"/>
+          </p:cNvSpPr>
+          <p:nvPr>
+            <p:ph type="dt" sz="half" idx="10"/>
           </p:nvPr>
         </p:nvSpPr>
         <p:spPr/>
@@ -2200,21 +2618,22 @@
           <a:bodyPr/>
           <a:lstStyle/>
           <a:p>
-            <a:r>
-              <a:rPr lang="en-US" dirty="0"/>
-              <a:t>Add a footer</a:t>
-            </a:r>
-          </a:p>
-        </p:txBody>
-      </p:sp>
-      <p:sp>
-        <p:nvSpPr>
-          <p:cNvPr id="7" name="Date Placeholder 6"/>
-          <p:cNvSpPr>
-            <a:spLocks noGrp="1"/>
-          </p:cNvSpPr>
-          <p:nvPr>
-            <p:ph type="dt" sz="half" idx="10"/>
+            <a:fld id="{3762EC29-B8C5-4C7A-B6DA-418494D5CB21}" type="datetimeFigureOut">
+              <a:rPr lang="en-US" smtClean="0"/>
+              <a:t>4/26/17</a:t>
+            </a:fld>
+            <a:endParaRPr lang="en-US"/>
+          </a:p>
+        </p:txBody>
+      </p:sp>
+      <p:sp>
+        <p:nvSpPr>
+          <p:cNvPr id="8" name="Footer Placeholder 7"/>
+          <p:cNvSpPr>
+            <a:spLocks noGrp="1"/>
+          </p:cNvSpPr>
+          <p:nvPr>
+            <p:ph type="ftr" sz="quarter" idx="11"/>
           </p:nvPr>
         </p:nvSpPr>
         <p:spPr/>
@@ -2222,11 +2641,11 @@
           <a:bodyPr/>
           <a:lstStyle/>
           <a:p>
-            <a:fld id="{3762EC29-B8C5-4C7A-B6DA-418494D5CB21}" type="datetimeFigureOut">
-              <a:rPr lang="en-US" smtClean="0"/>
-              <a:t>4/23/17</a:t>
-            </a:fld>
-            <a:endParaRPr lang="en-US"/>
+            <a:r>
+              <a:rPr lang="en-US"/>
+              <a:t>Add a footer</a:t>
+            </a:r>
+            <a:endParaRPr lang="en-US" dirty="0"/>
           </a:p>
         </p:txBody>
       </p:sp>
@@ -2256,7 +2675,7 @@
     </p:spTree>
     <p:extLst>
       <p:ext uri="{BB962C8B-B14F-4D97-AF65-F5344CB8AC3E}">
-        <p14:creationId xmlns:p14="http://schemas.microsoft.com/office/powerpoint/2010/main" val="692426237"/>
+        <p14:creationId xmlns:p14="http://schemas.microsoft.com/office/powerpoint/2010/main" val="1475787881"/>
       </p:ext>
     </p:extLst>
   </p:cSld>
@@ -2311,21 +2730,21 @@
           <a:lstStyle/>
           <a:p>
             <a:r>
-              <a:rPr lang="en-US" smtClean="0"/>
+              <a:rPr lang="en-US"/>
               <a:t>Click to edit Master title style</a:t>
             </a:r>
-            <a:endParaRPr lang="en-US"/>
-          </a:p>
-        </p:txBody>
-      </p:sp>
-      <p:sp>
-        <p:nvSpPr>
-          <p:cNvPr id="4" name="Footer Placeholder 3"/>
-          <p:cNvSpPr>
-            <a:spLocks noGrp="1"/>
-          </p:cNvSpPr>
-          <p:nvPr>
-            <p:ph type="ftr" sz="quarter" idx="11"/>
+            <a:endParaRPr lang="en-US" dirty="0"/>
+          </a:p>
+        </p:txBody>
+      </p:sp>
+      <p:sp>
+        <p:nvSpPr>
+          <p:cNvPr id="3" name="Date Placeholder 2"/>
+          <p:cNvSpPr>
+            <a:spLocks noGrp="1"/>
+          </p:cNvSpPr>
+          <p:nvPr>
+            <p:ph type="dt" sz="half" idx="10"/>
           </p:nvPr>
         </p:nvSpPr>
         <p:spPr/>
@@ -2333,21 +2752,22 @@
           <a:bodyPr/>
           <a:lstStyle/>
           <a:p>
-            <a:r>
-              <a:rPr lang="en-US" dirty="0"/>
-              <a:t>Add a footer</a:t>
-            </a:r>
-          </a:p>
-        </p:txBody>
-      </p:sp>
-      <p:sp>
-        <p:nvSpPr>
-          <p:cNvPr id="3" name="Date Placeholder 2"/>
-          <p:cNvSpPr>
-            <a:spLocks noGrp="1"/>
-          </p:cNvSpPr>
-          <p:nvPr>
-            <p:ph type="dt" sz="half" idx="10"/>
+            <a:fld id="{3762EC29-B8C5-4C7A-B6DA-418494D5CB21}" type="datetimeFigureOut">
+              <a:rPr lang="en-US" smtClean="0"/>
+              <a:t>4/26/17</a:t>
+            </a:fld>
+            <a:endParaRPr lang="en-US"/>
+          </a:p>
+        </p:txBody>
+      </p:sp>
+      <p:sp>
+        <p:nvSpPr>
+          <p:cNvPr id="4" name="Footer Placeholder 3"/>
+          <p:cNvSpPr>
+            <a:spLocks noGrp="1"/>
+          </p:cNvSpPr>
+          <p:nvPr>
+            <p:ph type="ftr" sz="quarter" idx="11"/>
           </p:nvPr>
         </p:nvSpPr>
         <p:spPr/>
@@ -2355,11 +2775,11 @@
           <a:bodyPr/>
           <a:lstStyle/>
           <a:p>
-            <a:fld id="{3762EC29-B8C5-4C7A-B6DA-418494D5CB21}" type="datetimeFigureOut">
-              <a:rPr lang="en-US" smtClean="0"/>
-              <a:t>4/23/17</a:t>
-            </a:fld>
-            <a:endParaRPr lang="en-US"/>
+            <a:r>
+              <a:rPr lang="en-US"/>
+              <a:t>Add a footer</a:t>
+            </a:r>
+            <a:endParaRPr lang="en-US" dirty="0"/>
           </a:p>
         </p:txBody>
       </p:sp>
@@ -2389,7 +2809,7 @@
     </p:spTree>
     <p:extLst>
       <p:ext uri="{BB962C8B-B14F-4D97-AF65-F5344CB8AC3E}">
-        <p14:creationId xmlns:p14="http://schemas.microsoft.com/office/powerpoint/2010/main" val="3810930448"/>
+        <p14:creationId xmlns:p14="http://schemas.microsoft.com/office/powerpoint/2010/main" val="4097198396"/>
       </p:ext>
     </p:extLst>
   </p:cSld>
@@ -2412,7 +2832,7 @@
 </file>
 
 <file path=ppt/slideLayouts/slideLayout7.xml><?xml version="1.0" encoding="utf-8"?>
-<p:sldLayout xmlns:a="http://schemas.openxmlformats.org/drawingml/2006/main" xmlns:r="http://schemas.openxmlformats.org/officeDocument/2006/relationships" xmlns:p="http://schemas.openxmlformats.org/presentationml/2006/main" type="blank" preserve="1">
+<p:sldLayout xmlns:a="http://schemas.openxmlformats.org/drawingml/2006/main" xmlns:r="http://schemas.openxmlformats.org/officeDocument/2006/relationships" xmlns:p="http://schemas.openxmlformats.org/presentationml/2006/main" showMasterSp="0" type="blank" preserve="1">
   <p:cSld name="Blank">
     <p:spTree>
       <p:nvGrpSpPr>
@@ -2430,12 +2850,88 @@
       </p:grpSpPr>
       <p:sp>
         <p:nvSpPr>
-          <p:cNvPr id="3" name="Footer Placeholder 2"/>
-          <p:cNvSpPr>
-            <a:spLocks noGrp="1"/>
-          </p:cNvSpPr>
-          <p:nvPr>
-            <p:ph type="ftr" sz="quarter" idx="11"/>
+          <p:cNvPr id="5" name="Rectangle 4"/>
+          <p:cNvSpPr/>
+          <p:nvPr/>
+        </p:nvSpPr>
+        <p:spPr>
+          <a:xfrm>
+            <a:off x="3175" y="6400800"/>
+            <a:ext cx="12188825" cy="457200"/>
+          </a:xfrm>
+          <a:prstGeom prst="rect">
+            <a:avLst/>
+          </a:prstGeom>
+          <a:solidFill>
+            <a:schemeClr val="accent2"/>
+          </a:solidFill>
+          <a:ln>
+            <a:noFill/>
+          </a:ln>
+        </p:spPr>
+        <p:style>
+          <a:lnRef idx="2">
+            <a:schemeClr val="accent1">
+              <a:shade val="50000"/>
+            </a:schemeClr>
+          </a:lnRef>
+          <a:fillRef idx="1">
+            <a:schemeClr val="accent1"/>
+          </a:fillRef>
+          <a:effectRef idx="0">
+            <a:schemeClr val="accent1"/>
+          </a:effectRef>
+          <a:fontRef idx="minor">
+            <a:schemeClr val="lt1"/>
+          </a:fontRef>
+        </p:style>
+      </p:sp>
+      <p:sp>
+        <p:nvSpPr>
+          <p:cNvPr id="6" name="Rectangle 5"/>
+          <p:cNvSpPr/>
+          <p:nvPr/>
+        </p:nvSpPr>
+        <p:spPr>
+          <a:xfrm>
+            <a:off x="15" y="6334316"/>
+            <a:ext cx="12188825" cy="64008"/>
+          </a:xfrm>
+          <a:prstGeom prst="rect">
+            <a:avLst/>
+          </a:prstGeom>
+          <a:solidFill>
+            <a:schemeClr val="accent1"/>
+          </a:solidFill>
+          <a:ln>
+            <a:noFill/>
+          </a:ln>
+        </p:spPr>
+        <p:style>
+          <a:lnRef idx="2">
+            <a:schemeClr val="accent1">
+              <a:shade val="50000"/>
+            </a:schemeClr>
+          </a:lnRef>
+          <a:fillRef idx="1">
+            <a:schemeClr val="accent1"/>
+          </a:fillRef>
+          <a:effectRef idx="0">
+            <a:schemeClr val="accent1"/>
+          </a:effectRef>
+          <a:fontRef idx="minor">
+            <a:schemeClr val="lt1"/>
+          </a:fontRef>
+        </p:style>
+      </p:sp>
+      <p:sp>
+        <p:nvSpPr>
+          <p:cNvPr id="7" name="Date Placeholder 6"/>
+          <p:cNvSpPr>
+            <a:spLocks noGrp="1"/>
+          </p:cNvSpPr>
+          <p:nvPr>
+            <p:ph type="dt" sz="half" idx="10"/>
           </p:nvPr>
         </p:nvSpPr>
         <p:spPr/>
@@ -2443,31 +2939,9 @@
           <a:bodyPr/>
           <a:lstStyle/>
           <a:p>
-            <a:r>
-              <a:rPr lang="en-US" dirty="0"/>
-              <a:t>Add a footer</a:t>
-            </a:r>
-          </a:p>
-        </p:txBody>
-      </p:sp>
-      <p:sp>
-        <p:nvSpPr>
-          <p:cNvPr id="2" name="Date Placeholder 1"/>
-          <p:cNvSpPr>
-            <a:spLocks noGrp="1"/>
-          </p:cNvSpPr>
-          <p:nvPr>
-            <p:ph type="dt" sz="half" idx="10"/>
-          </p:nvPr>
-        </p:nvSpPr>
-        <p:spPr/>
-        <p:txBody>
-          <a:bodyPr/>
-          <a:lstStyle/>
-          <a:p>
             <a:fld id="{3762EC29-B8C5-4C7A-B6DA-418494D5CB21}" type="datetimeFigureOut">
               <a:rPr lang="en-US" smtClean="0"/>
-              <a:t>4/23/17</a:t>
+              <a:t>4/26/17</a:t>
             </a:fld>
             <a:endParaRPr lang="en-US"/>
           </a:p>
@@ -2475,7 +2949,38 @@
       </p:sp>
       <p:sp>
         <p:nvSpPr>
-          <p:cNvPr id="4" name="Slide Number Placeholder 3"/>
+          <p:cNvPr id="8" name="Footer Placeholder 7"/>
+          <p:cNvSpPr>
+            <a:spLocks noGrp="1"/>
+          </p:cNvSpPr>
+          <p:nvPr>
+            <p:ph type="ftr" sz="quarter" idx="11"/>
+          </p:nvPr>
+        </p:nvSpPr>
+        <p:spPr/>
+        <p:txBody>
+          <a:bodyPr/>
+          <a:lstStyle>
+            <a:lvl1pPr>
+              <a:defRPr>
+                <a:solidFill>
+                  <a:srgbClr val="FFFFFF"/>
+                </a:solidFill>
+              </a:defRPr>
+            </a:lvl1pPr>
+          </a:lstStyle>
+          <a:p>
+            <a:r>
+              <a:rPr lang="en-US"/>
+              <a:t>Add a footer</a:t>
+            </a:r>
+            <a:endParaRPr lang="en-US" dirty="0"/>
+          </a:p>
+        </p:txBody>
+      </p:sp>
+      <p:sp>
+        <p:nvSpPr>
+          <p:cNvPr id="9" name="Slide Number Placeholder 8"/>
           <p:cNvSpPr>
             <a:spLocks noGrp="1"/>
           </p:cNvSpPr>
@@ -2499,7 +3004,7 @@
     </p:spTree>
     <p:extLst>
       <p:ext uri="{BB962C8B-B14F-4D97-AF65-F5344CB8AC3E}">
-        <p14:creationId xmlns:p14="http://schemas.microsoft.com/office/powerpoint/2010/main" val="2351200098"/>
+        <p14:creationId xmlns:p14="http://schemas.microsoft.com/office/powerpoint/2010/main" val="461091043"/>
       </p:ext>
     </p:extLst>
   </p:cSld>
@@ -2522,7 +3027,7 @@
 </file>
 
 <file path=ppt/slideLayouts/slideLayout8.xml><?xml version="1.0" encoding="utf-8"?>
-<p:sldLayout xmlns:a="http://schemas.openxmlformats.org/drawingml/2006/main" xmlns:r="http://schemas.openxmlformats.org/officeDocument/2006/relationships" xmlns:p="http://schemas.openxmlformats.org/presentationml/2006/main" type="objTx" preserve="1">
+<p:sldLayout xmlns:a="http://schemas.openxmlformats.org/drawingml/2006/main" xmlns:r="http://schemas.openxmlformats.org/officeDocument/2006/relationships" xmlns:p="http://schemas.openxmlformats.org/presentationml/2006/main" showMasterSp="0" type="objTx" preserve="1">
   <p:cSld name="Content with Caption">
     <p:spTree>
       <p:nvGrpSpPr>
@@ -2546,16 +3051,14 @@
         </p:nvSpPr>
         <p:spPr>
           <a:xfrm>
-            <a:off x="0" y="0"/>
-            <a:ext cx="7467600" cy="6858000"/>
+            <a:off x="16" y="0"/>
+            <a:ext cx="4050791" cy="6858000"/>
           </a:xfrm>
           <a:prstGeom prst="rect">
             <a:avLst/>
           </a:prstGeom>
           <a:solidFill>
-            <a:schemeClr val="bg1">
-              <a:alpha val="60000"/>
-            </a:schemeClr>
+            <a:schemeClr val="accent2"/>
           </a:solidFill>
           <a:ln>
             <a:noFill/>
@@ -2577,29 +3080,59 @@
             <a:schemeClr val="lt1"/>
           </a:fontRef>
         </p:style>
-        <p:txBody>
-          <a:bodyPr rtlCol="0" anchor="ctr"/>
-          <a:lstStyle/>
-          <a:p>
-            <a:pPr algn="ctr"/>
-            <a:endParaRPr lang="en-US"/>
-          </a:p>
-        </p:txBody>
-      </p:sp>
-      <p:sp>
-        <p:nvSpPr>
-          <p:cNvPr id="2" name="Title 1"/>
-          <p:cNvSpPr>
-            <a:spLocks noGrp="1"/>
-          </p:cNvSpPr>
-          <p:nvPr>
-            <p:ph type="title"/>
-          </p:nvPr>
+      </p:sp>
+      <p:sp>
+        <p:nvSpPr>
+          <p:cNvPr id="9" name="Rectangle 8"/>
+          <p:cNvSpPr/>
+          <p:nvPr/>
         </p:nvSpPr>
         <p:spPr>
           <a:xfrm>
-            <a:off x="7924800" y="838200"/>
-            <a:ext cx="3657600" cy="2133600"/>
+            <a:off x="4040071" y="0"/>
+            <a:ext cx="64008" cy="6858000"/>
+          </a:xfrm>
+          <a:prstGeom prst="rect">
+            <a:avLst/>
+          </a:prstGeom>
+          <a:solidFill>
+            <a:schemeClr val="accent1"/>
+          </a:solidFill>
+          <a:ln>
+            <a:noFill/>
+          </a:ln>
+        </p:spPr>
+        <p:style>
+          <a:lnRef idx="2">
+            <a:schemeClr val="accent1">
+              <a:shade val="50000"/>
+            </a:schemeClr>
+          </a:lnRef>
+          <a:fillRef idx="1">
+            <a:schemeClr val="accent1"/>
+          </a:fillRef>
+          <a:effectRef idx="0">
+            <a:schemeClr val="accent1"/>
+          </a:effectRef>
+          <a:fontRef idx="minor">
+            <a:schemeClr val="lt1"/>
+          </a:fontRef>
+        </p:style>
+      </p:sp>
+      <p:sp>
+        <p:nvSpPr>
+          <p:cNvPr id="2" name="Title 1"/>
+          <p:cNvSpPr>
+            <a:spLocks noGrp="1"/>
+          </p:cNvSpPr>
+          <p:nvPr>
+            <p:ph type="title"/>
+          </p:nvPr>
+        </p:nvSpPr>
+        <p:spPr>
+          <a:xfrm>
+            <a:off x="457200" y="594359"/>
+            <a:ext cx="3200400" cy="2286000"/>
           </a:xfrm>
         </p:spPr>
         <p:txBody>
@@ -2608,15 +3141,19 @@
           </a:bodyPr>
           <a:lstStyle>
             <a:lvl1pPr>
-              <a:defRPr sz="3600"/>
+              <a:defRPr sz="3600" b="0">
+                <a:solidFill>
+                  <a:srgbClr val="FFFFFF"/>
+                </a:solidFill>
+              </a:defRPr>
             </a:lvl1pPr>
           </a:lstStyle>
           <a:p>
             <a:r>
-              <a:rPr lang="en-US" smtClean="0"/>
+              <a:rPr lang="en-US"/>
               <a:t>Click to edit Master title style</a:t>
             </a:r>
-            <a:endParaRPr lang="en-US"/>
+            <a:endParaRPr lang="en-US" dirty="0"/>
           </a:p>
         </p:txBody>
       </p:sp>
@@ -2632,75 +3169,45 @@
         </p:nvSpPr>
         <p:spPr>
           <a:xfrm>
-            <a:off x="609600" y="838200"/>
-            <a:ext cx="6172200" cy="5181601"/>
+            <a:off x="4800600" y="731520"/>
+            <a:ext cx="6492240" cy="5257800"/>
           </a:xfrm>
         </p:spPr>
         <p:txBody>
-          <a:bodyPr>
-            <a:normAutofit/>
-          </a:bodyPr>
-          <a:lstStyle>
-            <a:lvl1pPr>
-              <a:defRPr sz="2400"/>
-            </a:lvl1pPr>
-            <a:lvl2pPr>
-              <a:defRPr sz="2000"/>
-            </a:lvl2pPr>
-            <a:lvl3pPr>
-              <a:defRPr sz="1800"/>
-            </a:lvl3pPr>
-            <a:lvl4pPr>
-              <a:defRPr sz="1600"/>
-            </a:lvl4pPr>
-            <a:lvl5pPr>
-              <a:defRPr sz="1600"/>
-            </a:lvl5pPr>
-            <a:lvl6pPr>
-              <a:defRPr sz="2000"/>
-            </a:lvl6pPr>
-            <a:lvl7pPr>
-              <a:defRPr sz="2000"/>
-            </a:lvl7pPr>
-            <a:lvl8pPr>
-              <a:defRPr sz="2000"/>
-            </a:lvl8pPr>
-            <a:lvl9pPr>
-              <a:defRPr sz="2000"/>
-            </a:lvl9pPr>
-          </a:lstStyle>
+          <a:bodyPr/>
+          <a:lstStyle/>
           <a:p>
             <a:pPr lvl="0"/>
             <a:r>
-              <a:rPr lang="en-US" smtClean="0"/>
-              <a:t>Click to edit Master text styles</a:t>
+              <a:rPr lang="en-US"/>
+              <a:t>Edit Master text styles</a:t>
             </a:r>
           </a:p>
           <a:p>
             <a:pPr lvl="1"/>
             <a:r>
-              <a:rPr lang="en-US" smtClean="0"/>
+              <a:rPr lang="en-US"/>
               <a:t>Second level</a:t>
             </a:r>
           </a:p>
           <a:p>
             <a:pPr lvl="2"/>
             <a:r>
-              <a:rPr lang="en-US" smtClean="0"/>
+              <a:rPr lang="en-US"/>
               <a:t>Third level</a:t>
             </a:r>
           </a:p>
           <a:p>
             <a:pPr lvl="3"/>
             <a:r>
-              <a:rPr lang="en-US" smtClean="0"/>
+              <a:rPr lang="en-US"/>
               <a:t>Fourth level</a:t>
             </a:r>
           </a:p>
           <a:p>
             <a:pPr lvl="4"/>
             <a:r>
-              <a:rPr lang="en-US" smtClean="0"/>
+              <a:rPr lang="en-US"/>
               <a:t>Fifth level</a:t>
             </a:r>
             <a:endParaRPr lang="en-US" dirty="0"/>
@@ -2719,68 +3226,164 @@
         </p:nvSpPr>
         <p:spPr>
           <a:xfrm>
-            <a:off x="7924802" y="3124200"/>
-            <a:ext cx="3657600" cy="2895600"/>
+            <a:off x="457200" y="2926080"/>
+            <a:ext cx="3200400" cy="3379124"/>
           </a:xfrm>
         </p:spPr>
         <p:txBody>
-          <a:bodyPr>
+          <a:bodyPr lIns="91440" rIns="91440">
             <a:normAutofit/>
           </a:bodyPr>
           <a:lstStyle>
             <a:lvl1pPr marL="0" indent="0">
-              <a:spcBef>
-                <a:spcPts val="1200"/>
-              </a:spcBef>
               <a:buNone/>
-              <a:defRPr sz="2400"/>
+              <a:defRPr sz="1500">
+                <a:solidFill>
+                  <a:srgbClr val="FFFFFF"/>
+                </a:solidFill>
+              </a:defRPr>
             </a:lvl1pPr>
             <a:lvl2pPr marL="457200" indent="0">
               <a:buNone/>
-              <a:defRPr sz="1400"/>
+              <a:defRPr sz="1200"/>
             </a:lvl2pPr>
             <a:lvl3pPr marL="914400" indent="0">
               <a:buNone/>
-              <a:defRPr sz="1200"/>
+              <a:defRPr sz="1000"/>
             </a:lvl3pPr>
             <a:lvl4pPr marL="1371600" indent="0">
               <a:buNone/>
-              <a:defRPr sz="1000"/>
+              <a:defRPr sz="900"/>
             </a:lvl4pPr>
             <a:lvl5pPr marL="1828800" indent="0">
               <a:buNone/>
-              <a:defRPr sz="1000"/>
+              <a:defRPr sz="900"/>
             </a:lvl5pPr>
             <a:lvl6pPr marL="2286000" indent="0">
               <a:buNone/>
-              <a:defRPr sz="1000"/>
+              <a:defRPr sz="900"/>
             </a:lvl6pPr>
             <a:lvl7pPr marL="2743200" indent="0">
               <a:buNone/>
-              <a:defRPr sz="1000"/>
+              <a:defRPr sz="900"/>
             </a:lvl7pPr>
             <a:lvl8pPr marL="3200400" indent="0">
               <a:buNone/>
-              <a:defRPr sz="1000"/>
+              <a:defRPr sz="900"/>
             </a:lvl8pPr>
             <a:lvl9pPr marL="3657600" indent="0">
               <a:buNone/>
-              <a:defRPr sz="1000"/>
+              <a:defRPr sz="900"/>
             </a:lvl9pPr>
           </a:lstStyle>
           <a:p>
             <a:pPr lvl="0"/>
             <a:r>
+              <a:rPr lang="en-US"/>
+              <a:t>Edit Master text styles</a:t>
+            </a:r>
+          </a:p>
+        </p:txBody>
+      </p:sp>
+      <p:sp>
+        <p:nvSpPr>
+          <p:cNvPr id="5" name="Date Placeholder 4"/>
+          <p:cNvSpPr>
+            <a:spLocks noGrp="1"/>
+          </p:cNvSpPr>
+          <p:nvPr>
+            <p:ph type="dt" sz="half" idx="10"/>
+          </p:nvPr>
+        </p:nvSpPr>
+        <p:spPr>
+          <a:xfrm>
+            <a:off x="465512" y="6459785"/>
+            <a:ext cx="2618510" cy="365125"/>
+          </a:xfrm>
+        </p:spPr>
+        <p:txBody>
+          <a:bodyPr/>
+          <a:lstStyle>
+            <a:lvl1pPr algn="l">
+              <a:defRPr/>
+            </a:lvl1pPr>
+          </a:lstStyle>
+          <a:p>
+            <a:fld id="{48A87A34-81AB-432B-8DAE-1953F412C126}" type="datetimeFigureOut">
               <a:rPr lang="en-US" smtClean="0"/>
-              <a:t>Click to edit Master text styles</a:t>
-            </a:r>
+              <a:t>4/26/17</a:t>
+            </a:fld>
+            <a:endParaRPr lang="en-US" dirty="0"/>
+          </a:p>
+        </p:txBody>
+      </p:sp>
+      <p:sp>
+        <p:nvSpPr>
+          <p:cNvPr id="6" name="Footer Placeholder 5"/>
+          <p:cNvSpPr>
+            <a:spLocks noGrp="1"/>
+          </p:cNvSpPr>
+          <p:nvPr>
+            <p:ph type="ftr" sz="quarter" idx="11"/>
+          </p:nvPr>
+        </p:nvSpPr>
+        <p:spPr>
+          <a:xfrm>
+            <a:off x="4800600" y="6459785"/>
+            <a:ext cx="4648200" cy="365125"/>
+          </a:xfrm>
+        </p:spPr>
+        <p:txBody>
+          <a:bodyPr/>
+          <a:lstStyle>
+            <a:lvl1pPr algn="l">
+              <a:defRPr>
+                <a:solidFill>
+                  <a:schemeClr val="tx2"/>
+                </a:solidFill>
+              </a:defRPr>
+            </a:lvl1pPr>
+          </a:lstStyle>
+          <a:p>
+            <a:endParaRPr lang="en-US" dirty="0"/>
+          </a:p>
+        </p:txBody>
+      </p:sp>
+      <p:sp>
+        <p:nvSpPr>
+          <p:cNvPr id="7" name="Slide Number Placeholder 6"/>
+          <p:cNvSpPr>
+            <a:spLocks noGrp="1"/>
+          </p:cNvSpPr>
+          <p:nvPr>
+            <p:ph type="sldNum" sz="quarter" idx="12"/>
+          </p:nvPr>
+        </p:nvSpPr>
+        <p:spPr/>
+        <p:txBody>
+          <a:bodyPr/>
+          <a:lstStyle>
+            <a:lvl1pPr>
+              <a:defRPr>
+                <a:solidFill>
+                  <a:schemeClr val="tx2"/>
+                </a:solidFill>
+              </a:defRPr>
+            </a:lvl1pPr>
+          </a:lstStyle>
+          <a:p>
+            <a:fld id="{6D22F896-40B5-4ADD-8801-0D06FADFA095}" type="slidenum">
+              <a:rPr lang="en-US" smtClean="0"/>
+              <a:t>‹#›</a:t>
+            </a:fld>
+            <a:endParaRPr lang="en-US" dirty="0"/>
           </a:p>
         </p:txBody>
       </p:sp>
     </p:spTree>
     <p:extLst>
       <p:ext uri="{BB962C8B-B14F-4D97-AF65-F5344CB8AC3E}">
-        <p14:creationId xmlns:p14="http://schemas.microsoft.com/office/powerpoint/2010/main" val="3979593354"/>
+        <p14:creationId xmlns:p14="http://schemas.microsoft.com/office/powerpoint/2010/main" val="1335406497"/>
       </p:ext>
     </p:extLst>
   </p:cSld>
@@ -2803,7 +3406,7 @@
 </file>
 
 <file path=ppt/slideLayouts/slideLayout9.xml><?xml version="1.0" encoding="utf-8"?>
-<p:sldLayout xmlns:a="http://schemas.openxmlformats.org/drawingml/2006/main" xmlns:r="http://schemas.openxmlformats.org/officeDocument/2006/relationships" xmlns:p="http://schemas.openxmlformats.org/presentationml/2006/main" type="picTx" preserve="1">
+<p:sldLayout xmlns:a="http://schemas.openxmlformats.org/drawingml/2006/main" xmlns:r="http://schemas.openxmlformats.org/officeDocument/2006/relationships" xmlns:p="http://schemas.openxmlformats.org/presentationml/2006/main" showMasterSp="0" type="picTx" preserve="1">
   <p:cSld name="Picture with Caption">
     <p:spTree>
       <p:nvGrpSpPr>
@@ -2821,43 +3424,123 @@
       </p:grpSpPr>
       <p:sp>
         <p:nvSpPr>
-          <p:cNvPr id="2" name="Title 1"/>
-          <p:cNvSpPr>
-            <a:spLocks noGrp="1"/>
-          </p:cNvSpPr>
-          <p:nvPr>
-            <p:ph type="title"/>
-          </p:nvPr>
+          <p:cNvPr id="8" name="Rectangle 7"/>
+          <p:cNvSpPr/>
+          <p:nvPr/>
         </p:nvSpPr>
         <p:spPr>
           <a:xfrm>
-            <a:off x="7924800" y="838200"/>
-            <a:ext cx="3657600" cy="2133600"/>
+            <a:off x="0" y="4953000"/>
+            <a:ext cx="12188825" cy="1905000"/>
+          </a:xfrm>
+          <a:prstGeom prst="rect">
+            <a:avLst/>
+          </a:prstGeom>
+          <a:solidFill>
+            <a:schemeClr val="accent2"/>
+          </a:solidFill>
+          <a:ln>
+            <a:noFill/>
+          </a:ln>
+        </p:spPr>
+        <p:style>
+          <a:lnRef idx="2">
+            <a:schemeClr val="accent1">
+              <a:shade val="50000"/>
+            </a:schemeClr>
+          </a:lnRef>
+          <a:fillRef idx="1">
+            <a:schemeClr val="accent1"/>
+          </a:fillRef>
+          <a:effectRef idx="0">
+            <a:schemeClr val="accent1"/>
+          </a:effectRef>
+          <a:fontRef idx="minor">
+            <a:schemeClr val="lt1"/>
+          </a:fontRef>
+        </p:style>
+      </p:sp>
+      <p:sp>
+        <p:nvSpPr>
+          <p:cNvPr id="9" name="Rectangle 8"/>
+          <p:cNvSpPr/>
+          <p:nvPr/>
+        </p:nvSpPr>
+        <p:spPr>
+          <a:xfrm>
+            <a:off x="15" y="4915076"/>
+            <a:ext cx="12188825" cy="64008"/>
+          </a:xfrm>
+          <a:prstGeom prst="rect">
+            <a:avLst/>
+          </a:prstGeom>
+          <a:solidFill>
+            <a:schemeClr val="accent1"/>
+          </a:solidFill>
+          <a:ln>
+            <a:noFill/>
+          </a:ln>
+        </p:spPr>
+        <p:style>
+          <a:lnRef idx="2">
+            <a:schemeClr val="accent1">
+              <a:shade val="50000"/>
+            </a:schemeClr>
+          </a:lnRef>
+          <a:fillRef idx="1">
+            <a:schemeClr val="accent1"/>
+          </a:fillRef>
+          <a:effectRef idx="0">
+            <a:schemeClr val="accent1"/>
+          </a:effectRef>
+          <a:fontRef idx="minor">
+            <a:schemeClr val="lt1"/>
+          </a:fontRef>
+        </p:style>
+      </p:sp>
+      <p:sp>
+        <p:nvSpPr>
+          <p:cNvPr id="2" name="Title 1"/>
+          <p:cNvSpPr>
+            <a:spLocks noGrp="1"/>
+          </p:cNvSpPr>
+          <p:nvPr>
+            <p:ph type="title"/>
+          </p:nvPr>
+        </p:nvSpPr>
+        <p:spPr>
+          <a:xfrm>
+            <a:off x="1097280" y="5074920"/>
+            <a:ext cx="10113264" cy="822960"/>
           </a:xfrm>
         </p:spPr>
         <p:txBody>
-          <a:bodyPr anchor="b">
-            <a:normAutofit/>
+          <a:bodyPr lIns="91440" tIns="0" rIns="91440" bIns="0" anchor="b">
+            <a:noAutofit/>
           </a:bodyPr>
           <a:lstStyle>
             <a:lvl1pPr>
-              <a:defRPr sz="3600"/>
+              <a:defRPr sz="3600" b="0">
+                <a:solidFill>
+                  <a:srgbClr val="FFFFFF"/>
+                </a:solidFill>
+              </a:defRPr>
             </a:lvl1pPr>
           </a:lstStyle>
           <a:p>
             <a:r>
-              <a:rPr lang="en-US" smtClean="0"/>
+              <a:rPr lang="en-US"/>
               <a:t>Click to edit Master title style</a:t>
             </a:r>
-            <a:endParaRPr lang="en-US"/>
-          </a:p>
-        </p:txBody>
-      </p:sp>
-      <p:sp>
-        <p:nvSpPr>
-          <p:cNvPr id="3" name="Picture Placeholder 2" descr="An empty placeholder to add an image. Click on the placeholder and select the image that you wish to add"/>
-          <p:cNvSpPr>
-            <a:spLocks noGrp="1"/>
+            <a:endParaRPr lang="en-US" dirty="0"/>
+          </a:p>
+        </p:txBody>
+      </p:sp>
+      <p:sp>
+        <p:nvSpPr>
+          <p:cNvPr id="3" name="Picture Placeholder 2"/>
+          <p:cNvSpPr>
+            <a:spLocks noGrp="1" noChangeAspect="1"/>
           </p:cNvSpPr>
           <p:nvPr>
             <p:ph type="pic" idx="1"/>
@@ -2865,21 +3548,26 @@
         </p:nvSpPr>
         <p:spPr>
           <a:xfrm>
-            <a:off x="0" y="0"/>
-            <a:ext cx="7239000" cy="6858000"/>
+            <a:off x="15" y="0"/>
+            <a:ext cx="12191985" cy="4915076"/>
           </a:xfrm>
-          <a:solidFill>
-            <a:schemeClr val="bg1"/>
-          </a:solidFill>
+          <a:blipFill>
+            <a:blip r:embed="rId2"/>
+            <a:stretch>
+              <a:fillRect/>
+            </a:stretch>
+          </a:blipFill>
         </p:spPr>
         <p:txBody>
-          <a:bodyPr tIns="365760">
-            <a:normAutofit/>
-          </a:bodyPr>
+          <a:bodyPr lIns="457200" tIns="457200" anchor="t"/>
           <a:lstStyle>
-            <a:lvl1pPr marL="0" indent="0" algn="ctr">
+            <a:lvl1pPr marL="0" indent="0">
               <a:buNone/>
-              <a:defRPr sz="2400"/>
+              <a:defRPr sz="3200">
+                <a:solidFill>
+                  <a:schemeClr val="bg1"/>
+                </a:solidFill>
+              </a:defRPr>
             </a:lvl1pPr>
             <a:lvl2pPr marL="457200" indent="0">
               <a:buNone/>
@@ -2916,10 +3604,10 @@
           </a:lstStyle>
           <a:p>
             <a:r>
-              <a:rPr lang="en-US" smtClean="0"/>
-              <a:t>Drag picture to placeholder or click icon to add</a:t>
-            </a:r>
-            <a:endParaRPr lang="en-US"/>
+              <a:rPr lang="en-US"/>
+              <a:t>Click icon to add picture</a:t>
+            </a:r>
+            <a:endParaRPr lang="en-US" dirty="0"/>
           </a:p>
         </p:txBody>
       </p:sp>
@@ -2935,116 +3623,141 @@
         </p:nvSpPr>
         <p:spPr>
           <a:xfrm>
-            <a:off x="7924801" y="3124200"/>
-            <a:ext cx="3657600" cy="2895600"/>
+            <a:off x="1097280" y="5907023"/>
+            <a:ext cx="10113264" cy="594360"/>
           </a:xfrm>
         </p:spPr>
         <p:txBody>
-          <a:bodyPr>
+          <a:bodyPr lIns="91440" tIns="0" rIns="91440" bIns="0">
             <a:normAutofit/>
           </a:bodyPr>
           <a:lstStyle>
             <a:lvl1pPr marL="0" indent="0">
               <a:spcBef>
-                <a:spcPts val="1200"/>
+                <a:spcPts val="0"/>
               </a:spcBef>
+              <a:spcAft>
+                <a:spcPts val="600"/>
+              </a:spcAft>
               <a:buNone/>
-              <a:defRPr sz="2400"/>
+              <a:defRPr sz="1500">
+                <a:solidFill>
+                  <a:srgbClr val="FFFFFF"/>
+                </a:solidFill>
+              </a:defRPr>
             </a:lvl1pPr>
             <a:lvl2pPr marL="457200" indent="0">
               <a:buNone/>
-              <a:defRPr sz="1400"/>
+              <a:defRPr sz="1200"/>
             </a:lvl2pPr>
             <a:lvl3pPr marL="914400" indent="0">
               <a:buNone/>
-              <a:defRPr sz="1200"/>
+              <a:defRPr sz="1000"/>
             </a:lvl3pPr>
             <a:lvl4pPr marL="1371600" indent="0">
               <a:buNone/>
-              <a:defRPr sz="1000"/>
+              <a:defRPr sz="900"/>
             </a:lvl4pPr>
             <a:lvl5pPr marL="1828800" indent="0">
               <a:buNone/>
-              <a:defRPr sz="1000"/>
+              <a:defRPr sz="900"/>
             </a:lvl5pPr>
             <a:lvl6pPr marL="2286000" indent="0">
               <a:buNone/>
-              <a:defRPr sz="1000"/>
+              <a:defRPr sz="900"/>
             </a:lvl6pPr>
             <a:lvl7pPr marL="2743200" indent="0">
               <a:buNone/>
-              <a:defRPr sz="1000"/>
+              <a:defRPr sz="900"/>
             </a:lvl7pPr>
             <a:lvl8pPr marL="3200400" indent="0">
               <a:buNone/>
-              <a:defRPr sz="1000"/>
+              <a:defRPr sz="900"/>
             </a:lvl8pPr>
             <a:lvl9pPr marL="3657600" indent="0">
               <a:buNone/>
-              <a:defRPr sz="1000"/>
+              <a:defRPr sz="900"/>
             </a:lvl9pPr>
           </a:lstStyle>
           <a:p>
             <a:pPr lvl="0"/>
             <a:r>
+              <a:rPr lang="en-US"/>
+              <a:t>Edit Master text styles</a:t>
+            </a:r>
+          </a:p>
+        </p:txBody>
+      </p:sp>
+      <p:sp>
+        <p:nvSpPr>
+          <p:cNvPr id="5" name="Date Placeholder 4"/>
+          <p:cNvSpPr>
+            <a:spLocks noGrp="1"/>
+          </p:cNvSpPr>
+          <p:nvPr>
+            <p:ph type="dt" sz="half" idx="10"/>
+          </p:nvPr>
+        </p:nvSpPr>
+        <p:spPr/>
+        <p:txBody>
+          <a:bodyPr/>
+          <a:lstStyle/>
+          <a:p>
+            <a:fld id="{48A87A34-81AB-432B-8DAE-1953F412C126}" type="datetimeFigureOut">
               <a:rPr lang="en-US" smtClean="0"/>
-              <a:t>Click to edit Master text styles</a:t>
-            </a:r>
-          </a:p>
-        </p:txBody>
-      </p:sp>
-      <p:sp>
-        <p:nvSpPr>
-          <p:cNvPr id="8" name="Rectangle 7"/>
-          <p:cNvSpPr/>
-          <p:nvPr/>
-        </p:nvSpPr>
-        <p:spPr>
-          <a:xfrm>
-            <a:off x="7239000" y="0"/>
-            <a:ext cx="228600" cy="6858000"/>
-          </a:xfrm>
-          <a:prstGeom prst="rect">
-            <a:avLst/>
-          </a:prstGeom>
-          <a:solidFill>
-            <a:schemeClr val="bg1">
-              <a:alpha val="60000"/>
-            </a:schemeClr>
-          </a:solidFill>
-          <a:ln>
-            <a:noFill/>
-          </a:ln>
-        </p:spPr>
-        <p:style>
-          <a:lnRef idx="2">
-            <a:schemeClr val="accent1">
-              <a:shade val="50000"/>
-            </a:schemeClr>
-          </a:lnRef>
-          <a:fillRef idx="1">
-            <a:schemeClr val="accent1"/>
-          </a:fillRef>
-          <a:effectRef idx="0">
-            <a:schemeClr val="accent1"/>
-          </a:effectRef>
-          <a:fontRef idx="minor">
-            <a:schemeClr val="lt1"/>
-          </a:fontRef>
-        </p:style>
-        <p:txBody>
-          <a:bodyPr rtlCol="0" anchor="ctr"/>
+              <a:pPr/>
+              <a:t>4/26/17</a:t>
+            </a:fld>
+            <a:endParaRPr lang="en-US" dirty="0"/>
+          </a:p>
+        </p:txBody>
+      </p:sp>
+      <p:sp>
+        <p:nvSpPr>
+          <p:cNvPr id="6" name="Footer Placeholder 5"/>
+          <p:cNvSpPr>
+            <a:spLocks noGrp="1"/>
+          </p:cNvSpPr>
+          <p:nvPr>
+            <p:ph type="ftr" sz="quarter" idx="11"/>
+          </p:nvPr>
+        </p:nvSpPr>
+        <p:spPr/>
+        <p:txBody>
+          <a:bodyPr/>
           <a:lstStyle/>
           <a:p>
-            <a:pPr algn="ctr"/>
-            <a:endParaRPr lang="en-US"/>
+            <a:endParaRPr lang="en-US" dirty="0"/>
+          </a:p>
+        </p:txBody>
+      </p:sp>
+      <p:sp>
+        <p:nvSpPr>
+          <p:cNvPr id="7" name="Slide Number Placeholder 6"/>
+          <p:cNvSpPr>
+            <a:spLocks noGrp="1"/>
+          </p:cNvSpPr>
+          <p:nvPr>
+            <p:ph type="sldNum" sz="quarter" idx="12"/>
+          </p:nvPr>
+        </p:nvSpPr>
+        <p:spPr/>
+        <p:txBody>
+          <a:bodyPr/>
+          <a:lstStyle/>
+          <a:p>
+            <a:fld id="{6D22F896-40B5-4ADD-8801-0D06FADFA095}" type="slidenum">
+              <a:rPr lang="en-US" smtClean="0"/>
+              <a:t>‹#›</a:t>
+            </a:fld>
+            <a:endParaRPr lang="en-US" dirty="0"/>
           </a:p>
         </p:txBody>
       </p:sp>
     </p:spTree>
     <p:extLst>
       <p:ext uri="{BB962C8B-B14F-4D97-AF65-F5344CB8AC3E}">
-        <p14:creationId xmlns:p14="http://schemas.microsoft.com/office/powerpoint/2010/main" val="1944115868"/>
+        <p14:creationId xmlns:p14="http://schemas.microsoft.com/office/powerpoint/2010/main" val="2846573713"/>
       </p:ext>
     </p:extLst>
   </p:cSld>
@@ -3070,18 +3783,9 @@
 <p:sldMaster xmlns:a="http://schemas.openxmlformats.org/drawingml/2006/main" xmlns:r="http://schemas.openxmlformats.org/officeDocument/2006/relationships" xmlns:p="http://schemas.openxmlformats.org/presentationml/2006/main">
   <p:cSld>
     <p:bg>
-      <p:bgPr>
-        <a:blipFill dpi="0" rotWithShape="1">
-          <a:blip r:embed="rId13">
-            <a:lum/>
-          </a:blip>
-          <a:srcRect/>
-          <a:stretch>
-            <a:fillRect/>
-          </a:stretch>
-        </a:blipFill>
-        <a:effectLst/>
-      </p:bgPr>
+      <p:bgRef idx="1001">
+        <a:schemeClr val="bg1"/>
+      </p:bgRef>
     </p:bg>
     <p:spTree>
       <p:nvGrpSpPr>
@@ -3099,18 +3803,94 @@
       </p:grpSpPr>
       <p:sp>
         <p:nvSpPr>
-          <p:cNvPr id="2" name="Title Placeholder 1"/>
-          <p:cNvSpPr>
-            <a:spLocks noGrp="1"/>
-          </p:cNvSpPr>
-          <p:nvPr>
-            <p:ph type="title"/>
-          </p:nvPr>
+          <p:cNvPr id="7" name="Rectangle 6"/>
+          <p:cNvSpPr/>
+          <p:nvPr/>
         </p:nvSpPr>
         <p:spPr>
           <a:xfrm>
-            <a:off x="1066800" y="304800"/>
-            <a:ext cx="10058400" cy="1143000"/>
+            <a:off x="1" y="6400800"/>
+            <a:ext cx="12192000" cy="457200"/>
+          </a:xfrm>
+          <a:prstGeom prst="rect">
+            <a:avLst/>
+          </a:prstGeom>
+          <a:solidFill>
+            <a:schemeClr val="accent2"/>
+          </a:solidFill>
+          <a:ln>
+            <a:noFill/>
+          </a:ln>
+        </p:spPr>
+        <p:style>
+          <a:lnRef idx="2">
+            <a:schemeClr val="accent1">
+              <a:shade val="50000"/>
+            </a:schemeClr>
+          </a:lnRef>
+          <a:fillRef idx="1">
+            <a:schemeClr val="accent1"/>
+          </a:fillRef>
+          <a:effectRef idx="0">
+            <a:schemeClr val="accent1"/>
+          </a:effectRef>
+          <a:fontRef idx="minor">
+            <a:schemeClr val="lt1"/>
+          </a:fontRef>
+        </p:style>
+      </p:sp>
+      <p:sp>
+        <p:nvSpPr>
+          <p:cNvPr id="9" name="Rectangle 8"/>
+          <p:cNvSpPr/>
+          <p:nvPr/>
+        </p:nvSpPr>
+        <p:spPr>
+          <a:xfrm>
+            <a:off x="0" y="6334316"/>
+            <a:ext cx="12192001" cy="65998"/>
+          </a:xfrm>
+          <a:prstGeom prst="rect">
+            <a:avLst/>
+          </a:prstGeom>
+          <a:solidFill>
+            <a:schemeClr val="accent1"/>
+          </a:solidFill>
+          <a:ln>
+            <a:noFill/>
+          </a:ln>
+        </p:spPr>
+        <p:style>
+          <a:lnRef idx="2">
+            <a:schemeClr val="accent1">
+              <a:shade val="50000"/>
+            </a:schemeClr>
+          </a:lnRef>
+          <a:fillRef idx="1">
+            <a:schemeClr val="accent1"/>
+          </a:fillRef>
+          <a:effectRef idx="0">
+            <a:schemeClr val="accent1"/>
+          </a:effectRef>
+          <a:fontRef idx="minor">
+            <a:schemeClr val="lt1"/>
+          </a:fontRef>
+        </p:style>
+      </p:sp>
+      <p:sp>
+        <p:nvSpPr>
+          <p:cNvPr id="2" name="Title Placeholder 1"/>
+          <p:cNvSpPr>
+            <a:spLocks noGrp="1"/>
+          </p:cNvSpPr>
+          <p:nvPr>
+            <p:ph type="title"/>
+          </p:nvPr>
+        </p:nvSpPr>
+        <p:spPr>
+          <a:xfrm>
+            <a:off x="1097280" y="286603"/>
+            <a:ext cx="10058400" cy="1450757"/>
           </a:xfrm>
           <a:prstGeom prst="rect">
             <a:avLst/>
@@ -3123,10 +3903,10 @@
           <a:lstStyle/>
           <a:p>
             <a:r>
-              <a:rPr lang="en-US" smtClean="0"/>
+              <a:rPr lang="en-US"/>
               <a:t>Click to edit Master title style</a:t>
             </a:r>
-            <a:endParaRPr lang="en-US"/>
+            <a:endParaRPr lang="en-US" dirty="0"/>
           </a:p>
         </p:txBody>
       </p:sp>
@@ -3142,50 +3922,50 @@
         </p:nvSpPr>
         <p:spPr>
           <a:xfrm>
-            <a:off x="1066800" y="1676400"/>
-            <a:ext cx="10058400" cy="4343400"/>
+            <a:off x="1097280" y="1845734"/>
+            <a:ext cx="10058400" cy="4023360"/>
           </a:xfrm>
           <a:prstGeom prst="rect">
             <a:avLst/>
           </a:prstGeom>
         </p:spPr>
         <p:txBody>
-          <a:bodyPr vert="horz" lIns="91440" tIns="45720" rIns="91440" bIns="45720" rtlCol="0">
+          <a:bodyPr vert="horz" lIns="0" tIns="45720" rIns="0" bIns="45720" rtlCol="0">
             <a:normAutofit/>
           </a:bodyPr>
           <a:lstStyle/>
           <a:p>
             <a:pPr lvl="0"/>
             <a:r>
-              <a:rPr lang="en-US" smtClean="0"/>
-              <a:t>Click to edit Master text styles</a:t>
+              <a:rPr lang="en-US"/>
+              <a:t>Edit Master text styles</a:t>
             </a:r>
           </a:p>
           <a:p>
             <a:pPr lvl="1"/>
             <a:r>
-              <a:rPr lang="en-US" smtClean="0"/>
+              <a:rPr lang="en-US"/>
               <a:t>Second level</a:t>
             </a:r>
           </a:p>
           <a:p>
             <a:pPr lvl="2"/>
             <a:r>
-              <a:rPr lang="en-US" smtClean="0"/>
+              <a:rPr lang="en-US"/>
               <a:t>Third level</a:t>
             </a:r>
           </a:p>
           <a:p>
             <a:pPr lvl="3"/>
             <a:r>
-              <a:rPr lang="en-US" smtClean="0"/>
+              <a:rPr lang="en-US"/>
               <a:t>Fourth level</a:t>
             </a:r>
           </a:p>
           <a:p>
             <a:pPr lvl="4"/>
             <a:r>
-              <a:rPr lang="en-US" smtClean="0"/>
+              <a:rPr lang="en-US"/>
               <a:t>Fifth level</a:t>
             </a:r>
             <a:endParaRPr lang="en-US" dirty="0"/>
@@ -3194,18 +3974,18 @@
       </p:sp>
       <p:sp>
         <p:nvSpPr>
-          <p:cNvPr id="5" name="Footer Placeholder 4"/>
-          <p:cNvSpPr>
-            <a:spLocks noGrp="1"/>
-          </p:cNvSpPr>
-          <p:nvPr>
-            <p:ph type="ftr" sz="quarter" idx="3"/>
+          <p:cNvPr id="4" name="Date Placeholder 3"/>
+          <p:cNvSpPr>
+            <a:spLocks noGrp="1"/>
+          </p:cNvSpPr>
+          <p:nvPr>
+            <p:ph type="dt" sz="half" idx="2"/>
           </p:nvPr>
         </p:nvSpPr>
         <p:spPr>
           <a:xfrm>
-            <a:off x="1070918" y="6392562"/>
-            <a:ext cx="7082481" cy="180976"/>
+            <a:off x="1097280" y="6459785"/>
+            <a:ext cx="2472271" cy="365125"/>
           </a:xfrm>
           <a:prstGeom prst="rect">
             <a:avLst/>
@@ -3215,37 +3995,37 @@
           <a:bodyPr vert="horz" lIns="91440" tIns="45720" rIns="91440" bIns="45720" rtlCol="0" anchor="ctr"/>
           <a:lstStyle>
             <a:lvl1pPr algn="l">
-              <a:defRPr sz="1100">
+              <a:defRPr sz="900">
                 <a:solidFill>
-                  <a:schemeClr val="tx1">
-                    <a:tint val="75000"/>
-                  </a:schemeClr>
+                  <a:srgbClr val="FFFFFF"/>
                 </a:solidFill>
               </a:defRPr>
             </a:lvl1pPr>
           </a:lstStyle>
           <a:p>
-            <a:r>
-              <a:rPr lang="en-US" dirty="0"/>
-              <a:t>Add a footer</a:t>
-            </a:r>
-          </a:p>
-        </p:txBody>
-      </p:sp>
-      <p:sp>
-        <p:nvSpPr>
-          <p:cNvPr id="4" name="Date Placeholder 3"/>
-          <p:cNvSpPr>
-            <a:spLocks noGrp="1"/>
-          </p:cNvSpPr>
-          <p:nvPr>
-            <p:ph type="dt" sz="half" idx="2"/>
+            <a:fld id="{3762EC29-B8C5-4C7A-B6DA-418494D5CB21}" type="datetimeFigureOut">
+              <a:rPr lang="en-US" smtClean="0"/>
+              <a:pPr/>
+              <a:t>4/26/17</a:t>
+            </a:fld>
+            <a:endParaRPr lang="en-US"/>
+          </a:p>
+        </p:txBody>
+      </p:sp>
+      <p:sp>
+        <p:nvSpPr>
+          <p:cNvPr id="5" name="Footer Placeholder 4"/>
+          <p:cNvSpPr>
+            <a:spLocks noGrp="1"/>
+          </p:cNvSpPr>
+          <p:nvPr>
+            <p:ph type="ftr" sz="quarter" idx="3"/>
           </p:nvPr>
         </p:nvSpPr>
         <p:spPr>
           <a:xfrm>
-            <a:off x="8534400" y="6392562"/>
-            <a:ext cx="1295400" cy="180976"/>
+            <a:off x="3686185" y="6459785"/>
+            <a:ext cx="4822804" cy="365125"/>
           </a:xfrm>
           <a:prstGeom prst="rect">
             <a:avLst/>
@@ -3254,23 +4034,20 @@
         <p:txBody>
           <a:bodyPr vert="horz" lIns="91440" tIns="45720" rIns="91440" bIns="45720" rtlCol="0" anchor="ctr"/>
           <a:lstStyle>
-            <a:lvl1pPr algn="r">
-              <a:defRPr sz="1100">
+            <a:lvl1pPr algn="ctr">
+              <a:defRPr sz="900" cap="all" baseline="0">
                 <a:solidFill>
-                  <a:schemeClr val="tx1">
-                    <a:tint val="75000"/>
-                  </a:schemeClr>
+                  <a:srgbClr val="FFFFFF"/>
                 </a:solidFill>
               </a:defRPr>
             </a:lvl1pPr>
           </a:lstStyle>
           <a:p>
-            <a:fld id="{3762EC29-B8C5-4C7A-B6DA-418494D5CB21}" type="datetimeFigureOut">
-              <a:rPr lang="en-US" smtClean="0"/>
-              <a:pPr/>
-              <a:t>4/23/17</a:t>
-            </a:fld>
-            <a:endParaRPr lang="en-US"/>
+            <a:r>
+              <a:rPr lang="en-US"/>
+              <a:t>Add a footer</a:t>
+            </a:r>
+            <a:endParaRPr lang="en-US" dirty="0"/>
           </a:p>
         </p:txBody>
       </p:sp>
@@ -3286,8 +4063,8 @@
         </p:nvSpPr>
         <p:spPr>
           <a:xfrm>
-            <a:off x="10058400" y="6392562"/>
-            <a:ext cx="1066800" cy="180976"/>
+            <a:off x="9900458" y="6459785"/>
+            <a:ext cx="1312025" cy="365125"/>
           </a:xfrm>
           <a:prstGeom prst="rect">
             <a:avLst/>
@@ -3297,11 +4074,9 @@
           <a:bodyPr vert="horz" lIns="91440" tIns="45720" rIns="91440" bIns="45720" rtlCol="0" anchor="ctr"/>
           <a:lstStyle>
             <a:lvl1pPr algn="r">
-              <a:defRPr sz="1100">
+              <a:defRPr sz="1050">
                 <a:solidFill>
-                  <a:schemeClr val="tx1">
-                    <a:tint val="75000"/>
-                  </a:schemeClr>
+                  <a:srgbClr val="FFFFFF"/>
                 </a:solidFill>
               </a:defRPr>
             </a:lvl1pPr>
@@ -3316,26 +4091,64 @@
           </a:p>
         </p:txBody>
       </p:sp>
+      <p:cxnSp>
+        <p:nvCxnSpPr>
+          <p:cNvPr id="10" name="Straight Connector 9"/>
+          <p:cNvCxnSpPr/>
+          <p:nvPr/>
+        </p:nvCxnSpPr>
+        <p:spPr>
+          <a:xfrm>
+            <a:off x="1193532" y="1737845"/>
+            <a:ext cx="9966960" cy="0"/>
+          </a:xfrm>
+          <a:prstGeom prst="line">
+            <a:avLst/>
+          </a:prstGeom>
+          <a:ln w="6350">
+            <a:solidFill>
+              <a:schemeClr val="tx1">
+                <a:lumMod val="50000"/>
+                <a:lumOff val="50000"/>
+              </a:schemeClr>
+            </a:solidFill>
+          </a:ln>
+        </p:spPr>
+        <p:style>
+          <a:lnRef idx="1">
+            <a:schemeClr val="accent1"/>
+          </a:lnRef>
+          <a:fillRef idx="0">
+            <a:schemeClr val="accent1"/>
+          </a:fillRef>
+          <a:effectRef idx="0">
+            <a:schemeClr val="accent1"/>
+          </a:effectRef>
+          <a:fontRef idx="minor">
+            <a:schemeClr val="tx1"/>
+          </a:fontRef>
+        </p:style>
+      </p:cxnSp>
     </p:spTree>
     <p:extLst>
       <p:ext uri="{BB962C8B-B14F-4D97-AF65-F5344CB8AC3E}">
-        <p14:creationId xmlns:p14="http://schemas.microsoft.com/office/powerpoint/2010/main" val="2569209519"/>
+        <p14:creationId xmlns:p14="http://schemas.microsoft.com/office/powerpoint/2010/main" val="2810745890"/>
       </p:ext>
     </p:extLst>
   </p:cSld>
-  <p:clrMap bg1="dk1" tx1="lt1" bg2="dk2" tx2="lt2" accent1="accent1" accent2="accent2" accent3="accent3" accent4="accent4" accent5="accent5" accent6="accent6" hlink="hlink" folHlink="folHlink"/>
+  <p:clrMap bg1="lt1" tx1="dk1" bg2="lt2" tx2="dk2" accent1="accent1" accent2="accent2" accent3="accent3" accent4="accent4" accent5="accent5" accent6="accent6" hlink="hlink" folHlink="folHlink"/>
   <p:sldLayoutIdLst>
-    <p:sldLayoutId id="2147483649" r:id="rId1"/>
-    <p:sldLayoutId id="2147483650" r:id="rId2"/>
-    <p:sldLayoutId id="2147483651" r:id="rId3"/>
-    <p:sldLayoutId id="2147483652" r:id="rId4"/>
-    <p:sldLayoutId id="2147483653" r:id="rId5"/>
-    <p:sldLayoutId id="2147483654" r:id="rId6"/>
-    <p:sldLayoutId id="2147483655" r:id="rId7"/>
-    <p:sldLayoutId id="2147483656" r:id="rId8"/>
-    <p:sldLayoutId id="2147483657" r:id="rId9"/>
-    <p:sldLayoutId id="2147483658" r:id="rId10"/>
-    <p:sldLayoutId id="2147483659" r:id="rId11"/>
+    <p:sldLayoutId id="2147483732" r:id="rId1"/>
+    <p:sldLayoutId id="2147483733" r:id="rId2"/>
+    <p:sldLayoutId id="2147483734" r:id="rId3"/>
+    <p:sldLayoutId id="2147483735" r:id="rId4"/>
+    <p:sldLayoutId id="2147483736" r:id="rId5"/>
+    <p:sldLayoutId id="2147483737" r:id="rId6"/>
+    <p:sldLayoutId id="2147483738" r:id="rId7"/>
+    <p:sldLayoutId id="2147483739" r:id="rId8"/>
+    <p:sldLayoutId id="2147483740" r:id="rId9"/>
+    <p:sldLayoutId id="2147483741" r:id="rId10"/>
+    <p:sldLayoutId id="2147483742" r:id="rId11"/>
   </p:sldLayoutIdLst>
   <mc:AlternateContent xmlns:mc="http://schemas.openxmlformats.org/markup-compatibility/2006" xmlns:p14="http://schemas.microsoft.com/office/powerpoint/2010/main">
     <mc:Choice Requires="p14">
@@ -3353,15 +4166,18 @@
     <p:titleStyle>
       <a:lvl1pPr algn="l" defTabSz="914400" rtl="0" eaLnBrk="1" latinLnBrk="0" hangingPunct="1">
         <a:lnSpc>
-          <a:spcPct val="90000"/>
+          <a:spcPct val="85000"/>
         </a:lnSpc>
         <a:spcBef>
           <a:spcPct val="0"/>
         </a:spcBef>
         <a:buNone/>
-        <a:defRPr sz="3600" kern="1200">
+        <a:defRPr sz="4800" kern="1200" spc="-50" baseline="0">
           <a:solidFill>
-            <a:schemeClr val="tx1"/>
+            <a:schemeClr val="tx1">
+              <a:lumMod val="75000"/>
+              <a:lumOff val="25000"/>
+            </a:schemeClr>
           </a:solidFill>
           <a:latin typeface="+mj-lt"/>
           <a:ea typeface="+mj-ea"/>
@@ -3370,162 +4186,244 @@
       </a:lvl1pPr>
     </p:titleStyle>
     <p:bodyStyle>
-      <a:lvl1pPr marL="228600" indent="-228600" algn="l" defTabSz="914400" rtl="0" eaLnBrk="1" latinLnBrk="0" hangingPunct="1">
+      <a:lvl1pPr marL="91440" indent="-91440" algn="l" defTabSz="914400" rtl="0" eaLnBrk="1" latinLnBrk="0" hangingPunct="1">
         <a:lnSpc>
           <a:spcPct val="90000"/>
         </a:lnSpc>
         <a:spcBef>
-          <a:spcPts val="1800"/>
+          <a:spcPts val="1200"/>
         </a:spcBef>
-        <a:buFont typeface="Arial" panose="020B0604020202020204" pitchFamily="34" charset="0"/>
-        <a:buChar char="•"/>
-        <a:defRPr sz="2400" kern="1200">
+        <a:spcAft>
+          <a:spcPts val="200"/>
+        </a:spcAft>
+        <a:buClr>
+          <a:schemeClr val="accent1"/>
+        </a:buClr>
+        <a:buSzPct val="100000"/>
+        <a:buFont typeface="Calibri" panose="020F0502020204030204" pitchFamily="34" charset="0"/>
+        <a:buChar char=" "/>
+        <a:defRPr sz="2000" kern="1200">
           <a:solidFill>
-            <a:schemeClr val="tx1"/>
+            <a:schemeClr val="tx1">
+              <a:lumMod val="75000"/>
+              <a:lumOff val="25000"/>
+            </a:schemeClr>
           </a:solidFill>
           <a:latin typeface="+mn-lt"/>
           <a:ea typeface="+mn-ea"/>
           <a:cs typeface="+mn-cs"/>
         </a:defRPr>
       </a:lvl1pPr>
-      <a:lvl2pPr marL="502920" indent="-228600" algn="l" defTabSz="914400" rtl="0" eaLnBrk="1" latinLnBrk="0" hangingPunct="1">
+      <a:lvl2pPr marL="384048" indent="-182880" algn="l" defTabSz="914400" rtl="0" eaLnBrk="1" latinLnBrk="0" hangingPunct="1">
         <a:lnSpc>
           <a:spcPct val="90000"/>
         </a:lnSpc>
         <a:spcBef>
-          <a:spcPts val="1200"/>
+          <a:spcPts val="200"/>
         </a:spcBef>
-        <a:buFont typeface="Arial" panose="020B0604020202020204" pitchFamily="34" charset="0"/>
-        <a:buChar char="•"/>
-        <a:defRPr sz="2000" kern="1200">
+        <a:spcAft>
+          <a:spcPts val="400"/>
+        </a:spcAft>
+        <a:buClr>
+          <a:schemeClr val="accent1"/>
+        </a:buClr>
+        <a:buFont typeface="Calibri" pitchFamily="34" charset="0"/>
+        <a:buChar char="◦"/>
+        <a:defRPr sz="1800" kern="1200">
           <a:solidFill>
-            <a:schemeClr val="tx1"/>
+            <a:schemeClr val="tx1">
+              <a:lumMod val="75000"/>
+              <a:lumOff val="25000"/>
+            </a:schemeClr>
           </a:solidFill>
           <a:latin typeface="+mn-lt"/>
           <a:ea typeface="+mn-ea"/>
           <a:cs typeface="+mn-cs"/>
         </a:defRPr>
       </a:lvl2pPr>
-      <a:lvl3pPr marL="777240" indent="-228600" algn="l" defTabSz="914400" rtl="0" eaLnBrk="1" latinLnBrk="0" hangingPunct="1">
+      <a:lvl3pPr marL="566928" indent="-182880" algn="l" defTabSz="914400" rtl="0" eaLnBrk="1" latinLnBrk="0" hangingPunct="1">
         <a:lnSpc>
           <a:spcPct val="90000"/>
         </a:lnSpc>
         <a:spcBef>
-          <a:spcPts val="600"/>
+          <a:spcPts val="200"/>
         </a:spcBef>
-        <a:buFont typeface="Arial" panose="020B0604020202020204" pitchFamily="34" charset="0"/>
-        <a:buChar char="•"/>
-        <a:defRPr sz="1800" kern="1200">
+        <a:spcAft>
+          <a:spcPts val="400"/>
+        </a:spcAft>
+        <a:buClr>
+          <a:schemeClr val="accent1"/>
+        </a:buClr>
+        <a:buFont typeface="Calibri" pitchFamily="34" charset="0"/>
+        <a:buChar char="◦"/>
+        <a:defRPr sz="1400" kern="1200">
           <a:solidFill>
-            <a:schemeClr val="tx1"/>
+            <a:schemeClr val="tx1">
+              <a:lumMod val="75000"/>
+              <a:lumOff val="25000"/>
+            </a:schemeClr>
           </a:solidFill>
           <a:latin typeface="+mn-lt"/>
           <a:ea typeface="+mn-ea"/>
           <a:cs typeface="+mn-cs"/>
         </a:defRPr>
       </a:lvl3pPr>
-      <a:lvl4pPr marL="1051560" indent="-228600" algn="l" defTabSz="914400" rtl="0" eaLnBrk="1" latinLnBrk="0" hangingPunct="1">
+      <a:lvl4pPr marL="749808" indent="-182880" algn="l" defTabSz="914400" rtl="0" eaLnBrk="1" latinLnBrk="0" hangingPunct="1">
         <a:lnSpc>
           <a:spcPct val="90000"/>
         </a:lnSpc>
         <a:spcBef>
-          <a:spcPts val="600"/>
+          <a:spcPts val="200"/>
         </a:spcBef>
-        <a:buFont typeface="Arial" panose="020B0604020202020204" pitchFamily="34" charset="0"/>
-        <a:buChar char="•"/>
-        <a:defRPr sz="1600" kern="1200">
+        <a:spcAft>
+          <a:spcPts val="400"/>
+        </a:spcAft>
+        <a:buClr>
+          <a:schemeClr val="accent1"/>
+        </a:buClr>
+        <a:buFont typeface="Calibri" pitchFamily="34" charset="0"/>
+        <a:buChar char="◦"/>
+        <a:defRPr sz="1400" kern="1200">
           <a:solidFill>
-            <a:schemeClr val="tx1"/>
+            <a:schemeClr val="tx1">
+              <a:lumMod val="75000"/>
+              <a:lumOff val="25000"/>
+            </a:schemeClr>
           </a:solidFill>
           <a:latin typeface="+mn-lt"/>
           <a:ea typeface="+mn-ea"/>
           <a:cs typeface="+mn-cs"/>
         </a:defRPr>
       </a:lvl4pPr>
-      <a:lvl5pPr marL="1325880" indent="-228600" algn="l" defTabSz="914400" rtl="0" eaLnBrk="1" latinLnBrk="0" hangingPunct="1">
+      <a:lvl5pPr marL="932688" indent="-182880" algn="l" defTabSz="914400" rtl="0" eaLnBrk="1" latinLnBrk="0" hangingPunct="1">
         <a:lnSpc>
           <a:spcPct val="90000"/>
         </a:lnSpc>
         <a:spcBef>
-          <a:spcPts val="600"/>
+          <a:spcPts val="200"/>
         </a:spcBef>
-        <a:buFont typeface="Arial" panose="020B0604020202020204" pitchFamily="34" charset="0"/>
-        <a:buChar char="•"/>
-        <a:defRPr sz="1600" kern="1200">
+        <a:spcAft>
+          <a:spcPts val="400"/>
+        </a:spcAft>
+        <a:buClr>
+          <a:schemeClr val="accent1"/>
+        </a:buClr>
+        <a:buFont typeface="Calibri" pitchFamily="34" charset="0"/>
+        <a:buChar char="◦"/>
+        <a:defRPr sz="1400" kern="1200">
           <a:solidFill>
-            <a:schemeClr val="tx1"/>
+            <a:schemeClr val="tx1">
+              <a:lumMod val="75000"/>
+              <a:lumOff val="25000"/>
+            </a:schemeClr>
           </a:solidFill>
           <a:latin typeface="+mn-lt"/>
           <a:ea typeface="+mn-ea"/>
           <a:cs typeface="+mn-cs"/>
         </a:defRPr>
       </a:lvl5pPr>
-      <a:lvl6pPr marL="1600200" indent="-228600" algn="l" defTabSz="914400" rtl="0" eaLnBrk="1" latinLnBrk="0" hangingPunct="1">
+      <a:lvl6pPr marL="1100000" indent="-228600" algn="l" defTabSz="914400" rtl="0" eaLnBrk="1" latinLnBrk="0" hangingPunct="1">
         <a:lnSpc>
           <a:spcPct val="90000"/>
         </a:lnSpc>
         <a:spcBef>
-          <a:spcPts val="600"/>
+          <a:spcPts val="200"/>
         </a:spcBef>
-        <a:buFont typeface="Arial" panose="020B0604020202020204" pitchFamily="34" charset="0"/>
-        <a:buChar char="•"/>
-        <a:defRPr sz="1600" kern="1200">
+        <a:spcAft>
+          <a:spcPts val="400"/>
+        </a:spcAft>
+        <a:buClr>
+          <a:schemeClr val="accent1"/>
+        </a:buClr>
+        <a:buFont typeface="Calibri" pitchFamily="34" charset="0"/>
+        <a:buChar char="◦"/>
+        <a:defRPr sz="1400" kern="1200">
           <a:solidFill>
-            <a:schemeClr val="tx1"/>
+            <a:schemeClr val="tx1">
+              <a:lumMod val="75000"/>
+              <a:lumOff val="25000"/>
+            </a:schemeClr>
           </a:solidFill>
           <a:latin typeface="+mn-lt"/>
           <a:ea typeface="+mn-ea"/>
           <a:cs typeface="+mn-cs"/>
         </a:defRPr>
       </a:lvl6pPr>
-      <a:lvl7pPr marL="1874520" indent="-228600" algn="l" defTabSz="914400" rtl="0" eaLnBrk="1" latinLnBrk="0" hangingPunct="1">
+      <a:lvl7pPr marL="1300000" indent="-228600" algn="l" defTabSz="914400" rtl="0" eaLnBrk="1" latinLnBrk="0" hangingPunct="1">
         <a:lnSpc>
           <a:spcPct val="90000"/>
         </a:lnSpc>
         <a:spcBef>
-          <a:spcPts val="600"/>
+          <a:spcPts val="200"/>
         </a:spcBef>
-        <a:buFont typeface="Arial" panose="020B0604020202020204" pitchFamily="34" charset="0"/>
-        <a:buChar char="•"/>
-        <a:defRPr sz="1600" kern="1200">
+        <a:spcAft>
+          <a:spcPts val="400"/>
+        </a:spcAft>
+        <a:buClr>
+          <a:schemeClr val="accent1"/>
+        </a:buClr>
+        <a:buFont typeface="Calibri" pitchFamily="34" charset="0"/>
+        <a:buChar char="◦"/>
+        <a:defRPr sz="1400" kern="1200">
           <a:solidFill>
-            <a:schemeClr val="tx1"/>
+            <a:schemeClr val="tx1">
+              <a:lumMod val="75000"/>
+              <a:lumOff val="25000"/>
+            </a:schemeClr>
           </a:solidFill>
           <a:latin typeface="+mn-lt"/>
           <a:ea typeface="+mn-ea"/>
           <a:cs typeface="+mn-cs"/>
         </a:defRPr>
       </a:lvl7pPr>
-      <a:lvl8pPr marL="2148840" indent="-228600" algn="l" defTabSz="914400" rtl="0" eaLnBrk="1" latinLnBrk="0" hangingPunct="1">
+      <a:lvl8pPr marL="1500000" indent="-228600" algn="l" defTabSz="914400" rtl="0" eaLnBrk="1" latinLnBrk="0" hangingPunct="1">
         <a:lnSpc>
           <a:spcPct val="90000"/>
         </a:lnSpc>
         <a:spcBef>
-          <a:spcPts val="600"/>
+          <a:spcPts val="200"/>
         </a:spcBef>
-        <a:buFont typeface="Arial" panose="020B0604020202020204" pitchFamily="34" charset="0"/>
-        <a:buChar char="•"/>
-        <a:defRPr sz="1600" kern="1200">
+        <a:spcAft>
+          <a:spcPts val="400"/>
+        </a:spcAft>
+        <a:buClr>
+          <a:schemeClr val="accent1"/>
+        </a:buClr>
+        <a:buFont typeface="Calibri" pitchFamily="34" charset="0"/>
+        <a:buChar char="◦"/>
+        <a:defRPr sz="1400" kern="1200">
           <a:solidFill>
-            <a:schemeClr val="tx1"/>
+            <a:schemeClr val="tx1">
+              <a:lumMod val="75000"/>
+              <a:lumOff val="25000"/>
+            </a:schemeClr>
           </a:solidFill>
           <a:latin typeface="+mn-lt"/>
           <a:ea typeface="+mn-ea"/>
           <a:cs typeface="+mn-cs"/>
         </a:defRPr>
       </a:lvl8pPr>
-      <a:lvl9pPr marL="2423160" indent="-228600" algn="l" defTabSz="914400" rtl="0" eaLnBrk="1" latinLnBrk="0" hangingPunct="1">
+      <a:lvl9pPr marL="1700000" indent="-228600" algn="l" defTabSz="914400" rtl="0" eaLnBrk="1" latinLnBrk="0" hangingPunct="1">
         <a:lnSpc>
           <a:spcPct val="90000"/>
         </a:lnSpc>
         <a:spcBef>
-          <a:spcPts val="600"/>
+          <a:spcPts val="200"/>
         </a:spcBef>
-        <a:buFont typeface="Arial" panose="020B0604020202020204" pitchFamily="34" charset="0"/>
-        <a:buChar char="•"/>
-        <a:defRPr sz="1600" kern="1200">
+        <a:spcAft>
+          <a:spcPts val="400"/>
+        </a:spcAft>
+        <a:buClr>
+          <a:schemeClr val="accent1"/>
+        </a:buClr>
+        <a:buFont typeface="Calibri" pitchFamily="34" charset="0"/>
+        <a:buChar char="◦"/>
+        <a:defRPr sz="1400" kern="1200">
           <a:solidFill>
-            <a:schemeClr val="tx1"/>
+            <a:schemeClr val="tx1">
+              <a:lumMod val="75000"/>
+              <a:lumOff val="25000"/>
+            </a:schemeClr>
           </a:solidFill>
           <a:latin typeface="+mn-lt"/>
           <a:ea typeface="+mn-ea"/>
@@ -3629,7 +4527,7 @@
       </a:lvl9pPr>
     </p:otherStyle>
   </p:txStyles>
-  <p:extLst mod="1">
+  <p:extLst>
     <p:ext uri="{27BBF7A9-308A-43DC-89C8-2F10F3537804}">
       <p15:sldGuideLst xmlns:p15="http://schemas.microsoft.com/office/powerpoint/2012/main">
         <p15:guide id="1" pos="3840" userDrawn="1">
@@ -3678,22 +4576,21 @@
         <p:spPr/>
         <p:txBody>
           <a:bodyPr>
-            <a:normAutofit fontScale="90000"/>
+            <a:normAutofit/>
           </a:bodyPr>
           <a:lstStyle/>
           <a:p>
             <a:r>
-              <a:rPr lang="en-US" dirty="0" smtClean="0"/>
+              <a:rPr lang="en-US" dirty="0"/>
               <a:t>NCAA March Madness Bracket</a:t>
             </a:r>
             <a:br>
-              <a:rPr lang="en-US" dirty="0" smtClean="0"/>
+              <a:rPr lang="en-US" dirty="0"/>
             </a:br>
             <a:r>
-              <a:rPr lang="en-US" dirty="0" smtClean="0"/>
+              <a:rPr lang="en-US" dirty="0"/>
               <a:t>Predictive Analytics</a:t>
             </a:r>
-            <a:endParaRPr lang="en-US" dirty="0"/>
           </a:p>
         </p:txBody>
       </p:sp>
@@ -3713,10 +4610,9 @@
           <a:lstStyle/>
           <a:p>
             <a:r>
-              <a:rPr lang="en-US" dirty="0" smtClean="0"/>
+              <a:rPr lang="en-US" dirty="0"/>
               <a:t>Farshad Miraftab, Matthew Rosendin, Nabeel Saleem</a:t>
             </a:r>
-            <a:endParaRPr lang="en-US" dirty="0"/>
           </a:p>
         </p:txBody>
       </p:sp>
@@ -3778,18 +4674,89 @@
           <a:lstStyle/>
           <a:p>
             <a:r>
-              <a:rPr lang="en-US" dirty="0" smtClean="0"/>
+              <a:rPr lang="en-US" dirty="0"/>
               <a:t>Results </a:t>
             </a:r>
             <a:r>
-              <a:rPr lang="mr-IN" dirty="0" smtClean="0"/>
+              <a:rPr lang="mr-IN" dirty="0"/>
               <a:t>–</a:t>
             </a:r>
             <a:r>
-              <a:rPr lang="en-US" dirty="0" smtClean="0"/>
+              <a:rPr lang="en-US" dirty="0"/>
+              <a:t> Classification Algorithms</a:t>
+            </a:r>
+          </a:p>
+        </p:txBody>
+      </p:sp>
+    </p:spTree>
+    <p:extLst>
+      <p:ext uri="{BB962C8B-B14F-4D97-AF65-F5344CB8AC3E}">
+        <p14:creationId xmlns:p14="http://schemas.microsoft.com/office/powerpoint/2010/main" val="28387496"/>
+      </p:ext>
+    </p:extLst>
+  </p:cSld>
+  <p:clrMapOvr>
+    <a:masterClrMapping/>
+  </p:clrMapOvr>
+  <mc:AlternateContent xmlns:mc="http://schemas.openxmlformats.org/markup-compatibility/2006" xmlns:p14="http://schemas.microsoft.com/office/powerpoint/2010/main">
+    <mc:Choice Requires="p14">
+      <p:transition spd="med" p14:dur="700">
+        <p:fade/>
+      </p:transition>
+    </mc:Choice>
+    <mc:Fallback xmlns="">
+      <p:transition spd="med">
+        <p:fade/>
+      </p:transition>
+    </mc:Fallback>
+  </mc:AlternateContent>
+</p:sld>
+</file>
+
+<file path=ppt/slides/slide11.xml><?xml version="1.0" encoding="utf-8"?>
+<p:sld xmlns:a="http://schemas.openxmlformats.org/drawingml/2006/main" xmlns:r="http://schemas.openxmlformats.org/officeDocument/2006/relationships" xmlns:p="http://schemas.openxmlformats.org/presentationml/2006/main">
+  <p:cSld>
+    <p:spTree>
+      <p:nvGrpSpPr>
+        <p:cNvPr id="1" name=""/>
+        <p:cNvGrpSpPr/>
+        <p:nvPr/>
+      </p:nvGrpSpPr>
+      <p:grpSpPr>
+        <a:xfrm>
+          <a:off x="0" y="0"/>
+          <a:ext cx="0" cy="0"/>
+          <a:chOff x="0" y="0"/>
+          <a:chExt cx="0" cy="0"/>
+        </a:xfrm>
+      </p:grpSpPr>
+      <p:sp>
+        <p:nvSpPr>
+          <p:cNvPr id="2" name="Title 1"/>
+          <p:cNvSpPr>
+            <a:spLocks noGrp="1"/>
+          </p:cNvSpPr>
+          <p:nvPr>
+            <p:ph type="title"/>
+          </p:nvPr>
+        </p:nvSpPr>
+        <p:spPr/>
+        <p:txBody>
+          <a:bodyPr/>
+          <a:lstStyle/>
+          <a:p>
+            <a:r>
+              <a:rPr lang="en-US" dirty="0"/>
+              <a:t>Results </a:t>
+            </a:r>
+            <a:r>
+              <a:rPr lang="mr-IN" dirty="0"/>
+              <a:t>–</a:t>
+            </a:r>
+            <a:r>
+              <a:rPr lang="en-US" dirty="0"/>
               <a:t> Simulation</a:t>
             </a:r>
-            <a:endParaRPr lang="en-US" dirty="0"/>
           </a:p>
         </p:txBody>
       </p:sp>
@@ -3851,10 +4818,9 @@
           <a:lstStyle/>
           <a:p>
             <a:r>
-              <a:rPr lang="en-US" dirty="0" smtClean="0"/>
-              <a:t>Goal</a:t>
-            </a:r>
-            <a:endParaRPr lang="en-US" dirty="0"/>
+              <a:rPr lang="en-US" dirty="0"/>
+              <a:t>Agenda</a:t>
+            </a:r>
           </a:p>
         </p:txBody>
       </p:sp>
@@ -3876,13 +4842,86 @@
         </p:spPr>
         <p:txBody>
           <a:bodyPr>
-            <a:normAutofit/>
+            <a:normAutofit fontScale="92500" lnSpcReduction="10000"/>
           </a:bodyPr>
           <a:lstStyle/>
           <a:p>
+            <a:endParaRPr lang="en-US" dirty="0"/>
+          </a:p>
+          <a:p>
+            <a:pPr algn="ctr"/>
+            <a:r>
+              <a:rPr lang="en-US" b="1" dirty="0"/>
+              <a:t>GOAL: Correctly predict the true NCAA tournament bracket for 2017 (and future years)</a:t>
+            </a:r>
+          </a:p>
+          <a:p>
+            <a:r>
+              <a:rPr lang="en-US" dirty="0"/>
+              <a:t>Tournament Overview</a:t>
+            </a:r>
+          </a:p>
+          <a:p>
+            <a:r>
+              <a:rPr lang="en-US" dirty="0"/>
+              <a:t>Descriptive Analytics</a:t>
+            </a:r>
+          </a:p>
+          <a:p>
+            <a:r>
+              <a:rPr lang="en-US" dirty="0"/>
+              <a:t>Dataset</a:t>
+            </a:r>
+          </a:p>
+          <a:p>
+            <a:pPr lvl="1"/>
+            <a:r>
+              <a:rPr lang="en-US" dirty="0"/>
+              <a:t>Data Cleanup</a:t>
+            </a:r>
+          </a:p>
+          <a:p>
+            <a:pPr lvl="1"/>
+            <a:r>
+              <a:rPr lang="en-US" dirty="0"/>
+              <a:t>Feature Description and </a:t>
+            </a:r>
             <a:r>
               <a:rPr lang="en-US" dirty="0" smtClean="0"/>
-              <a:t>Correctly predict the true NCAA tournament bracket for 2017 (and future years)</a:t>
+              <a:t>Selection</a:t>
+            </a:r>
+            <a:endParaRPr lang="en-US" dirty="0"/>
+          </a:p>
+          <a:p>
+            <a:r>
+              <a:rPr lang="en-US" dirty="0"/>
+              <a:t>Method Overview</a:t>
+            </a:r>
+          </a:p>
+          <a:p>
+            <a:pPr lvl="1"/>
+            <a:r>
+              <a:rPr lang="en-US" dirty="0"/>
+              <a:t>Classification Algorithms</a:t>
+            </a:r>
+          </a:p>
+          <a:p>
+            <a:pPr lvl="1"/>
+            <a:r>
+              <a:rPr lang="en-US" dirty="0"/>
+              <a:t>Simulation</a:t>
+            </a:r>
+          </a:p>
+          <a:p>
+            <a:r>
+              <a:rPr lang="en-US" dirty="0"/>
+              <a:t>Classification Algorithm Results</a:t>
+            </a:r>
+          </a:p>
+          <a:p>
+            <a:r>
+              <a:rPr lang="en-US" dirty="0"/>
+              <a:t>Simulation Results</a:t>
             </a:r>
           </a:p>
         </p:txBody>
@@ -3890,7 +4929,7 @@
     </p:spTree>
     <p:extLst>
       <p:ext uri="{BB962C8B-B14F-4D97-AF65-F5344CB8AC3E}">
-        <p14:creationId xmlns:p14="http://schemas.microsoft.com/office/powerpoint/2010/main" val="258171886"/>
+        <p14:creationId xmlns:p14="http://schemas.microsoft.com/office/powerpoint/2010/main" val="2905083717"/>
       </p:ext>
     </p:extLst>
   </p:cSld>
@@ -3945,10 +4984,9 @@
           <a:lstStyle/>
           <a:p>
             <a:r>
-              <a:rPr lang="en-US" dirty="0" smtClean="0"/>
-              <a:t>Agenda</a:t>
-            </a:r>
-            <a:endParaRPr lang="en-US" dirty="0"/>
+              <a:rPr lang="en-US" dirty="0"/>
+              <a:t>Tournament Overview</a:t>
+            </a:r>
           </a:p>
         </p:txBody>
       </p:sp>
@@ -3970,61 +5008,129 @@
         </p:spPr>
         <p:txBody>
           <a:bodyPr>
-            <a:normAutofit fontScale="92500" lnSpcReduction="10000"/>
+            <a:normAutofit/>
           </a:bodyPr>
           <a:lstStyle/>
           <a:p>
-            <a:endParaRPr lang="en-US" dirty="0" smtClean="0"/>
-          </a:p>
-          <a:p>
-            <a:r>
-              <a:rPr lang="en-US" dirty="0" smtClean="0"/>
-              <a:t>Tournament Overview</a:t>
-            </a:r>
-          </a:p>
-          <a:p>
-            <a:r>
-              <a:rPr lang="en-US" dirty="0" smtClean="0"/>
-              <a:t>Descriptive Analytics</a:t>
-            </a:r>
-          </a:p>
-          <a:p>
-            <a:r>
-              <a:rPr lang="en-US" dirty="0" smtClean="0"/>
-              <a:t>Dataset</a:t>
-            </a:r>
-          </a:p>
-          <a:p>
-            <a:r>
-              <a:rPr lang="en-US" dirty="0" smtClean="0"/>
-              <a:t>Method Overview</a:t>
-            </a:r>
-          </a:p>
-          <a:p>
-            <a:pPr lvl="1"/>
-            <a:r>
-              <a:rPr lang="en-US" dirty="0" smtClean="0"/>
-              <a:t>Classification Algorithms</a:t>
-            </a:r>
-          </a:p>
-          <a:p>
-            <a:pPr lvl="1"/>
-            <a:r>
-              <a:rPr lang="en-US" dirty="0" smtClean="0"/>
-              <a:t>Simulation</a:t>
-            </a:r>
             <a:endParaRPr lang="en-US" dirty="0"/>
           </a:p>
           <a:p>
-            <a:r>
-              <a:rPr lang="en-US" dirty="0" smtClean="0"/>
-              <a:t>Classification Algorithm Results</a:t>
-            </a:r>
-          </a:p>
-          <a:p>
-            <a:r>
-              <a:rPr lang="en-US" dirty="0" smtClean="0"/>
-              <a:t>Simulation Results</a:t>
+            <a:pPr marL="342900" indent="-342900">
+              <a:buFontTx/>
+              <a:buChar char="-"/>
+            </a:pPr>
+            <a:r>
+              <a:rPr lang="en-US" dirty="0"/>
+              <a:t>Annual college basketball tournament</a:t>
+            </a:r>
+          </a:p>
+          <a:p>
+            <a:pPr marL="342900" indent="-342900">
+              <a:buFontTx/>
+              <a:buChar char="-"/>
+            </a:pPr>
+            <a:r>
+              <a:rPr lang="en-US" dirty="0"/>
+              <a:t>The ‘top’ 64 teams are admitted to the tournament</a:t>
+            </a:r>
+          </a:p>
+          <a:p>
+            <a:pPr marL="342900" indent="-342900">
+              <a:buFontTx/>
+              <a:buChar char="-"/>
+            </a:pPr>
+            <a:r>
+              <a:rPr lang="en-US" dirty="0"/>
+              <a:t>Single game elimination (a total of 63 matches are played concluding the champions)</a:t>
+            </a:r>
+          </a:p>
+          <a:p>
+            <a:pPr marL="800100" lvl="1" indent="-342900">
+              <a:buFontTx/>
+              <a:buChar char="-"/>
+            </a:pPr>
+            <a:r>
+              <a:rPr lang="en-US" dirty="0"/>
+              <a:t>32 + 16 + 8 + 4 + 2 + Final = 6</a:t>
+            </a:r>
+          </a:p>
+          <a:p>
+            <a:pPr marL="342900" indent="-342900">
+              <a:buFontTx/>
+              <a:buChar char="-"/>
+            </a:pPr>
+            <a:r>
+              <a:rPr lang="en-US" dirty="0"/>
+              <a:t>There are 2</a:t>
+            </a:r>
+            <a:r>
+              <a:rPr lang="en-US" baseline="30000" dirty="0"/>
+              <a:t>63</a:t>
+            </a:r>
+            <a:r>
+              <a:rPr lang="en-US" dirty="0"/>
+              <a:t> ways of selecting a bracket (~9.2 quintillion ways – impossible!)</a:t>
+            </a:r>
+          </a:p>
+        </p:txBody>
+      </p:sp>
+      <p:sp>
+        <p:nvSpPr>
+          <p:cNvPr id="4" name="Speech Bubble: Rectangle 3"/>
+          <p:cNvSpPr/>
+          <p:nvPr/>
+        </p:nvSpPr>
+        <p:spPr>
+          <a:xfrm>
+            <a:off x="7924800" y="455542"/>
+            <a:ext cx="3657600" cy="873594"/>
+          </a:xfrm>
+          <a:prstGeom prst="wedgeRectCallout">
+            <a:avLst>
+              <a:gd name="adj1" fmla="val -77748"/>
+              <a:gd name="adj2" fmla="val 37260"/>
+            </a:avLst>
+          </a:prstGeom>
+          <a:solidFill>
+            <a:srgbClr val="FFC000"/>
+          </a:solidFill>
+        </p:spPr>
+        <p:style>
+          <a:lnRef idx="2">
+            <a:schemeClr val="accent1">
+              <a:shade val="50000"/>
+            </a:schemeClr>
+          </a:lnRef>
+          <a:fillRef idx="1">
+            <a:schemeClr val="accent1"/>
+          </a:fillRef>
+          <a:effectRef idx="0">
+            <a:schemeClr val="accent1"/>
+          </a:effectRef>
+          <a:fontRef idx="minor">
+            <a:schemeClr val="lt1"/>
+          </a:fontRef>
+        </p:style>
+        <p:txBody>
+          <a:bodyPr rtlCol="0" anchor="ctr"/>
+          <a:lstStyle/>
+          <a:p>
+            <a:pPr algn="ctr"/>
+            <a:r>
+              <a:rPr lang="en-US" sz="3600" dirty="0" err="1">
+                <a:solidFill>
+                  <a:sysClr val="windowText" lastClr="000000"/>
+                </a:solidFill>
+              </a:rPr>
+              <a:t>Nabeel</a:t>
+            </a:r>
+            <a:r>
+              <a:rPr lang="en-US" sz="3600" dirty="0">
+                <a:solidFill>
+                  <a:sysClr val="windowText" lastClr="000000"/>
+                </a:solidFill>
+              </a:rPr>
+              <a:t> to review</a:t>
             </a:r>
           </a:p>
         </p:txBody>
@@ -4032,7 +5138,7 @@
     </p:spTree>
     <p:extLst>
       <p:ext uri="{BB962C8B-B14F-4D97-AF65-F5344CB8AC3E}">
-        <p14:creationId xmlns:p14="http://schemas.microsoft.com/office/powerpoint/2010/main" val="2905083717"/>
+        <p14:creationId xmlns:p14="http://schemas.microsoft.com/office/powerpoint/2010/main" val="1613865036"/>
       </p:ext>
     </p:extLst>
   </p:cSld>
@@ -4081,70 +5187,202 @@
             <p:ph type="title"/>
           </p:nvPr>
         </p:nvSpPr>
+        <p:spPr/>
+        <p:txBody>
+          <a:bodyPr/>
+          <a:lstStyle/>
+          <a:p>
+            <a:r>
+              <a:rPr lang="en-US" dirty="0"/>
+              <a:t>Descriptive Analytics</a:t>
+            </a:r>
+          </a:p>
+        </p:txBody>
+      </p:sp>
+      <p:pic>
+        <p:nvPicPr>
+          <p:cNvPr id="14" name="Picture 13"/>
+          <p:cNvPicPr>
+            <a:picLocks noChangeAspect="1"/>
+          </p:cNvPicPr>
+          <p:nvPr/>
+        </p:nvPicPr>
+        <p:blipFill>
+          <a:blip r:embed="rId2">
+            <a:extLst>
+              <a:ext uri="{28A0092B-C50C-407E-A947-70E740481C1C}">
+                <a14:useLocalDpi xmlns:a14="http://schemas.microsoft.com/office/drawing/2010/main" val="0"/>
+              </a:ext>
+            </a:extLst>
+          </a:blip>
+          <a:stretch>
+            <a:fillRect/>
+          </a:stretch>
+        </p:blipFill>
         <p:spPr>
           <a:xfrm>
-            <a:off x="1060450" y="0"/>
-            <a:ext cx="10058400" cy="1752600"/>
+            <a:off x="1097280" y="2667000"/>
+            <a:ext cx="2082800" cy="2197100"/>
           </a:xfrm>
+          <a:prstGeom prst="rect">
+            <a:avLst/>
+          </a:prstGeom>
         </p:spPr>
-        <p:txBody>
-          <a:bodyPr/>
-          <a:lstStyle/>
-          <a:p>
-            <a:r>
-              <a:rPr lang="en-US" dirty="0" smtClean="0"/>
-              <a:t>Tournament Overview</a:t>
-            </a:r>
-            <a:endParaRPr lang="en-US" dirty="0"/>
-          </a:p>
-        </p:txBody>
-      </p:sp>
-      <p:sp>
-        <p:nvSpPr>
-          <p:cNvPr id="3" name="Text Placeholder 2"/>
-          <p:cNvSpPr>
-            <a:spLocks noGrp="1"/>
-          </p:cNvSpPr>
-          <p:nvPr>
-            <p:ph type="body" idx="1"/>
-          </p:nvPr>
-        </p:nvSpPr>
+      </p:pic>
+      <p:pic>
+        <p:nvPicPr>
+          <p:cNvPr id="15" name="Picture 14"/>
+          <p:cNvPicPr>
+            <a:picLocks noChangeAspect="1"/>
+          </p:cNvPicPr>
+          <p:nvPr/>
+        </p:nvPicPr>
+        <p:blipFill>
+          <a:blip r:embed="rId3">
+            <a:extLst>
+              <a:ext uri="{28A0092B-C50C-407E-A947-70E740481C1C}">
+                <a14:useLocalDpi xmlns:a14="http://schemas.microsoft.com/office/drawing/2010/main" val="0"/>
+              </a:ext>
+            </a:extLst>
+          </a:blip>
+          <a:stretch>
+            <a:fillRect/>
+          </a:stretch>
+        </p:blipFill>
         <p:spPr>
           <a:xfrm>
-            <a:off x="1060450" y="1981200"/>
-            <a:ext cx="10058400" cy="2743200"/>
+            <a:off x="3976733" y="2676979"/>
+            <a:ext cx="3086100" cy="2197100"/>
           </a:xfrm>
+          <a:prstGeom prst="rect">
+            <a:avLst/>
+          </a:prstGeom>
         </p:spPr>
-        <p:txBody>
-          <a:bodyPr/>
+      </p:pic>
+      <p:pic>
+        <p:nvPicPr>
+          <p:cNvPr id="18" name="Picture 17"/>
+          <p:cNvPicPr>
+            <a:picLocks noChangeAspect="1"/>
+          </p:cNvPicPr>
+          <p:nvPr/>
+        </p:nvPicPr>
+        <p:blipFill>
+          <a:blip r:embed="rId4">
+            <a:extLst>
+              <a:ext uri="{28A0092B-C50C-407E-A947-70E740481C1C}">
+                <a14:useLocalDpi xmlns:a14="http://schemas.microsoft.com/office/drawing/2010/main" val="0"/>
+              </a:ext>
+            </a:extLst>
+          </a:blip>
+          <a:stretch>
+            <a:fillRect/>
+          </a:stretch>
+        </p:blipFill>
+        <p:spPr>
+          <a:xfrm>
+            <a:off x="7848600" y="2705100"/>
+            <a:ext cx="2616200" cy="2120900"/>
+          </a:xfrm>
+          <a:prstGeom prst="rect">
+            <a:avLst/>
+          </a:prstGeom>
+        </p:spPr>
+      </p:pic>
+      <p:sp>
+        <p:nvSpPr>
+          <p:cNvPr id="19" name="TextBox 18"/>
+          <p:cNvSpPr txBox="1"/>
+          <p:nvPr/>
+        </p:nvSpPr>
+        <p:spPr>
+          <a:xfrm>
+            <a:off x="1506220" y="2286000"/>
+            <a:ext cx="1264920" cy="381000"/>
+          </a:xfrm>
+          <a:prstGeom prst="rect">
+            <a:avLst/>
+          </a:prstGeom>
+          <a:noFill/>
+        </p:spPr>
+        <p:txBody>
+          <a:bodyPr wrap="square" rtlCol="0">
+            <a:spAutoFit/>
+          </a:bodyPr>
           <a:lstStyle/>
           <a:p>
-            <a:pPr marL="342900" indent="-342900">
-              <a:buFontTx/>
-              <a:buChar char="-"/>
-            </a:pPr>
-            <a:r>
-              <a:rPr lang="en-US" dirty="0" smtClean="0"/>
-              <a:t>64 team playoff at regular season end</a:t>
-            </a:r>
-          </a:p>
-          <a:p>
-            <a:pPr marL="342900" indent="-342900">
-              <a:buFontTx/>
-              <a:buChar char="-"/>
-            </a:pPr>
-            <a:r>
-              <a:rPr lang="en-US" dirty="0" smtClean="0"/>
-              <a:t>Single game elimination</a:t>
-            </a:r>
-            <a:endParaRPr lang="en-US" dirty="0"/>
+            <a:r>
+              <a:rPr lang="en-US" smtClean="0"/>
+              <a:t>Most Titles</a:t>
+            </a:r>
+            <a:endParaRPr lang="en-US"/>
+          </a:p>
+        </p:txBody>
+      </p:sp>
+      <p:sp>
+        <p:nvSpPr>
+          <p:cNvPr id="20" name="TextBox 19"/>
+          <p:cNvSpPr txBox="1"/>
+          <p:nvPr/>
+        </p:nvSpPr>
+        <p:spPr>
+          <a:xfrm>
+            <a:off x="4267200" y="2286000"/>
+            <a:ext cx="2514600" cy="369332"/>
+          </a:xfrm>
+          <a:prstGeom prst="rect">
+            <a:avLst/>
+          </a:prstGeom>
+          <a:noFill/>
+        </p:spPr>
+        <p:txBody>
+          <a:bodyPr wrap="square" rtlCol="0">
+            <a:spAutoFit/>
+          </a:bodyPr>
+          <a:lstStyle/>
+          <a:p>
+            <a:r>
+              <a:rPr lang="en-US" smtClean="0"/>
+              <a:t>Most Finals Appearances</a:t>
+            </a:r>
+            <a:endParaRPr lang="en-US"/>
+          </a:p>
+        </p:txBody>
+      </p:sp>
+      <p:sp>
+        <p:nvSpPr>
+          <p:cNvPr id="21" name="TextBox 20"/>
+          <p:cNvSpPr txBox="1"/>
+          <p:nvPr/>
+        </p:nvSpPr>
+        <p:spPr>
+          <a:xfrm>
+            <a:off x="7658100" y="2335768"/>
+            <a:ext cx="2997200" cy="369332"/>
+          </a:xfrm>
+          <a:prstGeom prst="rect">
+            <a:avLst/>
+          </a:prstGeom>
+          <a:noFill/>
+        </p:spPr>
+        <p:txBody>
+          <a:bodyPr wrap="square" rtlCol="0">
+            <a:spAutoFit/>
+          </a:bodyPr>
+          <a:lstStyle/>
+          <a:p>
+            <a:r>
+              <a:rPr lang="en-US" smtClean="0"/>
+              <a:t>Most Final Four Appearances</a:t>
+            </a:r>
+            <a:endParaRPr lang="en-US"/>
           </a:p>
         </p:txBody>
       </p:sp>
     </p:spTree>
     <p:extLst>
       <p:ext uri="{BB962C8B-B14F-4D97-AF65-F5344CB8AC3E}">
-        <p14:creationId xmlns:p14="http://schemas.microsoft.com/office/powerpoint/2010/main" val="2993111047"/>
+        <p14:creationId xmlns:p14="http://schemas.microsoft.com/office/powerpoint/2010/main" val="2598391320"/>
       </p:ext>
     </p:extLst>
   </p:cSld>
@@ -4183,71 +5421,40 @@
           <a:chExt cx="0" cy="0"/>
         </a:xfrm>
       </p:grpSpPr>
-      <p:sp>
-        <p:nvSpPr>
-          <p:cNvPr id="2" name="Title 1"/>
-          <p:cNvSpPr>
-            <a:spLocks noGrp="1"/>
-          </p:cNvSpPr>
-          <p:nvPr>
-            <p:ph type="title"/>
-          </p:nvPr>
-        </p:nvSpPr>
-        <p:spPr/>
-        <p:txBody>
-          <a:bodyPr/>
-          <a:lstStyle/>
-          <a:p>
-            <a:r>
-              <a:rPr lang="en-US" dirty="0" smtClean="0"/>
-              <a:t>Descriptive Analytics</a:t>
-            </a:r>
-            <a:endParaRPr lang="en-US" dirty="0"/>
-          </a:p>
-        </p:txBody>
-      </p:sp>
-      <p:sp>
-        <p:nvSpPr>
-          <p:cNvPr id="3" name="Content Placeholder 2"/>
-          <p:cNvSpPr>
-            <a:spLocks noGrp="1"/>
-          </p:cNvSpPr>
-          <p:nvPr>
-            <p:ph sz="half" idx="1"/>
-          </p:nvPr>
-        </p:nvSpPr>
-        <p:spPr/>
-        <p:txBody>
-          <a:bodyPr/>
-          <a:lstStyle/>
-          <a:p>
-            <a:endParaRPr lang="en-US" dirty="0"/>
-          </a:p>
-        </p:txBody>
-      </p:sp>
-      <p:sp>
-        <p:nvSpPr>
-          <p:cNvPr id="4" name="Content Placeholder 3"/>
-          <p:cNvSpPr>
-            <a:spLocks noGrp="1"/>
-          </p:cNvSpPr>
-          <p:nvPr>
-            <p:ph sz="half" idx="2"/>
-          </p:nvPr>
-        </p:nvSpPr>
-        <p:spPr/>
-        <p:txBody>
-          <a:bodyPr/>
-          <a:lstStyle/>
-          <a:p>
-            <a:endParaRPr lang="en-US"/>
-          </a:p>
-        </p:txBody>
-      </p:sp>
+      <p:pic>
+        <p:nvPicPr>
+          <p:cNvPr id="2" name="Content Placeholder 9"/>
+          <p:cNvPicPr>
+            <a:picLocks noChangeAspect="1"/>
+          </p:cNvPicPr>
+          <p:nvPr/>
+        </p:nvPicPr>
+        <p:blipFill>
+          <a:blip r:embed="rId2">
+            <a:extLst>
+              <a:ext uri="{28A0092B-C50C-407E-A947-70E740481C1C}">
+                <a14:useLocalDpi xmlns:a14="http://schemas.microsoft.com/office/drawing/2010/main" val="0"/>
+              </a:ext>
+            </a:extLst>
+          </a:blip>
+          <a:stretch>
+            <a:fillRect/>
+          </a:stretch>
+        </p:blipFill>
+        <p:spPr>
+          <a:xfrm>
+            <a:off x="2819400" y="0"/>
+            <a:ext cx="6248400" cy="6238847"/>
+          </a:xfrm>
+          <a:prstGeom prst="rect">
+            <a:avLst/>
+          </a:prstGeom>
+        </p:spPr>
+      </p:pic>
     </p:spTree>
     <p:extLst>
       <p:ext uri="{BB962C8B-B14F-4D97-AF65-F5344CB8AC3E}">
-        <p14:creationId xmlns:p14="http://schemas.microsoft.com/office/powerpoint/2010/main" val="2598391320"/>
+        <p14:creationId xmlns:p14="http://schemas.microsoft.com/office/powerpoint/2010/main" val="34877655"/>
       </p:ext>
     </p:extLst>
   </p:cSld>
@@ -4286,109 +5493,40 @@
           <a:chExt cx="0" cy="0"/>
         </a:xfrm>
       </p:grpSpPr>
-      <p:sp>
-        <p:nvSpPr>
-          <p:cNvPr id="2" name="Title 1"/>
-          <p:cNvSpPr>
-            <a:spLocks noGrp="1"/>
-          </p:cNvSpPr>
-          <p:nvPr>
-            <p:ph type="title"/>
-          </p:nvPr>
-        </p:nvSpPr>
-        <p:spPr/>
-        <p:txBody>
-          <a:bodyPr/>
-          <a:lstStyle/>
-          <a:p>
-            <a:r>
-              <a:rPr lang="en-US" dirty="0" smtClean="0"/>
-              <a:t>Dataset</a:t>
-            </a:r>
-            <a:endParaRPr lang="en-US" dirty="0"/>
-          </a:p>
-        </p:txBody>
-      </p:sp>
-      <p:sp>
-        <p:nvSpPr>
-          <p:cNvPr id="3" name="Text Placeholder 2"/>
-          <p:cNvSpPr>
-            <a:spLocks noGrp="1"/>
-          </p:cNvSpPr>
-          <p:nvPr>
-            <p:ph type="body" idx="1"/>
-          </p:nvPr>
-        </p:nvSpPr>
-        <p:spPr/>
-        <p:txBody>
-          <a:bodyPr/>
-          <a:lstStyle/>
-          <a:p>
-            <a:endParaRPr lang="en-US"/>
-          </a:p>
-        </p:txBody>
-      </p:sp>
-      <p:sp>
-        <p:nvSpPr>
-          <p:cNvPr id="4" name="Content Placeholder 3"/>
-          <p:cNvSpPr>
-            <a:spLocks noGrp="1"/>
-          </p:cNvSpPr>
-          <p:nvPr>
-            <p:ph sz="half" idx="2"/>
-          </p:nvPr>
-        </p:nvSpPr>
-        <p:spPr/>
-        <p:txBody>
-          <a:bodyPr/>
-          <a:lstStyle/>
-          <a:p>
-            <a:endParaRPr lang="en-US"/>
-          </a:p>
-        </p:txBody>
-      </p:sp>
-      <p:sp>
-        <p:nvSpPr>
-          <p:cNvPr id="5" name="Text Placeholder 4"/>
-          <p:cNvSpPr>
-            <a:spLocks noGrp="1"/>
-          </p:cNvSpPr>
-          <p:nvPr>
-            <p:ph type="body" sz="quarter" idx="3"/>
-          </p:nvPr>
-        </p:nvSpPr>
-        <p:spPr/>
-        <p:txBody>
-          <a:bodyPr/>
-          <a:lstStyle/>
-          <a:p>
-            <a:endParaRPr lang="en-US"/>
-          </a:p>
-        </p:txBody>
-      </p:sp>
-      <p:sp>
-        <p:nvSpPr>
-          <p:cNvPr id="6" name="Content Placeholder 5"/>
-          <p:cNvSpPr>
-            <a:spLocks noGrp="1"/>
-          </p:cNvSpPr>
-          <p:nvPr>
-            <p:ph sz="quarter" idx="4"/>
-          </p:nvPr>
-        </p:nvSpPr>
-        <p:spPr/>
-        <p:txBody>
-          <a:bodyPr/>
-          <a:lstStyle/>
-          <a:p>
-            <a:endParaRPr lang="en-US"/>
-          </a:p>
-        </p:txBody>
-      </p:sp>
+      <p:pic>
+        <p:nvPicPr>
+          <p:cNvPr id="3" name="Picture 2"/>
+          <p:cNvPicPr>
+            <a:picLocks noChangeAspect="1"/>
+          </p:cNvPicPr>
+          <p:nvPr/>
+        </p:nvPicPr>
+        <p:blipFill>
+          <a:blip r:embed="rId2">
+            <a:extLst>
+              <a:ext uri="{28A0092B-C50C-407E-A947-70E740481C1C}">
+                <a14:useLocalDpi xmlns:a14="http://schemas.microsoft.com/office/drawing/2010/main" val="0"/>
+              </a:ext>
+            </a:extLst>
+          </a:blip>
+          <a:stretch>
+            <a:fillRect/>
+          </a:stretch>
+        </p:blipFill>
+        <p:spPr>
+          <a:xfrm>
+            <a:off x="2895600" y="32657"/>
+            <a:ext cx="6222999" cy="6271165"/>
+          </a:xfrm>
+          <a:prstGeom prst="rect">
+            <a:avLst/>
+          </a:prstGeom>
+        </p:spPr>
+      </p:pic>
     </p:spTree>
     <p:extLst>
       <p:ext uri="{BB962C8B-B14F-4D97-AF65-F5344CB8AC3E}">
-        <p14:creationId xmlns:p14="http://schemas.microsoft.com/office/powerpoint/2010/main" val="4078798235"/>
+        <p14:creationId xmlns:p14="http://schemas.microsoft.com/office/powerpoint/2010/main" val="56559900"/>
       </p:ext>
     </p:extLst>
   </p:cSld>
@@ -4443,25 +5581,206 @@
           <a:lstStyle/>
           <a:p>
             <a:r>
-              <a:rPr lang="en-US" dirty="0" smtClean="0"/>
-              <a:t>Method Overview </a:t>
-            </a:r>
-            <a:r>
-              <a:rPr lang="mr-IN" dirty="0" smtClean="0"/>
-              <a:t>–</a:t>
-            </a:r>
-            <a:r>
-              <a:rPr lang="en-US" dirty="0" smtClean="0"/>
-              <a:t> Classification Algorithms</a:t>
-            </a:r>
+              <a:rPr lang="en-US" dirty="0"/>
+              <a:t>Data Sets</a:t>
+            </a:r>
+          </a:p>
+        </p:txBody>
+      </p:sp>
+      <p:sp>
+        <p:nvSpPr>
+          <p:cNvPr id="3" name="Content Placeholder 2"/>
+          <p:cNvSpPr>
+            <a:spLocks noGrp="1"/>
+          </p:cNvSpPr>
+          <p:nvPr>
+            <p:ph idx="1"/>
+          </p:nvPr>
+        </p:nvSpPr>
+        <p:spPr>
+          <a:xfrm>
+            <a:off x="1066800" y="1905000"/>
+            <a:ext cx="10058400" cy="3886200"/>
+          </a:xfrm>
+        </p:spPr>
+        <p:txBody>
+          <a:bodyPr>
+            <a:normAutofit fontScale="70000" lnSpcReduction="20000"/>
+          </a:bodyPr>
+          <a:lstStyle/>
+          <a:p>
+            <a:pPr marL="0" indent="0">
+              <a:buNone/>
+            </a:pPr>
+            <a:r>
+              <a:rPr lang="en-US" b="1" dirty="0"/>
+              <a:t>Table 1 – Teams.csv (365x2)</a:t>
+            </a:r>
+          </a:p>
+          <a:p>
+            <a:r>
+              <a:rPr lang="en-US" dirty="0"/>
+              <a:t>A list of all NCAA teams</a:t>
+            </a:r>
+          </a:p>
+          <a:p>
+            <a:pPr marL="0" indent="0">
+              <a:buNone/>
+            </a:pPr>
+            <a:r>
+              <a:rPr lang="en-US" b="1" dirty="0"/>
+              <a:t>Table 2 – RegularSeasonDetailedResults.csv (76,000x34)</a:t>
+            </a:r>
+          </a:p>
+          <a:p>
+            <a:r>
+              <a:rPr lang="en-US" dirty="0"/>
+              <a:t>Historical </a:t>
+            </a:r>
+            <a:r>
+              <a:rPr lang="en-US" b="1" i="1" u="sng" dirty="0"/>
+              <a:t>season</a:t>
+            </a:r>
+            <a:r>
+              <a:rPr lang="en-US" dirty="0"/>
+              <a:t> matches dating back to 2003</a:t>
+            </a:r>
+          </a:p>
+          <a:p>
+            <a:r>
+              <a:rPr lang="en-US" dirty="0"/>
+              <a:t>Winning and Losing team stats (points, assists, blocks, fouls etc.)</a:t>
+            </a:r>
+          </a:p>
+          <a:p>
+            <a:r>
+              <a:rPr lang="en-US" dirty="0"/>
+              <a:t>Data manipulation required to iterate through each team to aggregate season stats by team by season</a:t>
+            </a:r>
+          </a:p>
+          <a:p>
+            <a:pPr marL="0" indent="0">
+              <a:buNone/>
+            </a:pPr>
+            <a:r>
+              <a:rPr lang="en-US" b="1" dirty="0"/>
+              <a:t>Table 3 – School Ratings </a:t>
+            </a:r>
+            <a:r>
+              <a:rPr lang="en-US" b="1" dirty="0">
+                <a:hlinkClick r:id="rId2"/>
+              </a:rPr>
+              <a:t>link</a:t>
+            </a:r>
+            <a:r>
+              <a:rPr lang="en-US" b="1" dirty="0"/>
+              <a:t> (5307x12)</a:t>
+            </a:r>
+          </a:p>
+          <a:p>
+            <a:r>
+              <a:rPr lang="en-US" dirty="0"/>
+              <a:t>Additional season stats (MOV, SRS, SOS, DSRS, OSRS)</a:t>
+            </a:r>
+          </a:p>
+          <a:p>
+            <a:pPr marL="0" indent="0">
+              <a:buNone/>
+            </a:pPr>
+            <a:r>
+              <a:rPr lang="en-US" b="1" dirty="0"/>
+              <a:t>Table 4 – TourneyCompactResults.csv (2114x8)</a:t>
+            </a:r>
+          </a:p>
+          <a:p>
+            <a:r>
+              <a:rPr lang="en-US" dirty="0"/>
+              <a:t>All tournament matches along with outcome since 1985</a:t>
+            </a:r>
+          </a:p>
+          <a:p>
+            <a:pPr marL="0" indent="0">
+              <a:buNone/>
+            </a:pPr>
+            <a:r>
+              <a:rPr lang="en-US" b="1" dirty="0"/>
+              <a:t>Table 5 – TourneySeeds.csv (2151x3)</a:t>
+            </a:r>
+          </a:p>
+          <a:p>
+            <a:r>
+              <a:rPr lang="en-US" dirty="0"/>
+              <a:t>The seeds of teams that were admitted to tournament forever season</a:t>
+            </a:r>
+          </a:p>
+          <a:p>
             <a:endParaRPr lang="en-US" dirty="0"/>
+          </a:p>
+          <a:p>
+            <a:endParaRPr lang="en-US" dirty="0"/>
+          </a:p>
+          <a:p>
+            <a:endParaRPr lang="en-US" dirty="0"/>
+          </a:p>
+        </p:txBody>
+      </p:sp>
+      <p:sp>
+        <p:nvSpPr>
+          <p:cNvPr id="4" name="Speech Bubble: Rectangle 3"/>
+          <p:cNvSpPr/>
+          <p:nvPr/>
+        </p:nvSpPr>
+        <p:spPr>
+          <a:xfrm>
+            <a:off x="7924800" y="455542"/>
+            <a:ext cx="3657600" cy="873594"/>
+          </a:xfrm>
+          <a:prstGeom prst="wedgeRectCallout">
+            <a:avLst>
+              <a:gd name="adj1" fmla="val -77748"/>
+              <a:gd name="adj2" fmla="val 37260"/>
+            </a:avLst>
+          </a:prstGeom>
+          <a:solidFill>
+            <a:srgbClr val="FFC000"/>
+          </a:solidFill>
+        </p:spPr>
+        <p:style>
+          <a:lnRef idx="2">
+            <a:schemeClr val="accent1">
+              <a:shade val="50000"/>
+            </a:schemeClr>
+          </a:lnRef>
+          <a:fillRef idx="1">
+            <a:schemeClr val="accent1"/>
+          </a:fillRef>
+          <a:effectRef idx="0">
+            <a:schemeClr val="accent1"/>
+          </a:effectRef>
+          <a:fontRef idx="minor">
+            <a:schemeClr val="lt1"/>
+          </a:fontRef>
+        </p:style>
+        <p:txBody>
+          <a:bodyPr rtlCol="0" anchor="ctr"/>
+          <a:lstStyle/>
+          <a:p>
+            <a:pPr algn="ctr"/>
+            <a:r>
+              <a:rPr lang="en-US" sz="3600" dirty="0">
+                <a:solidFill>
+                  <a:sysClr val="windowText" lastClr="000000"/>
+                </a:solidFill>
+              </a:rPr>
+              <a:t>Team to add</a:t>
+            </a:r>
           </a:p>
         </p:txBody>
       </p:sp>
     </p:spTree>
     <p:extLst>
       <p:ext uri="{BB962C8B-B14F-4D97-AF65-F5344CB8AC3E}">
-        <p14:creationId xmlns:p14="http://schemas.microsoft.com/office/powerpoint/2010/main" val="1864551520"/>
+        <p14:creationId xmlns:p14="http://schemas.microsoft.com/office/powerpoint/2010/main" val="1848910967"/>
       </p:ext>
     </p:extLst>
   </p:cSld>
@@ -4516,20 +5835,170 @@
           <a:lstStyle/>
           <a:p>
             <a:r>
-              <a:rPr lang="en-US" dirty="0" smtClean="0"/>
+              <a:rPr lang="en-US" dirty="0"/>
               <a:t>Method Overview </a:t>
             </a:r>
             <a:r>
-              <a:rPr lang="mr-IN" dirty="0" smtClean="0"/>
+              <a:rPr lang="mr-IN" dirty="0"/>
               <a:t>–</a:t>
             </a:r>
             <a:r>
-              <a:rPr lang="en-US" dirty="0" smtClean="0"/>
-              <a:t> Simulation</a:t>
-            </a:r>
-            <a:br>
-              <a:rPr lang="en-US" dirty="0" smtClean="0"/>
-            </a:br>
+              <a:rPr lang="en-US" dirty="0"/>
+              <a:t> Classification Algorithms</a:t>
+            </a:r>
+          </a:p>
+        </p:txBody>
+      </p:sp>
+      <p:sp>
+        <p:nvSpPr>
+          <p:cNvPr id="3" name="Speech Bubble: Rectangle 2"/>
+          <p:cNvSpPr/>
+          <p:nvPr/>
+        </p:nvSpPr>
+        <p:spPr>
+          <a:xfrm>
+            <a:off x="8077200" y="899434"/>
+            <a:ext cx="3657600" cy="873594"/>
+          </a:xfrm>
+          <a:prstGeom prst="wedgeRectCallout">
+            <a:avLst>
+              <a:gd name="adj1" fmla="val -77748"/>
+              <a:gd name="adj2" fmla="val 37260"/>
+            </a:avLst>
+          </a:prstGeom>
+          <a:solidFill>
+            <a:srgbClr val="FFC000"/>
+          </a:solidFill>
+        </p:spPr>
+        <p:style>
+          <a:lnRef idx="2">
+            <a:schemeClr val="accent1">
+              <a:shade val="50000"/>
+            </a:schemeClr>
+          </a:lnRef>
+          <a:fillRef idx="1">
+            <a:schemeClr val="accent1"/>
+          </a:fillRef>
+          <a:effectRef idx="0">
+            <a:schemeClr val="accent1"/>
+          </a:effectRef>
+          <a:fontRef idx="minor">
+            <a:schemeClr val="lt1"/>
+          </a:fontRef>
+        </p:style>
+        <p:txBody>
+          <a:bodyPr rtlCol="0" anchor="ctr"/>
+          <a:lstStyle/>
+          <a:p>
+            <a:pPr algn="ctr"/>
+            <a:r>
+              <a:rPr lang="en-US" sz="3600" dirty="0">
+                <a:solidFill>
+                  <a:sysClr val="windowText" lastClr="000000"/>
+                </a:solidFill>
+              </a:rPr>
+              <a:t>Farshad to expand on these thoughts</a:t>
+            </a:r>
+          </a:p>
+        </p:txBody>
+      </p:sp>
+      <p:sp>
+        <p:nvSpPr>
+          <p:cNvPr id="4" name="TextBox 3"/>
+          <p:cNvSpPr txBox="1"/>
+          <p:nvPr/>
+        </p:nvSpPr>
+        <p:spPr>
+          <a:xfrm>
+            <a:off x="1219200" y="1773028"/>
+            <a:ext cx="9936480" cy="3416320"/>
+          </a:xfrm>
+          <a:prstGeom prst="rect">
+            <a:avLst/>
+          </a:prstGeom>
+          <a:noFill/>
+        </p:spPr>
+        <p:txBody>
+          <a:bodyPr wrap="square" rtlCol="0">
+            <a:spAutoFit/>
+          </a:bodyPr>
+          <a:lstStyle/>
+          <a:p>
+            <a:r>
+              <a:rPr lang="en-US" dirty="0"/>
+              <a:t>Random Forest</a:t>
+            </a:r>
+          </a:p>
+          <a:p>
+            <a:r>
+              <a:rPr lang="en-US" dirty="0"/>
+              <a:t>Logistic Regression</a:t>
+            </a:r>
+          </a:p>
+          <a:p>
+            <a:r>
+              <a:rPr lang="en-US" dirty="0"/>
+              <a:t>Logistic Regression with Regularization</a:t>
+            </a:r>
+          </a:p>
+          <a:p>
+            <a:r>
+              <a:rPr lang="en-US" dirty="0"/>
+              <a:t>CART</a:t>
+            </a:r>
+          </a:p>
+          <a:p>
+            <a:r>
+              <a:rPr lang="en-US" dirty="0"/>
+              <a:t>Support Vector Machine</a:t>
+            </a:r>
+          </a:p>
+          <a:p>
+            <a:pPr marL="285750" indent="-285750">
+              <a:buFont typeface="Arial" panose="020B0604020202020204" pitchFamily="34" charset="0"/>
+              <a:buChar char="•"/>
+            </a:pPr>
+            <a:r>
+              <a:rPr lang="en-US" dirty="0"/>
+              <a:t>Linear Kernel</a:t>
+            </a:r>
+          </a:p>
+          <a:p>
+            <a:pPr marL="285750" indent="-285750">
+              <a:buFont typeface="Arial" panose="020B0604020202020204" pitchFamily="34" charset="0"/>
+              <a:buChar char="•"/>
+            </a:pPr>
+            <a:r>
+              <a:rPr lang="en-US" dirty="0"/>
+              <a:t>Radial Kernel</a:t>
+            </a:r>
+          </a:p>
+          <a:p>
+            <a:pPr marL="285750" indent="-285750">
+              <a:buFont typeface="Arial" panose="020B0604020202020204" pitchFamily="34" charset="0"/>
+              <a:buChar char="•"/>
+            </a:pPr>
+            <a:endParaRPr lang="en-US" dirty="0"/>
+          </a:p>
+          <a:p>
+            <a:r>
+              <a:rPr lang="en-US" dirty="0"/>
+              <a:t>Accuracy for each model</a:t>
+            </a:r>
+          </a:p>
+          <a:p>
+            <a:r>
+              <a:rPr lang="en-US" dirty="0"/>
+              <a:t>Cross validation visuals for RF, Logistic regression regularization, CART, and SVM</a:t>
+            </a:r>
+          </a:p>
+          <a:p>
+            <a:r>
+              <a:rPr lang="en-US" dirty="0"/>
+              <a:t>ROC curve for all models except SVM</a:t>
+            </a:r>
+          </a:p>
+          <a:p>
             <a:endParaRPr lang="en-US" dirty="0"/>
           </a:p>
         </p:txBody>
@@ -4537,7 +6006,7 @@
     </p:spTree>
     <p:extLst>
       <p:ext uri="{BB962C8B-B14F-4D97-AF65-F5344CB8AC3E}">
-        <p14:creationId xmlns:p14="http://schemas.microsoft.com/office/powerpoint/2010/main" val="1614750611"/>
+        <p14:creationId xmlns:p14="http://schemas.microsoft.com/office/powerpoint/2010/main" val="1864551520"/>
       </p:ext>
     </p:extLst>
   </p:cSld>
@@ -4592,17 +6061,20 @@
           <a:lstStyle/>
           <a:p>
             <a:r>
-              <a:rPr lang="en-US" dirty="0" smtClean="0"/>
-              <a:t>Results </a:t>
-            </a:r>
-            <a:r>
-              <a:rPr lang="mr-IN" dirty="0" smtClean="0"/>
+              <a:rPr lang="en-US" dirty="0"/>
+              <a:t>Method Overview </a:t>
+            </a:r>
+            <a:r>
+              <a:rPr lang="mr-IN" dirty="0"/>
               <a:t>–</a:t>
             </a:r>
             <a:r>
-              <a:rPr lang="en-US" dirty="0" smtClean="0"/>
-              <a:t> Classification Algorithms</a:t>
-            </a:r>
+              <a:rPr lang="en-US" dirty="0"/>
+              <a:t> Simulation</a:t>
+            </a:r>
+            <a:br>
+              <a:rPr lang="en-US" dirty="0"/>
+            </a:br>
             <a:endParaRPr lang="en-US" dirty="0"/>
           </a:p>
         </p:txBody>
@@ -4610,7 +6082,7 @@
     </p:spTree>
     <p:extLst>
       <p:ext uri="{BB962C8B-B14F-4D97-AF65-F5344CB8AC3E}">
-        <p14:creationId xmlns:p14="http://schemas.microsoft.com/office/powerpoint/2010/main" val="28387496"/>
+        <p14:creationId xmlns:p14="http://schemas.microsoft.com/office/powerpoint/2010/main" val="1614750611"/>
       </p:ext>
     </p:extLst>
   </p:cSld>
@@ -4633,59 +6105,119 @@
 </file>
 
 <file path=ppt/theme/theme1.xml><?xml version="1.0" encoding="utf-8"?>
-<a:theme xmlns:a="http://schemas.openxmlformats.org/drawingml/2006/main" name="Basketball 16x9">
+<a:theme xmlns:a="http://schemas.openxmlformats.org/drawingml/2006/main" name="Retrospect">
   <a:themeElements>
-    <a:clrScheme name="Basketball">
+    <a:clrScheme name="Retrospect">
       <a:dk1>
-        <a:sysClr val="windowText" lastClr="000000"/>
+        <a:srgbClr val="000000"/>
       </a:dk1>
       <a:lt1>
         <a:sysClr val="window" lastClr="FFFFFF"/>
       </a:lt1>
       <a:dk2>
-        <a:srgbClr val="51270B"/>
+        <a:srgbClr val="637052"/>
       </a:dk2>
       <a:lt2>
-        <a:srgbClr val="CAAF92"/>
+        <a:srgbClr val="CCDDEA"/>
       </a:lt2>
       <a:accent1>
-        <a:srgbClr val="8C061E"/>
+        <a:srgbClr val="E48312"/>
       </a:accent1>
       <a:accent2>
-        <a:srgbClr val="CD0205"/>
+        <a:srgbClr val="BD582C"/>
       </a:accent2>
       <a:accent3>
-        <a:srgbClr val="D05002"/>
+        <a:srgbClr val="865640"/>
       </a:accent3>
       <a:accent4>
-        <a:srgbClr val="052A5E"/>
+        <a:srgbClr val="9B8357"/>
       </a:accent4>
       <a:accent5>
-        <a:srgbClr val="1A559C"/>
+        <a:srgbClr val="C2BC80"/>
       </a:accent5>
       <a:accent6>
-        <a:srgbClr val="156645"/>
+        <a:srgbClr val="94A088"/>
       </a:accent6>
       <a:hlink>
-        <a:srgbClr val="D05002"/>
+        <a:srgbClr val="2998E3"/>
       </a:hlink>
       <a:folHlink>
-        <a:srgbClr val="808080"/>
+        <a:srgbClr val="8C8C8C"/>
       </a:folHlink>
     </a:clrScheme>
-    <a:fontScheme name="Impact - Franklin Gothic Medium">
+    <a:fontScheme name="Retrospect">
       <a:majorFont>
-        <a:latin typeface="Impact"/>
+        <a:latin typeface="Calibri Light" panose="020F0302020204030204"/>
         <a:ea typeface=""/>
         <a:cs typeface=""/>
+        <a:font script="Jpan" typeface="ＭＳ Ｐゴシック"/>
+        <a:font script="Hang" typeface="맑은 고딕"/>
+        <a:font script="Hans" typeface="宋体"/>
+        <a:font script="Hant" typeface="新細明體"/>
+        <a:font script="Arab" typeface="Times New Roman"/>
+        <a:font script="Hebr" typeface="Times New Roman"/>
+        <a:font script="Thai" typeface="Angsana New"/>
+        <a:font script="Ethi" typeface="Nyala"/>
+        <a:font script="Beng" typeface="Vrinda"/>
+        <a:font script="Gujr" typeface="Shruti"/>
+        <a:font script="Khmr" typeface="MoolBoran"/>
+        <a:font script="Knda" typeface="Tunga"/>
+        <a:font script="Guru" typeface="Raavi"/>
+        <a:font script="Cans" typeface="Euphemia"/>
+        <a:font script="Cher" typeface="Plantagenet Cherokee"/>
+        <a:font script="Yiii" typeface="Microsoft Yi Baiti"/>
+        <a:font script="Tibt" typeface="Microsoft Himalaya"/>
+        <a:font script="Thaa" typeface="MV Boli"/>
+        <a:font script="Deva" typeface="Mangal"/>
+        <a:font script="Telu" typeface="Gautami"/>
+        <a:font script="Taml" typeface="Latha"/>
+        <a:font script="Syrc" typeface="Estrangelo Edessa"/>
+        <a:font script="Orya" typeface="Kalinga"/>
+        <a:font script="Mlym" typeface="Kartika"/>
+        <a:font script="Laoo" typeface="DokChampa"/>
+        <a:font script="Sinh" typeface="Iskoola Pota"/>
+        <a:font script="Mong" typeface="Mongolian Baiti"/>
+        <a:font script="Viet" typeface="Times New Roman"/>
+        <a:font script="Uigh" typeface="Microsoft Uighur"/>
+        <a:font script="Geor" typeface="Sylfaen"/>
       </a:majorFont>
       <a:minorFont>
-        <a:latin typeface="Franklin Gothic Medium"/>
+        <a:latin typeface="Calibri" panose="020F0502020204030204"/>
         <a:ea typeface=""/>
         <a:cs typeface=""/>
+        <a:font script="Jpan" typeface="ＭＳ Ｐゴシック"/>
+        <a:font script="Hang" typeface="맑은 고딕"/>
+        <a:font script="Hans" typeface="宋体"/>
+        <a:font script="Hant" typeface="新細明體"/>
+        <a:font script="Arab" typeface="Arial"/>
+        <a:font script="Hebr" typeface="Arial"/>
+        <a:font script="Thai" typeface="Cordia New"/>
+        <a:font script="Ethi" typeface="Nyala"/>
+        <a:font script="Beng" typeface="Vrinda"/>
+        <a:font script="Gujr" typeface="Shruti"/>
+        <a:font script="Khmr" typeface="DaunPenh"/>
+        <a:font script="Knda" typeface="Tunga"/>
+        <a:font script="Guru" typeface="Raavi"/>
+        <a:font script="Cans" typeface="Euphemia"/>
+        <a:font script="Cher" typeface="Plantagenet Cherokee"/>
+        <a:font script="Yiii" typeface="Microsoft Yi Baiti"/>
+        <a:font script="Tibt" typeface="Microsoft Himalaya"/>
+        <a:font script="Thaa" typeface="MV Boli"/>
+        <a:font script="Deva" typeface="Mangal"/>
+        <a:font script="Telu" typeface="Gautami"/>
+        <a:font script="Taml" typeface="Latha"/>
+        <a:font script="Syrc" typeface="Estrangelo Edessa"/>
+        <a:font script="Orya" typeface="Kalinga"/>
+        <a:font script="Mlym" typeface="Kartika"/>
+        <a:font script="Laoo" typeface="DokChampa"/>
+        <a:font script="Sinh" typeface="Iskoola Pota"/>
+        <a:font script="Mong" typeface="Mongolian Baiti"/>
+        <a:font script="Viet" typeface="Arial"/>
+        <a:font script="Uigh" typeface="Microsoft Uighur"/>
+        <a:font script="Geor" typeface="Sylfaen"/>
       </a:minorFont>
     </a:fontScheme>
-    <a:fmtScheme name="Office">
+    <a:fmtScheme name="Retrospect">
       <a:fillStyleLst>
         <a:solidFill>
           <a:schemeClr val="phClr"/>
@@ -4694,76 +6226,81 @@
           <a:gsLst>
             <a:gs pos="0">
               <a:schemeClr val="phClr">
-                <a:lumMod val="110000"/>
-                <a:satMod val="105000"/>
-                <a:tint val="67000"/>
+                <a:tint val="65000"/>
+                <a:shade val="92000"/>
+                <a:satMod val="130000"/>
               </a:schemeClr>
             </a:gs>
-            <a:gs pos="50000">
+            <a:gs pos="45000">
               <a:schemeClr val="phClr">
-                <a:lumMod val="105000"/>
-                <a:satMod val="103000"/>
-                <a:tint val="73000"/>
+                <a:tint val="60000"/>
+                <a:shade val="99000"/>
+                <a:satMod val="120000"/>
               </a:schemeClr>
             </a:gs>
             <a:gs pos="100000">
               <a:schemeClr val="phClr">
-                <a:lumMod val="105000"/>
-                <a:satMod val="109000"/>
-                <a:tint val="81000"/>
+                <a:tint val="55000"/>
+                <a:satMod val="140000"/>
               </a:schemeClr>
             </a:gs>
           </a:gsLst>
-          <a:lin ang="5400000" scaled="0"/>
+          <a:path path="circle">
+            <a:fillToRect l="100000" t="100000" r="100000" b="100000"/>
+          </a:path>
         </a:gradFill>
         <a:gradFill rotWithShape="1">
           <a:gsLst>
             <a:gs pos="0">
               <a:schemeClr val="phClr">
-                <a:satMod val="103000"/>
-                <a:lumMod val="102000"/>
-                <a:tint val="94000"/>
+                <a:shade val="85000"/>
+                <a:satMod val="130000"/>
               </a:schemeClr>
             </a:gs>
-            <a:gs pos="50000">
+            <a:gs pos="34000">
               <a:schemeClr val="phClr">
-                <a:satMod val="110000"/>
-                <a:lumMod val="100000"/>
-                <a:shade val="100000"/>
+                <a:shade val="87000"/>
+                <a:satMod val="125000"/>
+              </a:schemeClr>
+            </a:gs>
+            <a:gs pos="70000">
+              <a:schemeClr val="phClr">
+                <a:tint val="100000"/>
+                <a:shade val="90000"/>
+                <a:satMod val="130000"/>
               </a:schemeClr>
             </a:gs>
             <a:gs pos="100000">
               <a:schemeClr val="phClr">
-                <a:lumMod val="99000"/>
-                <a:satMod val="120000"/>
-                <a:shade val="78000"/>
+                <a:tint val="100000"/>
+                <a:shade val="100000"/>
+                <a:satMod val="110000"/>
               </a:schemeClr>
             </a:gs>
           </a:gsLst>
-          <a:lin ang="5400000" scaled="0"/>
+          <a:path path="circle">
+            <a:fillToRect l="100000" t="100000" r="100000" b="100000"/>
+          </a:path>
         </a:gradFill>
       </a:fillStyleLst>
       <a:lnStyleLst>
-        <a:ln w="6350" cap="flat" cmpd="sng" algn="ctr">
-          <a:solidFill>
-            <a:schemeClr val="phClr"/>
-          </a:solidFill>
-          <a:prstDash val="solid"/>
-          <a:miter lim="800000"/>
-        </a:ln>
         <a:ln w="12700" cap="flat" cmpd="sng" algn="ctr">
           <a:solidFill>
             <a:schemeClr val="phClr"/>
           </a:solidFill>
           <a:prstDash val="solid"/>
-          <a:miter lim="800000"/>
         </a:ln>
-        <a:ln w="19050" cap="flat" cmpd="sng" algn="ctr">
+        <a:ln w="15875" cap="flat" cmpd="sng" algn="ctr">
           <a:solidFill>
             <a:schemeClr val="phClr"/>
           </a:solidFill>
           <a:prstDash val="solid"/>
-          <a:miter lim="800000"/>
+        </a:ln>
+        <a:ln w="25400" cap="flat" cmpd="sng" algn="ctr">
+          <a:solidFill>
+            <a:schemeClr val="phClr"/>
+          </a:solidFill>
+          <a:prstDash val="solid"/>
         </a:ln>
       </a:lnStyleLst>
       <a:effectStyleLst>
@@ -4771,16 +6308,33 @@
           <a:effectLst/>
         </a:effectStyle>
         <a:effectStyle>
-          <a:effectLst/>
+          <a:effectLst>
+            <a:outerShdw blurRad="38100" dist="25400" dir="2700000" algn="br" rotWithShape="0">
+              <a:srgbClr val="000000">
+                <a:alpha val="60000"/>
+              </a:srgbClr>
+            </a:outerShdw>
+          </a:effectLst>
         </a:effectStyle>
         <a:effectStyle>
           <a:effectLst>
-            <a:outerShdw blurRad="57150" dist="19050" dir="5400000" algn="ctr" rotWithShape="0">
+            <a:outerShdw blurRad="44450" dist="25400" dir="2700000" algn="br" rotWithShape="0">
               <a:srgbClr val="000000">
-                <a:alpha val="63000"/>
+                <a:alpha val="60000"/>
               </a:srgbClr>
             </a:outerShdw>
           </a:effectLst>
+          <a:scene3d>
+            <a:camera prst="orthographicFront">
+              <a:rot lat="0" lon="0" rev="0"/>
+            </a:camera>
+            <a:lightRig rig="threePt" dir="t">
+              <a:rot lat="0" lon="0" rev="19800000"/>
+            </a:lightRig>
+          </a:scene3d>
+          <a:sp3d prstMaterial="flat">
+            <a:bevelT w="25400" h="31750"/>
+          </a:sp3d>
         </a:effectStyle>
       </a:effectStyleLst>
       <a:bgFillStyleLst>
@@ -4789,36 +6343,36 @@
         </a:solidFill>
         <a:solidFill>
           <a:schemeClr val="phClr">
-            <a:tint val="95000"/>
-            <a:satMod val="170000"/>
+            <a:tint val="90000"/>
+            <a:shade val="97000"/>
+            <a:satMod val="130000"/>
           </a:schemeClr>
         </a:solidFill>
         <a:gradFill rotWithShape="1">
           <a:gsLst>
             <a:gs pos="0">
               <a:schemeClr val="phClr">
-                <a:tint val="93000"/>
-                <a:satMod val="150000"/>
-                <a:shade val="98000"/>
-                <a:lumMod val="102000"/>
+                <a:tint val="96000"/>
+                <a:shade val="99000"/>
+                <a:satMod val="140000"/>
               </a:schemeClr>
             </a:gs>
-            <a:gs pos="50000">
+            <a:gs pos="65000">
               <a:schemeClr val="phClr">
-                <a:tint val="98000"/>
+                <a:tint val="100000"/>
+                <a:shade val="80000"/>
                 <a:satMod val="130000"/>
-                <a:shade val="90000"/>
-                <a:lumMod val="103000"/>
               </a:schemeClr>
             </a:gs>
             <a:gs pos="100000">
               <a:schemeClr val="phClr">
-                <a:shade val="63000"/>
+                <a:tint val="100000"/>
+                <a:shade val="48000"/>
                 <a:satMod val="120000"/>
               </a:schemeClr>
             </a:gs>
           </a:gsLst>
-          <a:lin ang="5400000" scaled="0"/>
+          <a:lin ang="16200000" scaled="0"/>
         </a:gradFill>
       </a:bgFillStyleLst>
     </a:fmtScheme>
@@ -4827,7 +6381,7 @@
   <a:extraClrSchemeLst/>
   <a:extLst>
     <a:ext uri="{05A4C25C-085E-4340-85A3-A5531E510DB2}">
-      <thm15:themeFamily xmlns:thm15="http://schemas.microsoft.com/office/thememl/2012/main" name="Basketball presentation (widescreen).potx" id="{9F4F77B0-14F5-4E29-8ABD-409A5CCAAB31}" vid="{5A933346-38F8-42BD-BB04-877426AB4C76}"/>
+      <thm15:themeFamily xmlns:thm15="http://schemas.microsoft.com/office/thememl/2012/main" name="Retrospect" id="{5F128B03-DCCA-4EEB-AB3B-CF2899314A46}" vid="{3F1AAB62-24C6-49D2-8E01-B56FAC9A3DCD}"/>
     </a:ext>
   </a:extLst>
 </a:theme>
@@ -5236,6 +6790,15 @@
 </file>
 
 <file path=customXml/item1.xml><?xml version="1.0" encoding="utf-8"?>
+<?mso-contentType ?>
+<FormTemplates xmlns="http://schemas.microsoft.com/sharepoint/v3/contenttype/forms">
+  <Display>DocumentLibraryForm</Display>
+  <Edit>DocumentLibraryForm</Edit>
+  <New>DocumentLibraryForm</New>
+</FormTemplates>
+</file>
+
+<file path=customXml/item2.xml><?xml version="1.0" encoding="utf-8"?>
 <p:properties xmlns:p="http://schemas.microsoft.com/office/2006/metadata/properties" xmlns:xsi="http://www.w3.org/2001/XMLSchema-instance" xmlns:pc="http://schemas.microsoft.com/office/infopath/2007/PartnerControls">
   <documentManagement>
     <VSO_x0020_item_x0020_id xmlns="40262f94-9f35-4ac3-9a90-690165a166b7" xsi:nil="true"/>
@@ -5244,15 +6807,6 @@
     <Template_x0020_details xmlns="40262f94-9f35-4ac3-9a90-690165a166b7" xsi:nil="true"/>
   </documentManagement>
 </p:properties>
-</file>
-
-<file path=customXml/item2.xml><?xml version="1.0" encoding="utf-8"?>
-<?mso-contentType ?>
-<FormTemplates xmlns="http://schemas.microsoft.com/sharepoint/v3/contenttype/forms">
-  <Display>DocumentLibraryForm</Display>
-  <Edit>DocumentLibraryForm</Edit>
-  <New>DocumentLibraryForm</New>
-</FormTemplates>
 </file>
 
 <file path=customXml/item3.xml><?xml version="1.0" encoding="utf-8"?>
@@ -5437,6 +6991,14 @@
 </file>
 
 <file path=customXml/itemProps1.xml><?xml version="1.0" encoding="utf-8"?>
+<ds:datastoreItem xmlns:ds="http://schemas.openxmlformats.org/officeDocument/2006/customXml" ds:itemID="{48E42578-9CD4-4AFF-AA5E-F33052F6B6A6}">
+  <ds:schemaRefs>
+    <ds:schemaRef ds:uri="http://schemas.microsoft.com/sharepoint/v3/contenttype/forms"/>
+  </ds:schemaRefs>
+</ds:datastoreItem>
+</file>
+
+<file path=customXml/itemProps2.xml><?xml version="1.0" encoding="utf-8"?>
 <ds:datastoreItem xmlns:ds="http://schemas.openxmlformats.org/officeDocument/2006/customXml" ds:itemID="{91DDEFBA-1D7E-4587-9763-EBF5A6740E9A}">
   <ds:schemaRefs>
     <ds:schemaRef ds:uri="http://schemas.microsoft.com/office/2006/documentManagement/types"/>
@@ -5449,14 +7011,6 @@
     <ds:schemaRef ds:uri="a4f35948-e619-41b3-aa29-22878b09cfd2"/>
     <ds:schemaRef ds:uri="http://www.w3.org/XML/1998/namespace"/>
     <ds:schemaRef ds:uri="http://purl.org/dc/elements/1.1/"/>
-  </ds:schemaRefs>
-</ds:datastoreItem>
-</file>
-
-<file path=customXml/itemProps2.xml><?xml version="1.0" encoding="utf-8"?>
-<ds:datastoreItem xmlns:ds="http://schemas.openxmlformats.org/officeDocument/2006/customXml" ds:itemID="{48E42578-9CD4-4AFF-AA5E-F33052F6B6A6}">
-  <ds:schemaRefs>
-    <ds:schemaRef ds:uri="http://schemas.microsoft.com/sharepoint/v3/contenttype/forms"/>
   </ds:schemaRefs>
 </ds:datastoreItem>
 </file>

--- a/Presentation.pptx
+++ b/Presentation.pptx
@@ -5,21 +5,23 @@
     <p:sldMasterId id="2147483731" r:id="rId4"/>
   </p:sldMasterIdLst>
   <p:notesMasterIdLst>
-    <p:notesMasterId r:id="rId14"/>
+    <p:notesMasterId r:id="rId16"/>
   </p:notesMasterIdLst>
   <p:handoutMasterIdLst>
-    <p:handoutMasterId r:id="rId15"/>
+    <p:handoutMasterId r:id="rId17"/>
   </p:handoutMasterIdLst>
   <p:sldIdLst>
     <p:sldId id="257" r:id="rId5"/>
     <p:sldId id="266" r:id="rId6"/>
     <p:sldId id="276" r:id="rId7"/>
     <p:sldId id="267" r:id="rId8"/>
-    <p:sldId id="277" r:id="rId9"/>
-    <p:sldId id="270" r:id="rId10"/>
-    <p:sldId id="274" r:id="rId11"/>
-    <p:sldId id="273" r:id="rId12"/>
-    <p:sldId id="275" r:id="rId13"/>
+    <p:sldId id="280" r:id="rId9"/>
+    <p:sldId id="279" r:id="rId10"/>
+    <p:sldId id="277" r:id="rId11"/>
+    <p:sldId id="270" r:id="rId12"/>
+    <p:sldId id="274" r:id="rId13"/>
+    <p:sldId id="273" r:id="rId14"/>
+    <p:sldId id="275" r:id="rId15"/>
   </p:sldIdLst>
   <p:sldSz cx="12192000" cy="6858000"/>
   <p:notesSz cx="6858000" cy="9144000"/>
@@ -132,11 +134,7 @@
 <file path=ppt/commentAuthors.xml><?xml version="1.0" encoding="utf-8"?>
 <p:cmAuthorLst xmlns:a="http://schemas.openxmlformats.org/drawingml/2006/main" xmlns:r="http://schemas.openxmlformats.org/officeDocument/2006/relationships" xmlns:p="http://schemas.openxmlformats.org/presentationml/2006/main">
   <p:cmAuthor id="1" name="fmiraftab" initials="f" lastIdx="1" clrIdx="0">
-    <p:extLst>
-      <p:ext uri="{19B8F6BF-5375-455C-9EA6-DF929625EA0E}">
-        <p15:presenceInfo xmlns:p15="http://schemas.microsoft.com/office/powerpoint/2012/main" userId="fmiraftab" providerId="None"/>
-      </p:ext>
-    </p:extLst>
+    <p:extLst/>
   </p:cmAuthor>
 </p:cmAuthorLst>
 </file>
@@ -237,7 +235,7 @@
           <a:p>
             <a:fld id="{D8DE8356-FFDA-4E74-B804-79023C7DD259}" type="datetimeFigureOut">
               <a:rPr lang="en-US" smtClean="0"/>
-              <a:t>4/25/2017</a:t>
+              <a:t>4/26/17</a:t>
             </a:fld>
             <a:endParaRPr lang="en-US"/>
           </a:p>
@@ -402,7 +400,7 @@
           <a:p>
             <a:fld id="{B43DDCE7-616C-4285-A468-7301F171BC93}" type="datetimeFigureOut">
               <a:rPr lang="en-US" smtClean="0"/>
-              <a:t>4/25/2017</a:t>
+              <a:t>4/26/17</a:t>
             </a:fld>
             <a:endParaRPr lang="en-US"/>
           </a:p>
@@ -895,7 +893,7 @@
           <a:p>
             <a:fld id="{48A87A34-81AB-432B-8DAE-1953F412C126}" type="datetimeFigureOut">
               <a:rPr lang="en-US" smtClean="0"/>
-              <a:t>4/25/2017</a:t>
+              <a:t>4/26/17</a:t>
             </a:fld>
             <a:endParaRPr lang="en-US" dirty="0"/>
           </a:p>
@@ -1115,7 +1113,7 @@
           <a:p>
             <a:fld id="{3762EC29-B8C5-4C7A-B6DA-418494D5CB21}" type="datetimeFigureOut">
               <a:rPr lang="en-US" smtClean="0"/>
-              <a:t>4/25/2017</a:t>
+              <a:t>4/26/17</a:t>
             </a:fld>
             <a:endParaRPr lang="en-US"/>
           </a:p>
@@ -1387,7 +1385,7 @@
           <a:p>
             <a:fld id="{3762EC29-B8C5-4C7A-B6DA-418494D5CB21}" type="datetimeFigureOut">
               <a:rPr lang="en-US" smtClean="0"/>
-              <a:t>4/25/2017</a:t>
+              <a:t>4/26/17</a:t>
             </a:fld>
             <a:endParaRPr lang="en-US"/>
           </a:p>
@@ -1577,7 +1575,7 @@
           <a:p>
             <a:fld id="{3762EC29-B8C5-4C7A-B6DA-418494D5CB21}" type="datetimeFigureOut">
               <a:rPr lang="en-US" smtClean="0"/>
-              <a:t>4/25/2017</a:t>
+              <a:t>4/26/17</a:t>
             </a:fld>
             <a:endParaRPr lang="en-US"/>
           </a:p>
@@ -1936,7 +1934,7 @@
           <a:p>
             <a:fld id="{3762EC29-B8C5-4C7A-B6DA-418494D5CB21}" type="datetimeFigureOut">
               <a:rPr lang="en-US" smtClean="0"/>
-              <a:t>4/25/2017</a:t>
+              <a:t>4/26/17</a:t>
             </a:fld>
             <a:endParaRPr lang="en-US"/>
           </a:p>
@@ -2227,7 +2225,7 @@
           <a:p>
             <a:fld id="{3762EC29-B8C5-4C7A-B6DA-418494D5CB21}" type="datetimeFigureOut">
               <a:rPr lang="en-US" smtClean="0"/>
-              <a:t>4/25/2017</a:t>
+              <a:t>4/26/17</a:t>
             </a:fld>
             <a:endParaRPr lang="en-US"/>
           </a:p>
@@ -2622,7 +2620,7 @@
           <a:p>
             <a:fld id="{3762EC29-B8C5-4C7A-B6DA-418494D5CB21}" type="datetimeFigureOut">
               <a:rPr lang="en-US" smtClean="0"/>
-              <a:t>4/25/2017</a:t>
+              <a:t>4/26/17</a:t>
             </a:fld>
             <a:endParaRPr lang="en-US"/>
           </a:p>
@@ -2756,7 +2754,7 @@
           <a:p>
             <a:fld id="{3762EC29-B8C5-4C7A-B6DA-418494D5CB21}" type="datetimeFigureOut">
               <a:rPr lang="en-US" smtClean="0"/>
-              <a:t>4/25/2017</a:t>
+              <a:t>4/26/17</a:t>
             </a:fld>
             <a:endParaRPr lang="en-US"/>
           </a:p>
@@ -2943,7 +2941,7 @@
           <a:p>
             <a:fld id="{3762EC29-B8C5-4C7A-B6DA-418494D5CB21}" type="datetimeFigureOut">
               <a:rPr lang="en-US" smtClean="0"/>
-              <a:t>4/25/2017</a:t>
+              <a:t>4/26/17</a:t>
             </a:fld>
             <a:endParaRPr lang="en-US"/>
           </a:p>
@@ -3313,7 +3311,7 @@
           <a:p>
             <a:fld id="{48A87A34-81AB-432B-8DAE-1953F412C126}" type="datetimeFigureOut">
               <a:rPr lang="en-US" smtClean="0"/>
-              <a:t>4/25/2017</a:t>
+              <a:t>4/26/17</a:t>
             </a:fld>
             <a:endParaRPr lang="en-US" dirty="0"/>
           </a:p>
@@ -3708,7 +3706,7 @@
             <a:fld id="{48A87A34-81AB-432B-8DAE-1953F412C126}" type="datetimeFigureOut">
               <a:rPr lang="en-US" smtClean="0"/>
               <a:pPr/>
-              <a:t>4/25/2017</a:t>
+              <a:t>4/26/17</a:t>
             </a:fld>
             <a:endParaRPr lang="en-US" dirty="0"/>
           </a:p>
@@ -4008,7 +4006,7 @@
             <a:fld id="{3762EC29-B8C5-4C7A-B6DA-418494D5CB21}" type="datetimeFigureOut">
               <a:rPr lang="en-US" smtClean="0"/>
               <a:pPr/>
-              <a:t>4/25/2017</a:t>
+              <a:t>4/26/17</a:t>
             </a:fld>
             <a:endParaRPr lang="en-US"/>
           </a:p>
@@ -4643,6 +4641,150 @@
 </p:sld>
 </file>
 
+<file path=ppt/slides/slide10.xml><?xml version="1.0" encoding="utf-8"?>
+<p:sld xmlns:a="http://schemas.openxmlformats.org/drawingml/2006/main" xmlns:r="http://schemas.openxmlformats.org/officeDocument/2006/relationships" xmlns:p="http://schemas.openxmlformats.org/presentationml/2006/main">
+  <p:cSld>
+    <p:spTree>
+      <p:nvGrpSpPr>
+        <p:cNvPr id="1" name=""/>
+        <p:cNvGrpSpPr/>
+        <p:nvPr/>
+      </p:nvGrpSpPr>
+      <p:grpSpPr>
+        <a:xfrm>
+          <a:off x="0" y="0"/>
+          <a:ext cx="0" cy="0"/>
+          <a:chOff x="0" y="0"/>
+          <a:chExt cx="0" cy="0"/>
+        </a:xfrm>
+      </p:grpSpPr>
+      <p:sp>
+        <p:nvSpPr>
+          <p:cNvPr id="2" name="Title 1"/>
+          <p:cNvSpPr>
+            <a:spLocks noGrp="1"/>
+          </p:cNvSpPr>
+          <p:nvPr>
+            <p:ph type="title"/>
+          </p:nvPr>
+        </p:nvSpPr>
+        <p:spPr/>
+        <p:txBody>
+          <a:bodyPr/>
+          <a:lstStyle/>
+          <a:p>
+            <a:r>
+              <a:rPr lang="en-US" dirty="0"/>
+              <a:t>Results </a:t>
+            </a:r>
+            <a:r>
+              <a:rPr lang="mr-IN" dirty="0"/>
+              <a:t>–</a:t>
+            </a:r>
+            <a:r>
+              <a:rPr lang="en-US" dirty="0"/>
+              <a:t> Classification Algorithms</a:t>
+            </a:r>
+          </a:p>
+        </p:txBody>
+      </p:sp>
+    </p:spTree>
+    <p:extLst>
+      <p:ext uri="{BB962C8B-B14F-4D97-AF65-F5344CB8AC3E}">
+        <p14:creationId xmlns:p14="http://schemas.microsoft.com/office/powerpoint/2010/main" val="28387496"/>
+      </p:ext>
+    </p:extLst>
+  </p:cSld>
+  <p:clrMapOvr>
+    <a:masterClrMapping/>
+  </p:clrMapOvr>
+  <mc:AlternateContent xmlns:mc="http://schemas.openxmlformats.org/markup-compatibility/2006" xmlns:p14="http://schemas.microsoft.com/office/powerpoint/2010/main">
+    <mc:Choice Requires="p14">
+      <p:transition spd="med" p14:dur="700">
+        <p:fade/>
+      </p:transition>
+    </mc:Choice>
+    <mc:Fallback xmlns="">
+      <p:transition spd="med">
+        <p:fade/>
+      </p:transition>
+    </mc:Fallback>
+  </mc:AlternateContent>
+</p:sld>
+</file>
+
+<file path=ppt/slides/slide11.xml><?xml version="1.0" encoding="utf-8"?>
+<p:sld xmlns:a="http://schemas.openxmlformats.org/drawingml/2006/main" xmlns:r="http://schemas.openxmlformats.org/officeDocument/2006/relationships" xmlns:p="http://schemas.openxmlformats.org/presentationml/2006/main">
+  <p:cSld>
+    <p:spTree>
+      <p:nvGrpSpPr>
+        <p:cNvPr id="1" name=""/>
+        <p:cNvGrpSpPr/>
+        <p:nvPr/>
+      </p:nvGrpSpPr>
+      <p:grpSpPr>
+        <a:xfrm>
+          <a:off x="0" y="0"/>
+          <a:ext cx="0" cy="0"/>
+          <a:chOff x="0" y="0"/>
+          <a:chExt cx="0" cy="0"/>
+        </a:xfrm>
+      </p:grpSpPr>
+      <p:sp>
+        <p:nvSpPr>
+          <p:cNvPr id="2" name="Title 1"/>
+          <p:cNvSpPr>
+            <a:spLocks noGrp="1"/>
+          </p:cNvSpPr>
+          <p:nvPr>
+            <p:ph type="title"/>
+          </p:nvPr>
+        </p:nvSpPr>
+        <p:spPr/>
+        <p:txBody>
+          <a:bodyPr/>
+          <a:lstStyle/>
+          <a:p>
+            <a:r>
+              <a:rPr lang="en-US" dirty="0"/>
+              <a:t>Results </a:t>
+            </a:r>
+            <a:r>
+              <a:rPr lang="mr-IN" dirty="0"/>
+              <a:t>–</a:t>
+            </a:r>
+            <a:r>
+              <a:rPr lang="en-US" dirty="0"/>
+              <a:t> Simulation</a:t>
+            </a:r>
+          </a:p>
+        </p:txBody>
+      </p:sp>
+    </p:spTree>
+    <p:extLst>
+      <p:ext uri="{BB962C8B-B14F-4D97-AF65-F5344CB8AC3E}">
+        <p14:creationId xmlns:p14="http://schemas.microsoft.com/office/powerpoint/2010/main" val="1805777577"/>
+      </p:ext>
+    </p:extLst>
+  </p:cSld>
+  <p:clrMapOvr>
+    <a:masterClrMapping/>
+  </p:clrMapOvr>
+  <mc:AlternateContent xmlns:mc="http://schemas.openxmlformats.org/markup-compatibility/2006" xmlns:p14="http://schemas.microsoft.com/office/powerpoint/2010/main">
+    <mc:Choice Requires="p14">
+      <p:transition spd="med" p14:dur="700">
+        <p:fade/>
+      </p:transition>
+    </mc:Choice>
+    <mc:Fallback xmlns="">
+      <p:transition spd="med">
+        <p:fade/>
+      </p:transition>
+    </mc:Fallback>
+  </mc:AlternateContent>
+</p:sld>
+</file>
+
 <file path=ppt/slides/slide2.xml><?xml version="1.0" encoding="utf-8"?>
 <p:sld xmlns:a="http://schemas.openxmlformats.org/drawingml/2006/main" xmlns:r="http://schemas.openxmlformats.org/officeDocument/2006/relationships" xmlns:p="http://schemas.openxmlformats.org/presentationml/2006/main">
   <p:cSld>
@@ -5057,94 +5199,186 @@
           </a:p>
         </p:txBody>
       </p:sp>
-      <p:sp>
-        <p:nvSpPr>
-          <p:cNvPr id="3" name="Content Placeholder 2"/>
-          <p:cNvSpPr>
-            <a:spLocks noGrp="1"/>
-          </p:cNvSpPr>
-          <p:nvPr>
-            <p:ph sz="half" idx="1"/>
-          </p:nvPr>
-        </p:nvSpPr>
-        <p:spPr/>
-        <p:txBody>
-          <a:bodyPr/>
-          <a:lstStyle/>
-          <a:p>
-            <a:endParaRPr lang="en-US" dirty="0"/>
-          </a:p>
-        </p:txBody>
-      </p:sp>
-      <p:sp>
-        <p:nvSpPr>
-          <p:cNvPr id="4" name="Content Placeholder 3"/>
-          <p:cNvSpPr>
-            <a:spLocks noGrp="1"/>
-          </p:cNvSpPr>
-          <p:nvPr>
-            <p:ph sz="half" idx="2"/>
-          </p:nvPr>
-        </p:nvSpPr>
-        <p:spPr/>
-        <p:txBody>
-          <a:bodyPr/>
-          <a:lstStyle/>
-          <a:p>
-            <a:endParaRPr lang="en-US" dirty="0"/>
-          </a:p>
-        </p:txBody>
-      </p:sp>
-      <p:sp>
-        <p:nvSpPr>
-          <p:cNvPr id="5" name="Speech Bubble: Rectangle 4"/>
-          <p:cNvSpPr/>
+      <p:pic>
+        <p:nvPicPr>
+          <p:cNvPr id="6" name="Picture 5"/>
+          <p:cNvPicPr>
+            <a:picLocks noChangeAspect="1"/>
+          </p:cNvPicPr>
           <p:nvPr/>
-        </p:nvSpPr>
+        </p:nvPicPr>
+        <p:blipFill>
+          <a:blip r:embed="rId2">
+            <a:extLst>
+              <a:ext uri="{28A0092B-C50C-407E-A947-70E740481C1C}">
+                <a14:useLocalDpi xmlns:a14="http://schemas.microsoft.com/office/drawing/2010/main" val="0"/>
+              </a:ext>
+            </a:extLst>
+          </a:blip>
+          <a:stretch>
+            <a:fillRect/>
+          </a:stretch>
+        </p:blipFill>
         <p:spPr>
           <a:xfrm>
-            <a:off x="7239000" y="262335"/>
-            <a:ext cx="3657600" cy="873594"/>
+            <a:off x="1295400" y="2398486"/>
+            <a:ext cx="2082800" cy="2197100"/>
           </a:xfrm>
-          <a:prstGeom prst="wedgeRectCallout">
-            <a:avLst>
-              <a:gd name="adj1" fmla="val -77748"/>
-              <a:gd name="adj2" fmla="val 37260"/>
-            </a:avLst>
+          <a:prstGeom prst="rect">
+            <a:avLst/>
           </a:prstGeom>
-          <a:solidFill>
-            <a:srgbClr val="FFC000"/>
-          </a:solidFill>
         </p:spPr>
-        <p:style>
-          <a:lnRef idx="2">
-            <a:schemeClr val="accent1">
-              <a:shade val="50000"/>
-            </a:schemeClr>
-          </a:lnRef>
-          <a:fillRef idx="1">
-            <a:schemeClr val="accent1"/>
-          </a:fillRef>
-          <a:effectRef idx="0">
-            <a:schemeClr val="accent1"/>
-          </a:effectRef>
-          <a:fontRef idx="minor">
-            <a:schemeClr val="lt1"/>
-          </a:fontRef>
-        </p:style>
-        <p:txBody>
-          <a:bodyPr rtlCol="0" anchor="ctr"/>
+      </p:pic>
+      <p:pic>
+        <p:nvPicPr>
+          <p:cNvPr id="7" name="Picture 6"/>
+          <p:cNvPicPr>
+            <a:picLocks noChangeAspect="1"/>
+          </p:cNvPicPr>
+          <p:nvPr/>
+        </p:nvPicPr>
+        <p:blipFill>
+          <a:blip r:embed="rId3">
+            <a:extLst>
+              <a:ext uri="{28A0092B-C50C-407E-A947-70E740481C1C}">
+                <a14:useLocalDpi xmlns:a14="http://schemas.microsoft.com/office/drawing/2010/main" val="0"/>
+              </a:ext>
+            </a:extLst>
+          </a:blip>
+          <a:stretch>
+            <a:fillRect/>
+          </a:stretch>
+        </p:blipFill>
+        <p:spPr>
+          <a:xfrm>
+            <a:off x="4546600" y="2398486"/>
+            <a:ext cx="3086100" cy="2197100"/>
+          </a:xfrm>
+          <a:prstGeom prst="rect">
+            <a:avLst/>
+          </a:prstGeom>
+        </p:spPr>
+      </p:pic>
+      <p:pic>
+        <p:nvPicPr>
+          <p:cNvPr id="8" name="Picture 7"/>
+          <p:cNvPicPr>
+            <a:picLocks noChangeAspect="1"/>
+          </p:cNvPicPr>
+          <p:nvPr/>
+        </p:nvPicPr>
+        <p:blipFill>
+          <a:blip r:embed="rId4">
+            <a:extLst>
+              <a:ext uri="{28A0092B-C50C-407E-A947-70E740481C1C}">
+                <a14:useLocalDpi xmlns:a14="http://schemas.microsoft.com/office/drawing/2010/main" val="0"/>
+              </a:ext>
+            </a:extLst>
+          </a:blip>
+          <a:stretch>
+            <a:fillRect/>
+          </a:stretch>
+        </p:blipFill>
+        <p:spPr>
+          <a:xfrm>
+            <a:off x="8369300" y="2469243"/>
+            <a:ext cx="2616200" cy="2120900"/>
+          </a:xfrm>
+          <a:prstGeom prst="rect">
+            <a:avLst/>
+          </a:prstGeom>
+        </p:spPr>
+      </p:pic>
+      <p:sp>
+        <p:nvSpPr>
+          <p:cNvPr id="9" name="TextBox 8"/>
+          <p:cNvSpPr txBox="1"/>
+          <p:nvPr/>
+        </p:nvSpPr>
+        <p:spPr>
+          <a:xfrm>
+            <a:off x="1028700" y="2133600"/>
+            <a:ext cx="2616200" cy="369332"/>
+          </a:xfrm>
+          <a:prstGeom prst="rect">
+            <a:avLst/>
+          </a:prstGeom>
+          <a:noFill/>
+        </p:spPr>
+        <p:txBody>
+          <a:bodyPr wrap="square" rtlCol="0">
+            <a:spAutoFit/>
+          </a:bodyPr>
           <a:lstStyle/>
           <a:p>
             <a:pPr algn="ctr"/>
             <a:r>
-              <a:rPr lang="en-US" sz="3600" dirty="0">
-                <a:solidFill>
-                  <a:sysClr val="windowText" lastClr="000000"/>
-                </a:solidFill>
-              </a:rPr>
-              <a:t>Matt to provide</a:t>
-            </a:r>
+              <a:rPr lang="en-US" dirty="0" smtClean="0"/>
+              <a:t>Most Titles</a:t>
+            </a:r>
+            <a:endParaRPr lang="en-US" dirty="0"/>
+          </a:p>
+        </p:txBody>
+      </p:sp>
+      <p:sp>
+        <p:nvSpPr>
+          <p:cNvPr id="10" name="TextBox 9"/>
+          <p:cNvSpPr txBox="1"/>
+          <p:nvPr/>
+        </p:nvSpPr>
+        <p:spPr>
+          <a:xfrm>
+            <a:off x="4546600" y="2133600"/>
+            <a:ext cx="3086100" cy="369332"/>
+          </a:xfrm>
+          <a:prstGeom prst="rect">
+            <a:avLst/>
+          </a:prstGeom>
+          <a:noFill/>
+        </p:spPr>
+        <p:txBody>
+          <a:bodyPr wrap="square" rtlCol="0">
+            <a:spAutoFit/>
+          </a:bodyPr>
+          <a:lstStyle/>
+          <a:p>
+            <a:pPr algn="ctr"/>
+            <a:r>
+              <a:rPr lang="en-US" dirty="0" smtClean="0"/>
+              <a:t>Most Finals Appearances</a:t>
+            </a:r>
+            <a:endParaRPr lang="en-US" dirty="0"/>
+          </a:p>
+        </p:txBody>
+      </p:sp>
+      <p:sp>
+        <p:nvSpPr>
+          <p:cNvPr id="11" name="TextBox 10"/>
+          <p:cNvSpPr txBox="1"/>
+          <p:nvPr/>
+        </p:nvSpPr>
+        <p:spPr>
+          <a:xfrm>
+            <a:off x="8077200" y="2133600"/>
+            <a:ext cx="3200400" cy="369332"/>
+          </a:xfrm>
+          <a:prstGeom prst="rect">
+            <a:avLst/>
+          </a:prstGeom>
+          <a:noFill/>
+        </p:spPr>
+        <p:txBody>
+          <a:bodyPr wrap="square" rtlCol="0">
+            <a:spAutoFit/>
+          </a:bodyPr>
+          <a:lstStyle/>
+          <a:p>
+            <a:pPr algn="ctr"/>
+            <a:r>
+              <a:rPr lang="en-US" smtClean="0"/>
+              <a:t>Most Final Four Appearances</a:t>
+            </a:r>
+            <a:endParaRPr lang="en-US"/>
           </a:p>
         </p:txBody>
       </p:sp>
@@ -5190,228 +5424,40 @@
           <a:chExt cx="0" cy="0"/>
         </a:xfrm>
       </p:grpSpPr>
-      <p:sp>
-        <p:nvSpPr>
-          <p:cNvPr id="2" name="Title 1"/>
-          <p:cNvSpPr>
-            <a:spLocks noGrp="1"/>
-          </p:cNvSpPr>
-          <p:nvPr>
-            <p:ph type="title"/>
-          </p:nvPr>
-        </p:nvSpPr>
-        <p:spPr/>
-        <p:txBody>
-          <a:bodyPr/>
-          <a:lstStyle/>
-          <a:p>
-            <a:r>
-              <a:rPr lang="en-US" dirty="0"/>
-              <a:t>Data Sets</a:t>
-            </a:r>
-          </a:p>
-        </p:txBody>
-      </p:sp>
-      <p:sp>
-        <p:nvSpPr>
-          <p:cNvPr id="3" name="Content Placeholder 2"/>
-          <p:cNvSpPr>
-            <a:spLocks noGrp="1"/>
-          </p:cNvSpPr>
-          <p:nvPr>
-            <p:ph idx="1"/>
-          </p:nvPr>
-        </p:nvSpPr>
+      <p:pic>
+        <p:nvPicPr>
+          <p:cNvPr id="3" name="Picture 2"/>
+          <p:cNvPicPr>
+            <a:picLocks noChangeAspect="1"/>
+          </p:cNvPicPr>
+          <p:nvPr/>
+        </p:nvPicPr>
+        <p:blipFill>
+          <a:blip r:embed="rId2">
+            <a:extLst>
+              <a:ext uri="{28A0092B-C50C-407E-A947-70E740481C1C}">
+                <a14:useLocalDpi xmlns:a14="http://schemas.microsoft.com/office/drawing/2010/main" val="0"/>
+              </a:ext>
+            </a:extLst>
+          </a:blip>
+          <a:stretch>
+            <a:fillRect/>
+          </a:stretch>
+        </p:blipFill>
         <p:spPr>
           <a:xfrm>
-            <a:off x="1066800" y="1905000"/>
-            <a:ext cx="10058400" cy="3886200"/>
+            <a:off x="3276600" y="0"/>
+            <a:ext cx="6489700" cy="6348180"/>
           </a:xfrm>
+          <a:prstGeom prst="rect">
+            <a:avLst/>
+          </a:prstGeom>
         </p:spPr>
-        <p:txBody>
-          <a:bodyPr>
-            <a:normAutofit fontScale="70000" lnSpcReduction="20000"/>
-          </a:bodyPr>
-          <a:lstStyle/>
-          <a:p>
-            <a:pPr marL="0" indent="0">
-              <a:buNone/>
-            </a:pPr>
-            <a:r>
-              <a:rPr lang="en-US" b="1" dirty="0"/>
-              <a:t>Table 1 – Teams.csv (365x2)</a:t>
-            </a:r>
-          </a:p>
-          <a:p>
-            <a:r>
-              <a:rPr lang="en-US" dirty="0"/>
-              <a:t>A list of all NCAA teams</a:t>
-            </a:r>
-          </a:p>
-          <a:p>
-            <a:pPr marL="0" indent="0">
-              <a:buNone/>
-            </a:pPr>
-            <a:r>
-              <a:rPr lang="en-US" b="1" dirty="0"/>
-              <a:t>Table 2 – RegularSeasonDetailedResults.csv (76,000x34)</a:t>
-            </a:r>
-          </a:p>
-          <a:p>
-            <a:r>
-              <a:rPr lang="en-US" dirty="0"/>
-              <a:t>Historical </a:t>
-            </a:r>
-            <a:r>
-              <a:rPr lang="en-US" b="1" i="1" u="sng" dirty="0"/>
-              <a:t>season</a:t>
-            </a:r>
-            <a:r>
-              <a:rPr lang="en-US" dirty="0"/>
-              <a:t> matches dating back to 2003</a:t>
-            </a:r>
-          </a:p>
-          <a:p>
-            <a:r>
-              <a:rPr lang="en-US" dirty="0"/>
-              <a:t>Winning and Losing team stats (points, assists, blocks, fouls etc.)</a:t>
-            </a:r>
-          </a:p>
-          <a:p>
-            <a:r>
-              <a:rPr lang="en-US" dirty="0"/>
-              <a:t>Data manipulation required to iterate through each team to aggregate season stats by team by season</a:t>
-            </a:r>
-          </a:p>
-          <a:p>
-            <a:pPr marL="0" indent="0">
-              <a:buNone/>
-            </a:pPr>
-            <a:r>
-              <a:rPr lang="en-US" b="1" dirty="0"/>
-              <a:t>Table 3 – School Ratings </a:t>
-            </a:r>
-            <a:r>
-              <a:rPr lang="en-US" b="1" dirty="0">
-                <a:hlinkClick r:id="rId2"/>
-              </a:rPr>
-              <a:t>l</a:t>
-            </a:r>
-            <a:r>
-              <a:rPr lang="en-US" b="1" dirty="0">
-                <a:hlinkClick r:id="rId2"/>
-              </a:rPr>
-              <a:t>ink</a:t>
-            </a:r>
-            <a:r>
-              <a:rPr lang="en-US" b="1" dirty="0"/>
-              <a:t> (5307x12)</a:t>
-            </a:r>
-          </a:p>
-          <a:p>
-            <a:r>
-              <a:rPr lang="en-US" dirty="0"/>
-              <a:t>Additional season stats (MOV, SRS, SOS, DSRS, OSRS)</a:t>
-            </a:r>
-          </a:p>
-          <a:p>
-            <a:pPr marL="0" indent="0">
-              <a:buNone/>
-            </a:pPr>
-            <a:r>
-              <a:rPr lang="en-US" b="1" dirty="0"/>
-              <a:t>Table 4 – TourneyCompactResults.csv (2114x8)</a:t>
-            </a:r>
-          </a:p>
-          <a:p>
-            <a:r>
-              <a:rPr lang="en-US" dirty="0"/>
-              <a:t>All tournament matches along with outcome since 1985</a:t>
-            </a:r>
-          </a:p>
-          <a:p>
-            <a:pPr marL="0" indent="0">
-              <a:buNone/>
-            </a:pPr>
-            <a:r>
-              <a:rPr lang="en-US" b="1" dirty="0"/>
-              <a:t>Table 5 – TourneySeeds.csv (2151x3)</a:t>
-            </a:r>
-          </a:p>
-          <a:p>
-            <a:r>
-              <a:rPr lang="en-US" dirty="0"/>
-              <a:t>The seeds of teams that were admitted to tournament forever season</a:t>
-            </a:r>
-          </a:p>
-          <a:p>
-            <a:endParaRPr lang="en-US" dirty="0"/>
-          </a:p>
-          <a:p>
-            <a:endParaRPr lang="en-US" dirty="0"/>
-          </a:p>
-          <a:p>
-            <a:endParaRPr lang="en-US" dirty="0"/>
-          </a:p>
-        </p:txBody>
-      </p:sp>
-      <p:sp>
-        <p:nvSpPr>
-          <p:cNvPr id="4" name="Speech Bubble: Rectangle 3"/>
-          <p:cNvSpPr/>
-          <p:nvPr/>
-        </p:nvSpPr>
-        <p:spPr>
-          <a:xfrm>
-            <a:off x="7924800" y="455542"/>
-            <a:ext cx="3657600" cy="873594"/>
-          </a:xfrm>
-          <a:prstGeom prst="wedgeRectCallout">
-            <a:avLst>
-              <a:gd name="adj1" fmla="val -77748"/>
-              <a:gd name="adj2" fmla="val 37260"/>
-            </a:avLst>
-          </a:prstGeom>
-          <a:solidFill>
-            <a:srgbClr val="FFC000"/>
-          </a:solidFill>
-        </p:spPr>
-        <p:style>
-          <a:lnRef idx="2">
-            <a:schemeClr val="accent1">
-              <a:shade val="50000"/>
-            </a:schemeClr>
-          </a:lnRef>
-          <a:fillRef idx="1">
-            <a:schemeClr val="accent1"/>
-          </a:fillRef>
-          <a:effectRef idx="0">
-            <a:schemeClr val="accent1"/>
-          </a:effectRef>
-          <a:fontRef idx="minor">
-            <a:schemeClr val="lt1"/>
-          </a:fontRef>
-        </p:style>
-        <p:txBody>
-          <a:bodyPr rtlCol="0" anchor="ctr"/>
-          <a:lstStyle/>
-          <a:p>
-            <a:pPr algn="ctr"/>
-            <a:r>
-              <a:rPr lang="en-US" sz="3600" dirty="0">
-                <a:solidFill>
-                  <a:sysClr val="windowText" lastClr="000000"/>
-                </a:solidFill>
-              </a:rPr>
-              <a:t>Team to add</a:t>
-            </a:r>
-          </a:p>
-        </p:txBody>
-      </p:sp>
+      </p:pic>
     </p:spTree>
     <p:extLst>
       <p:ext uri="{BB962C8B-B14F-4D97-AF65-F5344CB8AC3E}">
-        <p14:creationId xmlns:p14="http://schemas.microsoft.com/office/powerpoint/2010/main" val="1848910967"/>
+        <p14:creationId xmlns:p14="http://schemas.microsoft.com/office/powerpoint/2010/main" val="819798061"/>
       </p:ext>
     </p:extLst>
   </p:cSld>
@@ -5450,194 +5496,40 @@
           <a:chExt cx="0" cy="0"/>
         </a:xfrm>
       </p:grpSpPr>
-      <p:sp>
-        <p:nvSpPr>
-          <p:cNvPr id="2" name="Title 1"/>
-          <p:cNvSpPr>
-            <a:spLocks noGrp="1"/>
-          </p:cNvSpPr>
-          <p:nvPr>
-            <p:ph type="title"/>
-          </p:nvPr>
-        </p:nvSpPr>
-        <p:spPr/>
-        <p:txBody>
-          <a:bodyPr/>
-          <a:lstStyle/>
-          <a:p>
-            <a:r>
-              <a:rPr lang="en-US" dirty="0"/>
-              <a:t>Method Overview </a:t>
-            </a:r>
-            <a:r>
-              <a:rPr lang="mr-IN" dirty="0"/>
-              <a:t>–</a:t>
-            </a:r>
-            <a:r>
-              <a:rPr lang="en-US" dirty="0"/>
-              <a:t> Classification Algorithms</a:t>
-            </a:r>
-          </a:p>
-        </p:txBody>
-      </p:sp>
-      <p:sp>
-        <p:nvSpPr>
-          <p:cNvPr id="3" name="Speech Bubble: Rectangle 2"/>
-          <p:cNvSpPr/>
+      <p:pic>
+        <p:nvPicPr>
+          <p:cNvPr id="4" name="Picture 3"/>
+          <p:cNvPicPr>
+            <a:picLocks noChangeAspect="1"/>
+          </p:cNvPicPr>
           <p:nvPr/>
-        </p:nvSpPr>
+        </p:nvPicPr>
+        <p:blipFill>
+          <a:blip r:embed="rId2">
+            <a:extLst>
+              <a:ext uri="{28A0092B-C50C-407E-A947-70E740481C1C}">
+                <a14:useLocalDpi xmlns:a14="http://schemas.microsoft.com/office/drawing/2010/main" val="0"/>
+              </a:ext>
+            </a:extLst>
+          </a:blip>
+          <a:stretch>
+            <a:fillRect/>
+          </a:stretch>
+        </p:blipFill>
         <p:spPr>
           <a:xfrm>
-            <a:off x="8077200" y="899434"/>
-            <a:ext cx="3657600" cy="873594"/>
-          </a:xfrm>
-          <a:prstGeom prst="wedgeRectCallout">
-            <a:avLst>
-              <a:gd name="adj1" fmla="val -77748"/>
-              <a:gd name="adj2" fmla="val 37260"/>
-            </a:avLst>
-          </a:prstGeom>
-          <a:solidFill>
-            <a:srgbClr val="FFC000"/>
-          </a:solidFill>
-        </p:spPr>
-        <p:style>
-          <a:lnRef idx="2">
-            <a:schemeClr val="accent1">
-              <a:shade val="50000"/>
-            </a:schemeClr>
-          </a:lnRef>
-          <a:fillRef idx="1">
-            <a:schemeClr val="accent1"/>
-          </a:fillRef>
-          <a:effectRef idx="0">
-            <a:schemeClr val="accent1"/>
-          </a:effectRef>
-          <a:fontRef idx="minor">
-            <a:schemeClr val="lt1"/>
-          </a:fontRef>
-        </p:style>
-        <p:txBody>
-          <a:bodyPr rtlCol="0" anchor="ctr"/>
-          <a:lstStyle/>
-          <a:p>
-            <a:pPr algn="ctr"/>
-            <a:r>
-              <a:rPr lang="en-US" sz="3600" dirty="0">
-                <a:solidFill>
-                  <a:sysClr val="windowText" lastClr="000000"/>
-                </a:solidFill>
-              </a:rPr>
-              <a:t>Farshad to expand on these thoughts</a:t>
-            </a:r>
-          </a:p>
-        </p:txBody>
-      </p:sp>
-      <p:sp>
-        <p:nvSpPr>
-          <p:cNvPr id="4" name="TextBox 3"/>
-          <p:cNvSpPr txBox="1"/>
-          <p:nvPr/>
-        </p:nvSpPr>
-        <p:spPr>
-          <a:xfrm>
-            <a:off x="1219200" y="1773028"/>
-            <a:ext cx="9936480" cy="3416320"/>
+            <a:off x="2819400" y="0"/>
+            <a:ext cx="6261100" cy="6251527"/>
           </a:xfrm>
           <a:prstGeom prst="rect">
             <a:avLst/>
           </a:prstGeom>
-          <a:noFill/>
         </p:spPr>
-        <p:txBody>
-          <a:bodyPr wrap="square" rtlCol="0">
-            <a:spAutoFit/>
-          </a:bodyPr>
-          <a:lstStyle/>
-          <a:p>
-            <a:r>
-              <a:rPr lang="en-US" dirty="0"/>
-              <a:t>Random Forest</a:t>
-            </a:r>
-          </a:p>
-          <a:p>
-            <a:r>
-              <a:rPr lang="en-US" dirty="0"/>
-              <a:t>Logistic Regression</a:t>
-            </a:r>
-          </a:p>
-          <a:p>
-            <a:r>
-              <a:rPr lang="en-US" dirty="0"/>
-              <a:t>Logistic Regression with Regularization</a:t>
-            </a:r>
-          </a:p>
-          <a:p>
-            <a:r>
-              <a:rPr lang="en-US" dirty="0"/>
-              <a:t>CART</a:t>
-            </a:r>
-          </a:p>
-          <a:p>
-            <a:r>
-              <a:rPr lang="en-US" dirty="0"/>
-              <a:t>Support Vector Machine</a:t>
-            </a:r>
-          </a:p>
-          <a:p>
-            <a:pPr marL="285750" indent="-285750">
-              <a:buFont typeface="Arial" panose="020B0604020202020204" pitchFamily="34" charset="0"/>
-              <a:buChar char="•"/>
-            </a:pPr>
-            <a:r>
-              <a:rPr lang="en-US" dirty="0"/>
-              <a:t>Linear Kernel</a:t>
-            </a:r>
-          </a:p>
-          <a:p>
-            <a:pPr marL="285750" indent="-285750">
-              <a:buFont typeface="Arial" panose="020B0604020202020204" pitchFamily="34" charset="0"/>
-              <a:buChar char="•"/>
-            </a:pPr>
-            <a:r>
-              <a:rPr lang="en-US" dirty="0"/>
-              <a:t>Radial Kernel</a:t>
-            </a:r>
-          </a:p>
-          <a:p>
-            <a:pPr marL="285750" indent="-285750">
-              <a:buFont typeface="Arial" panose="020B0604020202020204" pitchFamily="34" charset="0"/>
-              <a:buChar char="•"/>
-            </a:pPr>
-            <a:endParaRPr lang="en-US" dirty="0"/>
-          </a:p>
-          <a:p>
-            <a:r>
-              <a:rPr lang="en-US" dirty="0"/>
-              <a:t>Accuracy for each model</a:t>
-            </a:r>
-          </a:p>
-          <a:p>
-            <a:r>
-              <a:rPr lang="en-US" dirty="0"/>
-              <a:t>Cross validation visuals for RF, Logistic regression regularization, CART, and SVM</a:t>
-            </a:r>
-          </a:p>
-          <a:p>
-            <a:r>
-              <a:rPr lang="en-US" dirty="0"/>
-              <a:t>ROC curve for all models except SVM</a:t>
-            </a:r>
-          </a:p>
-          <a:p>
-            <a:endParaRPr lang="en-US" dirty="0"/>
-          </a:p>
-        </p:txBody>
-      </p:sp>
+      </p:pic>
     </p:spTree>
     <p:extLst>
       <p:ext uri="{BB962C8B-B14F-4D97-AF65-F5344CB8AC3E}">
-        <p14:creationId xmlns:p14="http://schemas.microsoft.com/office/powerpoint/2010/main" val="1864551520"/>
+        <p14:creationId xmlns:p14="http://schemas.microsoft.com/office/powerpoint/2010/main" val="244603252"/>
       </p:ext>
     </p:extLst>
   </p:cSld>
@@ -5693,27 +5585,205 @@
           <a:p>
             <a:r>
               <a:rPr lang="en-US" dirty="0"/>
-              <a:t>Method Overview </a:t>
-            </a:r>
-            <a:r>
-              <a:rPr lang="mr-IN" dirty="0"/>
-              <a:t>–</a:t>
-            </a:r>
+              <a:t>Data Sets</a:t>
+            </a:r>
+          </a:p>
+        </p:txBody>
+      </p:sp>
+      <p:sp>
+        <p:nvSpPr>
+          <p:cNvPr id="3" name="Content Placeholder 2"/>
+          <p:cNvSpPr>
+            <a:spLocks noGrp="1"/>
+          </p:cNvSpPr>
+          <p:nvPr>
+            <p:ph idx="1"/>
+          </p:nvPr>
+        </p:nvSpPr>
+        <p:spPr>
+          <a:xfrm>
+            <a:off x="1066800" y="1905000"/>
+            <a:ext cx="10058400" cy="3886200"/>
+          </a:xfrm>
+        </p:spPr>
+        <p:txBody>
+          <a:bodyPr>
+            <a:normAutofit fontScale="70000" lnSpcReduction="20000"/>
+          </a:bodyPr>
+          <a:lstStyle/>
+          <a:p>
+            <a:pPr marL="0" indent="0">
+              <a:buNone/>
+            </a:pPr>
+            <a:r>
+              <a:rPr lang="en-US" b="1" dirty="0"/>
+              <a:t>Table 1 – Teams.csv (365x2)</a:t>
+            </a:r>
+          </a:p>
+          <a:p>
             <a:r>
               <a:rPr lang="en-US" dirty="0"/>
-              <a:t> Simulation</a:t>
-            </a:r>
-            <a:br>
+              <a:t>A list of all NCAA teams</a:t>
+            </a:r>
+          </a:p>
+          <a:p>
+            <a:pPr marL="0" indent="0">
+              <a:buNone/>
+            </a:pPr>
+            <a:r>
+              <a:rPr lang="en-US" b="1" dirty="0"/>
+              <a:t>Table 2 – RegularSeasonDetailedResults.csv (76,000x34)</a:t>
+            </a:r>
+          </a:p>
+          <a:p>
+            <a:r>
               <a:rPr lang="en-US" dirty="0"/>
-            </a:br>
+              <a:t>Historical </a:t>
+            </a:r>
+            <a:r>
+              <a:rPr lang="en-US" b="1" i="1" u="sng" dirty="0"/>
+              <a:t>season</a:t>
+            </a:r>
+            <a:r>
+              <a:rPr lang="en-US" dirty="0"/>
+              <a:t> matches dating back to 2003</a:t>
+            </a:r>
+          </a:p>
+          <a:p>
+            <a:r>
+              <a:rPr lang="en-US" dirty="0"/>
+              <a:t>Winning and Losing team stats (points, assists, blocks, fouls etc.)</a:t>
+            </a:r>
+          </a:p>
+          <a:p>
+            <a:r>
+              <a:rPr lang="en-US" dirty="0"/>
+              <a:t>Data manipulation required to iterate through each team to aggregate season stats by team by season</a:t>
+            </a:r>
+          </a:p>
+          <a:p>
+            <a:pPr marL="0" indent="0">
+              <a:buNone/>
+            </a:pPr>
+            <a:r>
+              <a:rPr lang="en-US" b="1" dirty="0"/>
+              <a:t>Table 3 – School Ratings </a:t>
+            </a:r>
+            <a:r>
+              <a:rPr lang="en-US" b="1" dirty="0">
+                <a:hlinkClick r:id="rId2"/>
+              </a:rPr>
+              <a:t>link</a:t>
+            </a:r>
+            <a:r>
+              <a:rPr lang="en-US" b="1" dirty="0"/>
+              <a:t> (5307x12)</a:t>
+            </a:r>
+          </a:p>
+          <a:p>
+            <a:r>
+              <a:rPr lang="en-US" dirty="0"/>
+              <a:t>Additional season stats (MOV, SRS, SOS, DSRS, OSRS)</a:t>
+            </a:r>
+          </a:p>
+          <a:p>
+            <a:pPr marL="0" indent="0">
+              <a:buNone/>
+            </a:pPr>
+            <a:r>
+              <a:rPr lang="en-US" b="1" dirty="0"/>
+              <a:t>Table 4 – TourneyCompactResults.csv (2114x8)</a:t>
+            </a:r>
+          </a:p>
+          <a:p>
+            <a:r>
+              <a:rPr lang="en-US" dirty="0"/>
+              <a:t>All tournament matches along with outcome since 1985</a:t>
+            </a:r>
+          </a:p>
+          <a:p>
+            <a:pPr marL="0" indent="0">
+              <a:buNone/>
+            </a:pPr>
+            <a:r>
+              <a:rPr lang="en-US" b="1" dirty="0"/>
+              <a:t>Table 5 – TourneySeeds.csv (2151x3)</a:t>
+            </a:r>
+          </a:p>
+          <a:p>
+            <a:r>
+              <a:rPr lang="en-US" dirty="0"/>
+              <a:t>The seeds of teams that were admitted to tournament forever season</a:t>
+            </a:r>
+          </a:p>
+          <a:p>
             <a:endParaRPr lang="en-US" dirty="0"/>
+          </a:p>
+          <a:p>
+            <a:endParaRPr lang="en-US" dirty="0"/>
+          </a:p>
+          <a:p>
+            <a:endParaRPr lang="en-US" dirty="0"/>
+          </a:p>
+        </p:txBody>
+      </p:sp>
+      <p:sp>
+        <p:nvSpPr>
+          <p:cNvPr id="4" name="Speech Bubble: Rectangle 3"/>
+          <p:cNvSpPr/>
+          <p:nvPr/>
+        </p:nvSpPr>
+        <p:spPr>
+          <a:xfrm>
+            <a:off x="7924800" y="455542"/>
+            <a:ext cx="3657600" cy="873594"/>
+          </a:xfrm>
+          <a:prstGeom prst="wedgeRectCallout">
+            <a:avLst>
+              <a:gd name="adj1" fmla="val -77748"/>
+              <a:gd name="adj2" fmla="val 37260"/>
+            </a:avLst>
+          </a:prstGeom>
+          <a:solidFill>
+            <a:srgbClr val="FFC000"/>
+          </a:solidFill>
+        </p:spPr>
+        <p:style>
+          <a:lnRef idx="2">
+            <a:schemeClr val="accent1">
+              <a:shade val="50000"/>
+            </a:schemeClr>
+          </a:lnRef>
+          <a:fillRef idx="1">
+            <a:schemeClr val="accent1"/>
+          </a:fillRef>
+          <a:effectRef idx="0">
+            <a:schemeClr val="accent1"/>
+          </a:effectRef>
+          <a:fontRef idx="minor">
+            <a:schemeClr val="lt1"/>
+          </a:fontRef>
+        </p:style>
+        <p:txBody>
+          <a:bodyPr rtlCol="0" anchor="ctr"/>
+          <a:lstStyle/>
+          <a:p>
+            <a:pPr algn="ctr"/>
+            <a:r>
+              <a:rPr lang="en-US" sz="3600" dirty="0">
+                <a:solidFill>
+                  <a:sysClr val="windowText" lastClr="000000"/>
+                </a:solidFill>
+              </a:rPr>
+              <a:t>Team to add</a:t>
+            </a:r>
           </a:p>
         </p:txBody>
       </p:sp>
     </p:spTree>
     <p:extLst>
       <p:ext uri="{BB962C8B-B14F-4D97-AF65-F5344CB8AC3E}">
-        <p14:creationId xmlns:p14="http://schemas.microsoft.com/office/powerpoint/2010/main" val="1614750611"/>
+        <p14:creationId xmlns:p14="http://schemas.microsoft.com/office/powerpoint/2010/main" val="1848910967"/>
       </p:ext>
     </p:extLst>
   </p:cSld>
@@ -5769,7 +5839,7 @@
           <a:p>
             <a:r>
               <a:rPr lang="en-US" dirty="0"/>
-              <a:t>Results </a:t>
+              <a:t>Method Overview </a:t>
             </a:r>
             <a:r>
               <a:rPr lang="mr-IN" dirty="0"/>
@@ -5779,13 +5849,167 @@
               <a:rPr lang="en-US" dirty="0"/>
               <a:t> Classification Algorithms</a:t>
             </a:r>
+          </a:p>
+        </p:txBody>
+      </p:sp>
+      <p:sp>
+        <p:nvSpPr>
+          <p:cNvPr id="3" name="Speech Bubble: Rectangle 2"/>
+          <p:cNvSpPr/>
+          <p:nvPr/>
+        </p:nvSpPr>
+        <p:spPr>
+          <a:xfrm>
+            <a:off x="8077200" y="899434"/>
+            <a:ext cx="3657600" cy="873594"/>
+          </a:xfrm>
+          <a:prstGeom prst="wedgeRectCallout">
+            <a:avLst>
+              <a:gd name="adj1" fmla="val -77748"/>
+              <a:gd name="adj2" fmla="val 37260"/>
+            </a:avLst>
+          </a:prstGeom>
+          <a:solidFill>
+            <a:srgbClr val="FFC000"/>
+          </a:solidFill>
+        </p:spPr>
+        <p:style>
+          <a:lnRef idx="2">
+            <a:schemeClr val="accent1">
+              <a:shade val="50000"/>
+            </a:schemeClr>
+          </a:lnRef>
+          <a:fillRef idx="1">
+            <a:schemeClr val="accent1"/>
+          </a:fillRef>
+          <a:effectRef idx="0">
+            <a:schemeClr val="accent1"/>
+          </a:effectRef>
+          <a:fontRef idx="minor">
+            <a:schemeClr val="lt1"/>
+          </a:fontRef>
+        </p:style>
+        <p:txBody>
+          <a:bodyPr rtlCol="0" anchor="ctr"/>
+          <a:lstStyle/>
+          <a:p>
+            <a:pPr algn="ctr"/>
+            <a:r>
+              <a:rPr lang="en-US" sz="3600" dirty="0">
+                <a:solidFill>
+                  <a:sysClr val="windowText" lastClr="000000"/>
+                </a:solidFill>
+              </a:rPr>
+              <a:t>Farshad to expand on these thoughts</a:t>
+            </a:r>
+          </a:p>
+        </p:txBody>
+      </p:sp>
+      <p:sp>
+        <p:nvSpPr>
+          <p:cNvPr id="4" name="TextBox 3"/>
+          <p:cNvSpPr txBox="1"/>
+          <p:nvPr/>
+        </p:nvSpPr>
+        <p:spPr>
+          <a:xfrm>
+            <a:off x="1219200" y="1773028"/>
+            <a:ext cx="9936480" cy="3416320"/>
+          </a:xfrm>
+          <a:prstGeom prst="rect">
+            <a:avLst/>
+          </a:prstGeom>
+          <a:noFill/>
+        </p:spPr>
+        <p:txBody>
+          <a:bodyPr wrap="square" rtlCol="0">
+            <a:spAutoFit/>
+          </a:bodyPr>
+          <a:lstStyle/>
+          <a:p>
+            <a:r>
+              <a:rPr lang="en-US" dirty="0"/>
+              <a:t>Random Forest</a:t>
+            </a:r>
+          </a:p>
+          <a:p>
+            <a:r>
+              <a:rPr lang="en-US" dirty="0"/>
+              <a:t>Logistic Regression</a:t>
+            </a:r>
+          </a:p>
+          <a:p>
+            <a:r>
+              <a:rPr lang="en-US" dirty="0"/>
+              <a:t>Logistic Regression with Regularization</a:t>
+            </a:r>
+          </a:p>
+          <a:p>
+            <a:r>
+              <a:rPr lang="en-US" dirty="0"/>
+              <a:t>CART</a:t>
+            </a:r>
+          </a:p>
+          <a:p>
+            <a:r>
+              <a:rPr lang="en-US" dirty="0"/>
+              <a:t>Support Vector Machine</a:t>
+            </a:r>
+          </a:p>
+          <a:p>
+            <a:pPr marL="285750" indent="-285750">
+              <a:buFont typeface="Arial" panose="020B0604020202020204" pitchFamily="34" charset="0"/>
+              <a:buChar char="•"/>
+            </a:pPr>
+            <a:r>
+              <a:rPr lang="en-US" dirty="0"/>
+              <a:t>Linear Kernel</a:t>
+            </a:r>
+          </a:p>
+          <a:p>
+            <a:pPr marL="285750" indent="-285750">
+              <a:buFont typeface="Arial" panose="020B0604020202020204" pitchFamily="34" charset="0"/>
+              <a:buChar char="•"/>
+            </a:pPr>
+            <a:r>
+              <a:rPr lang="en-US" dirty="0"/>
+              <a:t>Radial Kernel</a:t>
+            </a:r>
+          </a:p>
+          <a:p>
+            <a:pPr marL="285750" indent="-285750">
+              <a:buFont typeface="Arial" panose="020B0604020202020204" pitchFamily="34" charset="0"/>
+              <a:buChar char="•"/>
+            </a:pPr>
+            <a:endParaRPr lang="en-US" dirty="0"/>
+          </a:p>
+          <a:p>
+            <a:r>
+              <a:rPr lang="en-US" dirty="0"/>
+              <a:t>Accuracy for each model</a:t>
+            </a:r>
+          </a:p>
+          <a:p>
+            <a:r>
+              <a:rPr lang="en-US" dirty="0"/>
+              <a:t>Cross validation visuals for RF, Logistic regression regularization, CART, and SVM</a:t>
+            </a:r>
+          </a:p>
+          <a:p>
+            <a:r>
+              <a:rPr lang="en-US" dirty="0"/>
+              <a:t>ROC curve for all models except SVM</a:t>
+            </a:r>
+          </a:p>
+          <a:p>
+            <a:endParaRPr lang="en-US" dirty="0"/>
           </a:p>
         </p:txBody>
       </p:sp>
     </p:spTree>
     <p:extLst>
       <p:ext uri="{BB962C8B-B14F-4D97-AF65-F5344CB8AC3E}">
-        <p14:creationId xmlns:p14="http://schemas.microsoft.com/office/powerpoint/2010/main" val="28387496"/>
+        <p14:creationId xmlns:p14="http://schemas.microsoft.com/office/powerpoint/2010/main" val="1864551520"/>
       </p:ext>
     </p:extLst>
   </p:cSld>
@@ -5841,7 +6065,7 @@
           <a:p>
             <a:r>
               <a:rPr lang="en-US" dirty="0"/>
-              <a:t>Results </a:t>
+              <a:t>Method Overview </a:t>
             </a:r>
             <a:r>
               <a:rPr lang="mr-IN" dirty="0"/>
@@ -5851,13 +6075,17 @@
               <a:rPr lang="en-US" dirty="0"/>
               <a:t> Simulation</a:t>
             </a:r>
+            <a:br>
+              <a:rPr lang="en-US" dirty="0"/>
+            </a:br>
+            <a:endParaRPr lang="en-US" dirty="0"/>
           </a:p>
         </p:txBody>
       </p:sp>
     </p:spTree>
     <p:extLst>
       <p:ext uri="{BB962C8B-B14F-4D97-AF65-F5344CB8AC3E}">
-        <p14:creationId xmlns:p14="http://schemas.microsoft.com/office/powerpoint/2010/main" val="1805777577"/>
+        <p14:creationId xmlns:p14="http://schemas.microsoft.com/office/powerpoint/2010/main" val="1614750611"/>
       </p:ext>
     </p:extLst>
   </p:cSld>
